--- a/docs/JMH_Slides.pptx
+++ b/docs/JMH_Slides.pptx
@@ -14497,7 +14497,15 @@
             </a:r>
             <a:r>
               <a:rPr lang="en-US" sz="2200" i="1" dirty="0"/>
-              <a:t>JMH has been around since 2003.</a:t>
+              <a:t>JMH has been around </a:t>
+            </a:r>
+            <a:r>
+              <a:rPr lang="en-US" sz="2200" i="1"/>
+              <a:t>since 2013</a:t>
+            </a:r>
+            <a:r>
+              <a:rPr lang="en-US" sz="2200" i="1" dirty="0"/>
+              <a:t>.</a:t>
             </a:r>
             <a:endParaRPr lang="en-CA" sz="2200" i="1" dirty="0"/>
           </a:p>

--- a/docs/JMH_Slides.pptx
+++ b/docs/JMH_Slides.pptx
@@ -9483,7 +9483,7 @@
           <a:p>
             <a:fld id="{A1F43688-356A-414E-ADA9-B0FD2D279C04}" type="datetimeFigureOut">
               <a:rPr lang="en-CA" smtClean="0"/>
-              <a:t>2024-08-30</a:t>
+              <a:t>2024-09-04</a:t>
             </a:fld>
             <a:endParaRPr lang="en-CA"/>
           </a:p>
@@ -10075,7 +10075,7 @@
           <a:p>
             <a:fld id="{65B910DF-B555-4D30-B35E-2297D59E32D0}" type="datetime1">
               <a:rPr lang="en-US" smtClean="0"/>
-              <a:t>8/30/2024</a:t>
+              <a:t>9/4/2024</a:t>
             </a:fld>
             <a:endParaRPr lang="en-US" dirty="0"/>
           </a:p>
@@ -10278,7 +10278,7 @@
           <a:p>
             <a:fld id="{29D1D79F-E600-4AC1-A639-0B9FB8286C38}" type="datetime1">
               <a:rPr lang="en-US" smtClean="0"/>
-              <a:t>8/30/2024</a:t>
+              <a:t>9/4/2024</a:t>
             </a:fld>
             <a:endParaRPr lang="en-US" dirty="0"/>
           </a:p>
@@ -10491,7 +10491,7 @@
           <a:p>
             <a:fld id="{390F5D60-A842-4D08-9D7D-A7A57AB501A2}" type="datetime1">
               <a:rPr lang="en-US" smtClean="0"/>
-              <a:t>8/30/2024</a:t>
+              <a:t>9/4/2024</a:t>
             </a:fld>
             <a:endParaRPr lang="en-US" dirty="0"/>
           </a:p>
@@ -10706,7 +10706,7 @@
           <a:p>
             <a:fld id="{0DF2F1F9-9322-493A-A9EE-BB75692CE5F5}" type="datetime1">
               <a:rPr lang="en-US" smtClean="0"/>
-              <a:t>8/30/2024</a:t>
+              <a:t>9/4/2024</a:t>
             </a:fld>
             <a:endParaRPr lang="en-US" dirty="0"/>
           </a:p>
@@ -10986,7 +10986,7 @@
           <a:p>
             <a:fld id="{7858DE51-4D5E-4D23-8181-86A5B05D5351}" type="datetime1">
               <a:rPr lang="en-US" smtClean="0"/>
-              <a:t>8/30/2024</a:t>
+              <a:t>9/4/2024</a:t>
             </a:fld>
             <a:endParaRPr lang="en-US" dirty="0"/>
           </a:p>
@@ -11256,7 +11256,7 @@
           <a:p>
             <a:fld id="{9C399FCA-87F3-427A-B1A2-15346103C68A}" type="datetime1">
               <a:rPr lang="en-US" smtClean="0"/>
-              <a:t>8/30/2024</a:t>
+              <a:t>9/4/2024</a:t>
             </a:fld>
             <a:endParaRPr lang="en-US" dirty="0"/>
           </a:p>
@@ -11673,7 +11673,7 @@
           <a:p>
             <a:fld id="{693DF709-7E2D-49E6-A629-D8E3363D194F}" type="datetime1">
               <a:rPr lang="en-US" smtClean="0"/>
-              <a:t>8/30/2024</a:t>
+              <a:t>9/4/2024</a:t>
             </a:fld>
             <a:endParaRPr lang="en-US" dirty="0"/>
           </a:p>
@@ -11819,7 +11819,7 @@
           <a:p>
             <a:fld id="{85D0A921-9375-4BAA-A7C2-7975528669FA}" type="datetime1">
               <a:rPr lang="en-US" smtClean="0"/>
-              <a:t>8/30/2024</a:t>
+              <a:t>9/4/2024</a:t>
             </a:fld>
             <a:endParaRPr lang="en-US" dirty="0"/>
           </a:p>
@@ -11937,7 +11937,7 @@
           <a:p>
             <a:fld id="{A5D25425-F285-48AE-A409-A618E3EEA628}" type="datetime1">
               <a:rPr lang="en-US" smtClean="0"/>
-              <a:t>8/30/2024</a:t>
+              <a:t>9/4/2024</a:t>
             </a:fld>
             <a:endParaRPr lang="en-US" dirty="0"/>
           </a:p>
@@ -12253,7 +12253,7 @@
           <a:p>
             <a:fld id="{EB56A94D-7D6A-4378-93F6-A3A33186E34B}" type="datetime1">
               <a:rPr lang="en-US" smtClean="0"/>
-              <a:t>8/30/2024</a:t>
+              <a:t>9/4/2024</a:t>
             </a:fld>
             <a:endParaRPr lang="en-US" dirty="0"/>
           </a:p>
@@ -12549,7 +12549,7 @@
           <a:p>
             <a:fld id="{285FC0F9-687B-4417-9D77-CE2D7AD8C321}" type="datetime1">
               <a:rPr lang="en-US" smtClean="0"/>
-              <a:t>8/30/2024</a:t>
+              <a:t>9/4/2024</a:t>
             </a:fld>
             <a:endParaRPr lang="en-US" dirty="0"/>
           </a:p>
@@ -13586,7 +13586,7 @@
           <a:p>
             <a:fld id="{B32DFD30-2122-4F4A-97B4-D0A849E36C5F}" type="datetime1">
               <a:rPr lang="en-US" smtClean="0"/>
-              <a:t>8/30/2024</a:t>
+              <a:t>9/4/2024</a:t>
             </a:fld>
             <a:endParaRPr lang="en-US" dirty="0"/>
           </a:p>
@@ -19425,10 +19425,16 @@
           </a:p>
           <a:p>
             <a:r>
+              <a:rPr lang="en-CA">
+                <a:hlinkClick r:id="rId4"/>
+              </a:rPr>
+              <a:t>https</a:t>
+            </a:r>
+            <a:r>
               <a:rPr lang="en-CA" dirty="0">
                 <a:hlinkClick r:id="rId4"/>
               </a:rPr>
-              <a:t>https://github.com/omniprof/JMH_TestBed</a:t>
+              <a:t>://github.com/omniprof/StringConcatenation_JMH</a:t>
             </a:r>
             <a:endParaRPr lang="en-CA" dirty="0"/>
           </a:p>
@@ -19436,15 +19442,6 @@
             <a:r>
               <a:rPr lang="en-CA" dirty="0">
                 <a:hlinkClick r:id="rId5"/>
-              </a:rPr>
-              <a:t>https://github.com/omniprof/StringConcatenation_JMH</a:t>
-            </a:r>
-            <a:endParaRPr lang="en-CA" dirty="0"/>
-          </a:p>
-          <a:p>
-            <a:r>
-              <a:rPr lang="en-CA" dirty="0">
-                <a:hlinkClick r:id="rId6"/>
               </a:rPr>
               <a:t>https://github.com/openjdk/jmh</a:t>
             </a:r>

--- a/docs/JMH_Slides.pptx
+++ b/docs/JMH_Slides.pptx
@@ -19425,16 +19425,10 @@
           </a:p>
           <a:p>
             <a:r>
-              <a:rPr lang="en-CA">
-                <a:hlinkClick r:id="rId4"/>
-              </a:rPr>
-              <a:t>https</a:t>
-            </a:r>
-            <a:r>
               <a:rPr lang="en-CA" dirty="0">
                 <a:hlinkClick r:id="rId4"/>
               </a:rPr>
-              <a:t>://github.com/omniprof/StringConcatenation_JMH</a:t>
+              <a:t>https://github.com/omniprof/StringConcatenation_JMH</a:t>
             </a:r>
             <a:endParaRPr lang="en-CA" dirty="0"/>
           </a:p>
@@ -19442,6 +19436,24 @@
             <a:r>
               <a:rPr lang="en-CA" dirty="0">
                 <a:hlinkClick r:id="rId5"/>
+              </a:rPr>
+              <a:t>https://github.com/omniprof/JMH_State_Demo</a:t>
+            </a:r>
+            <a:endParaRPr lang="en-CA" dirty="0"/>
+          </a:p>
+          <a:p>
+            <a:endParaRPr lang="en-CA" dirty="0"/>
+          </a:p>
+          <a:p>
+            <a:r>
+              <a:rPr lang="en-CA" dirty="0"/>
+              <a:t>The JMH Repo</a:t>
+            </a:r>
+          </a:p>
+          <a:p>
+            <a:r>
+              <a:rPr lang="en-CA" dirty="0">
+                <a:hlinkClick r:id="rId6"/>
               </a:rPr>
               <a:t>https://github.com/openjdk/jmh</a:t>
             </a:r>

--- a/docs/JMH_Slides.pptx
+++ b/docs/JMH_Slides.pptx
@@ -5,7 +5,7 @@
     <p:sldMasterId id="2147483660" r:id="rId1"/>
   </p:sldMasterIdLst>
   <p:notesMasterIdLst>
-    <p:notesMasterId r:id="rId29"/>
+    <p:notesMasterId r:id="rId30"/>
   </p:notesMasterIdLst>
   <p:sldIdLst>
     <p:sldId id="256" r:id="rId2"/>
@@ -33,8 +33,9 @@
     <p:sldId id="306" r:id="rId24"/>
     <p:sldId id="309" r:id="rId25"/>
     <p:sldId id="316" r:id="rId26"/>
-    <p:sldId id="259" r:id="rId27"/>
-    <p:sldId id="310" r:id="rId28"/>
+    <p:sldId id="317" r:id="rId27"/>
+    <p:sldId id="259" r:id="rId28"/>
+    <p:sldId id="310" r:id="rId29"/>
   </p:sldIdLst>
   <p:sldSz cx="12192000" cy="6858000"/>
   <p:notesSz cx="6858000" cy="9144000"/>
@@ -19159,6 +19160,586 @@
 <file path=ppt/slides/slide26.xml><?xml version="1.0" encoding="utf-8"?>
 <p:sld xmlns:a="http://schemas.openxmlformats.org/drawingml/2006/main" xmlns:r="http://schemas.openxmlformats.org/officeDocument/2006/relationships" xmlns:p="http://schemas.openxmlformats.org/presentationml/2006/main">
   <p:cSld>
+    <p:bg>
+      <p:bgPr>
+        <a:solidFill>
+          <a:schemeClr val="bg1"/>
+        </a:solidFill>
+        <a:effectLst/>
+      </p:bgPr>
+    </p:bg>
+    <p:spTree>
+      <p:nvGrpSpPr>
+        <p:cNvPr id="1" name=""/>
+        <p:cNvGrpSpPr/>
+        <p:nvPr/>
+      </p:nvGrpSpPr>
+      <p:grpSpPr>
+        <a:xfrm>
+          <a:off x="0" y="0"/>
+          <a:ext cx="0" cy="0"/>
+          <a:chOff x="0" y="0"/>
+          <a:chExt cx="0" cy="0"/>
+        </a:xfrm>
+      </p:grpSpPr>
+      <p:sp useBgFill="1">
+        <p:nvSpPr>
+          <p:cNvPr id="10" name="Rectangle 9">
+            <a:extLst>
+              <a:ext uri="{FF2B5EF4-FFF2-40B4-BE49-F238E27FC236}">
+                <a16:creationId xmlns:a16="http://schemas.microsoft.com/office/drawing/2014/main" id="{25AD4A59-91FA-4E30-8F32-A8AB51F768C6}"/>
+              </a:ext>
+              <a:ext uri="{C183D7F6-B498-43B3-948B-1728B52AA6E4}">
+                <adec:decorative xmlns:adec="http://schemas.microsoft.com/office/drawing/2017/decorative" val="1"/>
+              </a:ext>
+            </a:extLst>
+          </p:cNvPr>
+          <p:cNvSpPr>
+            <a:spLocks noGrp="1" noRot="1" noChangeAspect="1" noMove="1" noResize="1" noEditPoints="1" noAdjustHandles="1" noChangeArrowheads="1" noChangeShapeType="1" noTextEdit="1"/>
+          </p:cNvSpPr>
+          <p:nvPr>
+            <p:extLst>
+              <p:ext uri="{386F3935-93C4-4BCD-93E2-E3B085C9AB24}">
+                <p16:designElem xmlns:p16="http://schemas.microsoft.com/office/powerpoint/2015/main" val="1"/>
+              </p:ext>
+            </p:extLst>
+          </p:nvPr>
+        </p:nvSpPr>
+        <p:spPr>
+          <a:xfrm>
+            <a:off x="0" y="0"/>
+            <a:ext cx="12192000" cy="6858000"/>
+          </a:xfrm>
+          <a:prstGeom prst="rect">
+            <a:avLst/>
+          </a:prstGeom>
+          <a:ln w="3848" cap="flat">
+            <a:noFill/>
+            <a:prstDash val="solid"/>
+            <a:miter/>
+          </a:ln>
+          <a:effectLst/>
+        </p:spPr>
+        <p:txBody>
+          <a:bodyPr rtlCol="0" anchor="ctr"/>
+          <a:lstStyle/>
+          <a:p>
+            <a:endParaRPr lang="en-US" dirty="0">
+              <a:solidFill>
+                <a:schemeClr val="tx1"/>
+              </a:solidFill>
+            </a:endParaRPr>
+          </a:p>
+        </p:txBody>
+      </p:sp>
+      <p:sp>
+        <p:nvSpPr>
+          <p:cNvPr id="12" name="Rectangle 11">
+            <a:extLst>
+              <a:ext uri="{FF2B5EF4-FFF2-40B4-BE49-F238E27FC236}">
+                <a16:creationId xmlns:a16="http://schemas.microsoft.com/office/drawing/2014/main" id="{CBF27B2E-4DE7-47FD-8277-1C6703DB207C}"/>
+              </a:ext>
+              <a:ext uri="{C183D7F6-B498-43B3-948B-1728B52AA6E4}">
+                <adec:decorative xmlns:adec="http://schemas.microsoft.com/office/drawing/2017/decorative" val="1"/>
+              </a:ext>
+            </a:extLst>
+          </p:cNvPr>
+          <p:cNvSpPr>
+            <a:spLocks noGrp="1" noRot="1" noChangeAspect="1" noMove="1" noResize="1" noEditPoints="1" noAdjustHandles="1" noChangeArrowheads="1" noChangeShapeType="1" noTextEdit="1"/>
+          </p:cNvSpPr>
+          <p:nvPr>
+            <p:extLst>
+              <p:ext uri="{386F3935-93C4-4BCD-93E2-E3B085C9AB24}">
+                <p16:designElem xmlns:p16="http://schemas.microsoft.com/office/powerpoint/2015/main" val="1"/>
+              </p:ext>
+            </p:extLst>
+          </p:nvPr>
+        </p:nvSpPr>
+        <p:spPr>
+          <a:xfrm>
+            <a:off x="0" y="0"/>
+            <a:ext cx="12192000" cy="6858000"/>
+          </a:xfrm>
+          <a:prstGeom prst="rect">
+            <a:avLst/>
+          </a:prstGeom>
+          <a:solidFill>
+            <a:srgbClr val="FFFFFF">
+              <a:alpha val="10000"/>
+            </a:srgbClr>
+          </a:solidFill>
+          <a:ln w="3848" cap="flat">
+            <a:noFill/>
+            <a:prstDash val="solid"/>
+            <a:miter/>
+          </a:ln>
+          <a:effectLst/>
+        </p:spPr>
+        <p:txBody>
+          <a:bodyPr rtlCol="0" anchor="ctr"/>
+          <a:lstStyle/>
+          <a:p>
+            <a:endParaRPr lang="en-US" dirty="0">
+              <a:solidFill>
+                <a:schemeClr val="tx1"/>
+              </a:solidFill>
+            </a:endParaRPr>
+          </a:p>
+        </p:txBody>
+      </p:sp>
+      <p:grpSp>
+        <p:nvGrpSpPr>
+          <p:cNvPr id="14" name="Group 13">
+            <a:extLst>
+              <a:ext uri="{FF2B5EF4-FFF2-40B4-BE49-F238E27FC236}">
+                <a16:creationId xmlns:a16="http://schemas.microsoft.com/office/drawing/2014/main" id="{30E84C15-9243-4CCA-86B8-7A13EE2808AE}"/>
+              </a:ext>
+              <a:ext uri="{C183D7F6-B498-43B3-948B-1728B52AA6E4}">
+                <adec:decorative xmlns:adec="http://schemas.microsoft.com/office/drawing/2017/decorative" val="1"/>
+              </a:ext>
+            </a:extLst>
+          </p:cNvPr>
+          <p:cNvGrpSpPr>
+            <a:grpSpLocks noGrp="1" noUngrp="1" noRot="1" noChangeAspect="1" noMove="1" noResize="1"/>
+          </p:cNvGrpSpPr>
+          <p:nvPr>
+            <p:extLst>
+              <p:ext uri="{386F3935-93C4-4BCD-93E2-E3B085C9AB24}">
+                <p16:designElem xmlns:p16="http://schemas.microsoft.com/office/powerpoint/2015/main" val="1"/>
+              </p:ext>
+            </p:extLst>
+          </p:nvPr>
+        </p:nvGrpSpPr>
+        <p:grpSpPr>
+          <a:xfrm>
+            <a:off x="195308" y="128465"/>
+            <a:ext cx="1888871" cy="1471725"/>
+            <a:chOff x="195308" y="128465"/>
+            <a:chExt cx="1888871" cy="1471725"/>
+          </a:xfrm>
+        </p:grpSpPr>
+        <p:sp useBgFill="1">
+          <p:nvSpPr>
+            <p:cNvPr id="15" name="Graphic 10">
+              <a:extLst>
+                <a:ext uri="{FF2B5EF4-FFF2-40B4-BE49-F238E27FC236}">
+                  <a16:creationId xmlns:a16="http://schemas.microsoft.com/office/drawing/2014/main" id="{E014A4E0-2539-4DA0-A0B5-71589847425C}"/>
+                </a:ext>
+                <a:ext uri="{C183D7F6-B498-43B3-948B-1728B52AA6E4}">
+                  <adec:decorative xmlns:adec="http://schemas.microsoft.com/office/drawing/2017/decorative" val="1"/>
+                </a:ext>
+              </a:extLst>
+            </p:cNvPr>
+            <p:cNvSpPr/>
+            <p:nvPr>
+              <p:extLst>
+                <p:ext uri="{386F3935-93C4-4BCD-93E2-E3B085C9AB24}">
+                  <p16:designElem xmlns:p16="http://schemas.microsoft.com/office/powerpoint/2015/main" val="1"/>
+                </p:ext>
+              </p:extLst>
+            </p:nvPr>
+          </p:nvSpPr>
+          <p:spPr>
+            <a:xfrm rot="2700000">
+              <a:off x="354841" y="128465"/>
+              <a:ext cx="966722" cy="966722"/>
+            </a:xfrm>
+            <a:custGeom>
+              <a:avLst/>
+              <a:gdLst>
+                <a:gd name="connsiteX0" fmla="*/ 4053340 w 6859500"/>
+                <a:gd name="connsiteY0" fmla="*/ 6235893 h 6859500"/>
+                <a:gd name="connsiteX1" fmla="*/ 4053340 w 6859500"/>
+                <a:gd name="connsiteY1" fmla="*/ 4053340 h 6859500"/>
+                <a:gd name="connsiteX2" fmla="*/ 6235893 w 6859500"/>
+                <a:gd name="connsiteY2" fmla="*/ 4053340 h 6859500"/>
+                <a:gd name="connsiteX3" fmla="*/ 6859501 w 6859500"/>
+                <a:gd name="connsiteY3" fmla="*/ 3429731 h 6859500"/>
+                <a:gd name="connsiteX4" fmla="*/ 6235893 w 6859500"/>
+                <a:gd name="connsiteY4" fmla="*/ 2806123 h 6859500"/>
+                <a:gd name="connsiteX5" fmla="*/ 4053340 w 6859500"/>
+                <a:gd name="connsiteY5" fmla="*/ 2806123 h 6859500"/>
+                <a:gd name="connsiteX6" fmla="*/ 4053340 w 6859500"/>
+                <a:gd name="connsiteY6" fmla="*/ 623608 h 6859500"/>
+                <a:gd name="connsiteX7" fmla="*/ 3429731 w 6859500"/>
+                <a:gd name="connsiteY7" fmla="*/ 0 h 6859500"/>
+                <a:gd name="connsiteX8" fmla="*/ 2806123 w 6859500"/>
+                <a:gd name="connsiteY8" fmla="*/ 623608 h 6859500"/>
+                <a:gd name="connsiteX9" fmla="*/ 2806123 w 6859500"/>
+                <a:gd name="connsiteY9" fmla="*/ 2806161 h 6859500"/>
+                <a:gd name="connsiteX10" fmla="*/ 623608 w 6859500"/>
+                <a:gd name="connsiteY10" fmla="*/ 2806161 h 6859500"/>
+                <a:gd name="connsiteX11" fmla="*/ 0 w 6859500"/>
+                <a:gd name="connsiteY11" fmla="*/ 3429731 h 6859500"/>
+                <a:gd name="connsiteX12" fmla="*/ 623608 w 6859500"/>
+                <a:gd name="connsiteY12" fmla="*/ 4053340 h 6859500"/>
+                <a:gd name="connsiteX13" fmla="*/ 2806161 w 6859500"/>
+                <a:gd name="connsiteY13" fmla="*/ 4053340 h 6859500"/>
+                <a:gd name="connsiteX14" fmla="*/ 2806161 w 6859500"/>
+                <a:gd name="connsiteY14" fmla="*/ 6235893 h 6859500"/>
+                <a:gd name="connsiteX15" fmla="*/ 3429770 w 6859500"/>
+                <a:gd name="connsiteY15" fmla="*/ 6859501 h 6859500"/>
+                <a:gd name="connsiteX16" fmla="*/ 4053340 w 6859500"/>
+                <a:gd name="connsiteY16" fmla="*/ 6235893 h 6859500"/>
+              </a:gdLst>
+              <a:ahLst/>
+              <a:cxnLst>
+                <a:cxn ang="0">
+                  <a:pos x="connsiteX0" y="connsiteY0"/>
+                </a:cxn>
+                <a:cxn ang="0">
+                  <a:pos x="connsiteX1" y="connsiteY1"/>
+                </a:cxn>
+                <a:cxn ang="0">
+                  <a:pos x="connsiteX2" y="connsiteY2"/>
+                </a:cxn>
+                <a:cxn ang="0">
+                  <a:pos x="connsiteX3" y="connsiteY3"/>
+                </a:cxn>
+                <a:cxn ang="0">
+                  <a:pos x="connsiteX4" y="connsiteY4"/>
+                </a:cxn>
+                <a:cxn ang="0">
+                  <a:pos x="connsiteX5" y="connsiteY5"/>
+                </a:cxn>
+                <a:cxn ang="0">
+                  <a:pos x="connsiteX6" y="connsiteY6"/>
+                </a:cxn>
+                <a:cxn ang="0">
+                  <a:pos x="connsiteX7" y="connsiteY7"/>
+                </a:cxn>
+                <a:cxn ang="0">
+                  <a:pos x="connsiteX8" y="connsiteY8"/>
+                </a:cxn>
+                <a:cxn ang="0">
+                  <a:pos x="connsiteX9" y="connsiteY9"/>
+                </a:cxn>
+                <a:cxn ang="0">
+                  <a:pos x="connsiteX10" y="connsiteY10"/>
+                </a:cxn>
+                <a:cxn ang="0">
+                  <a:pos x="connsiteX11" y="connsiteY11"/>
+                </a:cxn>
+                <a:cxn ang="0">
+                  <a:pos x="connsiteX12" y="connsiteY12"/>
+                </a:cxn>
+                <a:cxn ang="0">
+                  <a:pos x="connsiteX13" y="connsiteY13"/>
+                </a:cxn>
+                <a:cxn ang="0">
+                  <a:pos x="connsiteX14" y="connsiteY14"/>
+                </a:cxn>
+                <a:cxn ang="0">
+                  <a:pos x="connsiteX15" y="connsiteY15"/>
+                </a:cxn>
+                <a:cxn ang="0">
+                  <a:pos x="connsiteX16" y="connsiteY16"/>
+                </a:cxn>
+              </a:cxnLst>
+              <a:rect l="l" t="t" r="r" b="b"/>
+              <a:pathLst>
+                <a:path w="6859500" h="6859500">
+                  <a:moveTo>
+                    <a:pt x="4053340" y="6235893"/>
+                  </a:moveTo>
+                  <a:lnTo>
+                    <a:pt x="4053340" y="4053340"/>
+                  </a:lnTo>
+                  <a:lnTo>
+                    <a:pt x="6235893" y="4053340"/>
+                  </a:lnTo>
+                  <a:cubicBezTo>
+                    <a:pt x="6580293" y="4053340"/>
+                    <a:pt x="6859501" y="3774132"/>
+                    <a:pt x="6859501" y="3429731"/>
+                  </a:cubicBezTo>
+                  <a:cubicBezTo>
+                    <a:pt x="6859501" y="3085330"/>
+                    <a:pt x="6580332" y="2806123"/>
+                    <a:pt x="6235893" y="2806123"/>
+                  </a:cubicBezTo>
+                  <a:lnTo>
+                    <a:pt x="4053340" y="2806123"/>
+                  </a:lnTo>
+                  <a:lnTo>
+                    <a:pt x="4053340" y="623608"/>
+                  </a:lnTo>
+                  <a:cubicBezTo>
+                    <a:pt x="4053340" y="279208"/>
+                    <a:pt x="3774171" y="0"/>
+                    <a:pt x="3429731" y="0"/>
+                  </a:cubicBezTo>
+                  <a:cubicBezTo>
+                    <a:pt x="3085330" y="0"/>
+                    <a:pt x="2806123" y="279208"/>
+                    <a:pt x="2806123" y="623608"/>
+                  </a:cubicBezTo>
+                  <a:lnTo>
+                    <a:pt x="2806123" y="2806161"/>
+                  </a:lnTo>
+                  <a:lnTo>
+                    <a:pt x="623608" y="2806161"/>
+                  </a:lnTo>
+                  <a:cubicBezTo>
+                    <a:pt x="279208" y="2806161"/>
+                    <a:pt x="0" y="3085369"/>
+                    <a:pt x="0" y="3429731"/>
+                  </a:cubicBezTo>
+                  <a:cubicBezTo>
+                    <a:pt x="0" y="3774132"/>
+                    <a:pt x="279208" y="4053340"/>
+                    <a:pt x="623608" y="4053340"/>
+                  </a:cubicBezTo>
+                  <a:lnTo>
+                    <a:pt x="2806161" y="4053340"/>
+                  </a:lnTo>
+                  <a:lnTo>
+                    <a:pt x="2806161" y="6235893"/>
+                  </a:lnTo>
+                  <a:cubicBezTo>
+                    <a:pt x="2806161" y="6580293"/>
+                    <a:pt x="3085369" y="6859501"/>
+                    <a:pt x="3429770" y="6859501"/>
+                  </a:cubicBezTo>
+                  <a:cubicBezTo>
+                    <a:pt x="3774171" y="6859501"/>
+                    <a:pt x="4053340" y="6580293"/>
+                    <a:pt x="4053340" y="6235893"/>
+                  </a:cubicBezTo>
+                  <a:close/>
+                </a:path>
+              </a:pathLst>
+            </a:custGeom>
+            <a:ln w="3848" cap="flat">
+              <a:noFill/>
+              <a:prstDash val="solid"/>
+              <a:miter/>
+            </a:ln>
+            <a:effectLst>
+              <a:glow rad="152400">
+                <a:srgbClr val="000000">
+                  <a:alpha val="4000"/>
+                </a:srgbClr>
+              </a:glow>
+              <a:outerShdw blurRad="101600" dist="38100" dir="16200000" rotWithShape="0">
+                <a:srgbClr val="000000">
+                  <a:alpha val="5000"/>
+                </a:srgbClr>
+              </a:outerShdw>
+            </a:effectLst>
+          </p:spPr>
+          <p:txBody>
+            <a:bodyPr rtlCol="0" anchor="ctr"/>
+            <a:lstStyle/>
+            <a:p>
+              <a:endParaRPr lang="en-US"/>
+            </a:p>
+          </p:txBody>
+        </p:sp>
+        <p:sp useBgFill="1">
+          <p:nvSpPr>
+            <p:cNvPr id="16" name="Oval 15">
+              <a:extLst>
+                <a:ext uri="{FF2B5EF4-FFF2-40B4-BE49-F238E27FC236}">
+                  <a16:creationId xmlns:a16="http://schemas.microsoft.com/office/drawing/2014/main" id="{6A55503D-2920-4B77-A454-8FEA3378BAC1}"/>
+                </a:ext>
+                <a:ext uri="{C183D7F6-B498-43B3-948B-1728B52AA6E4}">
+                  <adec:decorative xmlns:adec="http://schemas.microsoft.com/office/drawing/2017/decorative" val="1"/>
+                </a:ext>
+              </a:extLst>
+            </p:cNvPr>
+            <p:cNvSpPr/>
+            <p:nvPr>
+              <p:extLst>
+                <p:ext uri="{386F3935-93C4-4BCD-93E2-E3B085C9AB24}">
+                  <p16:designElem xmlns:p16="http://schemas.microsoft.com/office/powerpoint/2015/main" val="1"/>
+                </p:ext>
+              </p:extLst>
+            </p:nvPr>
+          </p:nvSpPr>
+          <p:spPr>
+            <a:xfrm rot="10800000">
+              <a:off x="195308" y="1338299"/>
+              <a:ext cx="261891" cy="261891"/>
+            </a:xfrm>
+            <a:prstGeom prst="ellipse">
+              <a:avLst/>
+            </a:prstGeom>
+            <a:ln w="3848" cap="flat">
+              <a:noFill/>
+              <a:prstDash val="solid"/>
+              <a:miter/>
+            </a:ln>
+            <a:effectLst>
+              <a:glow rad="152400">
+                <a:srgbClr val="000000">
+                  <a:alpha val="4000"/>
+                </a:srgbClr>
+              </a:glow>
+              <a:outerShdw blurRad="101600" dist="38100" dir="16200000" rotWithShape="0">
+                <a:srgbClr val="000000">
+                  <a:alpha val="5000"/>
+                </a:srgbClr>
+              </a:outerShdw>
+            </a:effectLst>
+          </p:spPr>
+          <p:txBody>
+            <a:bodyPr rtlCol="0" anchor="ctr"/>
+            <a:lstStyle/>
+            <a:p>
+              <a:endParaRPr lang="en-US" dirty="0"/>
+            </a:p>
+          </p:txBody>
+        </p:sp>
+        <p:sp useBgFill="1">
+          <p:nvSpPr>
+            <p:cNvPr id="17" name="Oval 16">
+              <a:extLst>
+                <a:ext uri="{FF2B5EF4-FFF2-40B4-BE49-F238E27FC236}">
+                  <a16:creationId xmlns:a16="http://schemas.microsoft.com/office/drawing/2014/main" id="{E5300822-6CE9-4457-8099-6BF7922A99C6}"/>
+                </a:ext>
+                <a:ext uri="{C183D7F6-B498-43B3-948B-1728B52AA6E4}">
+                  <adec:decorative xmlns:adec="http://schemas.microsoft.com/office/drawing/2017/decorative" val="1"/>
+                </a:ext>
+              </a:extLst>
+            </p:cNvPr>
+            <p:cNvSpPr/>
+            <p:nvPr>
+              <p:extLst>
+                <p:ext uri="{386F3935-93C4-4BCD-93E2-E3B085C9AB24}">
+                  <p16:designElem xmlns:p16="http://schemas.microsoft.com/office/powerpoint/2015/main" val="1"/>
+                </p:ext>
+              </p:extLst>
+            </p:nvPr>
+          </p:nvSpPr>
+          <p:spPr>
+            <a:xfrm rot="10800000">
+              <a:off x="1695456" y="625555"/>
+              <a:ext cx="388723" cy="388723"/>
+            </a:xfrm>
+            <a:prstGeom prst="ellipse">
+              <a:avLst/>
+            </a:prstGeom>
+            <a:ln w="3848" cap="flat">
+              <a:noFill/>
+              <a:prstDash val="solid"/>
+              <a:miter/>
+            </a:ln>
+            <a:effectLst>
+              <a:glow rad="152400">
+                <a:srgbClr val="000000">
+                  <a:alpha val="4000"/>
+                </a:srgbClr>
+              </a:glow>
+              <a:outerShdw blurRad="101600" dist="38100" dir="16200000" rotWithShape="0">
+                <a:srgbClr val="000000">
+                  <a:alpha val="5000"/>
+                </a:srgbClr>
+              </a:outerShdw>
+            </a:effectLst>
+          </p:spPr>
+          <p:txBody>
+            <a:bodyPr rtlCol="0" anchor="ctr"/>
+            <a:lstStyle/>
+            <a:p>
+              <a:endParaRPr lang="en-US"/>
+            </a:p>
+          </p:txBody>
+        </p:sp>
+      </p:grpSp>
+      <p:sp>
+        <p:nvSpPr>
+          <p:cNvPr id="3" name="Content Placeholder 2">
+            <a:extLst>
+              <a:ext uri="{FF2B5EF4-FFF2-40B4-BE49-F238E27FC236}">
+                <a16:creationId xmlns:a16="http://schemas.microsoft.com/office/drawing/2014/main" id="{7A19A715-9402-FABB-5E64-A1608DAA7E41}"/>
+              </a:ext>
+            </a:extLst>
+          </p:cNvPr>
+          <p:cNvSpPr>
+            <a:spLocks noGrp="1"/>
+          </p:cNvSpPr>
+          <p:nvPr>
+            <p:ph idx="1"/>
+          </p:nvPr>
+        </p:nvSpPr>
+        <p:spPr>
+          <a:xfrm>
+            <a:off x="457200" y="551628"/>
+            <a:ext cx="4419594" cy="5749177"/>
+          </a:xfrm>
+        </p:spPr>
+        <p:txBody>
+          <a:bodyPr anchor="t">
+            <a:noAutofit/>
+          </a:bodyPr>
+          <a:lstStyle/>
+          <a:p>
+            <a:r>
+              <a:rPr lang="en-CA" sz="3600" dirty="0"/>
+              <a:t>The QR Code will take you to the Collections Performance V6 GitHub repo</a:t>
+            </a:r>
+          </a:p>
+          <a:p>
+            <a:r>
+              <a:rPr lang="en-CA" sz="3600" dirty="0"/>
+              <a:t>Slides are in this repo.</a:t>
+            </a:r>
+          </a:p>
+        </p:txBody>
+      </p:sp>
+      <p:pic>
+        <p:nvPicPr>
+          <p:cNvPr id="5" name="Picture 4" descr="A qr code with a white background&#10;&#10;Description automatically generated">
+            <a:extLst>
+              <a:ext uri="{FF2B5EF4-FFF2-40B4-BE49-F238E27FC236}">
+                <a16:creationId xmlns:a16="http://schemas.microsoft.com/office/drawing/2014/main" id="{D5925D04-0C03-5624-FEF9-0C00756E21A2}"/>
+              </a:ext>
+            </a:extLst>
+          </p:cNvPr>
+          <p:cNvPicPr>
+            <a:picLocks noChangeAspect="1"/>
+          </p:cNvPicPr>
+          <p:nvPr/>
+        </p:nvPicPr>
+        <p:blipFill>
+          <a:blip r:embed="rId2">
+            <a:extLst>
+              <a:ext uri="{28A0092B-C50C-407E-A947-70E740481C1C}">
+                <a14:useLocalDpi xmlns:a14="http://schemas.microsoft.com/office/drawing/2010/main" val="0"/>
+              </a:ext>
+            </a:extLst>
+          </a:blip>
+          <a:stretch>
+            <a:fillRect/>
+          </a:stretch>
+        </p:blipFill>
+        <p:spPr>
+          <a:xfrm>
+            <a:off x="5609110" y="575423"/>
+            <a:ext cx="5749177" cy="5749177"/>
+          </a:xfrm>
+          <a:prstGeom prst="rect">
+            <a:avLst/>
+          </a:prstGeom>
+        </p:spPr>
+      </p:pic>
+    </p:spTree>
+    <p:extLst>
+      <p:ext uri="{BB962C8B-B14F-4D97-AF65-F5344CB8AC3E}">
+        <p14:creationId xmlns:p14="http://schemas.microsoft.com/office/powerpoint/2010/main" val="3595957120"/>
+      </p:ext>
+    </p:extLst>
+  </p:cSld>
+  <p:clrMapOvr>
+    <a:masterClrMapping/>
+  </p:clrMapOvr>
+</p:sld>
+</file>
+
+<file path=ppt/slides/slide27.xml><?xml version="1.0" encoding="utf-8"?>
+<p:sld xmlns:a="http://schemas.openxmlformats.org/drawingml/2006/main" xmlns:r="http://schemas.openxmlformats.org/officeDocument/2006/relationships" xmlns:p="http://schemas.openxmlformats.org/presentationml/2006/main">
+  <p:cSld>
     <p:spTree>
       <p:nvGrpSpPr>
         <p:cNvPr id="1" name=""/>
@@ -19189,7 +19770,12 @@
             <p:ph type="title"/>
           </p:nvPr>
         </p:nvSpPr>
-        <p:spPr/>
+        <p:spPr>
+          <a:xfrm>
+            <a:off x="838200" y="365125"/>
+            <a:ext cx="10515600" cy="1325563"/>
+          </a:xfrm>
+        </p:spPr>
         <p:txBody>
           <a:bodyPr/>
           <a:lstStyle/>
@@ -19220,109 +19806,216 @@
         </p:nvSpPr>
         <p:spPr>
           <a:xfrm>
-            <a:off x="838200" y="1825624"/>
-            <a:ext cx="10515600" cy="4937125"/>
+            <a:off x="301083" y="1624906"/>
+            <a:ext cx="11890917" cy="4937125"/>
           </a:xfrm>
         </p:spPr>
         <p:txBody>
           <a:bodyPr>
-            <a:normAutofit fontScale="85000" lnSpcReduction="10000"/>
+            <a:noAutofit/>
           </a:bodyPr>
           <a:lstStyle/>
           <a:p>
+            <a:pPr>
+              <a:lnSpc>
+                <a:spcPct val="100000"/>
+              </a:lnSpc>
+              <a:spcBef>
+                <a:spcPts val="0"/>
+              </a:spcBef>
+              <a:spcAft>
+                <a:spcPts val="1000"/>
+              </a:spcAft>
+            </a:pPr>
             <a:r>
-              <a:rPr lang="en-CA" dirty="0">
+              <a:rPr lang="en-CA" sz="2600" dirty="0">
                 <a:hlinkClick r:id="rId2"/>
               </a:rPr>
               <a:t>https://www.geeksforgeeks.org/analysis-algorithms-big-o-analysis/</a:t>
             </a:r>
           </a:p>
           <a:p>
+            <a:pPr>
+              <a:lnSpc>
+                <a:spcPct val="100000"/>
+              </a:lnSpc>
+              <a:spcBef>
+                <a:spcPts val="0"/>
+              </a:spcBef>
+              <a:spcAft>
+                <a:spcPts val="1000"/>
+              </a:spcAft>
+            </a:pPr>
             <a:r>
-              <a:rPr lang="en-CA" dirty="0">
+              <a:rPr lang="en-CA" sz="2600" dirty="0">
                 <a:hlinkClick r:id="rId2"/>
               </a:rPr>
               <a:t>https://www.baeldung.com/java-microbenchmark-harness</a:t>
             </a:r>
-            <a:endParaRPr lang="en-CA" dirty="0"/>
+            <a:endParaRPr lang="en-CA" sz="2600" dirty="0"/>
           </a:p>
           <a:p>
+            <a:pPr>
+              <a:lnSpc>
+                <a:spcPct val="100000"/>
+              </a:lnSpc>
+              <a:spcBef>
+                <a:spcPts val="0"/>
+              </a:spcBef>
+              <a:spcAft>
+                <a:spcPts val="1000"/>
+              </a:spcAft>
+            </a:pPr>
             <a:r>
-              <a:rPr lang="en-CA" dirty="0">
+              <a:rPr lang="en-CA" sz="2600" dirty="0">
                 <a:hlinkClick r:id="rId3"/>
               </a:rPr>
               <a:t>https://javadevcentral.com/measuring-execution-time-the-wrong-way</a:t>
             </a:r>
-            <a:endParaRPr lang="en-CA" dirty="0"/>
+            <a:endParaRPr lang="en-CA" sz="2600" dirty="0"/>
           </a:p>
           <a:p>
+            <a:pPr>
+              <a:lnSpc>
+                <a:spcPct val="100000"/>
+              </a:lnSpc>
+              <a:spcBef>
+                <a:spcPts val="0"/>
+              </a:spcBef>
+              <a:spcAft>
+                <a:spcPts val="1000"/>
+              </a:spcAft>
+            </a:pPr>
             <a:r>
-              <a:rPr lang="en-CA" dirty="0">
+              <a:rPr lang="en-CA" sz="2600" dirty="0">
                 <a:hlinkClick r:id="rId4"/>
               </a:rPr>
               <a:t>https://javadevcentral.com/naive-benchmarking-framework-in-java</a:t>
             </a:r>
-            <a:endParaRPr lang="en-CA" dirty="0"/>
+            <a:endParaRPr lang="en-CA" sz="2600" dirty="0"/>
           </a:p>
           <a:p>
+            <a:pPr>
+              <a:lnSpc>
+                <a:spcPct val="100000"/>
+              </a:lnSpc>
+              <a:spcBef>
+                <a:spcPts val="0"/>
+              </a:spcBef>
+              <a:spcAft>
+                <a:spcPts val="1000"/>
+              </a:spcAft>
+            </a:pPr>
             <a:r>
-              <a:rPr lang="en-CA" dirty="0">
+              <a:rPr lang="en-CA" sz="2600" dirty="0">
                 <a:hlinkClick r:id="rId5"/>
               </a:rPr>
               <a:t>https://javadevcentral.com/jmh-benchmark-with-examples</a:t>
             </a:r>
-            <a:endParaRPr lang="en-CA" dirty="0"/>
+            <a:endParaRPr lang="en-CA" sz="2600" dirty="0"/>
           </a:p>
           <a:p>
+            <a:pPr>
+              <a:lnSpc>
+                <a:spcPct val="100000"/>
+              </a:lnSpc>
+              <a:spcBef>
+                <a:spcPts val="0"/>
+              </a:spcBef>
+              <a:spcAft>
+                <a:spcPts val="1000"/>
+              </a:spcAft>
+            </a:pPr>
             <a:r>
-              <a:rPr lang="en-CA" dirty="0">
+              <a:rPr lang="en-CA" sz="2600" dirty="0">
                 <a:hlinkClick r:id="rId6"/>
               </a:rPr>
               <a:t>https://blog.nyrkio.com/2024/06/27/an-introduction-to-benchmarks/</a:t>
             </a:r>
-            <a:endParaRPr lang="en-CA" dirty="0"/>
+            <a:endParaRPr lang="en-CA" sz="2600" dirty="0"/>
           </a:p>
           <a:p>
+            <a:pPr>
+              <a:lnSpc>
+                <a:spcPct val="100000"/>
+              </a:lnSpc>
+              <a:spcBef>
+                <a:spcPts val="0"/>
+              </a:spcBef>
+              <a:spcAft>
+                <a:spcPts val="1000"/>
+              </a:spcAft>
+            </a:pPr>
             <a:r>
-              <a:rPr lang="en-CA" dirty="0">
+              <a:rPr lang="en-CA" sz="2600" dirty="0">
                 <a:hlinkClick r:id="rId7"/>
               </a:rPr>
               <a:t>https://jenkov.com/tutorials/java-performance/jmh.html</a:t>
             </a:r>
-            <a:endParaRPr lang="en-CA" dirty="0"/>
+            <a:endParaRPr lang="en-CA" sz="2600" dirty="0"/>
           </a:p>
           <a:p>
+            <a:pPr>
+              <a:lnSpc>
+                <a:spcPct val="100000"/>
+              </a:lnSpc>
+              <a:spcBef>
+                <a:spcPts val="0"/>
+              </a:spcBef>
+              <a:spcAft>
+                <a:spcPts val="1000"/>
+              </a:spcAft>
+            </a:pPr>
             <a:r>
-              <a:rPr lang="en-CA" dirty="0">
+              <a:rPr lang="en-CA" sz="2600" dirty="0">
                 <a:hlinkClick r:id="rId8"/>
               </a:rPr>
               <a:t>https://java-performance.info/jmh/</a:t>
             </a:r>
-            <a:endParaRPr lang="en-CA" dirty="0"/>
+            <a:endParaRPr lang="en-CA" sz="2600" dirty="0"/>
           </a:p>
           <a:p>
+            <a:pPr>
+              <a:lnSpc>
+                <a:spcPct val="100000"/>
+              </a:lnSpc>
+              <a:spcBef>
+                <a:spcPts val="0"/>
+              </a:spcBef>
+              <a:spcAft>
+                <a:spcPts val="1000"/>
+              </a:spcAft>
+            </a:pPr>
             <a:r>
-              <a:rPr lang="en-CA" dirty="0">
+              <a:rPr lang="en-CA" sz="2600" dirty="0">
                 <a:hlinkClick r:id="rId9"/>
-              </a:rPr>
-              <a:t>https://javadoc.io/doc/org.openjdk.jmh/jmh-core/latest/index.html</a:t>
-            </a:r>
-            <a:endParaRPr lang="en-CA" dirty="0"/>
-          </a:p>
-          <a:p>
-            <a:r>
-              <a:rPr lang="en-CA" dirty="0">
-                <a:hlinkClick r:id="rId10"/>
               </a:rPr>
               <a:t>https://www.javaadvent.com/2019/12/measuring-time-from-java-to-kernel-and-back.html</a:t>
             </a:r>
-            <a:endParaRPr lang="en-CA" dirty="0"/>
+            <a:endParaRPr lang="en-CA" sz="2600" dirty="0"/>
           </a:p>
           <a:p>
-            <a:endParaRPr lang="en-CA" dirty="0"/>
+            <a:pPr>
+              <a:lnSpc>
+                <a:spcPct val="100000"/>
+              </a:lnSpc>
+              <a:spcBef>
+                <a:spcPts val="0"/>
+              </a:spcBef>
+            </a:pPr>
+            <a:endParaRPr lang="en-CA" sz="2600" dirty="0"/>
           </a:p>
           <a:p>
-            <a:endParaRPr lang="en-CA" dirty="0"/>
+            <a:pPr marL="0" indent="0">
+              <a:lnSpc>
+                <a:spcPct val="100000"/>
+              </a:lnSpc>
+              <a:spcBef>
+                <a:spcPts val="0"/>
+              </a:spcBef>
+              <a:buNone/>
+            </a:pPr>
+            <a:endParaRPr lang="en-CA" sz="2600" dirty="0"/>
           </a:p>
         </p:txBody>
       </p:sp>
@@ -19339,7 +20032,7 @@
 </p:sld>
 </file>
 
-<file path=ppt/slides/slide27.xml><?xml version="1.0" encoding="utf-8"?>
+<file path=ppt/slides/slide28.xml><?xml version="1.0" encoding="utf-8"?>
 <p:sld xmlns:a="http://schemas.openxmlformats.org/drawingml/2006/main" xmlns:r="http://schemas.openxmlformats.org/officeDocument/2006/relationships" xmlns:p="http://schemas.openxmlformats.org/presentationml/2006/main">
   <p:cSld>
     <p:spTree>
@@ -19401,9 +20094,16 @@
             <p:ph idx="1"/>
           </p:nvPr>
         </p:nvSpPr>
-        <p:spPr/>
+        <p:spPr>
+          <a:xfrm>
+            <a:off x="838200" y="1825625"/>
+            <a:ext cx="11353800" cy="4351338"/>
+          </a:xfrm>
+        </p:spPr>
         <p:txBody>
-          <a:bodyPr/>
+          <a:bodyPr>
+            <a:normAutofit fontScale="92500"/>
+          </a:bodyPr>
           <a:lstStyle/>
           <a:p>
             <a:r>
@@ -19456,6 +20156,26 @@
                 <a:hlinkClick r:id="rId6"/>
               </a:rPr>
               <a:t>https://github.com/openjdk/jmh</a:t>
+            </a:r>
+            <a:endParaRPr lang="en-CA" dirty="0"/>
+          </a:p>
+          <a:p>
+            <a:r>
+              <a:rPr lang="en-CA" dirty="0"/>
+              <a:t>The JMH </a:t>
+            </a:r>
+            <a:r>
+              <a:rPr lang="en-CA" dirty="0" err="1"/>
+              <a:t>JavaDocs</a:t>
+            </a:r>
+            <a:endParaRPr lang="en-CA" dirty="0"/>
+          </a:p>
+          <a:p>
+            <a:r>
+              <a:rPr lang="en-CA" dirty="0">
+                <a:hlinkClick r:id="rId7"/>
+              </a:rPr>
+              <a:t>https://javadoc.io/doc/org.openjdk.jmh/jmh-core/latest/index.html</a:t>
             </a:r>
             <a:endParaRPr lang="en-CA" dirty="0"/>
           </a:p>

--- a/docs/JMH_Slides.pptx
+++ b/docs/JMH_Slides.pptx
@@ -5,7 +5,7 @@
     <p:sldMasterId id="2147483660" r:id="rId1"/>
   </p:sldMasterIdLst>
   <p:notesMasterIdLst>
-    <p:notesMasterId r:id="rId30"/>
+    <p:notesMasterId r:id="rId33"/>
   </p:notesMasterIdLst>
   <p:sldIdLst>
     <p:sldId id="256" r:id="rId2"/>
@@ -17,25 +17,28 @@
     <p:sldId id="257" r:id="rId8"/>
     <p:sldId id="258" r:id="rId9"/>
     <p:sldId id="260" r:id="rId10"/>
-    <p:sldId id="308" r:id="rId11"/>
-    <p:sldId id="299" r:id="rId12"/>
-    <p:sldId id="300" r:id="rId13"/>
-    <p:sldId id="301" r:id="rId14"/>
-    <p:sldId id="302" r:id="rId15"/>
-    <p:sldId id="297" r:id="rId16"/>
-    <p:sldId id="303" r:id="rId17"/>
-    <p:sldId id="304" r:id="rId18"/>
-    <p:sldId id="311" r:id="rId19"/>
-    <p:sldId id="312" r:id="rId20"/>
-    <p:sldId id="315" r:id="rId21"/>
-    <p:sldId id="305" r:id="rId22"/>
-    <p:sldId id="307" r:id="rId23"/>
-    <p:sldId id="306" r:id="rId24"/>
-    <p:sldId id="309" r:id="rId25"/>
-    <p:sldId id="316" r:id="rId26"/>
-    <p:sldId id="317" r:id="rId27"/>
-    <p:sldId id="259" r:id="rId28"/>
-    <p:sldId id="310" r:id="rId29"/>
+    <p:sldId id="298" r:id="rId11"/>
+    <p:sldId id="318" r:id="rId12"/>
+    <p:sldId id="308" r:id="rId13"/>
+    <p:sldId id="299" r:id="rId14"/>
+    <p:sldId id="300" r:id="rId15"/>
+    <p:sldId id="301" r:id="rId16"/>
+    <p:sldId id="302" r:id="rId17"/>
+    <p:sldId id="297" r:id="rId18"/>
+    <p:sldId id="291" r:id="rId19"/>
+    <p:sldId id="303" r:id="rId20"/>
+    <p:sldId id="304" r:id="rId21"/>
+    <p:sldId id="311" r:id="rId22"/>
+    <p:sldId id="312" r:id="rId23"/>
+    <p:sldId id="315" r:id="rId24"/>
+    <p:sldId id="305" r:id="rId25"/>
+    <p:sldId id="307" r:id="rId26"/>
+    <p:sldId id="306" r:id="rId27"/>
+    <p:sldId id="309" r:id="rId28"/>
+    <p:sldId id="316" r:id="rId29"/>
+    <p:sldId id="317" r:id="rId30"/>
+    <p:sldId id="259" r:id="rId31"/>
+    <p:sldId id="310" r:id="rId32"/>
   </p:sldIdLst>
   <p:sldSz cx="12192000" cy="6858000"/>
   <p:notesSz cx="6858000" cy="9144000"/>
@@ -9910,7 +9913,7 @@
           <a:p>
             <a:fld id="{413A1447-1354-4B57-9DF1-B5147A72B5B6}" type="slidenum">
               <a:rPr lang="en-CA" smtClean="0"/>
-              <a:t>21</a:t>
+              <a:t>24</a:t>
             </a:fld>
             <a:endParaRPr lang="en-CA"/>
           </a:p>
@@ -14817,6 +14820,288 @@
 <file path=ppt/slides/slide10.xml><?xml version="1.0" encoding="utf-8"?>
 <p:sld xmlns:a="http://schemas.openxmlformats.org/drawingml/2006/main" xmlns:r="http://schemas.openxmlformats.org/officeDocument/2006/relationships" xmlns:p="http://schemas.openxmlformats.org/presentationml/2006/main">
   <p:cSld>
+    <p:spTree>
+      <p:nvGrpSpPr>
+        <p:cNvPr id="1" name=""/>
+        <p:cNvGrpSpPr/>
+        <p:nvPr/>
+      </p:nvGrpSpPr>
+      <p:grpSpPr>
+        <a:xfrm>
+          <a:off x="0" y="0"/>
+          <a:ext cx="0" cy="0"/>
+          <a:chOff x="0" y="0"/>
+          <a:chExt cx="0" cy="0"/>
+        </a:xfrm>
+      </p:grpSpPr>
+      <p:sp>
+        <p:nvSpPr>
+          <p:cNvPr id="2" name="Title 1">
+            <a:extLst>
+              <a:ext uri="{FF2B5EF4-FFF2-40B4-BE49-F238E27FC236}">
+                <a16:creationId xmlns:a16="http://schemas.microsoft.com/office/drawing/2014/main" id="{A88E4978-90E9-EC3C-2BAD-BCFE8BD12C6F}"/>
+              </a:ext>
+            </a:extLst>
+          </p:cNvPr>
+          <p:cNvSpPr>
+            <a:spLocks noGrp="1"/>
+          </p:cNvSpPr>
+          <p:nvPr>
+            <p:ph type="title"/>
+          </p:nvPr>
+        </p:nvSpPr>
+        <p:spPr>
+          <a:xfrm>
+            <a:off x="838200" y="129209"/>
+            <a:ext cx="10515600" cy="3496860"/>
+          </a:xfrm>
+        </p:spPr>
+        <p:txBody>
+          <a:bodyPr>
+            <a:normAutofit/>
+          </a:bodyPr>
+          <a:lstStyle/>
+          <a:p>
+            <a:pPr algn="ctr">
+              <a:lnSpc>
+                <a:spcPct val="150000"/>
+              </a:lnSpc>
+              <a:spcBef>
+                <a:spcPts val="1000"/>
+              </a:spcBef>
+            </a:pPr>
+            <a:r>
+              <a:rPr lang="en-US" sz="5400" b="1" dirty="0"/>
+              <a:t>What have I ignored.</a:t>
+            </a:r>
+            <a:br>
+              <a:rPr lang="en-US" sz="5400" b="1" dirty="0"/>
+            </a:br>
+            <a:r>
+              <a:rPr lang="en-US" sz="5400" b="1" dirty="0"/>
+              <a:t>What have I done wrong?*</a:t>
+            </a:r>
+            <a:br>
+              <a:rPr lang="en-US" sz="5400" b="1" dirty="0"/>
+            </a:br>
+            <a:r>
+              <a:rPr lang="en-US" sz="3200" b="1" dirty="0"/>
+              <a:t>* actually, quite a long list</a:t>
+            </a:r>
+            <a:endParaRPr lang="en-CA" sz="3200" b="1" dirty="0"/>
+          </a:p>
+        </p:txBody>
+      </p:sp>
+      <p:sp>
+        <p:nvSpPr>
+          <p:cNvPr id="4" name="TextBox 3">
+            <a:extLst>
+              <a:ext uri="{FF2B5EF4-FFF2-40B4-BE49-F238E27FC236}">
+                <a16:creationId xmlns:a16="http://schemas.microsoft.com/office/drawing/2014/main" id="{867617D1-9DA7-91C8-975D-0EDBA74B000C}"/>
+              </a:ext>
+            </a:extLst>
+          </p:cNvPr>
+          <p:cNvSpPr txBox="1"/>
+          <p:nvPr/>
+        </p:nvSpPr>
+        <p:spPr>
+          <a:xfrm>
+            <a:off x="838200" y="4088524"/>
+            <a:ext cx="10515600" cy="2800767"/>
+          </a:xfrm>
+          <a:prstGeom prst="rect">
+            <a:avLst/>
+          </a:prstGeom>
+          <a:noFill/>
+        </p:spPr>
+        <p:txBody>
+          <a:bodyPr wrap="square" rtlCol="0">
+            <a:spAutoFit/>
+          </a:bodyPr>
+          <a:lstStyle/>
+          <a:p>
+            <a:pPr marL="0" marR="0" lvl="0" indent="0" algn="ctr" defTabSz="914400" rtl="0" eaLnBrk="1" fontAlgn="auto" latinLnBrk="0" hangingPunct="1">
+              <a:lnSpc>
+                <a:spcPct val="100000"/>
+              </a:lnSpc>
+              <a:spcBef>
+                <a:spcPts val="0"/>
+              </a:spcBef>
+              <a:spcAft>
+                <a:spcPts val="0"/>
+              </a:spcAft>
+              <a:buClrTx/>
+              <a:buSzTx/>
+              <a:buFontTx/>
+              <a:buNone/>
+              <a:tabLst/>
+              <a:defRPr/>
+            </a:pPr>
+            <a:r>
+              <a:rPr kumimoji="0" lang="en-US" sz="4400" b="1" i="0" u="none" strike="noStrike" kern="1200" cap="none" spc="0" normalizeH="0" baseline="0" noProof="0" dirty="0">
+                <a:ln>
+                  <a:noFill/>
+                </a:ln>
+                <a:solidFill>
+                  <a:srgbClr val="000000"/>
+                </a:solidFill>
+                <a:effectLst/>
+                <a:uLnTx/>
+                <a:uFillTx/>
+                <a:latin typeface="Open sans"/>
+                <a:ea typeface="+mn-ea"/>
+                <a:cs typeface="+mn-cs"/>
+              </a:rPr>
+              <a:t>Audience Participation:</a:t>
+            </a:r>
+            <a:br>
+              <a:rPr kumimoji="0" lang="en-US" sz="4400" b="1" i="0" u="none" strike="noStrike" kern="1200" cap="none" spc="0" normalizeH="0" baseline="0" noProof="0" dirty="0">
+                <a:ln>
+                  <a:noFill/>
+                </a:ln>
+                <a:solidFill>
+                  <a:srgbClr val="000000"/>
+                </a:solidFill>
+                <a:effectLst/>
+                <a:uLnTx/>
+                <a:uFillTx/>
+                <a:latin typeface="Open sans"/>
+                <a:ea typeface="+mn-ea"/>
+                <a:cs typeface="+mn-cs"/>
+              </a:rPr>
+            </a:br>
+            <a:r>
+              <a:rPr kumimoji="0" lang="en-US" sz="4400" b="1" i="0" u="none" strike="noStrike" kern="1200" cap="none" spc="0" normalizeH="0" baseline="0" noProof="0" dirty="0">
+                <a:ln>
+                  <a:noFill/>
+                </a:ln>
+                <a:solidFill>
+                  <a:srgbClr val="000000"/>
+                </a:solidFill>
+                <a:effectLst/>
+                <a:uLnTx/>
+                <a:uFillTx/>
+                <a:latin typeface="Open sans"/>
+                <a:ea typeface="+mn-ea"/>
+                <a:cs typeface="+mn-cs"/>
+              </a:rPr>
+              <a:t>From these results what do you think I have done wrong.</a:t>
+            </a:r>
+            <a:br>
+              <a:rPr kumimoji="0" lang="en-US" sz="4400" b="1" i="0" u="none" strike="noStrike" kern="1200" cap="none" spc="0" normalizeH="0" baseline="0" noProof="0" dirty="0">
+                <a:ln>
+                  <a:noFill/>
+                </a:ln>
+                <a:solidFill>
+                  <a:srgbClr val="000000"/>
+                </a:solidFill>
+                <a:effectLst/>
+                <a:uLnTx/>
+                <a:uFillTx/>
+                <a:latin typeface="Open sans"/>
+                <a:ea typeface="+mn-ea"/>
+                <a:cs typeface="+mn-cs"/>
+              </a:rPr>
+            </a:br>
+            <a:endParaRPr kumimoji="0" lang="en-CA" sz="4400" b="0" i="0" u="none" strike="noStrike" kern="1200" cap="none" spc="0" normalizeH="0" baseline="0" noProof="0" dirty="0">
+              <a:ln>
+                <a:noFill/>
+              </a:ln>
+              <a:solidFill>
+                <a:srgbClr val="000000"/>
+              </a:solidFill>
+              <a:effectLst/>
+              <a:uLnTx/>
+              <a:uFillTx/>
+              <a:latin typeface="Open sans"/>
+              <a:ea typeface="+mn-ea"/>
+              <a:cs typeface="+mn-cs"/>
+            </a:endParaRPr>
+          </a:p>
+        </p:txBody>
+      </p:sp>
+    </p:spTree>
+    <p:extLst>
+      <p:ext uri="{BB962C8B-B14F-4D97-AF65-F5344CB8AC3E}">
+        <p14:creationId xmlns:p14="http://schemas.microsoft.com/office/powerpoint/2010/main" val="2925550394"/>
+      </p:ext>
+    </p:extLst>
+  </p:cSld>
+  <p:clrMapOvr>
+    <a:masterClrMapping/>
+  </p:clrMapOvr>
+</p:sld>
+</file>
+
+<file path=ppt/slides/slide11.xml><?xml version="1.0" encoding="utf-8"?>
+<p:sld xmlns:a="http://schemas.openxmlformats.org/drawingml/2006/main" xmlns:r="http://schemas.openxmlformats.org/officeDocument/2006/relationships" xmlns:p="http://schemas.openxmlformats.org/presentationml/2006/main">
+  <p:cSld>
+    <p:spTree>
+      <p:nvGrpSpPr>
+        <p:cNvPr id="1" name=""/>
+        <p:cNvGrpSpPr/>
+        <p:nvPr/>
+      </p:nvGrpSpPr>
+      <p:grpSpPr>
+        <a:xfrm>
+          <a:off x="0" y="0"/>
+          <a:ext cx="0" cy="0"/>
+          <a:chOff x="0" y="0"/>
+          <a:chExt cx="0" cy="0"/>
+        </a:xfrm>
+      </p:grpSpPr>
+      <p:sp>
+        <p:nvSpPr>
+          <p:cNvPr id="2" name="Title 1">
+            <a:extLst>
+              <a:ext uri="{FF2B5EF4-FFF2-40B4-BE49-F238E27FC236}">
+                <a16:creationId xmlns:a16="http://schemas.microsoft.com/office/drawing/2014/main" id="{1A986B91-899A-8A23-2D63-A22EB12384BD}"/>
+              </a:ext>
+            </a:extLst>
+          </p:cNvPr>
+          <p:cNvSpPr>
+            <a:spLocks noGrp="1"/>
+          </p:cNvSpPr>
+          <p:nvPr>
+            <p:ph type="title"/>
+          </p:nvPr>
+        </p:nvSpPr>
+        <p:spPr>
+          <a:xfrm>
+            <a:off x="838200" y="365125"/>
+            <a:ext cx="10515600" cy="5812651"/>
+          </a:xfrm>
+        </p:spPr>
+        <p:txBody>
+          <a:bodyPr>
+            <a:normAutofit/>
+          </a:bodyPr>
+          <a:lstStyle/>
+          <a:p>
+            <a:pPr algn="ctr"/>
+            <a:r>
+              <a:rPr lang="en-CA" sz="6000" b="1" dirty="0"/>
+              <a:t>Brief Code Review of Collections Performance 4.1</a:t>
+            </a:r>
+          </a:p>
+        </p:txBody>
+      </p:sp>
+    </p:spTree>
+    <p:extLst>
+      <p:ext uri="{BB962C8B-B14F-4D97-AF65-F5344CB8AC3E}">
+        <p14:creationId xmlns:p14="http://schemas.microsoft.com/office/powerpoint/2010/main" val="1052199278"/>
+      </p:ext>
+    </p:extLst>
+  </p:cSld>
+  <p:clrMapOvr>
+    <a:masterClrMapping/>
+  </p:clrMapOvr>
+</p:sld>
+</file>
+
+<file path=ppt/slides/slide12.xml><?xml version="1.0" encoding="utf-8"?>
+<p:sld xmlns:a="http://schemas.openxmlformats.org/drawingml/2006/main" xmlns:r="http://schemas.openxmlformats.org/officeDocument/2006/relationships" xmlns:p="http://schemas.openxmlformats.org/presentationml/2006/main">
+  <p:cSld>
     <p:bg>
       <p:bgPr>
         <a:solidFill>
@@ -15573,7 +15858,7 @@
 </p:sld>
 </file>
 
-<file path=ppt/slides/slide11.xml><?xml version="1.0" encoding="utf-8"?>
+<file path=ppt/slides/slide13.xml><?xml version="1.0" encoding="utf-8"?>
 <p:sld xmlns:a="http://schemas.openxmlformats.org/drawingml/2006/main" xmlns:r="http://schemas.openxmlformats.org/officeDocument/2006/relationships" xmlns:p="http://schemas.openxmlformats.org/presentationml/2006/main">
   <p:cSld>
     <p:bg>
@@ -15715,7 +16000,7 @@
 </p:sld>
 </file>
 
-<file path=ppt/slides/slide12.xml><?xml version="1.0" encoding="utf-8"?>
+<file path=ppt/slides/slide14.xml><?xml version="1.0" encoding="utf-8"?>
 <p:sld xmlns:a="http://schemas.openxmlformats.org/drawingml/2006/main" xmlns:r="http://schemas.openxmlformats.org/officeDocument/2006/relationships" xmlns:p="http://schemas.openxmlformats.org/presentationml/2006/main">
   <p:cSld>
     <p:bg>
@@ -16285,7 +16570,7 @@
 </p:sld>
 </file>
 
-<file path=ppt/slides/slide13.xml><?xml version="1.0" encoding="utf-8"?>
+<file path=ppt/slides/slide15.xml><?xml version="1.0" encoding="utf-8"?>
 <p:sld xmlns:a="http://schemas.openxmlformats.org/drawingml/2006/main" xmlns:r="http://schemas.openxmlformats.org/officeDocument/2006/relationships" xmlns:p="http://schemas.openxmlformats.org/presentationml/2006/main">
   <p:cSld>
     <p:bg>
@@ -16905,7 +17190,7 @@
 </p:sld>
 </file>
 
-<file path=ppt/slides/slide14.xml><?xml version="1.0" encoding="utf-8"?>
+<file path=ppt/slides/slide16.xml><?xml version="1.0" encoding="utf-8"?>
 <p:sld xmlns:a="http://schemas.openxmlformats.org/drawingml/2006/main" xmlns:r="http://schemas.openxmlformats.org/officeDocument/2006/relationships" xmlns:p="http://schemas.openxmlformats.org/presentationml/2006/main">
   <p:cSld>
     <p:spTree>
@@ -17012,7 +17297,7 @@
 </p:sld>
 </file>
 
-<file path=ppt/slides/slide15.xml><?xml version="1.0" encoding="utf-8"?>
+<file path=ppt/slides/slide17.xml><?xml version="1.0" encoding="utf-8"?>
 <p:sld xmlns:a="http://schemas.openxmlformats.org/drawingml/2006/main" xmlns:r="http://schemas.openxmlformats.org/officeDocument/2006/relationships" xmlns:p="http://schemas.openxmlformats.org/presentationml/2006/main">
   <p:cSld>
     <p:spTree>
@@ -17107,7 +17392,123 @@
 </p:sld>
 </file>
 
-<file path=ppt/slides/slide16.xml><?xml version="1.0" encoding="utf-8"?>
+<file path=ppt/slides/slide18.xml><?xml version="1.0" encoding="utf-8"?>
+<p:sld xmlns:a="http://schemas.openxmlformats.org/drawingml/2006/main" xmlns:r="http://schemas.openxmlformats.org/officeDocument/2006/relationships" xmlns:p="http://schemas.openxmlformats.org/presentationml/2006/main">
+  <p:cSld>
+    <p:spTree>
+      <p:nvGrpSpPr>
+        <p:cNvPr id="1" name=""/>
+        <p:cNvGrpSpPr/>
+        <p:nvPr/>
+      </p:nvGrpSpPr>
+      <p:grpSpPr>
+        <a:xfrm>
+          <a:off x="0" y="0"/>
+          <a:ext cx="0" cy="0"/>
+          <a:chOff x="0" y="0"/>
+          <a:chExt cx="0" cy="0"/>
+        </a:xfrm>
+      </p:grpSpPr>
+      <p:sp>
+        <p:nvSpPr>
+          <p:cNvPr id="2" name="Title 1">
+            <a:extLst>
+              <a:ext uri="{FF2B5EF4-FFF2-40B4-BE49-F238E27FC236}">
+                <a16:creationId xmlns:a16="http://schemas.microsoft.com/office/drawing/2014/main" id="{300E4F24-7091-CFDB-8678-8FE43193F56E}"/>
+              </a:ext>
+            </a:extLst>
+          </p:cNvPr>
+          <p:cNvSpPr>
+            <a:spLocks noGrp="1"/>
+          </p:cNvSpPr>
+          <p:nvPr>
+            <p:ph type="title"/>
+          </p:nvPr>
+        </p:nvSpPr>
+        <p:spPr/>
+        <p:txBody>
+          <a:bodyPr/>
+          <a:lstStyle/>
+          <a:p>
+            <a:r>
+              <a:rPr lang="en-CA" b="1" dirty="0"/>
+              <a:t>Java Microbenchmark Harness (JMH)</a:t>
+            </a:r>
+          </a:p>
+        </p:txBody>
+      </p:sp>
+      <p:sp>
+        <p:nvSpPr>
+          <p:cNvPr id="3" name="Content Placeholder 2">
+            <a:extLst>
+              <a:ext uri="{FF2B5EF4-FFF2-40B4-BE49-F238E27FC236}">
+                <a16:creationId xmlns:a16="http://schemas.microsoft.com/office/drawing/2014/main" id="{51225757-EF9E-6A0F-2C3C-E98668A8B793}"/>
+              </a:ext>
+            </a:extLst>
+          </p:cNvPr>
+          <p:cNvSpPr>
+            <a:spLocks noGrp="1"/>
+          </p:cNvSpPr>
+          <p:nvPr>
+            <p:ph idx="1"/>
+          </p:nvPr>
+        </p:nvSpPr>
+        <p:spPr/>
+        <p:txBody>
+          <a:bodyPr/>
+          <a:lstStyle/>
+          <a:p>
+            <a:pPr marL="0" indent="0" algn="ctr">
+              <a:buNone/>
+            </a:pPr>
+            <a:r>
+              <a:rPr lang="en-US" sz="5400" b="0" i="0" dirty="0">
+                <a:solidFill>
+                  <a:srgbClr val="1F2328"/>
+                </a:solidFill>
+                <a:effectLst/>
+                <a:highlight>
+                  <a:srgbClr val="FFFFFF"/>
+                </a:highlight>
+                <a:latin typeface="-apple-system"/>
+              </a:rPr>
+              <a:t>JMH is a Java harness for building, running, and analyzing nano/micro/milli/macro benchmarks written in Java and other languages targeting the JVM.*</a:t>
+            </a:r>
+          </a:p>
+          <a:p>
+            <a:pPr marL="914400" lvl="2" indent="0">
+              <a:buNone/>
+            </a:pPr>
+            <a:r>
+              <a:rPr lang="en-US" sz="3200" dirty="0">
+                <a:solidFill>
+                  <a:srgbClr val="1F2328"/>
+                </a:solidFill>
+                <a:highlight>
+                  <a:srgbClr val="FFFFFF"/>
+                </a:highlight>
+                <a:latin typeface="-apple-system"/>
+              </a:rPr>
+              <a:t>*from https://github.com/openjdk/jmh</a:t>
+            </a:r>
+            <a:endParaRPr lang="en-CA" sz="3200" dirty="0"/>
+          </a:p>
+        </p:txBody>
+      </p:sp>
+    </p:spTree>
+    <p:extLst>
+      <p:ext uri="{BB962C8B-B14F-4D97-AF65-F5344CB8AC3E}">
+        <p14:creationId xmlns:p14="http://schemas.microsoft.com/office/powerpoint/2010/main" val="1294449622"/>
+      </p:ext>
+    </p:extLst>
+  </p:cSld>
+  <p:clrMapOvr>
+    <a:masterClrMapping/>
+  </p:clrMapOvr>
+</p:sld>
+</file>
+
+<file path=ppt/slides/slide19.xml><?xml version="1.0" encoding="utf-8"?>
 <p:sld xmlns:a="http://schemas.openxmlformats.org/drawingml/2006/main" xmlns:r="http://schemas.openxmlformats.org/officeDocument/2006/relationships" xmlns:p="http://schemas.openxmlformats.org/presentationml/2006/main">
   <p:cSld>
     <p:spTree>
@@ -17247,334 +17648,6 @@
     <p:extLst>
       <p:ext uri="{BB962C8B-B14F-4D97-AF65-F5344CB8AC3E}">
         <p14:creationId xmlns:p14="http://schemas.microsoft.com/office/powerpoint/2010/main" val="2403253870"/>
-      </p:ext>
-    </p:extLst>
-  </p:cSld>
-  <p:clrMapOvr>
-    <a:masterClrMapping/>
-  </p:clrMapOvr>
-</p:sld>
-</file>
-
-<file path=ppt/slides/slide17.xml><?xml version="1.0" encoding="utf-8"?>
-<p:sld xmlns:a="http://schemas.openxmlformats.org/drawingml/2006/main" xmlns:r="http://schemas.openxmlformats.org/officeDocument/2006/relationships" xmlns:p="http://schemas.openxmlformats.org/presentationml/2006/main">
-  <p:cSld>
-    <p:spTree>
-      <p:nvGrpSpPr>
-        <p:cNvPr id="1" name=""/>
-        <p:cNvGrpSpPr/>
-        <p:nvPr/>
-      </p:nvGrpSpPr>
-      <p:grpSpPr>
-        <a:xfrm>
-          <a:off x="0" y="0"/>
-          <a:ext cx="0" cy="0"/>
-          <a:chOff x="0" y="0"/>
-          <a:chExt cx="0" cy="0"/>
-        </a:xfrm>
-      </p:grpSpPr>
-      <p:sp>
-        <p:nvSpPr>
-          <p:cNvPr id="2" name="Title 1">
-            <a:extLst>
-              <a:ext uri="{FF2B5EF4-FFF2-40B4-BE49-F238E27FC236}">
-                <a16:creationId xmlns:a16="http://schemas.microsoft.com/office/drawing/2014/main" id="{A4A82151-5E0B-74C5-9EBD-6D42620A83EE}"/>
-              </a:ext>
-            </a:extLst>
-          </p:cNvPr>
-          <p:cNvSpPr>
-            <a:spLocks noGrp="1"/>
-          </p:cNvSpPr>
-          <p:nvPr>
-            <p:ph type="title"/>
-          </p:nvPr>
-        </p:nvSpPr>
-        <p:spPr>
-          <a:xfrm>
-            <a:off x="838200" y="365125"/>
-            <a:ext cx="10515600" cy="4023995"/>
-          </a:xfrm>
-        </p:spPr>
-        <p:txBody>
-          <a:bodyPr>
-            <a:normAutofit/>
-          </a:bodyPr>
-          <a:lstStyle/>
-          <a:p>
-            <a:pPr algn="ctr"/>
-            <a:r>
-              <a:rPr lang="en-US" sz="6000" b="1" dirty="0"/>
-              <a:t>Create a project from the Maven JMH archetype</a:t>
-            </a:r>
-            <a:endParaRPr lang="en-CA" sz="6000" b="1" dirty="0"/>
-          </a:p>
-        </p:txBody>
-      </p:sp>
-      <p:sp>
-        <p:nvSpPr>
-          <p:cNvPr id="3" name="Content Placeholder 2">
-            <a:extLst>
-              <a:ext uri="{FF2B5EF4-FFF2-40B4-BE49-F238E27FC236}">
-                <a16:creationId xmlns:a16="http://schemas.microsoft.com/office/drawing/2014/main" id="{B116DF08-83B7-F96A-1A68-BC575DBB9C5E}"/>
-              </a:ext>
-            </a:extLst>
-          </p:cNvPr>
-          <p:cNvSpPr>
-            <a:spLocks noGrp="1"/>
-          </p:cNvSpPr>
-          <p:nvPr>
-            <p:ph idx="1"/>
-          </p:nvPr>
-        </p:nvSpPr>
-        <p:spPr>
-          <a:xfrm>
-            <a:off x="0" y="5348505"/>
-            <a:ext cx="12191999" cy="1325564"/>
-          </a:xfrm>
-        </p:spPr>
-        <p:txBody>
-          <a:bodyPr>
-            <a:normAutofit/>
-          </a:bodyPr>
-          <a:lstStyle/>
-          <a:p>
-            <a:pPr marL="0" indent="0">
-              <a:buNone/>
-            </a:pPr>
-            <a:r>
-              <a:rPr lang="en-CA" b="1" dirty="0"/>
-              <a:t>* In the Windows Console replace \ with ^.  DO NOT USE PowerShell.</a:t>
-            </a:r>
-          </a:p>
-        </p:txBody>
-      </p:sp>
-    </p:spTree>
-    <p:extLst>
-      <p:ext uri="{BB962C8B-B14F-4D97-AF65-F5344CB8AC3E}">
-        <p14:creationId xmlns:p14="http://schemas.microsoft.com/office/powerpoint/2010/main" val="3267453276"/>
-      </p:ext>
-    </p:extLst>
-  </p:cSld>
-  <p:clrMapOvr>
-    <a:masterClrMapping/>
-  </p:clrMapOvr>
-</p:sld>
-</file>
-
-<file path=ppt/slides/slide18.xml><?xml version="1.0" encoding="utf-8"?>
-<p:sld xmlns:a="http://schemas.openxmlformats.org/drawingml/2006/main" xmlns:r="http://schemas.openxmlformats.org/officeDocument/2006/relationships" xmlns:p="http://schemas.openxmlformats.org/presentationml/2006/main">
-  <p:cSld>
-    <p:spTree>
-      <p:nvGrpSpPr>
-        <p:cNvPr id="1" name=""/>
-        <p:cNvGrpSpPr/>
-        <p:nvPr/>
-      </p:nvGrpSpPr>
-      <p:grpSpPr>
-        <a:xfrm>
-          <a:off x="0" y="0"/>
-          <a:ext cx="0" cy="0"/>
-          <a:chOff x="0" y="0"/>
-          <a:chExt cx="0" cy="0"/>
-        </a:xfrm>
-      </p:grpSpPr>
-      <p:sp>
-        <p:nvSpPr>
-          <p:cNvPr id="2" name="Title 1">
-            <a:extLst>
-              <a:ext uri="{FF2B5EF4-FFF2-40B4-BE49-F238E27FC236}">
-                <a16:creationId xmlns:a16="http://schemas.microsoft.com/office/drawing/2014/main" id="{30B9A21F-EAFF-91DA-C23A-D54B1776E537}"/>
-              </a:ext>
-            </a:extLst>
-          </p:cNvPr>
-          <p:cNvSpPr>
-            <a:spLocks noGrp="1"/>
-          </p:cNvSpPr>
-          <p:nvPr>
-            <p:ph type="title"/>
-          </p:nvPr>
-        </p:nvSpPr>
-        <p:spPr/>
-        <p:txBody>
-          <a:bodyPr>
-            <a:normAutofit/>
-          </a:bodyPr>
-          <a:lstStyle/>
-          <a:p>
-            <a:r>
-              <a:rPr lang="en-US" sz="7200" b="1" dirty="0"/>
-              <a:t>A JMH Project</a:t>
-            </a:r>
-            <a:endParaRPr lang="en-CA" sz="7200" b="1" dirty="0"/>
-          </a:p>
-        </p:txBody>
-      </p:sp>
-      <p:sp>
-        <p:nvSpPr>
-          <p:cNvPr id="3" name="Content Placeholder 2">
-            <a:extLst>
-              <a:ext uri="{FF2B5EF4-FFF2-40B4-BE49-F238E27FC236}">
-                <a16:creationId xmlns:a16="http://schemas.microsoft.com/office/drawing/2014/main" id="{E902FB0D-476C-F59E-D2ED-143B9EC06CDE}"/>
-              </a:ext>
-            </a:extLst>
-          </p:cNvPr>
-          <p:cNvSpPr>
-            <a:spLocks noGrp="1"/>
-          </p:cNvSpPr>
-          <p:nvPr>
-            <p:ph idx="1"/>
-          </p:nvPr>
-        </p:nvSpPr>
-        <p:spPr/>
-        <p:txBody>
-          <a:bodyPr>
-            <a:normAutofit fontScale="92500" lnSpcReduction="20000"/>
-          </a:bodyPr>
-          <a:lstStyle/>
-          <a:p>
-            <a:pPr>
-              <a:lnSpc>
-                <a:spcPct val="150000"/>
-              </a:lnSpc>
-            </a:pPr>
-            <a:r>
-              <a:rPr lang="en-US" sz="5400" dirty="0"/>
-              <a:t>Update the pom.xml file with the version of Java you will use.</a:t>
-            </a:r>
-          </a:p>
-          <a:p>
-            <a:pPr>
-              <a:lnSpc>
-                <a:spcPct val="150000"/>
-              </a:lnSpc>
-            </a:pPr>
-            <a:r>
-              <a:rPr lang="en-US" sz="5400" dirty="0"/>
-              <a:t>Optionally, update the version numbers of the plugins</a:t>
-            </a:r>
-          </a:p>
-        </p:txBody>
-      </p:sp>
-    </p:spTree>
-    <p:extLst>
-      <p:ext uri="{BB962C8B-B14F-4D97-AF65-F5344CB8AC3E}">
-        <p14:creationId xmlns:p14="http://schemas.microsoft.com/office/powerpoint/2010/main" val="2504785593"/>
-      </p:ext>
-    </p:extLst>
-  </p:cSld>
-  <p:clrMapOvr>
-    <a:masterClrMapping/>
-  </p:clrMapOvr>
-</p:sld>
-</file>
-
-<file path=ppt/slides/slide19.xml><?xml version="1.0" encoding="utf-8"?>
-<p:sld xmlns:a="http://schemas.openxmlformats.org/drawingml/2006/main" xmlns:r="http://schemas.openxmlformats.org/officeDocument/2006/relationships" xmlns:p="http://schemas.openxmlformats.org/presentationml/2006/main">
-  <p:cSld>
-    <p:spTree>
-      <p:nvGrpSpPr>
-        <p:cNvPr id="1" name=""/>
-        <p:cNvGrpSpPr/>
-        <p:nvPr/>
-      </p:nvGrpSpPr>
-      <p:grpSpPr>
-        <a:xfrm>
-          <a:off x="0" y="0"/>
-          <a:ext cx="0" cy="0"/>
-          <a:chOff x="0" y="0"/>
-          <a:chExt cx="0" cy="0"/>
-        </a:xfrm>
-      </p:grpSpPr>
-      <p:sp>
-        <p:nvSpPr>
-          <p:cNvPr id="2" name="Title 1">
-            <a:extLst>
-              <a:ext uri="{FF2B5EF4-FFF2-40B4-BE49-F238E27FC236}">
-                <a16:creationId xmlns:a16="http://schemas.microsoft.com/office/drawing/2014/main" id="{74CBF0FB-7DF1-703C-F180-45A88ED846CB}"/>
-              </a:ext>
-            </a:extLst>
-          </p:cNvPr>
-          <p:cNvSpPr>
-            <a:spLocks noGrp="1"/>
-          </p:cNvSpPr>
-          <p:nvPr>
-            <p:ph type="title"/>
-          </p:nvPr>
-        </p:nvSpPr>
-        <p:spPr/>
-        <p:txBody>
-          <a:bodyPr>
-            <a:normAutofit/>
-          </a:bodyPr>
-          <a:lstStyle/>
-          <a:p>
-            <a:r>
-              <a:rPr lang="en-US" sz="6000" b="1" dirty="0"/>
-              <a:t>How the Harness will work</a:t>
-            </a:r>
-            <a:endParaRPr lang="en-CA" sz="6000" b="1" dirty="0"/>
-          </a:p>
-        </p:txBody>
-      </p:sp>
-      <p:sp>
-        <p:nvSpPr>
-          <p:cNvPr id="3" name="Content Placeholder 2">
-            <a:extLst>
-              <a:ext uri="{FF2B5EF4-FFF2-40B4-BE49-F238E27FC236}">
-                <a16:creationId xmlns:a16="http://schemas.microsoft.com/office/drawing/2014/main" id="{71FAC5D7-5487-FC49-4B64-47DB8F98306D}"/>
-              </a:ext>
-            </a:extLst>
-          </p:cNvPr>
-          <p:cNvSpPr>
-            <a:spLocks noGrp="1"/>
-          </p:cNvSpPr>
-          <p:nvPr>
-            <p:ph idx="1"/>
-          </p:nvPr>
-        </p:nvSpPr>
-        <p:spPr/>
-        <p:txBody>
-          <a:bodyPr>
-            <a:noAutofit/>
-          </a:bodyPr>
-          <a:lstStyle/>
-          <a:p>
-            <a:pPr>
-              <a:lnSpc>
-                <a:spcPct val="100000"/>
-              </a:lnSpc>
-              <a:spcBef>
-                <a:spcPts val="0"/>
-              </a:spcBef>
-              <a:spcAft>
-                <a:spcPts val="2000"/>
-              </a:spcAft>
-            </a:pPr>
-            <a:r>
-              <a:rPr lang="en-US" sz="5400" dirty="0"/>
-              <a:t>No need for a main method</a:t>
-            </a:r>
-          </a:p>
-          <a:p>
-            <a:pPr>
-              <a:lnSpc>
-                <a:spcPct val="100000"/>
-              </a:lnSpc>
-              <a:spcBef>
-                <a:spcPts val="0"/>
-              </a:spcBef>
-            </a:pPr>
-            <a:r>
-              <a:rPr lang="en-US" sz="5400" dirty="0"/>
-              <a:t>Create one or more classes with methods annotated with @Benchmark</a:t>
-            </a:r>
-          </a:p>
-        </p:txBody>
-      </p:sp>
-    </p:spTree>
-    <p:extLst>
-      <p:ext uri="{BB962C8B-B14F-4D97-AF65-F5344CB8AC3E}">
-        <p14:creationId xmlns:p14="http://schemas.microsoft.com/office/powerpoint/2010/main" val="1814729343"/>
       </p:ext>
     </p:extLst>
   </p:cSld>
@@ -17782,6 +17855,334 @@
           <p:cNvPr id="2" name="Title 1">
             <a:extLst>
               <a:ext uri="{FF2B5EF4-FFF2-40B4-BE49-F238E27FC236}">
+                <a16:creationId xmlns:a16="http://schemas.microsoft.com/office/drawing/2014/main" id="{A4A82151-5E0B-74C5-9EBD-6D42620A83EE}"/>
+              </a:ext>
+            </a:extLst>
+          </p:cNvPr>
+          <p:cNvSpPr>
+            <a:spLocks noGrp="1"/>
+          </p:cNvSpPr>
+          <p:nvPr>
+            <p:ph type="title"/>
+          </p:nvPr>
+        </p:nvSpPr>
+        <p:spPr>
+          <a:xfrm>
+            <a:off x="838200" y="365125"/>
+            <a:ext cx="10515600" cy="4023995"/>
+          </a:xfrm>
+        </p:spPr>
+        <p:txBody>
+          <a:bodyPr>
+            <a:normAutofit/>
+          </a:bodyPr>
+          <a:lstStyle/>
+          <a:p>
+            <a:pPr algn="ctr"/>
+            <a:r>
+              <a:rPr lang="en-US" sz="6000" b="1" dirty="0"/>
+              <a:t>Create a project from the Maven JMH archetype</a:t>
+            </a:r>
+            <a:endParaRPr lang="en-CA" sz="6000" b="1" dirty="0"/>
+          </a:p>
+        </p:txBody>
+      </p:sp>
+      <p:sp>
+        <p:nvSpPr>
+          <p:cNvPr id="3" name="Content Placeholder 2">
+            <a:extLst>
+              <a:ext uri="{FF2B5EF4-FFF2-40B4-BE49-F238E27FC236}">
+                <a16:creationId xmlns:a16="http://schemas.microsoft.com/office/drawing/2014/main" id="{B116DF08-83B7-F96A-1A68-BC575DBB9C5E}"/>
+              </a:ext>
+            </a:extLst>
+          </p:cNvPr>
+          <p:cNvSpPr>
+            <a:spLocks noGrp="1"/>
+          </p:cNvSpPr>
+          <p:nvPr>
+            <p:ph idx="1"/>
+          </p:nvPr>
+        </p:nvSpPr>
+        <p:spPr>
+          <a:xfrm>
+            <a:off x="0" y="5348505"/>
+            <a:ext cx="12191999" cy="1325564"/>
+          </a:xfrm>
+        </p:spPr>
+        <p:txBody>
+          <a:bodyPr>
+            <a:normAutofit/>
+          </a:bodyPr>
+          <a:lstStyle/>
+          <a:p>
+            <a:pPr marL="0" indent="0">
+              <a:buNone/>
+            </a:pPr>
+            <a:r>
+              <a:rPr lang="en-CA" b="1" dirty="0"/>
+              <a:t>* In the Windows Console replace \ with ^.  DO NOT USE PowerShell.</a:t>
+            </a:r>
+          </a:p>
+        </p:txBody>
+      </p:sp>
+    </p:spTree>
+    <p:extLst>
+      <p:ext uri="{BB962C8B-B14F-4D97-AF65-F5344CB8AC3E}">
+        <p14:creationId xmlns:p14="http://schemas.microsoft.com/office/powerpoint/2010/main" val="3267453276"/>
+      </p:ext>
+    </p:extLst>
+  </p:cSld>
+  <p:clrMapOvr>
+    <a:masterClrMapping/>
+  </p:clrMapOvr>
+</p:sld>
+</file>
+
+<file path=ppt/slides/slide21.xml><?xml version="1.0" encoding="utf-8"?>
+<p:sld xmlns:a="http://schemas.openxmlformats.org/drawingml/2006/main" xmlns:r="http://schemas.openxmlformats.org/officeDocument/2006/relationships" xmlns:p="http://schemas.openxmlformats.org/presentationml/2006/main">
+  <p:cSld>
+    <p:spTree>
+      <p:nvGrpSpPr>
+        <p:cNvPr id="1" name=""/>
+        <p:cNvGrpSpPr/>
+        <p:nvPr/>
+      </p:nvGrpSpPr>
+      <p:grpSpPr>
+        <a:xfrm>
+          <a:off x="0" y="0"/>
+          <a:ext cx="0" cy="0"/>
+          <a:chOff x="0" y="0"/>
+          <a:chExt cx="0" cy="0"/>
+        </a:xfrm>
+      </p:grpSpPr>
+      <p:sp>
+        <p:nvSpPr>
+          <p:cNvPr id="2" name="Title 1">
+            <a:extLst>
+              <a:ext uri="{FF2B5EF4-FFF2-40B4-BE49-F238E27FC236}">
+                <a16:creationId xmlns:a16="http://schemas.microsoft.com/office/drawing/2014/main" id="{30B9A21F-EAFF-91DA-C23A-D54B1776E537}"/>
+              </a:ext>
+            </a:extLst>
+          </p:cNvPr>
+          <p:cNvSpPr>
+            <a:spLocks noGrp="1"/>
+          </p:cNvSpPr>
+          <p:nvPr>
+            <p:ph type="title"/>
+          </p:nvPr>
+        </p:nvSpPr>
+        <p:spPr/>
+        <p:txBody>
+          <a:bodyPr>
+            <a:normAutofit/>
+          </a:bodyPr>
+          <a:lstStyle/>
+          <a:p>
+            <a:r>
+              <a:rPr lang="en-US" sz="7200" b="1" dirty="0"/>
+              <a:t>A JMH Project</a:t>
+            </a:r>
+            <a:endParaRPr lang="en-CA" sz="7200" b="1" dirty="0"/>
+          </a:p>
+        </p:txBody>
+      </p:sp>
+      <p:sp>
+        <p:nvSpPr>
+          <p:cNvPr id="3" name="Content Placeholder 2">
+            <a:extLst>
+              <a:ext uri="{FF2B5EF4-FFF2-40B4-BE49-F238E27FC236}">
+                <a16:creationId xmlns:a16="http://schemas.microsoft.com/office/drawing/2014/main" id="{E902FB0D-476C-F59E-D2ED-143B9EC06CDE}"/>
+              </a:ext>
+            </a:extLst>
+          </p:cNvPr>
+          <p:cNvSpPr>
+            <a:spLocks noGrp="1"/>
+          </p:cNvSpPr>
+          <p:nvPr>
+            <p:ph idx="1"/>
+          </p:nvPr>
+        </p:nvSpPr>
+        <p:spPr/>
+        <p:txBody>
+          <a:bodyPr>
+            <a:normAutofit fontScale="92500" lnSpcReduction="20000"/>
+          </a:bodyPr>
+          <a:lstStyle/>
+          <a:p>
+            <a:pPr>
+              <a:lnSpc>
+                <a:spcPct val="150000"/>
+              </a:lnSpc>
+            </a:pPr>
+            <a:r>
+              <a:rPr lang="en-US" sz="5400" dirty="0"/>
+              <a:t>Update the pom.xml file with the version of Java you will use.</a:t>
+            </a:r>
+          </a:p>
+          <a:p>
+            <a:pPr>
+              <a:lnSpc>
+                <a:spcPct val="150000"/>
+              </a:lnSpc>
+            </a:pPr>
+            <a:r>
+              <a:rPr lang="en-US" sz="5400" dirty="0"/>
+              <a:t>Optionally, update the version numbers of the plugins</a:t>
+            </a:r>
+          </a:p>
+        </p:txBody>
+      </p:sp>
+    </p:spTree>
+    <p:extLst>
+      <p:ext uri="{BB962C8B-B14F-4D97-AF65-F5344CB8AC3E}">
+        <p14:creationId xmlns:p14="http://schemas.microsoft.com/office/powerpoint/2010/main" val="2504785593"/>
+      </p:ext>
+    </p:extLst>
+  </p:cSld>
+  <p:clrMapOvr>
+    <a:masterClrMapping/>
+  </p:clrMapOvr>
+</p:sld>
+</file>
+
+<file path=ppt/slides/slide22.xml><?xml version="1.0" encoding="utf-8"?>
+<p:sld xmlns:a="http://schemas.openxmlformats.org/drawingml/2006/main" xmlns:r="http://schemas.openxmlformats.org/officeDocument/2006/relationships" xmlns:p="http://schemas.openxmlformats.org/presentationml/2006/main">
+  <p:cSld>
+    <p:spTree>
+      <p:nvGrpSpPr>
+        <p:cNvPr id="1" name=""/>
+        <p:cNvGrpSpPr/>
+        <p:nvPr/>
+      </p:nvGrpSpPr>
+      <p:grpSpPr>
+        <a:xfrm>
+          <a:off x="0" y="0"/>
+          <a:ext cx="0" cy="0"/>
+          <a:chOff x="0" y="0"/>
+          <a:chExt cx="0" cy="0"/>
+        </a:xfrm>
+      </p:grpSpPr>
+      <p:sp>
+        <p:nvSpPr>
+          <p:cNvPr id="2" name="Title 1">
+            <a:extLst>
+              <a:ext uri="{FF2B5EF4-FFF2-40B4-BE49-F238E27FC236}">
+                <a16:creationId xmlns:a16="http://schemas.microsoft.com/office/drawing/2014/main" id="{74CBF0FB-7DF1-703C-F180-45A88ED846CB}"/>
+              </a:ext>
+            </a:extLst>
+          </p:cNvPr>
+          <p:cNvSpPr>
+            <a:spLocks noGrp="1"/>
+          </p:cNvSpPr>
+          <p:nvPr>
+            <p:ph type="title"/>
+          </p:nvPr>
+        </p:nvSpPr>
+        <p:spPr/>
+        <p:txBody>
+          <a:bodyPr>
+            <a:normAutofit/>
+          </a:bodyPr>
+          <a:lstStyle/>
+          <a:p>
+            <a:r>
+              <a:rPr lang="en-US" sz="6000" b="1" dirty="0"/>
+              <a:t>How the Harness will work</a:t>
+            </a:r>
+            <a:endParaRPr lang="en-CA" sz="6000" b="1" dirty="0"/>
+          </a:p>
+        </p:txBody>
+      </p:sp>
+      <p:sp>
+        <p:nvSpPr>
+          <p:cNvPr id="3" name="Content Placeholder 2">
+            <a:extLst>
+              <a:ext uri="{FF2B5EF4-FFF2-40B4-BE49-F238E27FC236}">
+                <a16:creationId xmlns:a16="http://schemas.microsoft.com/office/drawing/2014/main" id="{71FAC5D7-5487-FC49-4B64-47DB8F98306D}"/>
+              </a:ext>
+            </a:extLst>
+          </p:cNvPr>
+          <p:cNvSpPr>
+            <a:spLocks noGrp="1"/>
+          </p:cNvSpPr>
+          <p:nvPr>
+            <p:ph idx="1"/>
+          </p:nvPr>
+        </p:nvSpPr>
+        <p:spPr/>
+        <p:txBody>
+          <a:bodyPr>
+            <a:noAutofit/>
+          </a:bodyPr>
+          <a:lstStyle/>
+          <a:p>
+            <a:pPr>
+              <a:lnSpc>
+                <a:spcPct val="100000"/>
+              </a:lnSpc>
+              <a:spcBef>
+                <a:spcPts val="0"/>
+              </a:spcBef>
+              <a:spcAft>
+                <a:spcPts val="2000"/>
+              </a:spcAft>
+            </a:pPr>
+            <a:r>
+              <a:rPr lang="en-US" sz="5400" dirty="0"/>
+              <a:t>No need for a main method</a:t>
+            </a:r>
+          </a:p>
+          <a:p>
+            <a:pPr>
+              <a:lnSpc>
+                <a:spcPct val="100000"/>
+              </a:lnSpc>
+              <a:spcBef>
+                <a:spcPts val="0"/>
+              </a:spcBef>
+            </a:pPr>
+            <a:r>
+              <a:rPr lang="en-US" sz="5400" dirty="0"/>
+              <a:t>Create one or more classes with methods annotated with @Benchmark</a:t>
+            </a:r>
+          </a:p>
+        </p:txBody>
+      </p:sp>
+    </p:spTree>
+    <p:extLst>
+      <p:ext uri="{BB962C8B-B14F-4D97-AF65-F5344CB8AC3E}">
+        <p14:creationId xmlns:p14="http://schemas.microsoft.com/office/powerpoint/2010/main" val="1814729343"/>
+      </p:ext>
+    </p:extLst>
+  </p:cSld>
+  <p:clrMapOvr>
+    <a:masterClrMapping/>
+  </p:clrMapOvr>
+</p:sld>
+</file>
+
+<file path=ppt/slides/slide23.xml><?xml version="1.0" encoding="utf-8"?>
+<p:sld xmlns:a="http://schemas.openxmlformats.org/drawingml/2006/main" xmlns:r="http://schemas.openxmlformats.org/officeDocument/2006/relationships" xmlns:p="http://schemas.openxmlformats.org/presentationml/2006/main">
+  <p:cSld>
+    <p:spTree>
+      <p:nvGrpSpPr>
+        <p:cNvPr id="1" name=""/>
+        <p:cNvGrpSpPr/>
+        <p:nvPr/>
+      </p:nvGrpSpPr>
+      <p:grpSpPr>
+        <a:xfrm>
+          <a:off x="0" y="0"/>
+          <a:ext cx="0" cy="0"/>
+          <a:chOff x="0" y="0"/>
+          <a:chExt cx="0" cy="0"/>
+        </a:xfrm>
+      </p:grpSpPr>
+      <p:sp>
+        <p:nvSpPr>
+          <p:cNvPr id="2" name="Title 1">
+            <a:extLst>
+              <a:ext uri="{FF2B5EF4-FFF2-40B4-BE49-F238E27FC236}">
                 <a16:creationId xmlns:a16="http://schemas.microsoft.com/office/drawing/2014/main" id="{04375BFD-E5BF-C3BF-CDCF-99DA1AECDE3E}"/>
               </a:ext>
             </a:extLst>
@@ -17880,7 +18281,7 @@
 </p:sld>
 </file>
 
-<file path=ppt/slides/slide21.xml><?xml version="1.0" encoding="utf-8"?>
+<file path=ppt/slides/slide24.xml><?xml version="1.0" encoding="utf-8"?>
 <p:sld xmlns:a="http://schemas.openxmlformats.org/drawingml/2006/main" xmlns:r="http://schemas.openxmlformats.org/officeDocument/2006/relationships" xmlns:p="http://schemas.openxmlformats.org/presentationml/2006/main">
   <p:cSld>
     <p:spTree>
@@ -17954,7 +18355,7 @@
 </p:sld>
 </file>
 
-<file path=ppt/slides/slide22.xml><?xml version="1.0" encoding="utf-8"?>
+<file path=ppt/slides/slide25.xml><?xml version="1.0" encoding="utf-8"?>
 <p:sld xmlns:a="http://schemas.openxmlformats.org/drawingml/2006/main" xmlns:r="http://schemas.openxmlformats.org/officeDocument/2006/relationships" xmlns:p="http://schemas.openxmlformats.org/presentationml/2006/main">
   <p:cSld>
     <p:spTree>
@@ -18113,7 +18514,7 @@
 </p:sld>
 </file>
 
-<file path=ppt/slides/slide23.xml><?xml version="1.0" encoding="utf-8"?>
+<file path=ppt/slides/slide26.xml><?xml version="1.0" encoding="utf-8"?>
 <p:sld xmlns:a="http://schemas.openxmlformats.org/drawingml/2006/main" xmlns:r="http://schemas.openxmlformats.org/officeDocument/2006/relationships" xmlns:p="http://schemas.openxmlformats.org/presentationml/2006/main">
   <p:cSld>
     <p:spTree>
@@ -18283,7 +18684,7 @@
 </p:sld>
 </file>
 
-<file path=ppt/slides/slide24.xml><?xml version="1.0" encoding="utf-8"?>
+<file path=ppt/slides/slide27.xml><?xml version="1.0" encoding="utf-8"?>
 <p:sld xmlns:a="http://schemas.openxmlformats.org/drawingml/2006/main" xmlns:r="http://schemas.openxmlformats.org/officeDocument/2006/relationships" xmlns:p="http://schemas.openxmlformats.org/presentationml/2006/main">
   <p:cSld>
     <p:bg>
@@ -19036,7 +19437,7 @@
 </p:sld>
 </file>
 
-<file path=ppt/slides/slide25.xml><?xml version="1.0" encoding="utf-8"?>
+<file path=ppt/slides/slide28.xml><?xml version="1.0" encoding="utf-8"?>
 <p:sld xmlns:a="http://schemas.openxmlformats.org/drawingml/2006/main" xmlns:r="http://schemas.openxmlformats.org/officeDocument/2006/relationships" xmlns:p="http://schemas.openxmlformats.org/presentationml/2006/main">
   <p:cSld>
     <p:spTree>
@@ -19157,7 +19558,7 @@
 </p:sld>
 </file>
 
-<file path=ppt/slides/slide26.xml><?xml version="1.0" encoding="utf-8"?>
+<file path=ppt/slides/slide29.xml><?xml version="1.0" encoding="utf-8"?>
 <p:sld xmlns:a="http://schemas.openxmlformats.org/drawingml/2006/main" xmlns:r="http://schemas.openxmlformats.org/officeDocument/2006/relationships" xmlns:p="http://schemas.openxmlformats.org/presentationml/2006/main">
   <p:cSld>
     <p:bg>
@@ -19686,6 +20087,12 @@
               <a:t>Slides are in this repo.</a:t>
             </a:r>
           </a:p>
+          <a:p>
+            <a:r>
+              <a:rPr lang="en-CA" sz="3600" dirty="0"/>
+              <a:t>The next slides show references and repos of other code used today</a:t>
+            </a:r>
+          </a:p>
         </p:txBody>
       </p:sp>
       <p:pic>
@@ -19737,7 +20144,94 @@
 </p:sld>
 </file>
 
-<file path=ppt/slides/slide27.xml><?xml version="1.0" encoding="utf-8"?>
+<file path=ppt/slides/slide3.xml><?xml version="1.0" encoding="utf-8"?>
+<p:sld xmlns:a="http://schemas.openxmlformats.org/drawingml/2006/main" xmlns:r="http://schemas.openxmlformats.org/officeDocument/2006/relationships" xmlns:p="http://schemas.openxmlformats.org/presentationml/2006/main">
+  <p:cSld>
+    <p:spTree>
+      <p:nvGrpSpPr>
+        <p:cNvPr id="1" name=""/>
+        <p:cNvGrpSpPr/>
+        <p:nvPr/>
+      </p:nvGrpSpPr>
+      <p:grpSpPr>
+        <a:xfrm>
+          <a:off x="0" y="0"/>
+          <a:ext cx="0" cy="0"/>
+          <a:chOff x="0" y="0"/>
+          <a:chExt cx="0" cy="0"/>
+        </a:xfrm>
+      </p:grpSpPr>
+      <p:sp>
+        <p:nvSpPr>
+          <p:cNvPr id="3" name="Content Placeholder 2">
+            <a:extLst>
+              <a:ext uri="{FF2B5EF4-FFF2-40B4-BE49-F238E27FC236}">
+                <a16:creationId xmlns:a16="http://schemas.microsoft.com/office/drawing/2014/main" id="{87E342A3-10BD-22AD-A439-7555F714EA65}"/>
+              </a:ext>
+            </a:extLst>
+          </p:cNvPr>
+          <p:cNvSpPr>
+            <a:spLocks noGrp="1"/>
+          </p:cNvSpPr>
+          <p:nvPr>
+            <p:ph idx="1"/>
+          </p:nvPr>
+        </p:nvSpPr>
+        <p:spPr>
+          <a:xfrm>
+            <a:off x="838200" y="417443"/>
+            <a:ext cx="10515600" cy="5759520"/>
+          </a:xfrm>
+        </p:spPr>
+        <p:txBody>
+          <a:bodyPr anchor="ctr">
+            <a:normAutofit/>
+          </a:bodyPr>
+          <a:lstStyle/>
+          <a:p>
+            <a:pPr marL="0" indent="0" algn="ctr">
+              <a:buNone/>
+            </a:pPr>
+            <a:r>
+              <a:rPr lang="en-US" sz="8000" b="1" dirty="0"/>
+              <a:t>When I taught </a:t>
+            </a:r>
+          </a:p>
+          <a:p>
+            <a:pPr marL="0" indent="0" algn="ctr">
+              <a:buNone/>
+            </a:pPr>
+            <a:r>
+              <a:rPr lang="en-US" sz="8000" b="1" dirty="0"/>
+              <a:t>Java Collections</a:t>
+            </a:r>
+          </a:p>
+          <a:p>
+            <a:pPr marL="0" indent="0" algn="ctr">
+              <a:buNone/>
+            </a:pPr>
+            <a:r>
+              <a:rPr lang="en-US" sz="8000" b="1" dirty="0"/>
+              <a:t>. . .</a:t>
+            </a:r>
+            <a:endParaRPr lang="en-CA" sz="8000" b="1" dirty="0"/>
+          </a:p>
+        </p:txBody>
+      </p:sp>
+    </p:spTree>
+    <p:extLst>
+      <p:ext uri="{BB962C8B-B14F-4D97-AF65-F5344CB8AC3E}">
+        <p14:creationId xmlns:p14="http://schemas.microsoft.com/office/powerpoint/2010/main" val="2299448504"/>
+      </p:ext>
+    </p:extLst>
+  </p:cSld>
+  <p:clrMapOvr>
+    <a:masterClrMapping/>
+  </p:clrMapOvr>
+</p:sld>
+</file>
+
+<file path=ppt/slides/slide30.xml><?xml version="1.0" encoding="utf-8"?>
 <p:sld xmlns:a="http://schemas.openxmlformats.org/drawingml/2006/main" xmlns:r="http://schemas.openxmlformats.org/officeDocument/2006/relationships" xmlns:p="http://schemas.openxmlformats.org/presentationml/2006/main">
   <p:cSld>
     <p:spTree>
@@ -20032,7 +20526,7 @@
 </p:sld>
 </file>
 
-<file path=ppt/slides/slide28.xml><?xml version="1.0" encoding="utf-8"?>
+<file path=ppt/slides/slide31.xml><?xml version="1.0" encoding="utf-8"?>
 <p:sld xmlns:a="http://schemas.openxmlformats.org/drawingml/2006/main" xmlns:r="http://schemas.openxmlformats.org/officeDocument/2006/relationships" xmlns:p="http://schemas.openxmlformats.org/presentationml/2006/main">
   <p:cSld>
     <p:spTree>
@@ -20102,7 +20596,7 @@
         </p:spPr>
         <p:txBody>
           <a:bodyPr>
-            <a:normAutofit fontScale="92500"/>
+            <a:normAutofit fontScale="92500" lnSpcReduction="20000"/>
           </a:bodyPr>
           <a:lstStyle/>
           <a:p>
@@ -20142,6 +20636,15 @@
             <a:endParaRPr lang="en-CA" dirty="0"/>
           </a:p>
           <a:p>
+            <a:r>
+              <a:rPr lang="en-CA" dirty="0">
+                <a:hlinkClick r:id="rId6"/>
+              </a:rPr>
+              <a:t>https://github.com/omniprof/JMH_TestBed</a:t>
+            </a:r>
+            <a:endParaRPr lang="en-CA" dirty="0"/>
+          </a:p>
+          <a:p>
             <a:endParaRPr lang="en-CA" dirty="0"/>
           </a:p>
           <a:p>
@@ -20153,7 +20656,7 @@
           <a:p>
             <a:r>
               <a:rPr lang="en-CA" dirty="0">
-                <a:hlinkClick r:id="rId6"/>
+                <a:hlinkClick r:id="rId7"/>
               </a:rPr>
               <a:t>https://github.com/openjdk/jmh</a:t>
             </a:r>
@@ -20173,7 +20676,7 @@
           <a:p>
             <a:r>
               <a:rPr lang="en-CA" dirty="0">
-                <a:hlinkClick r:id="rId7"/>
+                <a:hlinkClick r:id="rId8"/>
               </a:rPr>
               <a:t>https://javadoc.io/doc/org.openjdk.jmh/jmh-core/latest/index.html</a:t>
             </a:r>
@@ -20194,93 +20697,6 @@
     <p:extLst>
       <p:ext uri="{BB962C8B-B14F-4D97-AF65-F5344CB8AC3E}">
         <p14:creationId xmlns:p14="http://schemas.microsoft.com/office/powerpoint/2010/main" val="4098053017"/>
-      </p:ext>
-    </p:extLst>
-  </p:cSld>
-  <p:clrMapOvr>
-    <a:masterClrMapping/>
-  </p:clrMapOvr>
-</p:sld>
-</file>
-
-<file path=ppt/slides/slide3.xml><?xml version="1.0" encoding="utf-8"?>
-<p:sld xmlns:a="http://schemas.openxmlformats.org/drawingml/2006/main" xmlns:r="http://schemas.openxmlformats.org/officeDocument/2006/relationships" xmlns:p="http://schemas.openxmlformats.org/presentationml/2006/main">
-  <p:cSld>
-    <p:spTree>
-      <p:nvGrpSpPr>
-        <p:cNvPr id="1" name=""/>
-        <p:cNvGrpSpPr/>
-        <p:nvPr/>
-      </p:nvGrpSpPr>
-      <p:grpSpPr>
-        <a:xfrm>
-          <a:off x="0" y="0"/>
-          <a:ext cx="0" cy="0"/>
-          <a:chOff x="0" y="0"/>
-          <a:chExt cx="0" cy="0"/>
-        </a:xfrm>
-      </p:grpSpPr>
-      <p:sp>
-        <p:nvSpPr>
-          <p:cNvPr id="3" name="Content Placeholder 2">
-            <a:extLst>
-              <a:ext uri="{FF2B5EF4-FFF2-40B4-BE49-F238E27FC236}">
-                <a16:creationId xmlns:a16="http://schemas.microsoft.com/office/drawing/2014/main" id="{87E342A3-10BD-22AD-A439-7555F714EA65}"/>
-              </a:ext>
-            </a:extLst>
-          </p:cNvPr>
-          <p:cNvSpPr>
-            <a:spLocks noGrp="1"/>
-          </p:cNvSpPr>
-          <p:nvPr>
-            <p:ph idx="1"/>
-          </p:nvPr>
-        </p:nvSpPr>
-        <p:spPr>
-          <a:xfrm>
-            <a:off x="838200" y="417443"/>
-            <a:ext cx="10515600" cy="5759520"/>
-          </a:xfrm>
-        </p:spPr>
-        <p:txBody>
-          <a:bodyPr anchor="ctr">
-            <a:normAutofit/>
-          </a:bodyPr>
-          <a:lstStyle/>
-          <a:p>
-            <a:pPr marL="0" indent="0" algn="ctr">
-              <a:buNone/>
-            </a:pPr>
-            <a:r>
-              <a:rPr lang="en-US" sz="8000" b="1" dirty="0"/>
-              <a:t>When I taught </a:t>
-            </a:r>
-          </a:p>
-          <a:p>
-            <a:pPr marL="0" indent="0" algn="ctr">
-              <a:buNone/>
-            </a:pPr>
-            <a:r>
-              <a:rPr lang="en-US" sz="8000" b="1" dirty="0"/>
-              <a:t>Java Collections</a:t>
-            </a:r>
-          </a:p>
-          <a:p>
-            <a:pPr marL="0" indent="0" algn="ctr">
-              <a:buNone/>
-            </a:pPr>
-            <a:r>
-              <a:rPr lang="en-US" sz="8000" b="1" dirty="0"/>
-              <a:t>. . .</a:t>
-            </a:r>
-            <a:endParaRPr lang="en-CA" sz="8000" b="1" dirty="0"/>
-          </a:p>
-        </p:txBody>
-      </p:sp>
-    </p:spTree>
-    <p:extLst>
-      <p:ext uri="{BB962C8B-B14F-4D97-AF65-F5344CB8AC3E}">
-        <p14:creationId xmlns:p14="http://schemas.microsoft.com/office/powerpoint/2010/main" val="2299448504"/>
       </p:ext>
     </p:extLst>
   </p:cSld>

--- a/docs/JMH_Slides.pptx
+++ b/docs/JMH_Slides.pptx
@@ -18,11 +18,11 @@
     <p:sldId id="258" r:id="rId9"/>
     <p:sldId id="260" r:id="rId10"/>
     <p:sldId id="298" r:id="rId11"/>
-    <p:sldId id="318" r:id="rId12"/>
-    <p:sldId id="308" r:id="rId13"/>
-    <p:sldId id="299" r:id="rId14"/>
-    <p:sldId id="300" r:id="rId15"/>
-    <p:sldId id="301" r:id="rId16"/>
+    <p:sldId id="308" r:id="rId12"/>
+    <p:sldId id="299" r:id="rId13"/>
+    <p:sldId id="300" r:id="rId14"/>
+    <p:sldId id="301" r:id="rId15"/>
+    <p:sldId id="318" r:id="rId16"/>
     <p:sldId id="302" r:id="rId17"/>
     <p:sldId id="297" r:id="rId18"/>
     <p:sldId id="291" r:id="rId19"/>
@@ -31,9 +31,9 @@
     <p:sldId id="311" r:id="rId22"/>
     <p:sldId id="312" r:id="rId23"/>
     <p:sldId id="315" r:id="rId24"/>
-    <p:sldId id="305" r:id="rId25"/>
+    <p:sldId id="306" r:id="rId25"/>
     <p:sldId id="307" r:id="rId26"/>
-    <p:sldId id="306" r:id="rId27"/>
+    <p:sldId id="305" r:id="rId27"/>
     <p:sldId id="309" r:id="rId28"/>
     <p:sldId id="316" r:id="rId29"/>
     <p:sldId id="317" r:id="rId30"/>
@@ -9913,7 +9913,7 @@
           <a:p>
             <a:fld id="{413A1447-1354-4B57-9DF1-B5147A72B5B6}" type="slidenum">
               <a:rPr lang="en-CA" smtClean="0"/>
-              <a:t>24</a:t>
+              <a:t>26</a:t>
             </a:fld>
             <a:endParaRPr lang="en-CA"/>
           </a:p>
@@ -15036,72 +15036,6 @@
 <file path=ppt/slides/slide11.xml><?xml version="1.0" encoding="utf-8"?>
 <p:sld xmlns:a="http://schemas.openxmlformats.org/drawingml/2006/main" xmlns:r="http://schemas.openxmlformats.org/officeDocument/2006/relationships" xmlns:p="http://schemas.openxmlformats.org/presentationml/2006/main">
   <p:cSld>
-    <p:spTree>
-      <p:nvGrpSpPr>
-        <p:cNvPr id="1" name=""/>
-        <p:cNvGrpSpPr/>
-        <p:nvPr/>
-      </p:nvGrpSpPr>
-      <p:grpSpPr>
-        <a:xfrm>
-          <a:off x="0" y="0"/>
-          <a:ext cx="0" cy="0"/>
-          <a:chOff x="0" y="0"/>
-          <a:chExt cx="0" cy="0"/>
-        </a:xfrm>
-      </p:grpSpPr>
-      <p:sp>
-        <p:nvSpPr>
-          <p:cNvPr id="2" name="Title 1">
-            <a:extLst>
-              <a:ext uri="{FF2B5EF4-FFF2-40B4-BE49-F238E27FC236}">
-                <a16:creationId xmlns:a16="http://schemas.microsoft.com/office/drawing/2014/main" id="{1A986B91-899A-8A23-2D63-A22EB12384BD}"/>
-              </a:ext>
-            </a:extLst>
-          </p:cNvPr>
-          <p:cNvSpPr>
-            <a:spLocks noGrp="1"/>
-          </p:cNvSpPr>
-          <p:nvPr>
-            <p:ph type="title"/>
-          </p:nvPr>
-        </p:nvSpPr>
-        <p:spPr>
-          <a:xfrm>
-            <a:off x="838200" y="365125"/>
-            <a:ext cx="10515600" cy="5812651"/>
-          </a:xfrm>
-        </p:spPr>
-        <p:txBody>
-          <a:bodyPr>
-            <a:normAutofit/>
-          </a:bodyPr>
-          <a:lstStyle/>
-          <a:p>
-            <a:pPr algn="ctr"/>
-            <a:r>
-              <a:rPr lang="en-CA" sz="6000" b="1" dirty="0"/>
-              <a:t>Brief Code Review of Collections Performance 4.1</a:t>
-            </a:r>
-          </a:p>
-        </p:txBody>
-      </p:sp>
-    </p:spTree>
-    <p:extLst>
-      <p:ext uri="{BB962C8B-B14F-4D97-AF65-F5344CB8AC3E}">
-        <p14:creationId xmlns:p14="http://schemas.microsoft.com/office/powerpoint/2010/main" val="1052199278"/>
-      </p:ext>
-    </p:extLst>
-  </p:cSld>
-  <p:clrMapOvr>
-    <a:masterClrMapping/>
-  </p:clrMapOvr>
-</p:sld>
-</file>
-
-<file path=ppt/slides/slide12.xml><?xml version="1.0" encoding="utf-8"?>
-<p:sld xmlns:a="http://schemas.openxmlformats.org/drawingml/2006/main" xmlns:r="http://schemas.openxmlformats.org/officeDocument/2006/relationships" xmlns:p="http://schemas.openxmlformats.org/presentationml/2006/main">
-  <p:cSld>
     <p:bg>
       <p:bgPr>
         <a:solidFill>
@@ -15858,7 +15792,7 @@
 </p:sld>
 </file>
 
-<file path=ppt/slides/slide13.xml><?xml version="1.0" encoding="utf-8"?>
+<file path=ppt/slides/slide12.xml><?xml version="1.0" encoding="utf-8"?>
 <p:sld xmlns:a="http://schemas.openxmlformats.org/drawingml/2006/main" xmlns:r="http://schemas.openxmlformats.org/officeDocument/2006/relationships" xmlns:p="http://schemas.openxmlformats.org/presentationml/2006/main">
   <p:cSld>
     <p:bg>
@@ -16000,7 +15934,7 @@
 </p:sld>
 </file>
 
-<file path=ppt/slides/slide14.xml><?xml version="1.0" encoding="utf-8"?>
+<file path=ppt/slides/slide13.xml><?xml version="1.0" encoding="utf-8"?>
 <p:sld xmlns:a="http://schemas.openxmlformats.org/drawingml/2006/main" xmlns:r="http://schemas.openxmlformats.org/officeDocument/2006/relationships" xmlns:p="http://schemas.openxmlformats.org/presentationml/2006/main">
   <p:cSld>
     <p:bg>
@@ -16570,7 +16504,7 @@
 </p:sld>
 </file>
 
-<file path=ppt/slides/slide15.xml><?xml version="1.0" encoding="utf-8"?>
+<file path=ppt/slides/slide14.xml><?xml version="1.0" encoding="utf-8"?>
 <p:sld xmlns:a="http://schemas.openxmlformats.org/drawingml/2006/main" xmlns:r="http://schemas.openxmlformats.org/officeDocument/2006/relationships" xmlns:p="http://schemas.openxmlformats.org/presentationml/2006/main">
   <p:cSld>
     <p:bg>
@@ -17181,6 +17115,72 @@
     <p:extLst>
       <p:ext uri="{BB962C8B-B14F-4D97-AF65-F5344CB8AC3E}">
         <p14:creationId xmlns:p14="http://schemas.microsoft.com/office/powerpoint/2010/main" val="747773298"/>
+      </p:ext>
+    </p:extLst>
+  </p:cSld>
+  <p:clrMapOvr>
+    <a:masterClrMapping/>
+  </p:clrMapOvr>
+</p:sld>
+</file>
+
+<file path=ppt/slides/slide15.xml><?xml version="1.0" encoding="utf-8"?>
+<p:sld xmlns:a="http://schemas.openxmlformats.org/drawingml/2006/main" xmlns:r="http://schemas.openxmlformats.org/officeDocument/2006/relationships" xmlns:p="http://schemas.openxmlformats.org/presentationml/2006/main">
+  <p:cSld>
+    <p:spTree>
+      <p:nvGrpSpPr>
+        <p:cNvPr id="1" name=""/>
+        <p:cNvGrpSpPr/>
+        <p:nvPr/>
+      </p:nvGrpSpPr>
+      <p:grpSpPr>
+        <a:xfrm>
+          <a:off x="0" y="0"/>
+          <a:ext cx="0" cy="0"/>
+          <a:chOff x="0" y="0"/>
+          <a:chExt cx="0" cy="0"/>
+        </a:xfrm>
+      </p:grpSpPr>
+      <p:sp>
+        <p:nvSpPr>
+          <p:cNvPr id="2" name="Title 1">
+            <a:extLst>
+              <a:ext uri="{FF2B5EF4-FFF2-40B4-BE49-F238E27FC236}">
+                <a16:creationId xmlns:a16="http://schemas.microsoft.com/office/drawing/2014/main" id="{1A986B91-899A-8A23-2D63-A22EB12384BD}"/>
+              </a:ext>
+            </a:extLst>
+          </p:cNvPr>
+          <p:cNvSpPr>
+            <a:spLocks noGrp="1"/>
+          </p:cNvSpPr>
+          <p:nvPr>
+            <p:ph type="title"/>
+          </p:nvPr>
+        </p:nvSpPr>
+        <p:spPr>
+          <a:xfrm>
+            <a:off x="838200" y="365125"/>
+            <a:ext cx="10515600" cy="5812651"/>
+          </a:xfrm>
+        </p:spPr>
+        <p:txBody>
+          <a:bodyPr>
+            <a:normAutofit/>
+          </a:bodyPr>
+          <a:lstStyle/>
+          <a:p>
+            <a:pPr algn="ctr"/>
+            <a:r>
+              <a:rPr lang="en-CA" sz="6000" b="1" dirty="0"/>
+              <a:t>Brief Code Review of Collections Performance 4.1</a:t>
+            </a:r>
+          </a:p>
+        </p:txBody>
+      </p:sp>
+    </p:spTree>
+    <p:extLst>
+      <p:ext uri="{BB962C8B-B14F-4D97-AF65-F5344CB8AC3E}">
+        <p14:creationId xmlns:p14="http://schemas.microsoft.com/office/powerpoint/2010/main" val="1052199278"/>
       </p:ext>
     </p:extLst>
   </p:cSld>
@@ -18303,7 +18303,7 @@
           <p:cNvPr id="2" name="Title 1">
             <a:extLst>
               <a:ext uri="{FF2B5EF4-FFF2-40B4-BE49-F238E27FC236}">
-                <a16:creationId xmlns:a16="http://schemas.microsoft.com/office/drawing/2014/main" id="{3F2998E5-D307-24AB-6089-2A1EAF0C71B2}"/>
+                <a16:creationId xmlns:a16="http://schemas.microsoft.com/office/drawing/2014/main" id="{586FC9A7-2237-326D-9433-DCE1D472D0C4}"/>
               </a:ext>
             </a:extLst>
           </p:cNvPr>
@@ -18314,10 +18314,39 @@
             <p:ph type="title"/>
           </p:nvPr>
         </p:nvSpPr>
+        <p:spPr/>
+        <p:txBody>
+          <a:bodyPr/>
+          <a:lstStyle/>
+          <a:p>
+            <a:r>
+              <a:rPr lang="en-US" b="1" dirty="0"/>
+              <a:t>Configure the code for the JMH</a:t>
+            </a:r>
+            <a:endParaRPr lang="en-CA" b="1" dirty="0"/>
+          </a:p>
+        </p:txBody>
+      </p:sp>
+      <p:sp>
+        <p:nvSpPr>
+          <p:cNvPr id="5" name="Content Placeholder 4">
+            <a:extLst>
+              <a:ext uri="{FF2B5EF4-FFF2-40B4-BE49-F238E27FC236}">
+                <a16:creationId xmlns:a16="http://schemas.microsoft.com/office/drawing/2014/main" id="{B5A2540A-082A-8C86-E7AA-EBFD34B004C7}"/>
+              </a:ext>
+            </a:extLst>
+          </p:cNvPr>
+          <p:cNvSpPr>
+            <a:spLocks noGrp="1"/>
+          </p:cNvSpPr>
+          <p:nvPr>
+            <p:ph idx="1"/>
+          </p:nvPr>
+        </p:nvSpPr>
         <p:spPr>
           <a:xfrm>
-            <a:off x="838200" y="365125"/>
-            <a:ext cx="10515600" cy="5212715"/>
+            <a:off x="838200" y="1825625"/>
+            <a:ext cx="11185634" cy="4351338"/>
           </a:xfrm>
         </p:spPr>
         <p:txBody>
@@ -18326,26 +18355,93 @@
           </a:bodyPr>
           <a:lstStyle/>
           <a:p>
-            <a:pPr algn="ctr"/>
+            <a:pPr marL="0" indent="0">
+              <a:spcAft>
+                <a:spcPts val="1000"/>
+              </a:spcAft>
+              <a:buNone/>
+            </a:pPr>
             <a:r>
-              <a:rPr lang="en-US" sz="6000" b="1" dirty="0"/>
-              <a:t>Let’s benchmark something simple:</a:t>
+              <a:rPr lang="en-CA" sz="4000" b="1" dirty="0">
+                <a:latin typeface="Consolas" panose="020B0609020204030204" pitchFamily="49" charset="0"/>
+              </a:rPr>
+              <a:t>@Benchmark</a:t>
             </a:r>
-            <a:br>
-              <a:rPr lang="en-US" sz="6000" b="1" dirty="0"/>
-            </a:br>
+          </a:p>
+          <a:p>
+            <a:pPr marL="0" indent="0">
+              <a:spcAft>
+                <a:spcPts val="1000"/>
+              </a:spcAft>
+              <a:buNone/>
+            </a:pPr>
             <a:r>
-              <a:rPr lang="en-US" sz="6000" b="1" dirty="0"/>
-              <a:t>String Concatenation vs StringBuilder</a:t>
+              <a:rPr lang="en-CA" sz="4000" b="1" dirty="0">
+                <a:latin typeface="Consolas" panose="020B0609020204030204" pitchFamily="49" charset="0"/>
+              </a:rPr>
+              <a:t>@Fork(value = 2)</a:t>
             </a:r>
-            <a:endParaRPr lang="en-CA" sz="6000" b="1" dirty="0"/>
+          </a:p>
+          <a:p>
+            <a:pPr marL="0" indent="0">
+              <a:spcAft>
+                <a:spcPts val="1000"/>
+              </a:spcAft>
+              <a:buNone/>
+            </a:pPr>
+            <a:r>
+              <a:rPr lang="en-CA" sz="4000" b="1" dirty="0">
+                <a:latin typeface="Consolas" panose="020B0609020204030204" pitchFamily="49" charset="0"/>
+              </a:rPr>
+              <a:t>@Measurement(iterations = 10, time = 2)</a:t>
+            </a:r>
+          </a:p>
+          <a:p>
+            <a:pPr marL="0" indent="0">
+              <a:spcAft>
+                <a:spcPts val="1000"/>
+              </a:spcAft>
+              <a:buNone/>
+            </a:pPr>
+            <a:r>
+              <a:rPr lang="en-CA" sz="4000" b="1" dirty="0">
+                <a:latin typeface="Consolas" panose="020B0609020204030204" pitchFamily="49" charset="0"/>
+              </a:rPr>
+              <a:t>@Warmup(iterations = 5, time = 2)</a:t>
+            </a:r>
+          </a:p>
+          <a:p>
+            <a:pPr marL="0" indent="0">
+              <a:spcAft>
+                <a:spcPts val="1000"/>
+              </a:spcAft>
+              <a:buNone/>
+            </a:pPr>
+            <a:r>
+              <a:rPr lang="en-CA" sz="4000" b="1" dirty="0">
+                <a:latin typeface="Consolas" panose="020B0609020204030204" pitchFamily="49" charset="0"/>
+              </a:rPr>
+              <a:t>public String </a:t>
+            </a:r>
+            <a:r>
+              <a:rPr lang="en-CA" sz="4000" b="1" dirty="0" err="1">
+                <a:latin typeface="Consolas" panose="020B0609020204030204" pitchFamily="49" charset="0"/>
+              </a:rPr>
+              <a:t>stringConcat</a:t>
+            </a:r>
+            <a:r>
+              <a:rPr lang="en-CA" sz="4000" b="1" dirty="0">
+                <a:latin typeface="Consolas" panose="020B0609020204030204" pitchFamily="49" charset="0"/>
+              </a:rPr>
+              <a:t>() {</a:t>
+            </a:r>
           </a:p>
         </p:txBody>
       </p:sp>
     </p:spTree>
     <p:extLst>
       <p:ext uri="{BB962C8B-B14F-4D97-AF65-F5344CB8AC3E}">
-        <p14:creationId xmlns:p14="http://schemas.microsoft.com/office/powerpoint/2010/main" val="2506194144"/>
+        <p14:creationId xmlns:p14="http://schemas.microsoft.com/office/powerpoint/2010/main" val="337034077"/>
       </p:ext>
     </p:extLst>
   </p:cSld>
@@ -18536,7 +18632,7 @@
           <p:cNvPr id="2" name="Title 1">
             <a:extLst>
               <a:ext uri="{FF2B5EF4-FFF2-40B4-BE49-F238E27FC236}">
-                <a16:creationId xmlns:a16="http://schemas.microsoft.com/office/drawing/2014/main" id="{586FC9A7-2237-326D-9433-DCE1D472D0C4}"/>
+                <a16:creationId xmlns:a16="http://schemas.microsoft.com/office/drawing/2014/main" id="{3F2998E5-D307-24AB-6089-2A1EAF0C71B2}"/>
               </a:ext>
             </a:extLst>
           </p:cNvPr>
@@ -18547,39 +18643,10 @@
             <p:ph type="title"/>
           </p:nvPr>
         </p:nvSpPr>
-        <p:spPr/>
-        <p:txBody>
-          <a:bodyPr/>
-          <a:lstStyle/>
-          <a:p>
-            <a:r>
-              <a:rPr lang="en-US" b="1" dirty="0"/>
-              <a:t>Configure the code for the JMH</a:t>
-            </a:r>
-            <a:endParaRPr lang="en-CA" b="1" dirty="0"/>
-          </a:p>
-        </p:txBody>
-      </p:sp>
-      <p:sp>
-        <p:nvSpPr>
-          <p:cNvPr id="5" name="Content Placeholder 4">
-            <a:extLst>
-              <a:ext uri="{FF2B5EF4-FFF2-40B4-BE49-F238E27FC236}">
-                <a16:creationId xmlns:a16="http://schemas.microsoft.com/office/drawing/2014/main" id="{B5A2540A-082A-8C86-E7AA-EBFD34B004C7}"/>
-              </a:ext>
-            </a:extLst>
-          </p:cNvPr>
-          <p:cNvSpPr>
-            <a:spLocks noGrp="1"/>
-          </p:cNvSpPr>
-          <p:nvPr>
-            <p:ph idx="1"/>
-          </p:nvPr>
-        </p:nvSpPr>
         <p:spPr>
           <a:xfrm>
-            <a:off x="838200" y="1825625"/>
-            <a:ext cx="11185634" cy="4351338"/>
+            <a:off x="838200" y="365125"/>
+            <a:ext cx="10515600" cy="5212715"/>
           </a:xfrm>
         </p:spPr>
         <p:txBody>
@@ -18588,93 +18655,26 @@
           </a:bodyPr>
           <a:lstStyle/>
           <a:p>
-            <a:pPr marL="0" indent="0">
-              <a:spcAft>
-                <a:spcPts val="1000"/>
-              </a:spcAft>
-              <a:buNone/>
-            </a:pPr>
+            <a:pPr algn="ctr"/>
             <a:r>
-              <a:rPr lang="en-CA" sz="4000" b="1" dirty="0">
-                <a:latin typeface="Consolas" panose="020B0609020204030204" pitchFamily="49" charset="0"/>
-              </a:rPr>
-              <a:t>@Benchmark</a:t>
+              <a:rPr lang="en-US" sz="6000" b="1" dirty="0"/>
+              <a:t>Let’s benchmark something simple:</a:t>
             </a:r>
-          </a:p>
-          <a:p>
-            <a:pPr marL="0" indent="0">
-              <a:spcAft>
-                <a:spcPts val="1000"/>
-              </a:spcAft>
-              <a:buNone/>
-            </a:pPr>
+            <a:br>
+              <a:rPr lang="en-US" sz="6000" b="1" dirty="0"/>
+            </a:br>
             <a:r>
-              <a:rPr lang="en-CA" sz="4000" b="1" dirty="0">
-                <a:latin typeface="Consolas" panose="020B0609020204030204" pitchFamily="49" charset="0"/>
-              </a:rPr>
-              <a:t>@Fork(value = 2)</a:t>
+              <a:rPr lang="en-US" sz="6000" b="1" dirty="0"/>
+              <a:t>String Concatenation vs StringBuilder</a:t>
             </a:r>
-          </a:p>
-          <a:p>
-            <a:pPr marL="0" indent="0">
-              <a:spcAft>
-                <a:spcPts val="1000"/>
-              </a:spcAft>
-              <a:buNone/>
-            </a:pPr>
-            <a:r>
-              <a:rPr lang="en-CA" sz="4000" b="1" dirty="0">
-                <a:latin typeface="Consolas" panose="020B0609020204030204" pitchFamily="49" charset="0"/>
-              </a:rPr>
-              <a:t>@Measurement(iterations = 10, time = 2)</a:t>
-            </a:r>
-          </a:p>
-          <a:p>
-            <a:pPr marL="0" indent="0">
-              <a:spcAft>
-                <a:spcPts val="1000"/>
-              </a:spcAft>
-              <a:buNone/>
-            </a:pPr>
-            <a:r>
-              <a:rPr lang="en-CA" sz="4000" b="1" dirty="0">
-                <a:latin typeface="Consolas" panose="020B0609020204030204" pitchFamily="49" charset="0"/>
-              </a:rPr>
-              <a:t>@Warmup(iterations = 5, time = 2)</a:t>
-            </a:r>
-          </a:p>
-          <a:p>
-            <a:pPr marL="0" indent="0">
-              <a:spcAft>
-                <a:spcPts val="1000"/>
-              </a:spcAft>
-              <a:buNone/>
-            </a:pPr>
-            <a:r>
-              <a:rPr lang="en-CA" sz="4000" b="1" dirty="0">
-                <a:latin typeface="Consolas" panose="020B0609020204030204" pitchFamily="49" charset="0"/>
-              </a:rPr>
-              <a:t>public String </a:t>
-            </a:r>
-            <a:r>
-              <a:rPr lang="en-CA" sz="4000" b="1" dirty="0" err="1">
-                <a:latin typeface="Consolas" panose="020B0609020204030204" pitchFamily="49" charset="0"/>
-              </a:rPr>
-              <a:t>stringConcat</a:t>
-            </a:r>
-            <a:r>
-              <a:rPr lang="en-CA" sz="4000" b="1" dirty="0">
-                <a:latin typeface="Consolas" panose="020B0609020204030204" pitchFamily="49" charset="0"/>
-              </a:rPr>
-              <a:t>() {</a:t>
-            </a:r>
+            <a:endParaRPr lang="en-CA" sz="6000" b="1" dirty="0"/>
           </a:p>
         </p:txBody>
       </p:sp>
     </p:spTree>
     <p:extLst>
       <p:ext uri="{BB962C8B-B14F-4D97-AF65-F5344CB8AC3E}">
-        <p14:creationId xmlns:p14="http://schemas.microsoft.com/office/powerpoint/2010/main" val="337034077"/>
+        <p14:creationId xmlns:p14="http://schemas.microsoft.com/office/powerpoint/2010/main" val="2506194144"/>
       </p:ext>
     </p:extLst>
   </p:cSld>

--- a/docs/JMH_Slides.pptx
+++ b/docs/JMH_Slides.pptx
@@ -5,7 +5,7 @@
     <p:sldMasterId id="2147483660" r:id="rId1"/>
   </p:sldMasterIdLst>
   <p:notesMasterIdLst>
-    <p:notesMasterId r:id="rId33"/>
+    <p:notesMasterId r:id="rId34"/>
   </p:notesMasterIdLst>
   <p:sldIdLst>
     <p:sldId id="256" r:id="rId2"/>
@@ -34,11 +34,12 @@
     <p:sldId id="306" r:id="rId25"/>
     <p:sldId id="307" r:id="rId26"/>
     <p:sldId id="305" r:id="rId27"/>
-    <p:sldId id="309" r:id="rId28"/>
-    <p:sldId id="316" r:id="rId29"/>
-    <p:sldId id="317" r:id="rId30"/>
-    <p:sldId id="259" r:id="rId31"/>
-    <p:sldId id="310" r:id="rId32"/>
+    <p:sldId id="319" r:id="rId28"/>
+    <p:sldId id="309" r:id="rId29"/>
+    <p:sldId id="316" r:id="rId30"/>
+    <p:sldId id="317" r:id="rId31"/>
+    <p:sldId id="259" r:id="rId32"/>
+    <p:sldId id="310" r:id="rId33"/>
   </p:sldIdLst>
   <p:sldSz cx="12192000" cy="6858000"/>
   <p:notesSz cx="6858000" cy="9144000"/>
@@ -18687,6 +18688,129 @@
 <file path=ppt/slides/slide27.xml><?xml version="1.0" encoding="utf-8"?>
 <p:sld xmlns:a="http://schemas.openxmlformats.org/drawingml/2006/main" xmlns:r="http://schemas.openxmlformats.org/officeDocument/2006/relationships" xmlns:p="http://schemas.openxmlformats.org/presentationml/2006/main">
   <p:cSld>
+    <p:spTree>
+      <p:nvGrpSpPr>
+        <p:cNvPr id="1" name=""/>
+        <p:cNvGrpSpPr/>
+        <p:nvPr/>
+      </p:nvGrpSpPr>
+      <p:grpSpPr>
+        <a:xfrm>
+          <a:off x="0" y="0"/>
+          <a:ext cx="0" cy="0"/>
+          <a:chOff x="0" y="0"/>
+          <a:chExt cx="0" cy="0"/>
+        </a:xfrm>
+      </p:grpSpPr>
+      <p:sp>
+        <p:nvSpPr>
+          <p:cNvPr id="2" name="Title 1">
+            <a:extLst>
+              <a:ext uri="{FF2B5EF4-FFF2-40B4-BE49-F238E27FC236}">
+                <a16:creationId xmlns:a16="http://schemas.microsoft.com/office/drawing/2014/main" id="{8D50265B-658A-8886-FD73-98B857236A61}"/>
+              </a:ext>
+            </a:extLst>
+          </p:cNvPr>
+          <p:cNvSpPr>
+            <a:spLocks noGrp="1"/>
+          </p:cNvSpPr>
+          <p:nvPr>
+            <p:ph type="title"/>
+          </p:nvPr>
+        </p:nvSpPr>
+        <p:spPr/>
+        <p:txBody>
+          <a:bodyPr>
+            <a:normAutofit/>
+          </a:bodyPr>
+          <a:lstStyle/>
+          <a:p>
+            <a:r>
+              <a:rPr lang="en-CA" sz="6000" b="1" dirty="0"/>
+              <a:t>Reduce JVM Optimizations</a:t>
+            </a:r>
+          </a:p>
+        </p:txBody>
+      </p:sp>
+      <p:sp>
+        <p:nvSpPr>
+          <p:cNvPr id="3" name="Content Placeholder 2">
+            <a:extLst>
+              <a:ext uri="{FF2B5EF4-FFF2-40B4-BE49-F238E27FC236}">
+                <a16:creationId xmlns:a16="http://schemas.microsoft.com/office/drawing/2014/main" id="{D2BBC33D-A910-615C-D329-EDFE7D1C19D4}"/>
+              </a:ext>
+            </a:extLst>
+          </p:cNvPr>
+          <p:cNvSpPr>
+            <a:spLocks noGrp="1"/>
+          </p:cNvSpPr>
+          <p:nvPr>
+            <p:ph sz="half" idx="1"/>
+          </p:nvPr>
+        </p:nvSpPr>
+        <p:spPr/>
+        <p:txBody>
+          <a:bodyPr>
+            <a:normAutofit/>
+          </a:bodyPr>
+          <a:lstStyle/>
+          <a:p>
+            <a:r>
+              <a:rPr lang="en-CA" sz="4800" b="1" dirty="0"/>
+              <a:t>Create and use a State class/object</a:t>
+            </a:r>
+          </a:p>
+          <a:p>
+            <a:endParaRPr lang="en-CA" sz="4800" b="1" dirty="0"/>
+          </a:p>
+        </p:txBody>
+      </p:sp>
+      <p:sp>
+        <p:nvSpPr>
+          <p:cNvPr id="4" name="Content Placeholder 3">
+            <a:extLst>
+              <a:ext uri="{FF2B5EF4-FFF2-40B4-BE49-F238E27FC236}">
+                <a16:creationId xmlns:a16="http://schemas.microsoft.com/office/drawing/2014/main" id="{96F32223-E9DD-76BD-6445-275A34CDB328}"/>
+              </a:ext>
+            </a:extLst>
+          </p:cNvPr>
+          <p:cNvSpPr>
+            <a:spLocks noGrp="1"/>
+          </p:cNvSpPr>
+          <p:nvPr>
+            <p:ph sz="half" idx="2"/>
+          </p:nvPr>
+        </p:nvSpPr>
+        <p:spPr/>
+        <p:txBody>
+          <a:bodyPr>
+            <a:normAutofit/>
+          </a:bodyPr>
+          <a:lstStyle/>
+          <a:p>
+            <a:r>
+              <a:rPr lang="en-CA" sz="4800" b="1" dirty="0"/>
+              <a:t>Use a Blackhole object</a:t>
+            </a:r>
+          </a:p>
+        </p:txBody>
+      </p:sp>
+    </p:spTree>
+    <p:extLst>
+      <p:ext uri="{BB962C8B-B14F-4D97-AF65-F5344CB8AC3E}">
+        <p14:creationId xmlns:p14="http://schemas.microsoft.com/office/powerpoint/2010/main" val="2259759732"/>
+      </p:ext>
+    </p:extLst>
+  </p:cSld>
+  <p:clrMapOvr>
+    <a:masterClrMapping/>
+  </p:clrMapOvr>
+</p:sld>
+</file>
+
+<file path=ppt/slides/slide28.xml><?xml version="1.0" encoding="utf-8"?>
+<p:sld xmlns:a="http://schemas.openxmlformats.org/drawingml/2006/main" xmlns:r="http://schemas.openxmlformats.org/officeDocument/2006/relationships" xmlns:p="http://schemas.openxmlformats.org/presentationml/2006/main">
+  <p:cSld>
     <p:bg>
       <p:bgPr>
         <a:solidFill>
@@ -19437,7 +19561,7 @@
 </p:sld>
 </file>
 
-<file path=ppt/slides/slide28.xml><?xml version="1.0" encoding="utf-8"?>
+<file path=ppt/slides/slide29.xml><?xml version="1.0" encoding="utf-8"?>
 <p:sld xmlns:a="http://schemas.openxmlformats.org/drawingml/2006/main" xmlns:r="http://schemas.openxmlformats.org/officeDocument/2006/relationships" xmlns:p="http://schemas.openxmlformats.org/presentationml/2006/main">
   <p:cSld>
     <p:spTree>
@@ -19558,7 +19682,94 @@
 </p:sld>
 </file>
 
-<file path=ppt/slides/slide29.xml><?xml version="1.0" encoding="utf-8"?>
+<file path=ppt/slides/slide3.xml><?xml version="1.0" encoding="utf-8"?>
+<p:sld xmlns:a="http://schemas.openxmlformats.org/drawingml/2006/main" xmlns:r="http://schemas.openxmlformats.org/officeDocument/2006/relationships" xmlns:p="http://schemas.openxmlformats.org/presentationml/2006/main">
+  <p:cSld>
+    <p:spTree>
+      <p:nvGrpSpPr>
+        <p:cNvPr id="1" name=""/>
+        <p:cNvGrpSpPr/>
+        <p:nvPr/>
+      </p:nvGrpSpPr>
+      <p:grpSpPr>
+        <a:xfrm>
+          <a:off x="0" y="0"/>
+          <a:ext cx="0" cy="0"/>
+          <a:chOff x="0" y="0"/>
+          <a:chExt cx="0" cy="0"/>
+        </a:xfrm>
+      </p:grpSpPr>
+      <p:sp>
+        <p:nvSpPr>
+          <p:cNvPr id="3" name="Content Placeholder 2">
+            <a:extLst>
+              <a:ext uri="{FF2B5EF4-FFF2-40B4-BE49-F238E27FC236}">
+                <a16:creationId xmlns:a16="http://schemas.microsoft.com/office/drawing/2014/main" id="{87E342A3-10BD-22AD-A439-7555F714EA65}"/>
+              </a:ext>
+            </a:extLst>
+          </p:cNvPr>
+          <p:cNvSpPr>
+            <a:spLocks noGrp="1"/>
+          </p:cNvSpPr>
+          <p:nvPr>
+            <p:ph idx="1"/>
+          </p:nvPr>
+        </p:nvSpPr>
+        <p:spPr>
+          <a:xfrm>
+            <a:off x="838200" y="417443"/>
+            <a:ext cx="10515600" cy="5759520"/>
+          </a:xfrm>
+        </p:spPr>
+        <p:txBody>
+          <a:bodyPr anchor="ctr">
+            <a:normAutofit/>
+          </a:bodyPr>
+          <a:lstStyle/>
+          <a:p>
+            <a:pPr marL="0" indent="0" algn="ctr">
+              <a:buNone/>
+            </a:pPr>
+            <a:r>
+              <a:rPr lang="en-US" sz="8000" b="1" dirty="0"/>
+              <a:t>When I taught </a:t>
+            </a:r>
+          </a:p>
+          <a:p>
+            <a:pPr marL="0" indent="0" algn="ctr">
+              <a:buNone/>
+            </a:pPr>
+            <a:r>
+              <a:rPr lang="en-US" sz="8000" b="1" dirty="0"/>
+              <a:t>Java Collections</a:t>
+            </a:r>
+          </a:p>
+          <a:p>
+            <a:pPr marL="0" indent="0" algn="ctr">
+              <a:buNone/>
+            </a:pPr>
+            <a:r>
+              <a:rPr lang="en-US" sz="8000" b="1" dirty="0"/>
+              <a:t>. . .</a:t>
+            </a:r>
+            <a:endParaRPr lang="en-CA" sz="8000" b="1" dirty="0"/>
+          </a:p>
+        </p:txBody>
+      </p:sp>
+    </p:spTree>
+    <p:extLst>
+      <p:ext uri="{BB962C8B-B14F-4D97-AF65-F5344CB8AC3E}">
+        <p14:creationId xmlns:p14="http://schemas.microsoft.com/office/powerpoint/2010/main" val="2299448504"/>
+      </p:ext>
+    </p:extLst>
+  </p:cSld>
+  <p:clrMapOvr>
+    <a:masterClrMapping/>
+  </p:clrMapOvr>
+</p:sld>
+</file>
+
+<file path=ppt/slides/slide30.xml><?xml version="1.0" encoding="utf-8"?>
 <p:sld xmlns:a="http://schemas.openxmlformats.org/drawingml/2006/main" xmlns:r="http://schemas.openxmlformats.org/officeDocument/2006/relationships" xmlns:p="http://schemas.openxmlformats.org/presentationml/2006/main">
   <p:cSld>
     <p:bg>
@@ -20144,94 +20355,7 @@
 </p:sld>
 </file>
 
-<file path=ppt/slides/slide3.xml><?xml version="1.0" encoding="utf-8"?>
-<p:sld xmlns:a="http://schemas.openxmlformats.org/drawingml/2006/main" xmlns:r="http://schemas.openxmlformats.org/officeDocument/2006/relationships" xmlns:p="http://schemas.openxmlformats.org/presentationml/2006/main">
-  <p:cSld>
-    <p:spTree>
-      <p:nvGrpSpPr>
-        <p:cNvPr id="1" name=""/>
-        <p:cNvGrpSpPr/>
-        <p:nvPr/>
-      </p:nvGrpSpPr>
-      <p:grpSpPr>
-        <a:xfrm>
-          <a:off x="0" y="0"/>
-          <a:ext cx="0" cy="0"/>
-          <a:chOff x="0" y="0"/>
-          <a:chExt cx="0" cy="0"/>
-        </a:xfrm>
-      </p:grpSpPr>
-      <p:sp>
-        <p:nvSpPr>
-          <p:cNvPr id="3" name="Content Placeholder 2">
-            <a:extLst>
-              <a:ext uri="{FF2B5EF4-FFF2-40B4-BE49-F238E27FC236}">
-                <a16:creationId xmlns:a16="http://schemas.microsoft.com/office/drawing/2014/main" id="{87E342A3-10BD-22AD-A439-7555F714EA65}"/>
-              </a:ext>
-            </a:extLst>
-          </p:cNvPr>
-          <p:cNvSpPr>
-            <a:spLocks noGrp="1"/>
-          </p:cNvSpPr>
-          <p:nvPr>
-            <p:ph idx="1"/>
-          </p:nvPr>
-        </p:nvSpPr>
-        <p:spPr>
-          <a:xfrm>
-            <a:off x="838200" y="417443"/>
-            <a:ext cx="10515600" cy="5759520"/>
-          </a:xfrm>
-        </p:spPr>
-        <p:txBody>
-          <a:bodyPr anchor="ctr">
-            <a:normAutofit/>
-          </a:bodyPr>
-          <a:lstStyle/>
-          <a:p>
-            <a:pPr marL="0" indent="0" algn="ctr">
-              <a:buNone/>
-            </a:pPr>
-            <a:r>
-              <a:rPr lang="en-US" sz="8000" b="1" dirty="0"/>
-              <a:t>When I taught </a:t>
-            </a:r>
-          </a:p>
-          <a:p>
-            <a:pPr marL="0" indent="0" algn="ctr">
-              <a:buNone/>
-            </a:pPr>
-            <a:r>
-              <a:rPr lang="en-US" sz="8000" b="1" dirty="0"/>
-              <a:t>Java Collections</a:t>
-            </a:r>
-          </a:p>
-          <a:p>
-            <a:pPr marL="0" indent="0" algn="ctr">
-              <a:buNone/>
-            </a:pPr>
-            <a:r>
-              <a:rPr lang="en-US" sz="8000" b="1" dirty="0"/>
-              <a:t>. . .</a:t>
-            </a:r>
-            <a:endParaRPr lang="en-CA" sz="8000" b="1" dirty="0"/>
-          </a:p>
-        </p:txBody>
-      </p:sp>
-    </p:spTree>
-    <p:extLst>
-      <p:ext uri="{BB962C8B-B14F-4D97-AF65-F5344CB8AC3E}">
-        <p14:creationId xmlns:p14="http://schemas.microsoft.com/office/powerpoint/2010/main" val="2299448504"/>
-      </p:ext>
-    </p:extLst>
-  </p:cSld>
-  <p:clrMapOvr>
-    <a:masterClrMapping/>
-  </p:clrMapOvr>
-</p:sld>
-</file>
-
-<file path=ppt/slides/slide30.xml><?xml version="1.0" encoding="utf-8"?>
+<file path=ppt/slides/slide31.xml><?xml version="1.0" encoding="utf-8"?>
 <p:sld xmlns:a="http://schemas.openxmlformats.org/drawingml/2006/main" xmlns:r="http://schemas.openxmlformats.org/officeDocument/2006/relationships" xmlns:p="http://schemas.openxmlformats.org/presentationml/2006/main">
   <p:cSld>
     <p:spTree>
@@ -20526,7 +20650,7 @@
 </p:sld>
 </file>
 
-<file path=ppt/slides/slide31.xml><?xml version="1.0" encoding="utf-8"?>
+<file path=ppt/slides/slide32.xml><?xml version="1.0" encoding="utf-8"?>
 <p:sld xmlns:a="http://schemas.openxmlformats.org/drawingml/2006/main" xmlns:r="http://schemas.openxmlformats.org/officeDocument/2006/relationships" xmlns:p="http://schemas.openxmlformats.org/presentationml/2006/main">
   <p:cSld>
     <p:spTree>

--- a/docs/JMH_Slides.pptx
+++ b/docs/JMH_Slides.pptx
@@ -9488,7 +9488,7 @@
           <a:p>
             <a:fld id="{A1F43688-356A-414E-ADA9-B0FD2D279C04}" type="datetimeFigureOut">
               <a:rPr lang="en-CA" smtClean="0"/>
-              <a:t>2024-09-04</a:t>
+              <a:t>2024-09-05</a:t>
             </a:fld>
             <a:endParaRPr lang="en-CA"/>
           </a:p>
@@ -10080,7 +10080,7 @@
           <a:p>
             <a:fld id="{65B910DF-B555-4D30-B35E-2297D59E32D0}" type="datetime1">
               <a:rPr lang="en-US" smtClean="0"/>
-              <a:t>9/4/2024</a:t>
+              <a:t>9/5/2024</a:t>
             </a:fld>
             <a:endParaRPr lang="en-US" dirty="0"/>
           </a:p>
@@ -10283,7 +10283,7 @@
           <a:p>
             <a:fld id="{29D1D79F-E600-4AC1-A639-0B9FB8286C38}" type="datetime1">
               <a:rPr lang="en-US" smtClean="0"/>
-              <a:t>9/4/2024</a:t>
+              <a:t>9/5/2024</a:t>
             </a:fld>
             <a:endParaRPr lang="en-US" dirty="0"/>
           </a:p>
@@ -10496,7 +10496,7 @@
           <a:p>
             <a:fld id="{390F5D60-A842-4D08-9D7D-A7A57AB501A2}" type="datetime1">
               <a:rPr lang="en-US" smtClean="0"/>
-              <a:t>9/4/2024</a:t>
+              <a:t>9/5/2024</a:t>
             </a:fld>
             <a:endParaRPr lang="en-US" dirty="0"/>
           </a:p>
@@ -10711,7 +10711,7 @@
           <a:p>
             <a:fld id="{0DF2F1F9-9322-493A-A9EE-BB75692CE5F5}" type="datetime1">
               <a:rPr lang="en-US" smtClean="0"/>
-              <a:t>9/4/2024</a:t>
+              <a:t>9/5/2024</a:t>
             </a:fld>
             <a:endParaRPr lang="en-US" dirty="0"/>
           </a:p>
@@ -10991,7 +10991,7 @@
           <a:p>
             <a:fld id="{7858DE51-4D5E-4D23-8181-86A5B05D5351}" type="datetime1">
               <a:rPr lang="en-US" smtClean="0"/>
-              <a:t>9/4/2024</a:t>
+              <a:t>9/5/2024</a:t>
             </a:fld>
             <a:endParaRPr lang="en-US" dirty="0"/>
           </a:p>
@@ -11261,7 +11261,7 @@
           <a:p>
             <a:fld id="{9C399FCA-87F3-427A-B1A2-15346103C68A}" type="datetime1">
               <a:rPr lang="en-US" smtClean="0"/>
-              <a:t>9/4/2024</a:t>
+              <a:t>9/5/2024</a:t>
             </a:fld>
             <a:endParaRPr lang="en-US" dirty="0"/>
           </a:p>
@@ -11678,7 +11678,7 @@
           <a:p>
             <a:fld id="{693DF709-7E2D-49E6-A629-D8E3363D194F}" type="datetime1">
               <a:rPr lang="en-US" smtClean="0"/>
-              <a:t>9/4/2024</a:t>
+              <a:t>9/5/2024</a:t>
             </a:fld>
             <a:endParaRPr lang="en-US" dirty="0"/>
           </a:p>
@@ -11824,7 +11824,7 @@
           <a:p>
             <a:fld id="{85D0A921-9375-4BAA-A7C2-7975528669FA}" type="datetime1">
               <a:rPr lang="en-US" smtClean="0"/>
-              <a:t>9/4/2024</a:t>
+              <a:t>9/5/2024</a:t>
             </a:fld>
             <a:endParaRPr lang="en-US" dirty="0"/>
           </a:p>
@@ -11942,7 +11942,7 @@
           <a:p>
             <a:fld id="{A5D25425-F285-48AE-A409-A618E3EEA628}" type="datetime1">
               <a:rPr lang="en-US" smtClean="0"/>
-              <a:t>9/4/2024</a:t>
+              <a:t>9/5/2024</a:t>
             </a:fld>
             <a:endParaRPr lang="en-US" dirty="0"/>
           </a:p>
@@ -12258,7 +12258,7 @@
           <a:p>
             <a:fld id="{EB56A94D-7D6A-4378-93F6-A3A33186E34B}" type="datetime1">
               <a:rPr lang="en-US" smtClean="0"/>
-              <a:t>9/4/2024</a:t>
+              <a:t>9/5/2024</a:t>
             </a:fld>
             <a:endParaRPr lang="en-US" dirty="0"/>
           </a:p>
@@ -12554,7 +12554,7 @@
           <a:p>
             <a:fld id="{285FC0F9-687B-4417-9D77-CE2D7AD8C321}" type="datetime1">
               <a:rPr lang="en-US" smtClean="0"/>
-              <a:t>9/4/2024</a:t>
+              <a:t>9/5/2024</a:t>
             </a:fld>
             <a:endParaRPr lang="en-US" dirty="0"/>
           </a:p>
@@ -13591,7 +13591,7 @@
           <a:p>
             <a:fld id="{B32DFD30-2122-4F4A-97B4-D0A849E36C5F}" type="datetime1">
               <a:rPr lang="en-US" smtClean="0"/>
-              <a:t>9/4/2024</a:t>
+              <a:t>9/5/2024</a:t>
             </a:fld>
             <a:endParaRPr lang="en-US" dirty="0"/>
           </a:p>
@@ -14853,8 +14853,8 @@
         </p:nvSpPr>
         <p:spPr>
           <a:xfrm>
-            <a:off x="838200" y="129209"/>
-            <a:ext cx="10515600" cy="3496860"/>
+            <a:off x="838200" y="129208"/>
+            <a:ext cx="10515600" cy="5725181"/>
           </a:xfrm>
         </p:spPr>
         <p:txBody>
@@ -14890,134 +14890,6 @@
               <a:t>* actually, quite a long list</a:t>
             </a:r>
             <a:endParaRPr lang="en-CA" sz="3200" b="1" dirty="0"/>
-          </a:p>
-        </p:txBody>
-      </p:sp>
-      <p:sp>
-        <p:nvSpPr>
-          <p:cNvPr id="4" name="TextBox 3">
-            <a:extLst>
-              <a:ext uri="{FF2B5EF4-FFF2-40B4-BE49-F238E27FC236}">
-                <a16:creationId xmlns:a16="http://schemas.microsoft.com/office/drawing/2014/main" id="{867617D1-9DA7-91C8-975D-0EDBA74B000C}"/>
-              </a:ext>
-            </a:extLst>
-          </p:cNvPr>
-          <p:cNvSpPr txBox="1"/>
-          <p:nvPr/>
-        </p:nvSpPr>
-        <p:spPr>
-          <a:xfrm>
-            <a:off x="838200" y="4088524"/>
-            <a:ext cx="10515600" cy="2800767"/>
-          </a:xfrm>
-          <a:prstGeom prst="rect">
-            <a:avLst/>
-          </a:prstGeom>
-          <a:noFill/>
-        </p:spPr>
-        <p:txBody>
-          <a:bodyPr wrap="square" rtlCol="0">
-            <a:spAutoFit/>
-          </a:bodyPr>
-          <a:lstStyle/>
-          <a:p>
-            <a:pPr marL="0" marR="0" lvl="0" indent="0" algn="ctr" defTabSz="914400" rtl="0" eaLnBrk="1" fontAlgn="auto" latinLnBrk="0" hangingPunct="1">
-              <a:lnSpc>
-                <a:spcPct val="100000"/>
-              </a:lnSpc>
-              <a:spcBef>
-                <a:spcPts val="0"/>
-              </a:spcBef>
-              <a:spcAft>
-                <a:spcPts val="0"/>
-              </a:spcAft>
-              <a:buClrTx/>
-              <a:buSzTx/>
-              <a:buFontTx/>
-              <a:buNone/>
-              <a:tabLst/>
-              <a:defRPr/>
-            </a:pPr>
-            <a:r>
-              <a:rPr kumimoji="0" lang="en-US" sz="4400" b="1" i="0" u="none" strike="noStrike" kern="1200" cap="none" spc="0" normalizeH="0" baseline="0" noProof="0" dirty="0">
-                <a:ln>
-                  <a:noFill/>
-                </a:ln>
-                <a:solidFill>
-                  <a:srgbClr val="000000"/>
-                </a:solidFill>
-                <a:effectLst/>
-                <a:uLnTx/>
-                <a:uFillTx/>
-                <a:latin typeface="Open sans"/>
-                <a:ea typeface="+mn-ea"/>
-                <a:cs typeface="+mn-cs"/>
-              </a:rPr>
-              <a:t>Audience Participation:</a:t>
-            </a:r>
-            <a:br>
-              <a:rPr kumimoji="0" lang="en-US" sz="4400" b="1" i="0" u="none" strike="noStrike" kern="1200" cap="none" spc="0" normalizeH="0" baseline="0" noProof="0" dirty="0">
-                <a:ln>
-                  <a:noFill/>
-                </a:ln>
-                <a:solidFill>
-                  <a:srgbClr val="000000"/>
-                </a:solidFill>
-                <a:effectLst/>
-                <a:uLnTx/>
-                <a:uFillTx/>
-                <a:latin typeface="Open sans"/>
-                <a:ea typeface="+mn-ea"/>
-                <a:cs typeface="+mn-cs"/>
-              </a:rPr>
-            </a:br>
-            <a:r>
-              <a:rPr kumimoji="0" lang="en-US" sz="4400" b="1" i="0" u="none" strike="noStrike" kern="1200" cap="none" spc="0" normalizeH="0" baseline="0" noProof="0" dirty="0">
-                <a:ln>
-                  <a:noFill/>
-                </a:ln>
-                <a:solidFill>
-                  <a:srgbClr val="000000"/>
-                </a:solidFill>
-                <a:effectLst/>
-                <a:uLnTx/>
-                <a:uFillTx/>
-                <a:latin typeface="Open sans"/>
-                <a:ea typeface="+mn-ea"/>
-                <a:cs typeface="+mn-cs"/>
-              </a:rPr>
-              <a:t>From these results what do you think I have done wrong.</a:t>
-            </a:r>
-            <a:br>
-              <a:rPr kumimoji="0" lang="en-US" sz="4400" b="1" i="0" u="none" strike="noStrike" kern="1200" cap="none" spc="0" normalizeH="0" baseline="0" noProof="0" dirty="0">
-                <a:ln>
-                  <a:noFill/>
-                </a:ln>
-                <a:solidFill>
-                  <a:srgbClr val="000000"/>
-                </a:solidFill>
-                <a:effectLst/>
-                <a:uLnTx/>
-                <a:uFillTx/>
-                <a:latin typeface="Open sans"/>
-                <a:ea typeface="+mn-ea"/>
-                <a:cs typeface="+mn-cs"/>
-              </a:rPr>
-            </a:br>
-            <a:endParaRPr kumimoji="0" lang="en-CA" sz="4400" b="0" i="0" u="none" strike="noStrike" kern="1200" cap="none" spc="0" normalizeH="0" baseline="0" noProof="0" dirty="0">
-              <a:ln>
-                <a:noFill/>
-              </a:ln>
-              <a:solidFill>
-                <a:srgbClr val="000000"/>
-              </a:solidFill>
-              <a:effectLst/>
-              <a:uLnTx/>
-              <a:uFillTx/>
-              <a:latin typeface="Open sans"/>
-              <a:ea typeface="+mn-ea"/>
-              <a:cs typeface="+mn-cs"/>
-            </a:endParaRPr>
           </a:p>
         </p:txBody>
       </p:sp>
@@ -18322,7 +18194,7 @@
           <a:p>
             <a:r>
               <a:rPr lang="en-US" b="1" dirty="0"/>
-              <a:t>Configure the code for the JMH</a:t>
+              <a:t>Configure the method for the JMH</a:t>
             </a:r>
             <a:endParaRPr lang="en-CA" b="1" dirty="0"/>
           </a:p>
@@ -18394,7 +18266,7 @@
               <a:rPr lang="en-CA" sz="4000" b="1" dirty="0">
                 <a:latin typeface="Consolas" panose="020B0609020204030204" pitchFamily="49" charset="0"/>
               </a:rPr>
-              <a:t>@Measurement(iterations = 10, time = 2)</a:t>
+              <a:t>@Measurement(iterations = 5, time = 10)</a:t>
             </a:r>
           </a:p>
           <a:p>
@@ -18408,33 +18280,7 @@
               <a:rPr lang="en-CA" sz="4000" b="1" dirty="0">
                 <a:latin typeface="Consolas" panose="020B0609020204030204" pitchFamily="49" charset="0"/>
               </a:rPr>
-              <a:t>@Warmup(iterations = 5, time = 2)</a:t>
-            </a:r>
-          </a:p>
-          <a:p>
-            <a:pPr marL="0" indent="0">
-              <a:spcAft>
-                <a:spcPts val="1000"/>
-              </a:spcAft>
-              <a:buNone/>
-            </a:pPr>
-            <a:r>
-              <a:rPr lang="en-CA" sz="4000" b="1" dirty="0">
-                <a:latin typeface="Consolas" panose="020B0609020204030204" pitchFamily="49" charset="0"/>
-              </a:rPr>
-              <a:t>public String </a:t>
-            </a:r>
-            <a:r>
-              <a:rPr lang="en-CA" sz="4000" b="1" dirty="0" err="1">
-                <a:latin typeface="Consolas" panose="020B0609020204030204" pitchFamily="49" charset="0"/>
-              </a:rPr>
-              <a:t>stringConcat</a:t>
-            </a:r>
-            <a:r>
-              <a:rPr lang="en-CA" sz="4000" b="1" dirty="0">
-                <a:latin typeface="Consolas" panose="020B0609020204030204" pitchFamily="49" charset="0"/>
-              </a:rPr>
-              <a:t>() {</a:t>
+              <a:t>@Warmup(iterations = 5, time = 10)</a:t>
             </a:r>
           </a:p>
         </p:txBody>
@@ -18565,35 +18411,6 @@
                 <a:latin typeface="Consolas" panose="020B0609020204030204" pitchFamily="49" charset="0"/>
               </a:rPr>
               <a:t>@OutputTimeUnit(TimeUnit.NANOSECONDS)</a:t>
-            </a:r>
-          </a:p>
-          <a:p>
-            <a:pPr marL="0" indent="0">
-              <a:lnSpc>
-                <a:spcPct val="100000"/>
-              </a:lnSpc>
-              <a:spcAft>
-                <a:spcPts val="1000"/>
-              </a:spcAft>
-              <a:buNone/>
-            </a:pPr>
-            <a:r>
-              <a:rPr lang="en-CA" sz="4000" b="1" dirty="0">
-                <a:latin typeface="Consolas" panose="020B0609020204030204" pitchFamily="49" charset="0"/>
-              </a:rPr>
-              <a:t>public class </a:t>
-            </a:r>
-            <a:r>
-              <a:rPr lang="en-CA" sz="4000" b="1" dirty="0" err="1">
-                <a:latin typeface="Consolas" panose="020B0609020204030204" pitchFamily="49" charset="0"/>
-              </a:rPr>
-              <a:t>MyBenchmark</a:t>
-            </a:r>
-            <a:r>
-              <a:rPr lang="en-CA" sz="4000" b="1" dirty="0">
-                <a:latin typeface="Consolas" panose="020B0609020204030204" pitchFamily="49" charset="0"/>
-              </a:rPr>
-              <a:t> {</a:t>
             </a:r>
           </a:p>
         </p:txBody>
@@ -18748,7 +18565,12 @@
             <p:ph sz="half" idx="1"/>
           </p:nvPr>
         </p:nvSpPr>
-        <p:spPr/>
+        <p:spPr>
+          <a:xfrm>
+            <a:off x="838200" y="1825625"/>
+            <a:ext cx="5181600" cy="2211116"/>
+          </a:xfrm>
+        </p:spPr>
         <p:txBody>
           <a:bodyPr>
             <a:normAutofit/>
@@ -18781,7 +18603,12 @@
             <p:ph sz="half" idx="2"/>
           </p:nvPr>
         </p:nvSpPr>
-        <p:spPr/>
+        <p:spPr>
+          <a:xfrm>
+            <a:off x="6172200" y="1825625"/>
+            <a:ext cx="5181600" cy="2211116"/>
+          </a:xfrm>
+        </p:spPr>
         <p:txBody>
           <a:bodyPr>
             <a:normAutofit/>
@@ -18791,6 +18618,41 @@
             <a:r>
               <a:rPr lang="en-CA" sz="4800" b="1" dirty="0"/>
               <a:t>Use a Blackhole object</a:t>
+            </a:r>
+          </a:p>
+        </p:txBody>
+      </p:sp>
+      <p:sp>
+        <p:nvSpPr>
+          <p:cNvPr id="5" name="TextBox 4">
+            <a:extLst>
+              <a:ext uri="{FF2B5EF4-FFF2-40B4-BE49-F238E27FC236}">
+                <a16:creationId xmlns:a16="http://schemas.microsoft.com/office/drawing/2014/main" id="{AF4A08EB-4466-B7E5-BF67-A9D05029A301}"/>
+              </a:ext>
+            </a:extLst>
+          </p:cNvPr>
+          <p:cNvSpPr txBox="1"/>
+          <p:nvPr/>
+        </p:nvSpPr>
+        <p:spPr>
+          <a:xfrm>
+            <a:off x="451624" y="4728116"/>
+            <a:ext cx="11441151" cy="707886"/>
+          </a:xfrm>
+          <a:prstGeom prst="rect">
+            <a:avLst/>
+          </a:prstGeom>
+          <a:noFill/>
+        </p:spPr>
+        <p:txBody>
+          <a:bodyPr wrap="square" rtlCol="0">
+            <a:spAutoFit/>
+          </a:bodyPr>
+          <a:lstStyle/>
+          <a:p>
+            <a:r>
+              <a:rPr lang="en-CA" sz="4000" b="1" dirty="0"/>
+              <a:t>Let’s look at how we deal with optimization.</a:t>
             </a:r>
           </a:p>
         </p:txBody>

--- a/docs/JMH_Slides.pptx
+++ b/docs/JMH_Slides.pptx
@@ -19513,7 +19513,7 @@
           <a:p>
             <a:r>
               <a:rPr lang="en-US" sz="3600" dirty="0"/>
-              <a:t> Second uses the JMH.</a:t>
+              <a:t>Second uses the JMH.</a:t>
             </a:r>
           </a:p>
           <a:p>
@@ -19525,7 +19525,7 @@
           <a:p>
             <a:r>
               <a:rPr lang="en-US" sz="3600" dirty="0"/>
-              <a:t>What has changed is the removal of the loops and the use of state objects.</a:t>
+              <a:t>The big change is that every tested operation is a unique method.</a:t>
             </a:r>
             <a:endParaRPr lang="en-CA" sz="3600" dirty="0"/>
           </a:p>

--- a/docs/JMH_Slides.pptx
+++ b/docs/JMH_Slides.pptx
@@ -5,41 +5,42 @@
     <p:sldMasterId id="2147483660" r:id="rId1"/>
   </p:sldMasterIdLst>
   <p:notesMasterIdLst>
-    <p:notesMasterId r:id="rId34"/>
+    <p:notesMasterId r:id="rId35"/>
   </p:notesMasterIdLst>
   <p:sldIdLst>
-    <p:sldId id="256" r:id="rId2"/>
-    <p:sldId id="289" r:id="rId3"/>
-    <p:sldId id="293" r:id="rId4"/>
-    <p:sldId id="288" r:id="rId5"/>
-    <p:sldId id="290" r:id="rId6"/>
-    <p:sldId id="280" r:id="rId7"/>
-    <p:sldId id="257" r:id="rId8"/>
-    <p:sldId id="258" r:id="rId9"/>
-    <p:sldId id="260" r:id="rId10"/>
-    <p:sldId id="298" r:id="rId11"/>
-    <p:sldId id="308" r:id="rId12"/>
-    <p:sldId id="299" r:id="rId13"/>
-    <p:sldId id="300" r:id="rId14"/>
-    <p:sldId id="301" r:id="rId15"/>
-    <p:sldId id="318" r:id="rId16"/>
-    <p:sldId id="302" r:id="rId17"/>
-    <p:sldId id="297" r:id="rId18"/>
-    <p:sldId id="291" r:id="rId19"/>
-    <p:sldId id="303" r:id="rId20"/>
-    <p:sldId id="304" r:id="rId21"/>
-    <p:sldId id="311" r:id="rId22"/>
-    <p:sldId id="312" r:id="rId23"/>
-    <p:sldId id="315" r:id="rId24"/>
-    <p:sldId id="306" r:id="rId25"/>
-    <p:sldId id="307" r:id="rId26"/>
-    <p:sldId id="305" r:id="rId27"/>
-    <p:sldId id="319" r:id="rId28"/>
-    <p:sldId id="309" r:id="rId29"/>
-    <p:sldId id="316" r:id="rId30"/>
-    <p:sldId id="317" r:id="rId31"/>
-    <p:sldId id="259" r:id="rId32"/>
-    <p:sldId id="310" r:id="rId33"/>
+    <p:sldId id="320" r:id="rId2"/>
+    <p:sldId id="256" r:id="rId3"/>
+    <p:sldId id="289" r:id="rId4"/>
+    <p:sldId id="293" r:id="rId5"/>
+    <p:sldId id="288" r:id="rId6"/>
+    <p:sldId id="290" r:id="rId7"/>
+    <p:sldId id="280" r:id="rId8"/>
+    <p:sldId id="257" r:id="rId9"/>
+    <p:sldId id="258" r:id="rId10"/>
+    <p:sldId id="260" r:id="rId11"/>
+    <p:sldId id="298" r:id="rId12"/>
+    <p:sldId id="308" r:id="rId13"/>
+    <p:sldId id="299" r:id="rId14"/>
+    <p:sldId id="300" r:id="rId15"/>
+    <p:sldId id="301" r:id="rId16"/>
+    <p:sldId id="318" r:id="rId17"/>
+    <p:sldId id="302" r:id="rId18"/>
+    <p:sldId id="297" r:id="rId19"/>
+    <p:sldId id="291" r:id="rId20"/>
+    <p:sldId id="303" r:id="rId21"/>
+    <p:sldId id="304" r:id="rId22"/>
+    <p:sldId id="311" r:id="rId23"/>
+    <p:sldId id="312" r:id="rId24"/>
+    <p:sldId id="315" r:id="rId25"/>
+    <p:sldId id="306" r:id="rId26"/>
+    <p:sldId id="307" r:id="rId27"/>
+    <p:sldId id="305" r:id="rId28"/>
+    <p:sldId id="319" r:id="rId29"/>
+    <p:sldId id="309" r:id="rId30"/>
+    <p:sldId id="316" r:id="rId31"/>
+    <p:sldId id="317" r:id="rId32"/>
+    <p:sldId id="259" r:id="rId33"/>
+    <p:sldId id="310" r:id="rId34"/>
   </p:sldIdLst>
   <p:sldSz cx="12192000" cy="6858000"/>
   <p:notesSz cx="6858000" cy="9144000"/>
@@ -9826,7 +9827,7 @@
                 </a:solidFill>
               </a:rPr>
               <a:pPr/>
-              <a:t>6</a:t>
+              <a:t>7</a:t>
             </a:fld>
             <a:endParaRPr lang="en-CA">
               <a:solidFill>
@@ -9914,7 +9915,7 @@
           <a:p>
             <a:fld id="{413A1447-1354-4B57-9DF1-B5147A72B5B6}" type="slidenum">
               <a:rPr lang="en-CA" smtClean="0"/>
-              <a:t>26</a:t>
+              <a:t>27</a:t>
             </a:fld>
             <a:endParaRPr lang="en-CA"/>
           </a:p>
@@ -14015,6 +14016,2780 @@
 <file path=ppt/slides/slide1.xml><?xml version="1.0" encoding="utf-8"?>
 <p:sld xmlns:a="http://schemas.openxmlformats.org/drawingml/2006/main" xmlns:r="http://schemas.openxmlformats.org/officeDocument/2006/relationships" xmlns:p="http://schemas.openxmlformats.org/presentationml/2006/main">
   <p:cSld>
+    <p:spTree>
+      <p:nvGrpSpPr>
+        <p:cNvPr id="1" name=""/>
+        <p:cNvGrpSpPr/>
+        <p:nvPr/>
+      </p:nvGrpSpPr>
+      <p:grpSpPr>
+        <a:xfrm>
+          <a:off x="0" y="0"/>
+          <a:ext cx="0" cy="0"/>
+          <a:chOff x="0" y="0"/>
+          <a:chExt cx="0" cy="0"/>
+        </a:xfrm>
+      </p:grpSpPr>
+      <p:sp>
+        <p:nvSpPr>
+          <p:cNvPr id="3" name="Content Placeholder 2">
+            <a:extLst>
+              <a:ext uri="{FF2B5EF4-FFF2-40B4-BE49-F238E27FC236}">
+                <a16:creationId xmlns:a16="http://schemas.microsoft.com/office/drawing/2014/main" id="{7A19A715-9402-FABB-5E64-A1608DAA7E41}"/>
+              </a:ext>
+            </a:extLst>
+          </p:cNvPr>
+          <p:cNvSpPr>
+            <a:spLocks noGrp="1"/>
+          </p:cNvSpPr>
+          <p:nvPr>
+            <p:ph idx="1"/>
+          </p:nvPr>
+        </p:nvSpPr>
+        <p:spPr>
+          <a:xfrm>
+            <a:off x="457200" y="551630"/>
+            <a:ext cx="4419594" cy="5749176"/>
+          </a:xfrm>
+        </p:spPr>
+        <p:txBody>
+          <a:bodyPr anchor="t">
+            <a:noAutofit/>
+          </a:bodyPr>
+          <a:lstStyle/>
+          <a:p>
+            <a:r>
+              <a:rPr lang="en-CA" sz="3600" dirty="0"/>
+              <a:t>This will take you to the Collections Performance V6 GitHub repo</a:t>
+            </a:r>
+          </a:p>
+          <a:p>
+            <a:r>
+              <a:rPr lang="en-CA" sz="3600" dirty="0"/>
+              <a:t>Slides are in this repo in docs folder</a:t>
+            </a:r>
+          </a:p>
+          <a:p>
+            <a:r>
+              <a:rPr lang="en-CA" sz="3600" dirty="0"/>
+              <a:t>This will appear again at the end of the presentation.</a:t>
+            </a:r>
+          </a:p>
+          <a:p>
+            <a:endParaRPr lang="en-CA" sz="3600" dirty="0"/>
+          </a:p>
+        </p:txBody>
+      </p:sp>
+      <p:pic>
+        <p:nvPicPr>
+          <p:cNvPr id="5" name="Picture 4" descr="A qr code with a white background&#10;&#10;Description automatically generated">
+            <a:extLst>
+              <a:ext uri="{FF2B5EF4-FFF2-40B4-BE49-F238E27FC236}">
+                <a16:creationId xmlns:a16="http://schemas.microsoft.com/office/drawing/2014/main" id="{D5925D04-0C03-5624-FEF9-0C00756E21A2}"/>
+              </a:ext>
+            </a:extLst>
+          </p:cNvPr>
+          <p:cNvPicPr>
+            <a:picLocks noChangeAspect="1"/>
+          </p:cNvPicPr>
+          <p:nvPr/>
+        </p:nvPicPr>
+        <p:blipFill>
+          <a:blip r:embed="rId2">
+            <a:extLst>
+              <a:ext uri="{28A0092B-C50C-407E-A947-70E740481C1C}">
+                <a14:useLocalDpi xmlns:a14="http://schemas.microsoft.com/office/drawing/2010/main" val="0"/>
+              </a:ext>
+            </a:extLst>
+          </a:blip>
+          <a:stretch>
+            <a:fillRect/>
+          </a:stretch>
+        </p:blipFill>
+        <p:spPr>
+          <a:xfrm>
+            <a:off x="5609110" y="575423"/>
+            <a:ext cx="5749177" cy="5749177"/>
+          </a:xfrm>
+          <a:prstGeom prst="rect">
+            <a:avLst/>
+          </a:prstGeom>
+        </p:spPr>
+      </p:pic>
+    </p:spTree>
+    <p:extLst>
+      <p:ext uri="{BB962C8B-B14F-4D97-AF65-F5344CB8AC3E}">
+        <p14:creationId xmlns:p14="http://schemas.microsoft.com/office/powerpoint/2010/main" val="610115101"/>
+      </p:ext>
+    </p:extLst>
+  </p:cSld>
+  <p:clrMapOvr>
+    <a:masterClrMapping/>
+  </p:clrMapOvr>
+</p:sld>
+</file>
+
+<file path=ppt/slides/slide10.xml><?xml version="1.0" encoding="utf-8"?>
+<p:sld xmlns:a="http://schemas.openxmlformats.org/drawingml/2006/main" xmlns:r="http://schemas.openxmlformats.org/officeDocument/2006/relationships" xmlns:p="http://schemas.openxmlformats.org/presentationml/2006/main">
+  <p:cSld>
+    <p:spTree>
+      <p:nvGrpSpPr>
+        <p:cNvPr id="1" name=""/>
+        <p:cNvGrpSpPr/>
+        <p:nvPr/>
+      </p:nvGrpSpPr>
+      <p:grpSpPr>
+        <a:xfrm>
+          <a:off x="0" y="0"/>
+          <a:ext cx="0" cy="0"/>
+          <a:chOff x="0" y="0"/>
+          <a:chExt cx="0" cy="0"/>
+        </a:xfrm>
+      </p:grpSpPr>
+      <p:sp>
+        <p:nvSpPr>
+          <p:cNvPr id="2" name="Title 1">
+            <a:extLst>
+              <a:ext uri="{FF2B5EF4-FFF2-40B4-BE49-F238E27FC236}">
+                <a16:creationId xmlns:a16="http://schemas.microsoft.com/office/drawing/2014/main" id="{ABFE8A50-2D2F-6978-93E7-70BC3DF25096}"/>
+              </a:ext>
+            </a:extLst>
+          </p:cNvPr>
+          <p:cNvSpPr>
+            <a:spLocks noGrp="1"/>
+          </p:cNvSpPr>
+          <p:nvPr>
+            <p:ph type="title"/>
+          </p:nvPr>
+        </p:nvSpPr>
+        <p:spPr>
+          <a:xfrm>
+            <a:off x="907774" y="225978"/>
+            <a:ext cx="10376451" cy="807692"/>
+          </a:xfrm>
+        </p:spPr>
+        <p:txBody>
+          <a:bodyPr>
+            <a:noAutofit/>
+          </a:bodyPr>
+          <a:lstStyle/>
+          <a:p>
+            <a:r>
+              <a:rPr lang="en-US" sz="5400" b="1" dirty="0"/>
+              <a:t>Let us look at my first version</a:t>
+            </a:r>
+            <a:endParaRPr lang="en-CA" sz="5400" b="1" dirty="0"/>
+          </a:p>
+        </p:txBody>
+      </p:sp>
+      <p:pic>
+        <p:nvPicPr>
+          <p:cNvPr id="5" name="Content Placeholder 4">
+            <a:extLst>
+              <a:ext uri="{FF2B5EF4-FFF2-40B4-BE49-F238E27FC236}">
+                <a16:creationId xmlns:a16="http://schemas.microsoft.com/office/drawing/2014/main" id="{82328E2A-826F-D63F-1A2B-04FA4BC7D93B}"/>
+              </a:ext>
+            </a:extLst>
+          </p:cNvPr>
+          <p:cNvPicPr>
+            <a:picLocks noGrp="1" noChangeAspect="1"/>
+          </p:cNvPicPr>
+          <p:nvPr>
+            <p:ph idx="1"/>
+          </p:nvPr>
+        </p:nvPicPr>
+        <p:blipFill>
+          <a:blip r:embed="rId2"/>
+          <a:stretch>
+            <a:fillRect/>
+          </a:stretch>
+        </p:blipFill>
+        <p:spPr>
+          <a:xfrm>
+            <a:off x="2680920" y="1490870"/>
+            <a:ext cx="7301229" cy="5367129"/>
+          </a:xfrm>
+        </p:spPr>
+      </p:pic>
+    </p:spTree>
+    <p:extLst>
+      <p:ext uri="{BB962C8B-B14F-4D97-AF65-F5344CB8AC3E}">
+        <p14:creationId xmlns:p14="http://schemas.microsoft.com/office/powerpoint/2010/main" val="3610394900"/>
+      </p:ext>
+    </p:extLst>
+  </p:cSld>
+  <p:clrMapOvr>
+    <a:masterClrMapping/>
+  </p:clrMapOvr>
+</p:sld>
+</file>
+
+<file path=ppt/slides/slide11.xml><?xml version="1.0" encoding="utf-8"?>
+<p:sld xmlns:a="http://schemas.openxmlformats.org/drawingml/2006/main" xmlns:r="http://schemas.openxmlformats.org/officeDocument/2006/relationships" xmlns:p="http://schemas.openxmlformats.org/presentationml/2006/main">
+  <p:cSld>
+    <p:spTree>
+      <p:nvGrpSpPr>
+        <p:cNvPr id="1" name=""/>
+        <p:cNvGrpSpPr/>
+        <p:nvPr/>
+      </p:nvGrpSpPr>
+      <p:grpSpPr>
+        <a:xfrm>
+          <a:off x="0" y="0"/>
+          <a:ext cx="0" cy="0"/>
+          <a:chOff x="0" y="0"/>
+          <a:chExt cx="0" cy="0"/>
+        </a:xfrm>
+      </p:grpSpPr>
+      <p:sp>
+        <p:nvSpPr>
+          <p:cNvPr id="2" name="Title 1">
+            <a:extLst>
+              <a:ext uri="{FF2B5EF4-FFF2-40B4-BE49-F238E27FC236}">
+                <a16:creationId xmlns:a16="http://schemas.microsoft.com/office/drawing/2014/main" id="{A88E4978-90E9-EC3C-2BAD-BCFE8BD12C6F}"/>
+              </a:ext>
+            </a:extLst>
+          </p:cNvPr>
+          <p:cNvSpPr>
+            <a:spLocks noGrp="1"/>
+          </p:cNvSpPr>
+          <p:nvPr>
+            <p:ph type="title"/>
+          </p:nvPr>
+        </p:nvSpPr>
+        <p:spPr>
+          <a:xfrm>
+            <a:off x="838200" y="129208"/>
+            <a:ext cx="10515600" cy="5725181"/>
+          </a:xfrm>
+        </p:spPr>
+        <p:txBody>
+          <a:bodyPr>
+            <a:normAutofit/>
+          </a:bodyPr>
+          <a:lstStyle/>
+          <a:p>
+            <a:pPr algn="ctr">
+              <a:lnSpc>
+                <a:spcPct val="150000"/>
+              </a:lnSpc>
+              <a:spcBef>
+                <a:spcPts val="1000"/>
+              </a:spcBef>
+            </a:pPr>
+            <a:r>
+              <a:rPr lang="en-US" sz="5400" b="1" dirty="0"/>
+              <a:t>What have I ignored.</a:t>
+            </a:r>
+            <a:br>
+              <a:rPr lang="en-US" sz="5400" b="1" dirty="0"/>
+            </a:br>
+            <a:r>
+              <a:rPr lang="en-US" sz="5400" b="1" dirty="0"/>
+              <a:t>What have I done wrong?*</a:t>
+            </a:r>
+            <a:br>
+              <a:rPr lang="en-US" sz="5400" b="1" dirty="0"/>
+            </a:br>
+            <a:r>
+              <a:rPr lang="en-US" sz="3200" b="1" dirty="0"/>
+              <a:t>* actually, quite a long list</a:t>
+            </a:r>
+            <a:endParaRPr lang="en-CA" sz="3200" b="1" dirty="0"/>
+          </a:p>
+        </p:txBody>
+      </p:sp>
+    </p:spTree>
+    <p:extLst>
+      <p:ext uri="{BB962C8B-B14F-4D97-AF65-F5344CB8AC3E}">
+        <p14:creationId xmlns:p14="http://schemas.microsoft.com/office/powerpoint/2010/main" val="2925550394"/>
+      </p:ext>
+    </p:extLst>
+  </p:cSld>
+  <p:clrMapOvr>
+    <a:masterClrMapping/>
+  </p:clrMapOvr>
+</p:sld>
+</file>
+
+<file path=ppt/slides/slide12.xml><?xml version="1.0" encoding="utf-8"?>
+<p:sld xmlns:a="http://schemas.openxmlformats.org/drawingml/2006/main" xmlns:r="http://schemas.openxmlformats.org/officeDocument/2006/relationships" xmlns:p="http://schemas.openxmlformats.org/presentationml/2006/main">
+  <p:cSld>
+    <p:bg>
+      <p:bgPr>
+        <a:solidFill>
+          <a:schemeClr val="bg1"/>
+        </a:solidFill>
+        <a:effectLst/>
+      </p:bgPr>
+    </p:bg>
+    <p:spTree>
+      <p:nvGrpSpPr>
+        <p:cNvPr id="1" name=""/>
+        <p:cNvGrpSpPr/>
+        <p:nvPr/>
+      </p:nvGrpSpPr>
+      <p:grpSpPr>
+        <a:xfrm>
+          <a:off x="0" y="0"/>
+          <a:ext cx="0" cy="0"/>
+          <a:chOff x="0" y="0"/>
+          <a:chExt cx="0" cy="0"/>
+        </a:xfrm>
+      </p:grpSpPr>
+      <p:sp useBgFill="1">
+        <p:nvSpPr>
+          <p:cNvPr id="9" name="Rectangle 8">
+            <a:extLst>
+              <a:ext uri="{FF2B5EF4-FFF2-40B4-BE49-F238E27FC236}">
+                <a16:creationId xmlns:a16="http://schemas.microsoft.com/office/drawing/2014/main" id="{25AD4A59-91FA-4E30-8F32-A8AB51F768C6}"/>
+              </a:ext>
+              <a:ext uri="{C183D7F6-B498-43B3-948B-1728B52AA6E4}">
+                <adec:decorative xmlns:adec="http://schemas.microsoft.com/office/drawing/2017/decorative" val="1"/>
+              </a:ext>
+            </a:extLst>
+          </p:cNvPr>
+          <p:cNvSpPr>
+            <a:spLocks noGrp="1" noRot="1" noChangeAspect="1" noMove="1" noResize="1" noEditPoints="1" noAdjustHandles="1" noChangeArrowheads="1" noChangeShapeType="1" noTextEdit="1"/>
+          </p:cNvSpPr>
+          <p:nvPr>
+            <p:extLst>
+              <p:ext uri="{386F3935-93C4-4BCD-93E2-E3B085C9AB24}">
+                <p16:designElem xmlns:p16="http://schemas.microsoft.com/office/powerpoint/2015/main" val="1"/>
+              </p:ext>
+            </p:extLst>
+          </p:nvPr>
+        </p:nvSpPr>
+        <p:spPr>
+          <a:xfrm>
+            <a:off x="0" y="0"/>
+            <a:ext cx="12192000" cy="6858000"/>
+          </a:xfrm>
+          <a:prstGeom prst="rect">
+            <a:avLst/>
+          </a:prstGeom>
+          <a:ln w="3848" cap="flat">
+            <a:noFill/>
+            <a:prstDash val="solid"/>
+            <a:miter/>
+          </a:ln>
+          <a:effectLst/>
+        </p:spPr>
+        <p:txBody>
+          <a:bodyPr rtlCol="0" anchor="ctr"/>
+          <a:lstStyle/>
+          <a:p>
+            <a:endParaRPr lang="en-US" dirty="0">
+              <a:solidFill>
+                <a:schemeClr val="tx1"/>
+              </a:solidFill>
+            </a:endParaRPr>
+          </a:p>
+        </p:txBody>
+      </p:sp>
+      <p:sp>
+        <p:nvSpPr>
+          <p:cNvPr id="11" name="Rectangle 10">
+            <a:extLst>
+              <a:ext uri="{FF2B5EF4-FFF2-40B4-BE49-F238E27FC236}">
+                <a16:creationId xmlns:a16="http://schemas.microsoft.com/office/drawing/2014/main" id="{01AF26B4-1569-483F-8223-4C515A87A527}"/>
+              </a:ext>
+              <a:ext uri="{C183D7F6-B498-43B3-948B-1728B52AA6E4}">
+                <adec:decorative xmlns:adec="http://schemas.microsoft.com/office/drawing/2017/decorative" val="1"/>
+              </a:ext>
+            </a:extLst>
+          </p:cNvPr>
+          <p:cNvSpPr>
+            <a:spLocks noGrp="1" noRot="1" noChangeAspect="1" noMove="1" noResize="1" noEditPoints="1" noAdjustHandles="1" noChangeArrowheads="1" noChangeShapeType="1" noTextEdit="1"/>
+          </p:cNvSpPr>
+          <p:nvPr>
+            <p:extLst>
+              <p:ext uri="{386F3935-93C4-4BCD-93E2-E3B085C9AB24}">
+                <p16:designElem xmlns:p16="http://schemas.microsoft.com/office/powerpoint/2015/main" val="1"/>
+              </p:ext>
+            </p:extLst>
+          </p:nvPr>
+        </p:nvSpPr>
+        <p:spPr>
+          <a:xfrm>
+            <a:off x="0" y="0"/>
+            <a:ext cx="12192000" cy="6858000"/>
+          </a:xfrm>
+          <a:prstGeom prst="rect">
+            <a:avLst/>
+          </a:prstGeom>
+          <a:solidFill>
+            <a:srgbClr val="FFFFFF">
+              <a:alpha val="10000"/>
+            </a:srgbClr>
+          </a:solidFill>
+          <a:ln w="3848" cap="flat">
+            <a:noFill/>
+            <a:prstDash val="solid"/>
+            <a:miter/>
+          </a:ln>
+          <a:effectLst/>
+        </p:spPr>
+        <p:txBody>
+          <a:bodyPr rtlCol="0" anchor="ctr"/>
+          <a:lstStyle/>
+          <a:p>
+            <a:endParaRPr lang="en-US" dirty="0">
+              <a:solidFill>
+                <a:schemeClr val="tx1"/>
+              </a:solidFill>
+            </a:endParaRPr>
+          </a:p>
+        </p:txBody>
+      </p:sp>
+      <p:pic>
+        <p:nvPicPr>
+          <p:cNvPr id="5" name="Picture 4" descr="A basketball on a bench">
+            <a:extLst>
+              <a:ext uri="{FF2B5EF4-FFF2-40B4-BE49-F238E27FC236}">
+                <a16:creationId xmlns:a16="http://schemas.microsoft.com/office/drawing/2014/main" id="{40483F72-DB1B-D46B-2E79-8F15337DC9E5}"/>
+              </a:ext>
+            </a:extLst>
+          </p:cNvPr>
+          <p:cNvPicPr>
+            <a:picLocks noChangeAspect="1"/>
+          </p:cNvPicPr>
+          <p:nvPr/>
+        </p:nvPicPr>
+        <p:blipFill>
+          <a:blip r:embed="rId2">
+            <a:alphaModFix/>
+            <a:extLst>
+              <a:ext uri="{BEBA8EAE-BF5A-486C-A8C5-ECC9F3942E4B}">
+                <a14:imgProps xmlns:a14="http://schemas.microsoft.com/office/drawing/2010/main">
+                  <a14:imgLayer r:embed="rId3">
+                    <a14:imgEffect>
+                      <a14:colorTemperature colorTemp="6000"/>
+                    </a14:imgEffect>
+                    <a14:imgEffect>
+                      <a14:brightnessContrast contrast="-50000"/>
+                    </a14:imgEffect>
+                  </a14:imgLayer>
+                </a14:imgProps>
+              </a:ext>
+            </a:extLst>
+          </a:blip>
+          <a:srcRect t="15710" r="-1" b="-1"/>
+          <a:stretch/>
+        </p:blipFill>
+        <p:spPr>
+          <a:xfrm>
+            <a:off x="-7797" y="10"/>
+            <a:ext cx="12188952" cy="6857990"/>
+          </a:xfrm>
+          <a:prstGeom prst="rect">
+            <a:avLst/>
+          </a:prstGeom>
+        </p:spPr>
+      </p:pic>
+      <p:grpSp>
+        <p:nvGrpSpPr>
+          <p:cNvPr id="13" name="Group 12">
+            <a:extLst>
+              <a:ext uri="{FF2B5EF4-FFF2-40B4-BE49-F238E27FC236}">
+                <a16:creationId xmlns:a16="http://schemas.microsoft.com/office/drawing/2014/main" id="{1AC8529D-DF13-4349-856C-DA81451848A7}"/>
+              </a:ext>
+              <a:ext uri="{C183D7F6-B498-43B3-948B-1728B52AA6E4}">
+                <adec:decorative xmlns:adec="http://schemas.microsoft.com/office/drawing/2017/decorative" val="1"/>
+              </a:ext>
+            </a:extLst>
+          </p:cNvPr>
+          <p:cNvGrpSpPr>
+            <a:grpSpLocks noGrp="1" noUngrp="1" noRot="1" noChangeAspect="1" noMove="1" noResize="1"/>
+          </p:cNvGrpSpPr>
+          <p:nvPr>
+            <p:extLst>
+              <p:ext uri="{386F3935-93C4-4BCD-93E2-E3B085C9AB24}">
+                <p16:designElem xmlns:p16="http://schemas.microsoft.com/office/powerpoint/2015/main" val="1"/>
+              </p:ext>
+            </p:extLst>
+          </p:nvPr>
+        </p:nvGrpSpPr>
+        <p:grpSpPr>
+          <a:xfrm>
+            <a:off x="183404" y="225822"/>
+            <a:ext cx="1847971" cy="2438142"/>
+            <a:chOff x="183404" y="225822"/>
+            <a:chExt cx="1847971" cy="2438142"/>
+          </a:xfrm>
+        </p:grpSpPr>
+        <p:sp useBgFill="1">
+          <p:nvSpPr>
+            <p:cNvPr id="14" name="Graphic 10">
+              <a:extLst>
+                <a:ext uri="{FF2B5EF4-FFF2-40B4-BE49-F238E27FC236}">
+                  <a16:creationId xmlns:a16="http://schemas.microsoft.com/office/drawing/2014/main" id="{23EB0175-B014-4375-9C83-BA3BC7588FC4}"/>
+                </a:ext>
+                <a:ext uri="{C183D7F6-B498-43B3-948B-1728B52AA6E4}">
+                  <adec:decorative xmlns:adec="http://schemas.microsoft.com/office/drawing/2017/decorative" val="1"/>
+                </a:ext>
+              </a:extLst>
+            </p:cNvPr>
+            <p:cNvSpPr/>
+            <p:nvPr>
+              <p:extLst>
+                <p:ext uri="{386F3935-93C4-4BCD-93E2-E3B085C9AB24}">
+                  <p16:designElem xmlns:p16="http://schemas.microsoft.com/office/powerpoint/2015/main" val="1"/>
+                </p:ext>
+              </p:extLst>
+            </p:nvPr>
+          </p:nvSpPr>
+          <p:spPr>
+            <a:xfrm rot="2700000">
+              <a:off x="304800" y="965970"/>
+              <a:ext cx="1066799" cy="1066799"/>
+            </a:xfrm>
+            <a:custGeom>
+              <a:avLst/>
+              <a:gdLst>
+                <a:gd name="connsiteX0" fmla="*/ 4053340 w 6859500"/>
+                <a:gd name="connsiteY0" fmla="*/ 6235893 h 6859500"/>
+                <a:gd name="connsiteX1" fmla="*/ 4053340 w 6859500"/>
+                <a:gd name="connsiteY1" fmla="*/ 4053340 h 6859500"/>
+                <a:gd name="connsiteX2" fmla="*/ 6235893 w 6859500"/>
+                <a:gd name="connsiteY2" fmla="*/ 4053340 h 6859500"/>
+                <a:gd name="connsiteX3" fmla="*/ 6859501 w 6859500"/>
+                <a:gd name="connsiteY3" fmla="*/ 3429731 h 6859500"/>
+                <a:gd name="connsiteX4" fmla="*/ 6235893 w 6859500"/>
+                <a:gd name="connsiteY4" fmla="*/ 2806123 h 6859500"/>
+                <a:gd name="connsiteX5" fmla="*/ 4053340 w 6859500"/>
+                <a:gd name="connsiteY5" fmla="*/ 2806123 h 6859500"/>
+                <a:gd name="connsiteX6" fmla="*/ 4053340 w 6859500"/>
+                <a:gd name="connsiteY6" fmla="*/ 623608 h 6859500"/>
+                <a:gd name="connsiteX7" fmla="*/ 3429731 w 6859500"/>
+                <a:gd name="connsiteY7" fmla="*/ 0 h 6859500"/>
+                <a:gd name="connsiteX8" fmla="*/ 2806123 w 6859500"/>
+                <a:gd name="connsiteY8" fmla="*/ 623608 h 6859500"/>
+                <a:gd name="connsiteX9" fmla="*/ 2806123 w 6859500"/>
+                <a:gd name="connsiteY9" fmla="*/ 2806161 h 6859500"/>
+                <a:gd name="connsiteX10" fmla="*/ 623608 w 6859500"/>
+                <a:gd name="connsiteY10" fmla="*/ 2806161 h 6859500"/>
+                <a:gd name="connsiteX11" fmla="*/ 0 w 6859500"/>
+                <a:gd name="connsiteY11" fmla="*/ 3429731 h 6859500"/>
+                <a:gd name="connsiteX12" fmla="*/ 623608 w 6859500"/>
+                <a:gd name="connsiteY12" fmla="*/ 4053340 h 6859500"/>
+                <a:gd name="connsiteX13" fmla="*/ 2806161 w 6859500"/>
+                <a:gd name="connsiteY13" fmla="*/ 4053340 h 6859500"/>
+                <a:gd name="connsiteX14" fmla="*/ 2806161 w 6859500"/>
+                <a:gd name="connsiteY14" fmla="*/ 6235893 h 6859500"/>
+                <a:gd name="connsiteX15" fmla="*/ 3429770 w 6859500"/>
+                <a:gd name="connsiteY15" fmla="*/ 6859501 h 6859500"/>
+                <a:gd name="connsiteX16" fmla="*/ 4053340 w 6859500"/>
+                <a:gd name="connsiteY16" fmla="*/ 6235893 h 6859500"/>
+              </a:gdLst>
+              <a:ahLst/>
+              <a:cxnLst>
+                <a:cxn ang="0">
+                  <a:pos x="connsiteX0" y="connsiteY0"/>
+                </a:cxn>
+                <a:cxn ang="0">
+                  <a:pos x="connsiteX1" y="connsiteY1"/>
+                </a:cxn>
+                <a:cxn ang="0">
+                  <a:pos x="connsiteX2" y="connsiteY2"/>
+                </a:cxn>
+                <a:cxn ang="0">
+                  <a:pos x="connsiteX3" y="connsiteY3"/>
+                </a:cxn>
+                <a:cxn ang="0">
+                  <a:pos x="connsiteX4" y="connsiteY4"/>
+                </a:cxn>
+                <a:cxn ang="0">
+                  <a:pos x="connsiteX5" y="connsiteY5"/>
+                </a:cxn>
+                <a:cxn ang="0">
+                  <a:pos x="connsiteX6" y="connsiteY6"/>
+                </a:cxn>
+                <a:cxn ang="0">
+                  <a:pos x="connsiteX7" y="connsiteY7"/>
+                </a:cxn>
+                <a:cxn ang="0">
+                  <a:pos x="connsiteX8" y="connsiteY8"/>
+                </a:cxn>
+                <a:cxn ang="0">
+                  <a:pos x="connsiteX9" y="connsiteY9"/>
+                </a:cxn>
+                <a:cxn ang="0">
+                  <a:pos x="connsiteX10" y="connsiteY10"/>
+                </a:cxn>
+                <a:cxn ang="0">
+                  <a:pos x="connsiteX11" y="connsiteY11"/>
+                </a:cxn>
+                <a:cxn ang="0">
+                  <a:pos x="connsiteX12" y="connsiteY12"/>
+                </a:cxn>
+                <a:cxn ang="0">
+                  <a:pos x="connsiteX13" y="connsiteY13"/>
+                </a:cxn>
+                <a:cxn ang="0">
+                  <a:pos x="connsiteX14" y="connsiteY14"/>
+                </a:cxn>
+                <a:cxn ang="0">
+                  <a:pos x="connsiteX15" y="connsiteY15"/>
+                </a:cxn>
+                <a:cxn ang="0">
+                  <a:pos x="connsiteX16" y="connsiteY16"/>
+                </a:cxn>
+              </a:cxnLst>
+              <a:rect l="l" t="t" r="r" b="b"/>
+              <a:pathLst>
+                <a:path w="6859500" h="6859500">
+                  <a:moveTo>
+                    <a:pt x="4053340" y="6235893"/>
+                  </a:moveTo>
+                  <a:lnTo>
+                    <a:pt x="4053340" y="4053340"/>
+                  </a:lnTo>
+                  <a:lnTo>
+                    <a:pt x="6235893" y="4053340"/>
+                  </a:lnTo>
+                  <a:cubicBezTo>
+                    <a:pt x="6580293" y="4053340"/>
+                    <a:pt x="6859501" y="3774132"/>
+                    <a:pt x="6859501" y="3429731"/>
+                  </a:cubicBezTo>
+                  <a:cubicBezTo>
+                    <a:pt x="6859501" y="3085330"/>
+                    <a:pt x="6580332" y="2806123"/>
+                    <a:pt x="6235893" y="2806123"/>
+                  </a:cubicBezTo>
+                  <a:lnTo>
+                    <a:pt x="4053340" y="2806123"/>
+                  </a:lnTo>
+                  <a:lnTo>
+                    <a:pt x="4053340" y="623608"/>
+                  </a:lnTo>
+                  <a:cubicBezTo>
+                    <a:pt x="4053340" y="279208"/>
+                    <a:pt x="3774171" y="0"/>
+                    <a:pt x="3429731" y="0"/>
+                  </a:cubicBezTo>
+                  <a:cubicBezTo>
+                    <a:pt x="3085330" y="0"/>
+                    <a:pt x="2806123" y="279208"/>
+                    <a:pt x="2806123" y="623608"/>
+                  </a:cubicBezTo>
+                  <a:lnTo>
+                    <a:pt x="2806123" y="2806161"/>
+                  </a:lnTo>
+                  <a:lnTo>
+                    <a:pt x="623608" y="2806161"/>
+                  </a:lnTo>
+                  <a:cubicBezTo>
+                    <a:pt x="279208" y="2806161"/>
+                    <a:pt x="0" y="3085369"/>
+                    <a:pt x="0" y="3429731"/>
+                  </a:cubicBezTo>
+                  <a:cubicBezTo>
+                    <a:pt x="0" y="3774132"/>
+                    <a:pt x="279208" y="4053340"/>
+                    <a:pt x="623608" y="4053340"/>
+                  </a:cubicBezTo>
+                  <a:lnTo>
+                    <a:pt x="2806161" y="4053340"/>
+                  </a:lnTo>
+                  <a:lnTo>
+                    <a:pt x="2806161" y="6235893"/>
+                  </a:lnTo>
+                  <a:cubicBezTo>
+                    <a:pt x="2806161" y="6580293"/>
+                    <a:pt x="3085369" y="6859501"/>
+                    <a:pt x="3429770" y="6859501"/>
+                  </a:cubicBezTo>
+                  <a:cubicBezTo>
+                    <a:pt x="3774171" y="6859501"/>
+                    <a:pt x="4053340" y="6580293"/>
+                    <a:pt x="4053340" y="6235893"/>
+                  </a:cubicBezTo>
+                  <a:close/>
+                </a:path>
+              </a:pathLst>
+            </a:custGeom>
+            <a:ln w="3848" cap="flat">
+              <a:noFill/>
+              <a:prstDash val="solid"/>
+              <a:miter/>
+            </a:ln>
+            <a:effectLst>
+              <a:glow rad="152400">
+                <a:srgbClr val="000000">
+                  <a:alpha val="4000"/>
+                </a:srgbClr>
+              </a:glow>
+              <a:outerShdw blurRad="101600" dist="38100" dir="16200000" rotWithShape="0">
+                <a:srgbClr val="000000">
+                  <a:alpha val="5000"/>
+                </a:srgbClr>
+              </a:outerShdw>
+            </a:effectLst>
+          </p:spPr>
+          <p:txBody>
+            <a:bodyPr rtlCol="0" anchor="ctr"/>
+            <a:lstStyle/>
+            <a:p>
+              <a:endParaRPr lang="en-US" dirty="0"/>
+            </a:p>
+          </p:txBody>
+        </p:sp>
+        <p:sp useBgFill="1">
+          <p:nvSpPr>
+            <p:cNvPr id="15" name="Oval 14">
+              <a:extLst>
+                <a:ext uri="{FF2B5EF4-FFF2-40B4-BE49-F238E27FC236}">
+                  <a16:creationId xmlns:a16="http://schemas.microsoft.com/office/drawing/2014/main" id="{23CA1A51-8DB4-445D-8FE3-498DB75CA588}"/>
+                </a:ext>
+                <a:ext uri="{C183D7F6-B498-43B3-948B-1728B52AA6E4}">
+                  <adec:decorative xmlns:adec="http://schemas.microsoft.com/office/drawing/2017/decorative" val="1"/>
+                </a:ext>
+              </a:extLst>
+            </p:cNvPr>
+            <p:cNvSpPr/>
+            <p:nvPr>
+              <p:extLst>
+                <p:ext uri="{386F3935-93C4-4BCD-93E2-E3B085C9AB24}">
+                  <p16:designElem xmlns:p16="http://schemas.microsoft.com/office/powerpoint/2015/main" val="1"/>
+                </p:ext>
+              </p:extLst>
+            </p:nvPr>
+          </p:nvSpPr>
+          <p:spPr>
+            <a:xfrm rot="10800000">
+              <a:off x="1815651" y="1342540"/>
+              <a:ext cx="215724" cy="215724"/>
+            </a:xfrm>
+            <a:prstGeom prst="ellipse">
+              <a:avLst/>
+            </a:prstGeom>
+            <a:ln w="3848" cap="flat">
+              <a:noFill/>
+              <a:prstDash val="solid"/>
+              <a:miter/>
+            </a:ln>
+            <a:effectLst>
+              <a:glow rad="152400">
+                <a:srgbClr val="000000">
+                  <a:alpha val="4000"/>
+                </a:srgbClr>
+              </a:glow>
+              <a:outerShdw blurRad="101600" dist="38100" dir="16200000" rotWithShape="0">
+                <a:srgbClr val="000000">
+                  <a:alpha val="5000"/>
+                </a:srgbClr>
+              </a:outerShdw>
+            </a:effectLst>
+          </p:spPr>
+          <p:txBody>
+            <a:bodyPr rtlCol="0" anchor="ctr"/>
+            <a:lstStyle/>
+            <a:p>
+              <a:endParaRPr lang="en-US" dirty="0"/>
+            </a:p>
+          </p:txBody>
+        </p:sp>
+        <p:sp useBgFill="1">
+          <p:nvSpPr>
+            <p:cNvPr id="16" name="Oval 15">
+              <a:extLst>
+                <a:ext uri="{FF2B5EF4-FFF2-40B4-BE49-F238E27FC236}">
+                  <a16:creationId xmlns:a16="http://schemas.microsoft.com/office/drawing/2014/main" id="{75DDD5AB-14AC-434C-95CC-18B81FAD36B9}"/>
+                </a:ext>
+                <a:ext uri="{C183D7F6-B498-43B3-948B-1728B52AA6E4}">
+                  <adec:decorative xmlns:adec="http://schemas.microsoft.com/office/drawing/2017/decorative" val="1"/>
+                </a:ext>
+              </a:extLst>
+            </p:cNvPr>
+            <p:cNvSpPr/>
+            <p:nvPr>
+              <p:extLst>
+                <p:ext uri="{386F3935-93C4-4BCD-93E2-E3B085C9AB24}">
+                  <p16:designElem xmlns:p16="http://schemas.microsoft.com/office/powerpoint/2015/main" val="1"/>
+                </p:ext>
+              </p:extLst>
+            </p:nvPr>
+          </p:nvSpPr>
+          <p:spPr>
+            <a:xfrm rot="10800000">
+              <a:off x="183404" y="225822"/>
+              <a:ext cx="474023" cy="474023"/>
+            </a:xfrm>
+            <a:prstGeom prst="ellipse">
+              <a:avLst/>
+            </a:prstGeom>
+            <a:ln w="3848" cap="flat">
+              <a:noFill/>
+              <a:prstDash val="solid"/>
+              <a:miter/>
+            </a:ln>
+            <a:effectLst>
+              <a:glow rad="152400">
+                <a:srgbClr val="000000">
+                  <a:alpha val="4000"/>
+                </a:srgbClr>
+              </a:glow>
+              <a:outerShdw blurRad="101600" dist="38100" dir="16200000" rotWithShape="0">
+                <a:srgbClr val="000000">
+                  <a:alpha val="5000"/>
+                </a:srgbClr>
+              </a:outerShdw>
+            </a:effectLst>
+          </p:spPr>
+          <p:txBody>
+            <a:bodyPr rtlCol="0" anchor="ctr"/>
+            <a:lstStyle/>
+            <a:p>
+              <a:endParaRPr lang="en-US"/>
+            </a:p>
+          </p:txBody>
+        </p:sp>
+        <p:sp useBgFill="1">
+          <p:nvSpPr>
+            <p:cNvPr id="17" name="Oval 16">
+              <a:extLst>
+                <a:ext uri="{FF2B5EF4-FFF2-40B4-BE49-F238E27FC236}">
+                  <a16:creationId xmlns:a16="http://schemas.microsoft.com/office/drawing/2014/main" id="{673FC915-211E-480B-8EC6-9659D9FCA15F}"/>
+                </a:ext>
+                <a:ext uri="{C183D7F6-B498-43B3-948B-1728B52AA6E4}">
+                  <adec:decorative xmlns:adec="http://schemas.microsoft.com/office/drawing/2017/decorative" val="1"/>
+                </a:ext>
+              </a:extLst>
+            </p:cNvPr>
+            <p:cNvSpPr/>
+            <p:nvPr>
+              <p:extLst>
+                <p:ext uri="{386F3935-93C4-4BCD-93E2-E3B085C9AB24}">
+                  <p16:designElem xmlns:p16="http://schemas.microsoft.com/office/powerpoint/2015/main" val="1"/>
+                </p:ext>
+              </p:extLst>
+            </p:nvPr>
+          </p:nvSpPr>
+          <p:spPr>
+            <a:xfrm rot="10800000">
+              <a:off x="583574" y="2333139"/>
+              <a:ext cx="330825" cy="330825"/>
+            </a:xfrm>
+            <a:prstGeom prst="ellipse">
+              <a:avLst/>
+            </a:prstGeom>
+            <a:ln w="3848" cap="flat">
+              <a:noFill/>
+              <a:prstDash val="solid"/>
+              <a:miter/>
+            </a:ln>
+            <a:effectLst>
+              <a:glow rad="152400">
+                <a:srgbClr val="000000">
+                  <a:alpha val="4000"/>
+                </a:srgbClr>
+              </a:glow>
+              <a:outerShdw blurRad="101600" dist="38100" dir="16200000" rotWithShape="0">
+                <a:srgbClr val="000000">
+                  <a:alpha val="5000"/>
+                </a:srgbClr>
+              </a:outerShdw>
+            </a:effectLst>
+          </p:spPr>
+          <p:txBody>
+            <a:bodyPr rtlCol="0" anchor="ctr"/>
+            <a:lstStyle/>
+            <a:p>
+              <a:endParaRPr lang="en-US" dirty="0"/>
+            </a:p>
+          </p:txBody>
+        </p:sp>
+      </p:grpSp>
+      <p:sp>
+        <p:nvSpPr>
+          <p:cNvPr id="19" name="Rectangle 18">
+            <a:extLst>
+              <a:ext uri="{FF2B5EF4-FFF2-40B4-BE49-F238E27FC236}">
+                <a16:creationId xmlns:a16="http://schemas.microsoft.com/office/drawing/2014/main" id="{EA80DA9C-57E0-4991-B11A-51E132563976}"/>
+              </a:ext>
+              <a:ext uri="{C183D7F6-B498-43B3-948B-1728B52AA6E4}">
+                <adec:decorative xmlns:adec="http://schemas.microsoft.com/office/drawing/2017/decorative" val="1"/>
+              </a:ext>
+            </a:extLst>
+          </p:cNvPr>
+          <p:cNvSpPr>
+            <a:spLocks noGrp="1" noRot="1" noChangeAspect="1" noMove="1" noResize="1" noEditPoints="1" noAdjustHandles="1" noChangeArrowheads="1" noChangeShapeType="1" noTextEdit="1"/>
+          </p:cNvSpPr>
+          <p:nvPr>
+            <p:extLst>
+              <p:ext uri="{386F3935-93C4-4BCD-93E2-E3B085C9AB24}">
+                <p16:designElem xmlns:p16="http://schemas.microsoft.com/office/powerpoint/2015/main" val="1"/>
+              </p:ext>
+            </p:extLst>
+          </p:nvPr>
+        </p:nvSpPr>
+        <p:spPr>
+          <a:xfrm>
+            <a:off x="0" y="0"/>
+            <a:ext cx="12192000" cy="6858000"/>
+          </a:xfrm>
+          <a:prstGeom prst="rect">
+            <a:avLst/>
+          </a:prstGeom>
+          <a:solidFill>
+            <a:schemeClr val="accent2">
+              <a:alpha val="40000"/>
+            </a:schemeClr>
+          </a:solidFill>
+          <a:ln w="3848" cap="flat">
+            <a:noFill/>
+            <a:prstDash val="solid"/>
+            <a:miter/>
+          </a:ln>
+          <a:effectLst/>
+        </p:spPr>
+        <p:txBody>
+          <a:bodyPr rtlCol="0" anchor="ctr"/>
+          <a:lstStyle/>
+          <a:p>
+            <a:endParaRPr lang="en-US" dirty="0">
+              <a:solidFill>
+                <a:schemeClr val="tx1"/>
+              </a:solidFill>
+            </a:endParaRPr>
+          </a:p>
+        </p:txBody>
+      </p:sp>
+      <p:sp>
+        <p:nvSpPr>
+          <p:cNvPr id="2" name="Title 1">
+            <a:extLst>
+              <a:ext uri="{FF2B5EF4-FFF2-40B4-BE49-F238E27FC236}">
+                <a16:creationId xmlns:a16="http://schemas.microsoft.com/office/drawing/2014/main" id="{AEC96B79-3980-007B-BDC0-87DB97C16865}"/>
+              </a:ext>
+            </a:extLst>
+          </p:cNvPr>
+          <p:cNvSpPr>
+            <a:spLocks noGrp="1"/>
+          </p:cNvSpPr>
+          <p:nvPr>
+            <p:ph type="title"/>
+          </p:nvPr>
+        </p:nvSpPr>
+        <p:spPr>
+          <a:xfrm>
+            <a:off x="838199" y="314072"/>
+            <a:ext cx="10531448" cy="861912"/>
+          </a:xfrm>
+        </p:spPr>
+        <p:txBody>
+          <a:bodyPr anchor="b">
+            <a:normAutofit/>
+          </a:bodyPr>
+          <a:lstStyle/>
+          <a:p>
+            <a:pPr algn="ctr"/>
+            <a:r>
+              <a:rPr lang="en-US" sz="5400" b="1" dirty="0">
+                <a:solidFill>
+                  <a:srgbClr val="FFFFFF"/>
+                </a:solidFill>
+              </a:rPr>
+              <a:t>No warmup</a:t>
+            </a:r>
+            <a:endParaRPr lang="en-CA" sz="5400" b="1" dirty="0">
+              <a:solidFill>
+                <a:srgbClr val="FFFFFF"/>
+              </a:solidFill>
+            </a:endParaRPr>
+          </a:p>
+        </p:txBody>
+      </p:sp>
+      <p:sp>
+        <p:nvSpPr>
+          <p:cNvPr id="3" name="Content Placeholder 2">
+            <a:extLst>
+              <a:ext uri="{FF2B5EF4-FFF2-40B4-BE49-F238E27FC236}">
+                <a16:creationId xmlns:a16="http://schemas.microsoft.com/office/drawing/2014/main" id="{25A44F21-AF58-07E0-506E-F396ACA32B5B}"/>
+              </a:ext>
+            </a:extLst>
+          </p:cNvPr>
+          <p:cNvSpPr>
+            <a:spLocks noGrp="1"/>
+          </p:cNvSpPr>
+          <p:nvPr>
+            <p:ph idx="1"/>
+          </p:nvPr>
+        </p:nvSpPr>
+        <p:spPr>
+          <a:xfrm>
+            <a:off x="83858" y="1428039"/>
+            <a:ext cx="10096837" cy="2401011"/>
+          </a:xfrm>
+        </p:spPr>
+        <p:txBody>
+          <a:bodyPr anchor="t">
+            <a:noAutofit/>
+          </a:bodyPr>
+          <a:lstStyle/>
+          <a:p>
+            <a:pPr algn="ctr"/>
+            <a:r>
+              <a:rPr lang="en-US" sz="4800" dirty="0">
+                <a:solidFill>
+                  <a:srgbClr val="FFFFFF"/>
+                </a:solidFill>
+              </a:rPr>
+              <a:t>The JVM initializes internal structures over time</a:t>
+            </a:r>
+          </a:p>
+          <a:p>
+            <a:pPr algn="ctr"/>
+            <a:r>
+              <a:rPr lang="en-US" sz="4800" dirty="0">
+                <a:solidFill>
+                  <a:srgbClr val="FFFFFF"/>
+                </a:solidFill>
+              </a:rPr>
+              <a:t>This is why repeatedly asking for a benchmark changes the results</a:t>
+            </a:r>
+            <a:endParaRPr lang="en-CA" sz="4800" dirty="0">
+              <a:solidFill>
+                <a:srgbClr val="FFFFFF"/>
+              </a:solidFill>
+            </a:endParaRPr>
+          </a:p>
+        </p:txBody>
+      </p:sp>
+    </p:spTree>
+    <p:extLst>
+      <p:ext uri="{BB962C8B-B14F-4D97-AF65-F5344CB8AC3E}">
+        <p14:creationId xmlns:p14="http://schemas.microsoft.com/office/powerpoint/2010/main" val="3295073683"/>
+      </p:ext>
+    </p:extLst>
+  </p:cSld>
+  <p:clrMapOvr>
+    <a:masterClrMapping/>
+  </p:clrMapOvr>
+</p:sld>
+</file>
+
+<file path=ppt/slides/slide13.xml><?xml version="1.0" encoding="utf-8"?>
+<p:sld xmlns:a="http://schemas.openxmlformats.org/drawingml/2006/main" xmlns:r="http://schemas.openxmlformats.org/officeDocument/2006/relationships" xmlns:p="http://schemas.openxmlformats.org/presentationml/2006/main">
+  <p:cSld>
+    <p:bg>
+      <p:bgPr>
+        <a:solidFill>
+          <a:schemeClr val="bg1"/>
+        </a:solidFill>
+        <a:effectLst/>
+      </p:bgPr>
+    </p:bg>
+    <p:spTree>
+      <p:nvGrpSpPr>
+        <p:cNvPr id="1" name=""/>
+        <p:cNvGrpSpPr/>
+        <p:nvPr/>
+      </p:nvGrpSpPr>
+      <p:grpSpPr>
+        <a:xfrm>
+          <a:off x="0" y="0"/>
+          <a:ext cx="0" cy="0"/>
+          <a:chOff x="0" y="0"/>
+          <a:chExt cx="0" cy="0"/>
+        </a:xfrm>
+      </p:grpSpPr>
+      <p:pic>
+        <p:nvPicPr>
+          <p:cNvPr id="7" name="Picture 6" descr="Computer script on a screen">
+            <a:extLst>
+              <a:ext uri="{FF2B5EF4-FFF2-40B4-BE49-F238E27FC236}">
+                <a16:creationId xmlns:a16="http://schemas.microsoft.com/office/drawing/2014/main" id="{A6685E16-3415-F4C5-66A6-0917355E57A8}"/>
+              </a:ext>
+            </a:extLst>
+          </p:cNvPr>
+          <p:cNvPicPr>
+            <a:picLocks noChangeAspect="1"/>
+          </p:cNvPicPr>
+          <p:nvPr/>
+        </p:nvPicPr>
+        <p:blipFill>
+          <a:blip r:embed="rId2"/>
+          <a:srcRect t="9339" r="-1" b="13105"/>
+          <a:stretch/>
+        </p:blipFill>
+        <p:spPr>
+          <a:xfrm>
+            <a:off x="-513446" y="1"/>
+            <a:ext cx="13247696" cy="6858000"/>
+          </a:xfrm>
+          <a:prstGeom prst="rect">
+            <a:avLst/>
+          </a:prstGeom>
+        </p:spPr>
+      </p:pic>
+      <p:sp>
+        <p:nvSpPr>
+          <p:cNvPr id="2" name="Title 1">
+            <a:extLst>
+              <a:ext uri="{FF2B5EF4-FFF2-40B4-BE49-F238E27FC236}">
+                <a16:creationId xmlns:a16="http://schemas.microsoft.com/office/drawing/2014/main" id="{B17C7A8F-E330-38D5-85EE-725BD4BDEDFB}"/>
+              </a:ext>
+            </a:extLst>
+          </p:cNvPr>
+          <p:cNvSpPr>
+            <a:spLocks noGrp="1"/>
+          </p:cNvSpPr>
+          <p:nvPr>
+            <p:ph type="title"/>
+          </p:nvPr>
+        </p:nvSpPr>
+        <p:spPr>
+          <a:xfrm>
+            <a:off x="838200" y="365125"/>
+            <a:ext cx="10515600" cy="1325563"/>
+          </a:xfrm>
+        </p:spPr>
+        <p:txBody>
+          <a:bodyPr anchor="b">
+            <a:noAutofit/>
+          </a:bodyPr>
+          <a:lstStyle/>
+          <a:p>
+            <a:r>
+              <a:rPr lang="en-US" sz="7200" b="1" dirty="0">
+                <a:solidFill>
+                  <a:schemeClr val="bg1"/>
+                </a:solidFill>
+              </a:rPr>
+              <a:t>Dead code</a:t>
+            </a:r>
+            <a:endParaRPr lang="en-CA" sz="7200" b="1" dirty="0">
+              <a:solidFill>
+                <a:schemeClr val="bg1"/>
+              </a:solidFill>
+            </a:endParaRPr>
+          </a:p>
+        </p:txBody>
+      </p:sp>
+      <p:graphicFrame>
+        <p:nvGraphicFramePr>
+          <p:cNvPr id="23" name="Content Placeholder 4">
+            <a:extLst>
+              <a:ext uri="{FF2B5EF4-FFF2-40B4-BE49-F238E27FC236}">
+                <a16:creationId xmlns:a16="http://schemas.microsoft.com/office/drawing/2014/main" id="{32AB822A-4630-6AED-0710-5C9228CA1FF8}"/>
+              </a:ext>
+            </a:extLst>
+          </p:cNvPr>
+          <p:cNvGraphicFramePr>
+            <a:graphicFrameLocks noGrp="1"/>
+          </p:cNvGraphicFramePr>
+          <p:nvPr>
+            <p:ph idx="1"/>
+            <p:extLst>
+              <p:ext uri="{D42A27DB-BD31-4B8C-83A1-F6EECF244321}">
+                <p14:modId xmlns:p14="http://schemas.microsoft.com/office/powerpoint/2010/main" val="830158842"/>
+              </p:ext>
+            </p:extLst>
+          </p:nvPr>
+        </p:nvGraphicFramePr>
+        <p:xfrm>
+          <a:off x="838200" y="1825625"/>
+          <a:ext cx="10515600" cy="4351338"/>
+        </p:xfrm>
+        <a:graphic>
+          <a:graphicData uri="http://schemas.openxmlformats.org/drawingml/2006/diagram">
+            <dgm:relIds xmlns:dgm="http://schemas.openxmlformats.org/drawingml/2006/diagram" xmlns:r="http://schemas.openxmlformats.org/officeDocument/2006/relationships" r:dm="rId3" r:lo="rId4" r:qs="rId5" r:cs="rId6"/>
+          </a:graphicData>
+        </a:graphic>
+      </p:graphicFrame>
+    </p:spTree>
+    <p:extLst>
+      <p:ext uri="{BB962C8B-B14F-4D97-AF65-F5344CB8AC3E}">
+        <p14:creationId xmlns:p14="http://schemas.microsoft.com/office/powerpoint/2010/main" val="2717785432"/>
+      </p:ext>
+    </p:extLst>
+  </p:cSld>
+  <p:clrMapOvr>
+    <a:masterClrMapping/>
+  </p:clrMapOvr>
+</p:sld>
+</file>
+
+<file path=ppt/slides/slide14.xml><?xml version="1.0" encoding="utf-8"?>
+<p:sld xmlns:a="http://schemas.openxmlformats.org/drawingml/2006/main" xmlns:r="http://schemas.openxmlformats.org/officeDocument/2006/relationships" xmlns:p="http://schemas.openxmlformats.org/presentationml/2006/main">
+  <p:cSld>
+    <p:bg>
+      <p:bgPr>
+        <a:solidFill>
+          <a:schemeClr val="bg1"/>
+        </a:solidFill>
+        <a:effectLst/>
+      </p:bgPr>
+    </p:bg>
+    <p:spTree>
+      <p:nvGrpSpPr>
+        <p:cNvPr id="1" name=""/>
+        <p:cNvGrpSpPr/>
+        <p:nvPr/>
+      </p:nvGrpSpPr>
+      <p:grpSpPr>
+        <a:xfrm>
+          <a:off x="0" y="0"/>
+          <a:ext cx="0" cy="0"/>
+          <a:chOff x="0" y="0"/>
+          <a:chExt cx="0" cy="0"/>
+        </a:xfrm>
+      </p:grpSpPr>
+      <p:sp useBgFill="1">
+        <p:nvSpPr>
+          <p:cNvPr id="18" name="Rectangle 17">
+            <a:extLst>
+              <a:ext uri="{FF2B5EF4-FFF2-40B4-BE49-F238E27FC236}">
+                <a16:creationId xmlns:a16="http://schemas.microsoft.com/office/drawing/2014/main" id="{25AD4A59-91FA-4E30-8F32-A8AB51F768C6}"/>
+              </a:ext>
+              <a:ext uri="{C183D7F6-B498-43B3-948B-1728B52AA6E4}">
+                <adec:decorative xmlns:adec="http://schemas.microsoft.com/office/drawing/2017/decorative" val="1"/>
+              </a:ext>
+            </a:extLst>
+          </p:cNvPr>
+          <p:cNvSpPr>
+            <a:spLocks noGrp="1" noRot="1" noChangeAspect="1" noMove="1" noResize="1" noEditPoints="1" noAdjustHandles="1" noChangeArrowheads="1" noChangeShapeType="1" noTextEdit="1"/>
+          </p:cNvSpPr>
+          <p:nvPr>
+            <p:extLst>
+              <p:ext uri="{386F3935-93C4-4BCD-93E2-E3B085C9AB24}">
+                <p16:designElem xmlns:p16="http://schemas.microsoft.com/office/powerpoint/2015/main" val="1"/>
+              </p:ext>
+            </p:extLst>
+          </p:nvPr>
+        </p:nvSpPr>
+        <p:spPr>
+          <a:xfrm>
+            <a:off x="0" y="0"/>
+            <a:ext cx="12192000" cy="6858000"/>
+          </a:xfrm>
+          <a:prstGeom prst="rect">
+            <a:avLst/>
+          </a:prstGeom>
+          <a:ln w="3848" cap="flat">
+            <a:noFill/>
+            <a:prstDash val="solid"/>
+            <a:miter/>
+          </a:ln>
+          <a:effectLst/>
+        </p:spPr>
+        <p:txBody>
+          <a:bodyPr rtlCol="0" anchor="ctr"/>
+          <a:lstStyle/>
+          <a:p>
+            <a:endParaRPr lang="en-US" dirty="0">
+              <a:solidFill>
+                <a:schemeClr val="tx1"/>
+              </a:solidFill>
+            </a:endParaRPr>
+          </a:p>
+        </p:txBody>
+      </p:sp>
+      <p:sp>
+        <p:nvSpPr>
+          <p:cNvPr id="19" name="Rectangle 18">
+            <a:extLst>
+              <a:ext uri="{FF2B5EF4-FFF2-40B4-BE49-F238E27FC236}">
+                <a16:creationId xmlns:a16="http://schemas.microsoft.com/office/drawing/2014/main" id="{CDFF45EF-8068-49B8-AFAE-404F6EB18882}"/>
+              </a:ext>
+              <a:ext uri="{C183D7F6-B498-43B3-948B-1728B52AA6E4}">
+                <adec:decorative xmlns:adec="http://schemas.microsoft.com/office/drawing/2017/decorative" val="1"/>
+              </a:ext>
+            </a:extLst>
+          </p:cNvPr>
+          <p:cNvSpPr>
+            <a:spLocks noGrp="1" noRot="1" noChangeAspect="1" noMove="1" noResize="1" noEditPoints="1" noAdjustHandles="1" noChangeArrowheads="1" noChangeShapeType="1" noTextEdit="1"/>
+          </p:cNvSpPr>
+          <p:nvPr>
+            <p:extLst>
+              <p:ext uri="{386F3935-93C4-4BCD-93E2-E3B085C9AB24}">
+                <p16:designElem xmlns:p16="http://schemas.microsoft.com/office/powerpoint/2015/main" val="1"/>
+              </p:ext>
+            </p:extLst>
+          </p:nvPr>
+        </p:nvSpPr>
+        <p:spPr>
+          <a:xfrm>
+            <a:off x="0" y="0"/>
+            <a:ext cx="12192000" cy="6858000"/>
+          </a:xfrm>
+          <a:prstGeom prst="rect">
+            <a:avLst/>
+          </a:prstGeom>
+          <a:solidFill>
+            <a:srgbClr val="FFFFFF">
+              <a:alpha val="10000"/>
+            </a:srgbClr>
+          </a:solidFill>
+          <a:ln w="3848" cap="flat">
+            <a:noFill/>
+            <a:prstDash val="solid"/>
+            <a:miter/>
+          </a:ln>
+          <a:effectLst/>
+        </p:spPr>
+        <p:txBody>
+          <a:bodyPr rtlCol="0" anchor="ctr"/>
+          <a:lstStyle/>
+          <a:p>
+            <a:endParaRPr lang="en-US" dirty="0">
+              <a:solidFill>
+                <a:schemeClr val="tx1"/>
+              </a:solidFill>
+            </a:endParaRPr>
+          </a:p>
+        </p:txBody>
+      </p:sp>
+      <p:sp>
+        <p:nvSpPr>
+          <p:cNvPr id="2" name="Title 1">
+            <a:extLst>
+              <a:ext uri="{FF2B5EF4-FFF2-40B4-BE49-F238E27FC236}">
+                <a16:creationId xmlns:a16="http://schemas.microsoft.com/office/drawing/2014/main" id="{1CF57834-1253-2A54-1AA6-C14185854DE8}"/>
+              </a:ext>
+            </a:extLst>
+          </p:cNvPr>
+          <p:cNvSpPr>
+            <a:spLocks noGrp="1"/>
+          </p:cNvSpPr>
+          <p:nvPr>
+            <p:ph type="title"/>
+          </p:nvPr>
+        </p:nvSpPr>
+        <p:spPr>
+          <a:xfrm>
+            <a:off x="457201" y="557189"/>
+            <a:ext cx="3276599" cy="5743616"/>
+          </a:xfrm>
+        </p:spPr>
+        <p:txBody>
+          <a:bodyPr anchor="ctr">
+            <a:normAutofit/>
+          </a:bodyPr>
+          <a:lstStyle/>
+          <a:p>
+            <a:r>
+              <a:rPr lang="en-US" sz="4800" b="1" dirty="0"/>
+              <a:t>Constant folding</a:t>
+            </a:r>
+            <a:endParaRPr lang="en-CA" sz="4800" b="1" dirty="0"/>
+          </a:p>
+        </p:txBody>
+      </p:sp>
+      <p:grpSp>
+        <p:nvGrpSpPr>
+          <p:cNvPr id="20" name="Group 19">
+            <a:extLst>
+              <a:ext uri="{FF2B5EF4-FFF2-40B4-BE49-F238E27FC236}">
+                <a16:creationId xmlns:a16="http://schemas.microsoft.com/office/drawing/2014/main" id="{C80F1402-11C5-4156-920F-A1D996B47D22}"/>
+              </a:ext>
+              <a:ext uri="{C183D7F6-B498-43B3-948B-1728B52AA6E4}">
+                <adec:decorative xmlns:adec="http://schemas.microsoft.com/office/drawing/2017/decorative" val="1"/>
+              </a:ext>
+            </a:extLst>
+          </p:cNvPr>
+          <p:cNvGrpSpPr>
+            <a:grpSpLocks noGrp="1" noUngrp="1" noRot="1" noChangeAspect="1" noMove="1" noResize="1"/>
+          </p:cNvGrpSpPr>
+          <p:nvPr>
+            <p:extLst>
+              <p:ext uri="{386F3935-93C4-4BCD-93E2-E3B085C9AB24}">
+                <p16:designElem xmlns:p16="http://schemas.microsoft.com/office/powerpoint/2015/main" val="1"/>
+              </p:ext>
+            </p:extLst>
+          </p:nvPr>
+        </p:nvGrpSpPr>
+        <p:grpSpPr>
+          <a:xfrm>
+            <a:off x="471823" y="446104"/>
+            <a:ext cx="2354299" cy="1482372"/>
+            <a:chOff x="471823" y="446104"/>
+            <a:chExt cx="2354299" cy="1482372"/>
+          </a:xfrm>
+        </p:grpSpPr>
+        <p:sp useBgFill="1">
+          <p:nvSpPr>
+            <p:cNvPr id="21" name="Graphic 10">
+              <a:extLst>
+                <a:ext uri="{FF2B5EF4-FFF2-40B4-BE49-F238E27FC236}">
+                  <a16:creationId xmlns:a16="http://schemas.microsoft.com/office/drawing/2014/main" id="{F59333A0-91D0-40E7-ABE0-4CD6A0A402EC}"/>
+                </a:ext>
+                <a:ext uri="{C183D7F6-B498-43B3-948B-1728B52AA6E4}">
+                  <adec:decorative xmlns:adec="http://schemas.microsoft.com/office/drawing/2017/decorative" val="1"/>
+                </a:ext>
+              </a:extLst>
+            </p:cNvPr>
+            <p:cNvSpPr/>
+            <p:nvPr>
+              <p:extLst>
+                <p:ext uri="{386F3935-93C4-4BCD-93E2-E3B085C9AB24}">
+                  <p16:designElem xmlns:p16="http://schemas.microsoft.com/office/powerpoint/2015/main" val="1"/>
+                </p:ext>
+              </p:extLst>
+            </p:nvPr>
+          </p:nvSpPr>
+          <p:spPr>
+            <a:xfrm rot="2700000">
+              <a:off x="1810535" y="863805"/>
+              <a:ext cx="1015587" cy="1015587"/>
+            </a:xfrm>
+            <a:custGeom>
+              <a:avLst/>
+              <a:gdLst>
+                <a:gd name="connsiteX0" fmla="*/ 4053340 w 6859500"/>
+                <a:gd name="connsiteY0" fmla="*/ 6235893 h 6859500"/>
+                <a:gd name="connsiteX1" fmla="*/ 4053340 w 6859500"/>
+                <a:gd name="connsiteY1" fmla="*/ 4053340 h 6859500"/>
+                <a:gd name="connsiteX2" fmla="*/ 6235893 w 6859500"/>
+                <a:gd name="connsiteY2" fmla="*/ 4053340 h 6859500"/>
+                <a:gd name="connsiteX3" fmla="*/ 6859501 w 6859500"/>
+                <a:gd name="connsiteY3" fmla="*/ 3429731 h 6859500"/>
+                <a:gd name="connsiteX4" fmla="*/ 6235893 w 6859500"/>
+                <a:gd name="connsiteY4" fmla="*/ 2806123 h 6859500"/>
+                <a:gd name="connsiteX5" fmla="*/ 4053340 w 6859500"/>
+                <a:gd name="connsiteY5" fmla="*/ 2806123 h 6859500"/>
+                <a:gd name="connsiteX6" fmla="*/ 4053340 w 6859500"/>
+                <a:gd name="connsiteY6" fmla="*/ 623608 h 6859500"/>
+                <a:gd name="connsiteX7" fmla="*/ 3429731 w 6859500"/>
+                <a:gd name="connsiteY7" fmla="*/ 0 h 6859500"/>
+                <a:gd name="connsiteX8" fmla="*/ 2806123 w 6859500"/>
+                <a:gd name="connsiteY8" fmla="*/ 623608 h 6859500"/>
+                <a:gd name="connsiteX9" fmla="*/ 2806123 w 6859500"/>
+                <a:gd name="connsiteY9" fmla="*/ 2806161 h 6859500"/>
+                <a:gd name="connsiteX10" fmla="*/ 623608 w 6859500"/>
+                <a:gd name="connsiteY10" fmla="*/ 2806161 h 6859500"/>
+                <a:gd name="connsiteX11" fmla="*/ 0 w 6859500"/>
+                <a:gd name="connsiteY11" fmla="*/ 3429731 h 6859500"/>
+                <a:gd name="connsiteX12" fmla="*/ 623608 w 6859500"/>
+                <a:gd name="connsiteY12" fmla="*/ 4053340 h 6859500"/>
+                <a:gd name="connsiteX13" fmla="*/ 2806161 w 6859500"/>
+                <a:gd name="connsiteY13" fmla="*/ 4053340 h 6859500"/>
+                <a:gd name="connsiteX14" fmla="*/ 2806161 w 6859500"/>
+                <a:gd name="connsiteY14" fmla="*/ 6235893 h 6859500"/>
+                <a:gd name="connsiteX15" fmla="*/ 3429770 w 6859500"/>
+                <a:gd name="connsiteY15" fmla="*/ 6859501 h 6859500"/>
+                <a:gd name="connsiteX16" fmla="*/ 4053340 w 6859500"/>
+                <a:gd name="connsiteY16" fmla="*/ 6235893 h 6859500"/>
+              </a:gdLst>
+              <a:ahLst/>
+              <a:cxnLst>
+                <a:cxn ang="0">
+                  <a:pos x="connsiteX0" y="connsiteY0"/>
+                </a:cxn>
+                <a:cxn ang="0">
+                  <a:pos x="connsiteX1" y="connsiteY1"/>
+                </a:cxn>
+                <a:cxn ang="0">
+                  <a:pos x="connsiteX2" y="connsiteY2"/>
+                </a:cxn>
+                <a:cxn ang="0">
+                  <a:pos x="connsiteX3" y="connsiteY3"/>
+                </a:cxn>
+                <a:cxn ang="0">
+                  <a:pos x="connsiteX4" y="connsiteY4"/>
+                </a:cxn>
+                <a:cxn ang="0">
+                  <a:pos x="connsiteX5" y="connsiteY5"/>
+                </a:cxn>
+                <a:cxn ang="0">
+                  <a:pos x="connsiteX6" y="connsiteY6"/>
+                </a:cxn>
+                <a:cxn ang="0">
+                  <a:pos x="connsiteX7" y="connsiteY7"/>
+                </a:cxn>
+                <a:cxn ang="0">
+                  <a:pos x="connsiteX8" y="connsiteY8"/>
+                </a:cxn>
+                <a:cxn ang="0">
+                  <a:pos x="connsiteX9" y="connsiteY9"/>
+                </a:cxn>
+                <a:cxn ang="0">
+                  <a:pos x="connsiteX10" y="connsiteY10"/>
+                </a:cxn>
+                <a:cxn ang="0">
+                  <a:pos x="connsiteX11" y="connsiteY11"/>
+                </a:cxn>
+                <a:cxn ang="0">
+                  <a:pos x="connsiteX12" y="connsiteY12"/>
+                </a:cxn>
+                <a:cxn ang="0">
+                  <a:pos x="connsiteX13" y="connsiteY13"/>
+                </a:cxn>
+                <a:cxn ang="0">
+                  <a:pos x="connsiteX14" y="connsiteY14"/>
+                </a:cxn>
+                <a:cxn ang="0">
+                  <a:pos x="connsiteX15" y="connsiteY15"/>
+                </a:cxn>
+                <a:cxn ang="0">
+                  <a:pos x="connsiteX16" y="connsiteY16"/>
+                </a:cxn>
+              </a:cxnLst>
+              <a:rect l="l" t="t" r="r" b="b"/>
+              <a:pathLst>
+                <a:path w="6859500" h="6859500">
+                  <a:moveTo>
+                    <a:pt x="4053340" y="6235893"/>
+                  </a:moveTo>
+                  <a:lnTo>
+                    <a:pt x="4053340" y="4053340"/>
+                  </a:lnTo>
+                  <a:lnTo>
+                    <a:pt x="6235893" y="4053340"/>
+                  </a:lnTo>
+                  <a:cubicBezTo>
+                    <a:pt x="6580293" y="4053340"/>
+                    <a:pt x="6859501" y="3774132"/>
+                    <a:pt x="6859501" y="3429731"/>
+                  </a:cubicBezTo>
+                  <a:cubicBezTo>
+                    <a:pt x="6859501" y="3085330"/>
+                    <a:pt x="6580332" y="2806123"/>
+                    <a:pt x="6235893" y="2806123"/>
+                  </a:cubicBezTo>
+                  <a:lnTo>
+                    <a:pt x="4053340" y="2806123"/>
+                  </a:lnTo>
+                  <a:lnTo>
+                    <a:pt x="4053340" y="623608"/>
+                  </a:lnTo>
+                  <a:cubicBezTo>
+                    <a:pt x="4053340" y="279208"/>
+                    <a:pt x="3774171" y="0"/>
+                    <a:pt x="3429731" y="0"/>
+                  </a:cubicBezTo>
+                  <a:cubicBezTo>
+                    <a:pt x="3085330" y="0"/>
+                    <a:pt x="2806123" y="279208"/>
+                    <a:pt x="2806123" y="623608"/>
+                  </a:cubicBezTo>
+                  <a:lnTo>
+                    <a:pt x="2806123" y="2806161"/>
+                  </a:lnTo>
+                  <a:lnTo>
+                    <a:pt x="623608" y="2806161"/>
+                  </a:lnTo>
+                  <a:cubicBezTo>
+                    <a:pt x="279208" y="2806161"/>
+                    <a:pt x="0" y="3085369"/>
+                    <a:pt x="0" y="3429731"/>
+                  </a:cubicBezTo>
+                  <a:cubicBezTo>
+                    <a:pt x="0" y="3774132"/>
+                    <a:pt x="279208" y="4053340"/>
+                    <a:pt x="623608" y="4053340"/>
+                  </a:cubicBezTo>
+                  <a:lnTo>
+                    <a:pt x="2806161" y="4053340"/>
+                  </a:lnTo>
+                  <a:lnTo>
+                    <a:pt x="2806161" y="6235893"/>
+                  </a:lnTo>
+                  <a:cubicBezTo>
+                    <a:pt x="2806161" y="6580293"/>
+                    <a:pt x="3085369" y="6859501"/>
+                    <a:pt x="3429770" y="6859501"/>
+                  </a:cubicBezTo>
+                  <a:cubicBezTo>
+                    <a:pt x="3774171" y="6859501"/>
+                    <a:pt x="4053340" y="6580293"/>
+                    <a:pt x="4053340" y="6235893"/>
+                  </a:cubicBezTo>
+                  <a:close/>
+                </a:path>
+              </a:pathLst>
+            </a:custGeom>
+            <a:ln w="3848" cap="flat">
+              <a:noFill/>
+              <a:prstDash val="solid"/>
+              <a:miter/>
+            </a:ln>
+            <a:effectLst>
+              <a:glow rad="152400">
+                <a:srgbClr val="000000">
+                  <a:alpha val="4000"/>
+                </a:srgbClr>
+              </a:glow>
+              <a:outerShdw blurRad="101600" dist="38100" dir="16200000" rotWithShape="0">
+                <a:srgbClr val="000000">
+                  <a:alpha val="5000"/>
+                </a:srgbClr>
+              </a:outerShdw>
+            </a:effectLst>
+          </p:spPr>
+          <p:txBody>
+            <a:bodyPr rtlCol="0" anchor="ctr"/>
+            <a:lstStyle/>
+            <a:p>
+              <a:endParaRPr lang="en-US"/>
+            </a:p>
+          </p:txBody>
+        </p:sp>
+        <p:sp useBgFill="1">
+          <p:nvSpPr>
+            <p:cNvPr id="22" name="Oval 21">
+              <a:extLst>
+                <a:ext uri="{FF2B5EF4-FFF2-40B4-BE49-F238E27FC236}">
+                  <a16:creationId xmlns:a16="http://schemas.microsoft.com/office/drawing/2014/main" id="{E1168C41-55F2-4E50-AAC9-1069DFDEA9ED}"/>
+                </a:ext>
+                <a:ext uri="{C183D7F6-B498-43B3-948B-1728B52AA6E4}">
+                  <adec:decorative xmlns:adec="http://schemas.microsoft.com/office/drawing/2017/decorative" val="1"/>
+                </a:ext>
+              </a:extLst>
+            </p:cNvPr>
+            <p:cNvSpPr/>
+            <p:nvPr>
+              <p:extLst>
+                <p:ext uri="{386F3935-93C4-4BCD-93E2-E3B085C9AB24}">
+                  <p16:designElem xmlns:p16="http://schemas.microsoft.com/office/powerpoint/2015/main" val="1"/>
+                </p:ext>
+              </p:extLst>
+            </p:nvPr>
+          </p:nvSpPr>
+          <p:spPr>
+            <a:xfrm rot="10800000">
+              <a:off x="1233824" y="1752600"/>
+              <a:ext cx="175876" cy="175876"/>
+            </a:xfrm>
+            <a:prstGeom prst="ellipse">
+              <a:avLst/>
+            </a:prstGeom>
+            <a:ln w="3848" cap="flat">
+              <a:noFill/>
+              <a:prstDash val="solid"/>
+              <a:miter/>
+            </a:ln>
+            <a:effectLst>
+              <a:glow rad="152400">
+                <a:srgbClr val="000000">
+                  <a:alpha val="4000"/>
+                </a:srgbClr>
+              </a:glow>
+              <a:outerShdw blurRad="101600" dist="38100" dir="16200000" rotWithShape="0">
+                <a:srgbClr val="000000">
+                  <a:alpha val="5000"/>
+                </a:srgbClr>
+              </a:outerShdw>
+            </a:effectLst>
+          </p:spPr>
+          <p:txBody>
+            <a:bodyPr rtlCol="0" anchor="ctr"/>
+            <a:lstStyle/>
+            <a:p>
+              <a:endParaRPr lang="en-US" dirty="0"/>
+            </a:p>
+          </p:txBody>
+        </p:sp>
+        <p:sp useBgFill="1">
+          <p:nvSpPr>
+            <p:cNvPr id="23" name="Oval 22">
+              <a:extLst>
+                <a:ext uri="{FF2B5EF4-FFF2-40B4-BE49-F238E27FC236}">
+                  <a16:creationId xmlns:a16="http://schemas.microsoft.com/office/drawing/2014/main" id="{806188BB-B55A-499F-A6F1-4CF1F0887101}"/>
+                </a:ext>
+                <a:ext uri="{C183D7F6-B498-43B3-948B-1728B52AA6E4}">
+                  <adec:decorative xmlns:adec="http://schemas.microsoft.com/office/drawing/2017/decorative" val="1"/>
+                </a:ext>
+              </a:extLst>
+            </p:cNvPr>
+            <p:cNvSpPr/>
+            <p:nvPr>
+              <p:extLst>
+                <p:ext uri="{386F3935-93C4-4BCD-93E2-E3B085C9AB24}">
+                  <p16:designElem xmlns:p16="http://schemas.microsoft.com/office/powerpoint/2015/main" val="1"/>
+                </p:ext>
+              </p:extLst>
+            </p:nvPr>
+          </p:nvSpPr>
+          <p:spPr>
+            <a:xfrm rot="10800000">
+              <a:off x="471823" y="446104"/>
+              <a:ext cx="762000" cy="762000"/>
+            </a:xfrm>
+            <a:prstGeom prst="ellipse">
+              <a:avLst/>
+            </a:prstGeom>
+            <a:ln w="3848" cap="flat">
+              <a:noFill/>
+              <a:prstDash val="solid"/>
+              <a:miter/>
+            </a:ln>
+            <a:effectLst>
+              <a:glow rad="152400">
+                <a:srgbClr val="000000">
+                  <a:alpha val="4000"/>
+                </a:srgbClr>
+              </a:glow>
+              <a:outerShdw blurRad="101600" dist="38100" dir="16200000" rotWithShape="0">
+                <a:srgbClr val="000000">
+                  <a:alpha val="5000"/>
+                </a:srgbClr>
+              </a:outerShdw>
+            </a:effectLst>
+          </p:spPr>
+          <p:txBody>
+            <a:bodyPr rtlCol="0" anchor="ctr"/>
+            <a:lstStyle/>
+            <a:p>
+              <a:endParaRPr lang="en-US"/>
+            </a:p>
+          </p:txBody>
+        </p:sp>
+      </p:grpSp>
+      <p:graphicFrame>
+        <p:nvGraphicFramePr>
+          <p:cNvPr id="24" name="Content Placeholder 2">
+            <a:extLst>
+              <a:ext uri="{FF2B5EF4-FFF2-40B4-BE49-F238E27FC236}">
+                <a16:creationId xmlns:a16="http://schemas.microsoft.com/office/drawing/2014/main" id="{2259AD7C-32F9-FC1D-5063-717C2C500851}"/>
+              </a:ext>
+            </a:extLst>
+          </p:cNvPr>
+          <p:cNvGraphicFramePr>
+            <a:graphicFrameLocks noGrp="1"/>
+          </p:cNvGraphicFramePr>
+          <p:nvPr>
+            <p:ph idx="1"/>
+            <p:extLst>
+              <p:ext uri="{D42A27DB-BD31-4B8C-83A1-F6EECF244321}">
+                <p14:modId xmlns:p14="http://schemas.microsoft.com/office/powerpoint/2010/main" val="4068947051"/>
+              </p:ext>
+            </p:extLst>
+          </p:nvPr>
+        </p:nvGraphicFramePr>
+        <p:xfrm>
+          <a:off x="4038600" y="304800"/>
+          <a:ext cx="7846605" cy="6225294"/>
+        </p:xfrm>
+        <a:graphic>
+          <a:graphicData uri="http://schemas.openxmlformats.org/drawingml/2006/diagram">
+            <dgm:relIds xmlns:dgm="http://schemas.openxmlformats.org/drawingml/2006/diagram" xmlns:r="http://schemas.openxmlformats.org/officeDocument/2006/relationships" r:dm="rId2" r:lo="rId3" r:qs="rId4" r:cs="rId5"/>
+          </a:graphicData>
+        </a:graphic>
+      </p:graphicFrame>
+    </p:spTree>
+    <p:extLst>
+      <p:ext uri="{BB962C8B-B14F-4D97-AF65-F5344CB8AC3E}">
+        <p14:creationId xmlns:p14="http://schemas.microsoft.com/office/powerpoint/2010/main" val="1846777320"/>
+      </p:ext>
+    </p:extLst>
+  </p:cSld>
+  <p:clrMapOvr>
+    <a:masterClrMapping/>
+  </p:clrMapOvr>
+</p:sld>
+</file>
+
+<file path=ppt/slides/slide15.xml><?xml version="1.0" encoding="utf-8"?>
+<p:sld xmlns:a="http://schemas.openxmlformats.org/drawingml/2006/main" xmlns:r="http://schemas.openxmlformats.org/officeDocument/2006/relationships" xmlns:p="http://schemas.openxmlformats.org/presentationml/2006/main">
+  <p:cSld>
+    <p:bg>
+      <p:bgPr>
+        <a:solidFill>
+          <a:schemeClr val="bg1"/>
+        </a:solidFill>
+        <a:effectLst/>
+      </p:bgPr>
+    </p:bg>
+    <p:spTree>
+      <p:nvGrpSpPr>
+        <p:cNvPr id="1" name=""/>
+        <p:cNvGrpSpPr/>
+        <p:nvPr/>
+      </p:nvGrpSpPr>
+      <p:grpSpPr>
+        <a:xfrm>
+          <a:off x="0" y="0"/>
+          <a:ext cx="0" cy="0"/>
+          <a:chOff x="0" y="0"/>
+          <a:chExt cx="0" cy="0"/>
+        </a:xfrm>
+      </p:grpSpPr>
+      <p:sp useBgFill="1">
+        <p:nvSpPr>
+          <p:cNvPr id="10" name="Rectangle 9">
+            <a:extLst>
+              <a:ext uri="{FF2B5EF4-FFF2-40B4-BE49-F238E27FC236}">
+                <a16:creationId xmlns:a16="http://schemas.microsoft.com/office/drawing/2014/main" id="{25AD4A59-91FA-4E30-8F32-A8AB51F768C6}"/>
+              </a:ext>
+              <a:ext uri="{C183D7F6-B498-43B3-948B-1728B52AA6E4}">
+                <adec:decorative xmlns:adec="http://schemas.microsoft.com/office/drawing/2017/decorative" val="1"/>
+              </a:ext>
+            </a:extLst>
+          </p:cNvPr>
+          <p:cNvSpPr>
+            <a:spLocks noGrp="1" noRot="1" noChangeAspect="1" noMove="1" noResize="1" noEditPoints="1" noAdjustHandles="1" noChangeArrowheads="1" noChangeShapeType="1" noTextEdit="1"/>
+          </p:cNvSpPr>
+          <p:nvPr>
+            <p:extLst>
+              <p:ext uri="{386F3935-93C4-4BCD-93E2-E3B085C9AB24}">
+                <p16:designElem xmlns:p16="http://schemas.microsoft.com/office/powerpoint/2015/main" val="1"/>
+              </p:ext>
+            </p:extLst>
+          </p:nvPr>
+        </p:nvSpPr>
+        <p:spPr>
+          <a:xfrm>
+            <a:off x="0" y="0"/>
+            <a:ext cx="12192000" cy="6858000"/>
+          </a:xfrm>
+          <a:prstGeom prst="rect">
+            <a:avLst/>
+          </a:prstGeom>
+          <a:ln w="3848" cap="flat">
+            <a:noFill/>
+            <a:prstDash val="solid"/>
+            <a:miter/>
+          </a:ln>
+          <a:effectLst/>
+        </p:spPr>
+        <p:txBody>
+          <a:bodyPr rtlCol="0" anchor="ctr"/>
+          <a:lstStyle/>
+          <a:p>
+            <a:endParaRPr lang="en-US" dirty="0">
+              <a:solidFill>
+                <a:schemeClr val="tx1"/>
+              </a:solidFill>
+            </a:endParaRPr>
+          </a:p>
+        </p:txBody>
+      </p:sp>
+      <p:sp>
+        <p:nvSpPr>
+          <p:cNvPr id="12" name="Rectangle 11">
+            <a:extLst>
+              <a:ext uri="{FF2B5EF4-FFF2-40B4-BE49-F238E27FC236}">
+                <a16:creationId xmlns:a16="http://schemas.microsoft.com/office/drawing/2014/main" id="{CBF27B2E-4DE7-47FD-8277-1C6703DB207C}"/>
+              </a:ext>
+              <a:ext uri="{C183D7F6-B498-43B3-948B-1728B52AA6E4}">
+                <adec:decorative xmlns:adec="http://schemas.microsoft.com/office/drawing/2017/decorative" val="1"/>
+              </a:ext>
+            </a:extLst>
+          </p:cNvPr>
+          <p:cNvSpPr>
+            <a:spLocks noGrp="1" noRot="1" noChangeAspect="1" noMove="1" noResize="1" noEditPoints="1" noAdjustHandles="1" noChangeArrowheads="1" noChangeShapeType="1" noTextEdit="1"/>
+          </p:cNvSpPr>
+          <p:nvPr>
+            <p:extLst>
+              <p:ext uri="{386F3935-93C4-4BCD-93E2-E3B085C9AB24}">
+                <p16:designElem xmlns:p16="http://schemas.microsoft.com/office/powerpoint/2015/main" val="1"/>
+              </p:ext>
+            </p:extLst>
+          </p:nvPr>
+        </p:nvSpPr>
+        <p:spPr>
+          <a:xfrm>
+            <a:off x="0" y="0"/>
+            <a:ext cx="12192000" cy="6858000"/>
+          </a:xfrm>
+          <a:prstGeom prst="rect">
+            <a:avLst/>
+          </a:prstGeom>
+          <a:solidFill>
+            <a:srgbClr val="FFFFFF">
+              <a:alpha val="10000"/>
+            </a:srgbClr>
+          </a:solidFill>
+          <a:ln w="3848" cap="flat">
+            <a:noFill/>
+            <a:prstDash val="solid"/>
+            <a:miter/>
+          </a:ln>
+          <a:effectLst/>
+        </p:spPr>
+        <p:txBody>
+          <a:bodyPr rtlCol="0" anchor="ctr"/>
+          <a:lstStyle/>
+          <a:p>
+            <a:endParaRPr lang="en-US" dirty="0">
+              <a:solidFill>
+                <a:schemeClr val="tx1"/>
+              </a:solidFill>
+            </a:endParaRPr>
+          </a:p>
+        </p:txBody>
+      </p:sp>
+      <p:grpSp>
+        <p:nvGrpSpPr>
+          <p:cNvPr id="6" name="Group 5">
+            <a:extLst>
+              <a:ext uri="{FF2B5EF4-FFF2-40B4-BE49-F238E27FC236}">
+                <a16:creationId xmlns:a16="http://schemas.microsoft.com/office/drawing/2014/main" id="{30E84C15-9243-4CCA-86B8-7A13EE2808AE}"/>
+              </a:ext>
+              <a:ext uri="{C183D7F6-B498-43B3-948B-1728B52AA6E4}">
+                <adec:decorative xmlns:adec="http://schemas.microsoft.com/office/drawing/2017/decorative" val="1"/>
+              </a:ext>
+            </a:extLst>
+          </p:cNvPr>
+          <p:cNvGrpSpPr>
+            <a:grpSpLocks noGrp="1" noUngrp="1" noRot="1" noChangeAspect="1" noMove="1" noResize="1"/>
+          </p:cNvGrpSpPr>
+          <p:nvPr>
+            <p:extLst>
+              <p:ext uri="{386F3935-93C4-4BCD-93E2-E3B085C9AB24}">
+                <p16:designElem xmlns:p16="http://schemas.microsoft.com/office/powerpoint/2015/main" val="1"/>
+              </p:ext>
+            </p:extLst>
+          </p:nvPr>
+        </p:nvGrpSpPr>
+        <p:grpSpPr>
+          <a:xfrm>
+            <a:off x="195308" y="128465"/>
+            <a:ext cx="1888871" cy="1471725"/>
+            <a:chOff x="195308" y="128465"/>
+            <a:chExt cx="1888871" cy="1471725"/>
+          </a:xfrm>
+        </p:grpSpPr>
+        <p:sp useBgFill="1">
+          <p:nvSpPr>
+            <p:cNvPr id="8" name="Graphic 10">
+              <a:extLst>
+                <a:ext uri="{FF2B5EF4-FFF2-40B4-BE49-F238E27FC236}">
+                  <a16:creationId xmlns:a16="http://schemas.microsoft.com/office/drawing/2014/main" id="{E014A4E0-2539-4DA0-A0B5-71589847425C}"/>
+                </a:ext>
+                <a:ext uri="{C183D7F6-B498-43B3-948B-1728B52AA6E4}">
+                  <adec:decorative xmlns:adec="http://schemas.microsoft.com/office/drawing/2017/decorative" val="1"/>
+                </a:ext>
+              </a:extLst>
+            </p:cNvPr>
+            <p:cNvSpPr/>
+            <p:nvPr>
+              <p:extLst>
+                <p:ext uri="{386F3935-93C4-4BCD-93E2-E3B085C9AB24}">
+                  <p16:designElem xmlns:p16="http://schemas.microsoft.com/office/powerpoint/2015/main" val="1"/>
+                </p:ext>
+              </p:extLst>
+            </p:nvPr>
+          </p:nvSpPr>
+          <p:spPr>
+            <a:xfrm rot="2700000">
+              <a:off x="354841" y="128465"/>
+              <a:ext cx="966722" cy="966722"/>
+            </a:xfrm>
+            <a:custGeom>
+              <a:avLst/>
+              <a:gdLst>
+                <a:gd name="connsiteX0" fmla="*/ 4053340 w 6859500"/>
+                <a:gd name="connsiteY0" fmla="*/ 6235893 h 6859500"/>
+                <a:gd name="connsiteX1" fmla="*/ 4053340 w 6859500"/>
+                <a:gd name="connsiteY1" fmla="*/ 4053340 h 6859500"/>
+                <a:gd name="connsiteX2" fmla="*/ 6235893 w 6859500"/>
+                <a:gd name="connsiteY2" fmla="*/ 4053340 h 6859500"/>
+                <a:gd name="connsiteX3" fmla="*/ 6859501 w 6859500"/>
+                <a:gd name="connsiteY3" fmla="*/ 3429731 h 6859500"/>
+                <a:gd name="connsiteX4" fmla="*/ 6235893 w 6859500"/>
+                <a:gd name="connsiteY4" fmla="*/ 2806123 h 6859500"/>
+                <a:gd name="connsiteX5" fmla="*/ 4053340 w 6859500"/>
+                <a:gd name="connsiteY5" fmla="*/ 2806123 h 6859500"/>
+                <a:gd name="connsiteX6" fmla="*/ 4053340 w 6859500"/>
+                <a:gd name="connsiteY6" fmla="*/ 623608 h 6859500"/>
+                <a:gd name="connsiteX7" fmla="*/ 3429731 w 6859500"/>
+                <a:gd name="connsiteY7" fmla="*/ 0 h 6859500"/>
+                <a:gd name="connsiteX8" fmla="*/ 2806123 w 6859500"/>
+                <a:gd name="connsiteY8" fmla="*/ 623608 h 6859500"/>
+                <a:gd name="connsiteX9" fmla="*/ 2806123 w 6859500"/>
+                <a:gd name="connsiteY9" fmla="*/ 2806161 h 6859500"/>
+                <a:gd name="connsiteX10" fmla="*/ 623608 w 6859500"/>
+                <a:gd name="connsiteY10" fmla="*/ 2806161 h 6859500"/>
+                <a:gd name="connsiteX11" fmla="*/ 0 w 6859500"/>
+                <a:gd name="connsiteY11" fmla="*/ 3429731 h 6859500"/>
+                <a:gd name="connsiteX12" fmla="*/ 623608 w 6859500"/>
+                <a:gd name="connsiteY12" fmla="*/ 4053340 h 6859500"/>
+                <a:gd name="connsiteX13" fmla="*/ 2806161 w 6859500"/>
+                <a:gd name="connsiteY13" fmla="*/ 4053340 h 6859500"/>
+                <a:gd name="connsiteX14" fmla="*/ 2806161 w 6859500"/>
+                <a:gd name="connsiteY14" fmla="*/ 6235893 h 6859500"/>
+                <a:gd name="connsiteX15" fmla="*/ 3429770 w 6859500"/>
+                <a:gd name="connsiteY15" fmla="*/ 6859501 h 6859500"/>
+                <a:gd name="connsiteX16" fmla="*/ 4053340 w 6859500"/>
+                <a:gd name="connsiteY16" fmla="*/ 6235893 h 6859500"/>
+              </a:gdLst>
+              <a:ahLst/>
+              <a:cxnLst>
+                <a:cxn ang="0">
+                  <a:pos x="connsiteX0" y="connsiteY0"/>
+                </a:cxn>
+                <a:cxn ang="0">
+                  <a:pos x="connsiteX1" y="connsiteY1"/>
+                </a:cxn>
+                <a:cxn ang="0">
+                  <a:pos x="connsiteX2" y="connsiteY2"/>
+                </a:cxn>
+                <a:cxn ang="0">
+                  <a:pos x="connsiteX3" y="connsiteY3"/>
+                </a:cxn>
+                <a:cxn ang="0">
+                  <a:pos x="connsiteX4" y="connsiteY4"/>
+                </a:cxn>
+                <a:cxn ang="0">
+                  <a:pos x="connsiteX5" y="connsiteY5"/>
+                </a:cxn>
+                <a:cxn ang="0">
+                  <a:pos x="connsiteX6" y="connsiteY6"/>
+                </a:cxn>
+                <a:cxn ang="0">
+                  <a:pos x="connsiteX7" y="connsiteY7"/>
+                </a:cxn>
+                <a:cxn ang="0">
+                  <a:pos x="connsiteX8" y="connsiteY8"/>
+                </a:cxn>
+                <a:cxn ang="0">
+                  <a:pos x="connsiteX9" y="connsiteY9"/>
+                </a:cxn>
+                <a:cxn ang="0">
+                  <a:pos x="connsiteX10" y="connsiteY10"/>
+                </a:cxn>
+                <a:cxn ang="0">
+                  <a:pos x="connsiteX11" y="connsiteY11"/>
+                </a:cxn>
+                <a:cxn ang="0">
+                  <a:pos x="connsiteX12" y="connsiteY12"/>
+                </a:cxn>
+                <a:cxn ang="0">
+                  <a:pos x="connsiteX13" y="connsiteY13"/>
+                </a:cxn>
+                <a:cxn ang="0">
+                  <a:pos x="connsiteX14" y="connsiteY14"/>
+                </a:cxn>
+                <a:cxn ang="0">
+                  <a:pos x="connsiteX15" y="connsiteY15"/>
+                </a:cxn>
+                <a:cxn ang="0">
+                  <a:pos x="connsiteX16" y="connsiteY16"/>
+                </a:cxn>
+              </a:cxnLst>
+              <a:rect l="l" t="t" r="r" b="b"/>
+              <a:pathLst>
+                <a:path w="6859500" h="6859500">
+                  <a:moveTo>
+                    <a:pt x="4053340" y="6235893"/>
+                  </a:moveTo>
+                  <a:lnTo>
+                    <a:pt x="4053340" y="4053340"/>
+                  </a:lnTo>
+                  <a:lnTo>
+                    <a:pt x="6235893" y="4053340"/>
+                  </a:lnTo>
+                  <a:cubicBezTo>
+                    <a:pt x="6580293" y="4053340"/>
+                    <a:pt x="6859501" y="3774132"/>
+                    <a:pt x="6859501" y="3429731"/>
+                  </a:cubicBezTo>
+                  <a:cubicBezTo>
+                    <a:pt x="6859501" y="3085330"/>
+                    <a:pt x="6580332" y="2806123"/>
+                    <a:pt x="6235893" y="2806123"/>
+                  </a:cubicBezTo>
+                  <a:lnTo>
+                    <a:pt x="4053340" y="2806123"/>
+                  </a:lnTo>
+                  <a:lnTo>
+                    <a:pt x="4053340" y="623608"/>
+                  </a:lnTo>
+                  <a:cubicBezTo>
+                    <a:pt x="4053340" y="279208"/>
+                    <a:pt x="3774171" y="0"/>
+                    <a:pt x="3429731" y="0"/>
+                  </a:cubicBezTo>
+                  <a:cubicBezTo>
+                    <a:pt x="3085330" y="0"/>
+                    <a:pt x="2806123" y="279208"/>
+                    <a:pt x="2806123" y="623608"/>
+                  </a:cubicBezTo>
+                  <a:lnTo>
+                    <a:pt x="2806123" y="2806161"/>
+                  </a:lnTo>
+                  <a:lnTo>
+                    <a:pt x="623608" y="2806161"/>
+                  </a:lnTo>
+                  <a:cubicBezTo>
+                    <a:pt x="279208" y="2806161"/>
+                    <a:pt x="0" y="3085369"/>
+                    <a:pt x="0" y="3429731"/>
+                  </a:cubicBezTo>
+                  <a:cubicBezTo>
+                    <a:pt x="0" y="3774132"/>
+                    <a:pt x="279208" y="4053340"/>
+                    <a:pt x="623608" y="4053340"/>
+                  </a:cubicBezTo>
+                  <a:lnTo>
+                    <a:pt x="2806161" y="4053340"/>
+                  </a:lnTo>
+                  <a:lnTo>
+                    <a:pt x="2806161" y="6235893"/>
+                  </a:lnTo>
+                  <a:cubicBezTo>
+                    <a:pt x="2806161" y="6580293"/>
+                    <a:pt x="3085369" y="6859501"/>
+                    <a:pt x="3429770" y="6859501"/>
+                  </a:cubicBezTo>
+                  <a:cubicBezTo>
+                    <a:pt x="3774171" y="6859501"/>
+                    <a:pt x="4053340" y="6580293"/>
+                    <a:pt x="4053340" y="6235893"/>
+                  </a:cubicBezTo>
+                  <a:close/>
+                </a:path>
+              </a:pathLst>
+            </a:custGeom>
+            <a:ln w="3848" cap="flat">
+              <a:noFill/>
+              <a:prstDash val="solid"/>
+              <a:miter/>
+            </a:ln>
+            <a:effectLst>
+              <a:glow rad="152400">
+                <a:srgbClr val="000000">
+                  <a:alpha val="4000"/>
+                </a:srgbClr>
+              </a:glow>
+              <a:outerShdw blurRad="101600" dist="38100" dir="16200000" rotWithShape="0">
+                <a:srgbClr val="000000">
+                  <a:alpha val="5000"/>
+                </a:srgbClr>
+              </a:outerShdw>
+            </a:effectLst>
+          </p:spPr>
+          <p:txBody>
+            <a:bodyPr rtlCol="0" anchor="ctr"/>
+            <a:lstStyle/>
+            <a:p>
+              <a:endParaRPr lang="en-US"/>
+            </a:p>
+          </p:txBody>
+        </p:sp>
+        <p:sp useBgFill="1">
+          <p:nvSpPr>
+            <p:cNvPr id="18" name="Oval 17">
+              <a:extLst>
+                <a:ext uri="{FF2B5EF4-FFF2-40B4-BE49-F238E27FC236}">
+                  <a16:creationId xmlns:a16="http://schemas.microsoft.com/office/drawing/2014/main" id="{6A55503D-2920-4B77-A454-8FEA3378BAC1}"/>
+                </a:ext>
+                <a:ext uri="{C183D7F6-B498-43B3-948B-1728B52AA6E4}">
+                  <adec:decorative xmlns:adec="http://schemas.microsoft.com/office/drawing/2017/decorative" val="1"/>
+                </a:ext>
+              </a:extLst>
+            </p:cNvPr>
+            <p:cNvSpPr/>
+            <p:nvPr>
+              <p:extLst>
+                <p:ext uri="{386F3935-93C4-4BCD-93E2-E3B085C9AB24}">
+                  <p16:designElem xmlns:p16="http://schemas.microsoft.com/office/powerpoint/2015/main" val="1"/>
+                </p:ext>
+              </p:extLst>
+            </p:nvPr>
+          </p:nvSpPr>
+          <p:spPr>
+            <a:xfrm rot="10800000">
+              <a:off x="195308" y="1338299"/>
+              <a:ext cx="261891" cy="261891"/>
+            </a:xfrm>
+            <a:prstGeom prst="ellipse">
+              <a:avLst/>
+            </a:prstGeom>
+            <a:ln w="3848" cap="flat">
+              <a:noFill/>
+              <a:prstDash val="solid"/>
+              <a:miter/>
+            </a:ln>
+            <a:effectLst>
+              <a:glow rad="152400">
+                <a:srgbClr val="000000">
+                  <a:alpha val="4000"/>
+                </a:srgbClr>
+              </a:glow>
+              <a:outerShdw blurRad="101600" dist="38100" dir="16200000" rotWithShape="0">
+                <a:srgbClr val="000000">
+                  <a:alpha val="5000"/>
+                </a:srgbClr>
+              </a:outerShdw>
+            </a:effectLst>
+          </p:spPr>
+          <p:txBody>
+            <a:bodyPr rtlCol="0" anchor="ctr"/>
+            <a:lstStyle/>
+            <a:p>
+              <a:endParaRPr lang="en-US" dirty="0"/>
+            </a:p>
+          </p:txBody>
+        </p:sp>
+        <p:sp useBgFill="1">
+          <p:nvSpPr>
+            <p:cNvPr id="20" name="Oval 19">
+              <a:extLst>
+                <a:ext uri="{FF2B5EF4-FFF2-40B4-BE49-F238E27FC236}">
+                  <a16:creationId xmlns:a16="http://schemas.microsoft.com/office/drawing/2014/main" id="{E5300822-6CE9-4457-8099-6BF7922A99C6}"/>
+                </a:ext>
+                <a:ext uri="{C183D7F6-B498-43B3-948B-1728B52AA6E4}">
+                  <adec:decorative xmlns:adec="http://schemas.microsoft.com/office/drawing/2017/decorative" val="1"/>
+                </a:ext>
+              </a:extLst>
+            </p:cNvPr>
+            <p:cNvSpPr/>
+            <p:nvPr>
+              <p:extLst>
+                <p:ext uri="{386F3935-93C4-4BCD-93E2-E3B085C9AB24}">
+                  <p16:designElem xmlns:p16="http://schemas.microsoft.com/office/powerpoint/2015/main" val="1"/>
+                </p:ext>
+              </p:extLst>
+            </p:nvPr>
+          </p:nvSpPr>
+          <p:spPr>
+            <a:xfrm rot="10800000">
+              <a:off x="1695456" y="625555"/>
+              <a:ext cx="388723" cy="388723"/>
+            </a:xfrm>
+            <a:prstGeom prst="ellipse">
+              <a:avLst/>
+            </a:prstGeom>
+            <a:ln w="3848" cap="flat">
+              <a:noFill/>
+              <a:prstDash val="solid"/>
+              <a:miter/>
+            </a:ln>
+            <a:effectLst>
+              <a:glow rad="152400">
+                <a:srgbClr val="000000">
+                  <a:alpha val="4000"/>
+                </a:srgbClr>
+              </a:glow>
+              <a:outerShdw blurRad="101600" dist="38100" dir="16200000" rotWithShape="0">
+                <a:srgbClr val="000000">
+                  <a:alpha val="5000"/>
+                </a:srgbClr>
+              </a:outerShdw>
+            </a:effectLst>
+          </p:spPr>
+          <p:txBody>
+            <a:bodyPr rtlCol="0" anchor="ctr"/>
+            <a:lstStyle/>
+            <a:p>
+              <a:endParaRPr lang="en-US"/>
+            </a:p>
+          </p:txBody>
+        </p:sp>
+      </p:grpSp>
+      <p:sp>
+        <p:nvSpPr>
+          <p:cNvPr id="2" name="Title 1">
+            <a:extLst>
+              <a:ext uri="{FF2B5EF4-FFF2-40B4-BE49-F238E27FC236}">
+                <a16:creationId xmlns:a16="http://schemas.microsoft.com/office/drawing/2014/main" id="{E3F895D8-B493-4B20-6CB5-B25C1DC08DB1}"/>
+              </a:ext>
+            </a:extLst>
+          </p:cNvPr>
+          <p:cNvSpPr>
+            <a:spLocks noGrp="1"/>
+          </p:cNvSpPr>
+          <p:nvPr>
+            <p:ph type="title"/>
+          </p:nvPr>
+        </p:nvSpPr>
+        <p:spPr>
+          <a:xfrm>
+            <a:off x="457199" y="557189"/>
+            <a:ext cx="4419601" cy="1043001"/>
+          </a:xfrm>
+        </p:spPr>
+        <p:txBody>
+          <a:bodyPr anchor="b">
+            <a:noAutofit/>
+          </a:bodyPr>
+          <a:lstStyle/>
+          <a:p>
+            <a:r>
+              <a:rPr lang="en-US" sz="7200" b="1" dirty="0"/>
+              <a:t>Loops</a:t>
+            </a:r>
+            <a:endParaRPr lang="en-CA" sz="7200" b="1" dirty="0"/>
+          </a:p>
+        </p:txBody>
+      </p:sp>
+      <p:sp>
+        <p:nvSpPr>
+          <p:cNvPr id="3" name="Content Placeholder 2">
+            <a:extLst>
+              <a:ext uri="{FF2B5EF4-FFF2-40B4-BE49-F238E27FC236}">
+                <a16:creationId xmlns:a16="http://schemas.microsoft.com/office/drawing/2014/main" id="{A3504F3D-34FA-0869-0B8E-F50692FD91C1}"/>
+              </a:ext>
+            </a:extLst>
+          </p:cNvPr>
+          <p:cNvSpPr>
+            <a:spLocks noGrp="1"/>
+          </p:cNvSpPr>
+          <p:nvPr>
+            <p:ph idx="1"/>
+          </p:nvPr>
+        </p:nvSpPr>
+        <p:spPr>
+          <a:xfrm>
+            <a:off x="457200" y="1928813"/>
+            <a:ext cx="5900738" cy="4371992"/>
+          </a:xfrm>
+        </p:spPr>
+        <p:txBody>
+          <a:bodyPr anchor="t">
+            <a:noAutofit/>
+          </a:bodyPr>
+          <a:lstStyle/>
+          <a:p>
+            <a:r>
+              <a:rPr lang="en-US" sz="4400" dirty="0"/>
+              <a:t>Loop unrolling replicates the loop body multiple times</a:t>
+            </a:r>
+          </a:p>
+          <a:p>
+            <a:r>
+              <a:rPr lang="en-US" sz="4400" dirty="0"/>
+              <a:t>Reduces the Loop control structure overhead</a:t>
+            </a:r>
+            <a:endParaRPr lang="en-CA" sz="4400" dirty="0"/>
+          </a:p>
+        </p:txBody>
+      </p:sp>
+      <p:pic>
+        <p:nvPicPr>
+          <p:cNvPr id="7" name="Graphic 6" descr="Gears">
+            <a:extLst>
+              <a:ext uri="{FF2B5EF4-FFF2-40B4-BE49-F238E27FC236}">
+                <a16:creationId xmlns:a16="http://schemas.microsoft.com/office/drawing/2014/main" id="{4F28FDD2-866C-42AA-7435-A8B6D1105DF6}"/>
+              </a:ext>
+            </a:extLst>
+          </p:cNvPr>
+          <p:cNvPicPr>
+            <a:picLocks noChangeAspect="1"/>
+          </p:cNvPicPr>
+          <p:nvPr/>
+        </p:nvPicPr>
+        <p:blipFill>
+          <a:blip r:embed="rId2">
+            <a:extLst>
+              <a:ext uri="{28A0092B-C50C-407E-A947-70E740481C1C}">
+                <a14:useLocalDpi xmlns:a14="http://schemas.microsoft.com/office/drawing/2010/main" val="0"/>
+              </a:ext>
+              <a:ext uri="{96DAC541-7B7A-43D3-8B79-37D633B846F1}">
+                <asvg:svgBlip xmlns:asvg="http://schemas.microsoft.com/office/drawing/2016/SVG/main" r:embed="rId3"/>
+              </a:ext>
+            </a:extLst>
+          </a:blip>
+          <a:stretch>
+            <a:fillRect/>
+          </a:stretch>
+        </p:blipFill>
+        <p:spPr>
+          <a:xfrm>
+            <a:off x="5609110" y="575423"/>
+            <a:ext cx="5749177" cy="5749177"/>
+          </a:xfrm>
+          <a:prstGeom prst="rect">
+            <a:avLst/>
+          </a:prstGeom>
+        </p:spPr>
+      </p:pic>
+    </p:spTree>
+    <p:extLst>
+      <p:ext uri="{BB962C8B-B14F-4D97-AF65-F5344CB8AC3E}">
+        <p14:creationId xmlns:p14="http://schemas.microsoft.com/office/powerpoint/2010/main" val="747773298"/>
+      </p:ext>
+    </p:extLst>
+  </p:cSld>
+  <p:clrMapOvr>
+    <a:masterClrMapping/>
+  </p:clrMapOvr>
+</p:sld>
+</file>
+
+<file path=ppt/slides/slide16.xml><?xml version="1.0" encoding="utf-8"?>
+<p:sld xmlns:a="http://schemas.openxmlformats.org/drawingml/2006/main" xmlns:r="http://schemas.openxmlformats.org/officeDocument/2006/relationships" xmlns:p="http://schemas.openxmlformats.org/presentationml/2006/main">
+  <p:cSld>
+    <p:spTree>
+      <p:nvGrpSpPr>
+        <p:cNvPr id="1" name=""/>
+        <p:cNvGrpSpPr/>
+        <p:nvPr/>
+      </p:nvGrpSpPr>
+      <p:grpSpPr>
+        <a:xfrm>
+          <a:off x="0" y="0"/>
+          <a:ext cx="0" cy="0"/>
+          <a:chOff x="0" y="0"/>
+          <a:chExt cx="0" cy="0"/>
+        </a:xfrm>
+      </p:grpSpPr>
+      <p:sp>
+        <p:nvSpPr>
+          <p:cNvPr id="2" name="Title 1">
+            <a:extLst>
+              <a:ext uri="{FF2B5EF4-FFF2-40B4-BE49-F238E27FC236}">
+                <a16:creationId xmlns:a16="http://schemas.microsoft.com/office/drawing/2014/main" id="{1A986B91-899A-8A23-2D63-A22EB12384BD}"/>
+              </a:ext>
+            </a:extLst>
+          </p:cNvPr>
+          <p:cNvSpPr>
+            <a:spLocks noGrp="1"/>
+          </p:cNvSpPr>
+          <p:nvPr>
+            <p:ph type="title"/>
+          </p:nvPr>
+        </p:nvSpPr>
+        <p:spPr>
+          <a:xfrm>
+            <a:off x="838200" y="365125"/>
+            <a:ext cx="10515600" cy="5812651"/>
+          </a:xfrm>
+        </p:spPr>
+        <p:txBody>
+          <a:bodyPr>
+            <a:normAutofit/>
+          </a:bodyPr>
+          <a:lstStyle/>
+          <a:p>
+            <a:pPr algn="ctr"/>
+            <a:r>
+              <a:rPr lang="en-CA" sz="6000" b="1" dirty="0"/>
+              <a:t>Brief Code Review of Collections Performance 4.1</a:t>
+            </a:r>
+          </a:p>
+        </p:txBody>
+      </p:sp>
+    </p:spTree>
+    <p:extLst>
+      <p:ext uri="{BB962C8B-B14F-4D97-AF65-F5344CB8AC3E}">
+        <p14:creationId xmlns:p14="http://schemas.microsoft.com/office/powerpoint/2010/main" val="1052199278"/>
+      </p:ext>
+    </p:extLst>
+  </p:cSld>
+  <p:clrMapOvr>
+    <a:masterClrMapping/>
+  </p:clrMapOvr>
+</p:sld>
+</file>
+
+<file path=ppt/slides/slide17.xml><?xml version="1.0" encoding="utf-8"?>
+<p:sld xmlns:a="http://schemas.openxmlformats.org/drawingml/2006/main" xmlns:r="http://schemas.openxmlformats.org/officeDocument/2006/relationships" xmlns:p="http://schemas.openxmlformats.org/presentationml/2006/main">
+  <p:cSld>
+    <p:spTree>
+      <p:nvGrpSpPr>
+        <p:cNvPr id="1" name=""/>
+        <p:cNvGrpSpPr/>
+        <p:nvPr/>
+      </p:nvGrpSpPr>
+      <p:grpSpPr>
+        <a:xfrm>
+          <a:off x="0" y="0"/>
+          <a:ext cx="0" cy="0"/>
+          <a:chOff x="0" y="0"/>
+          <a:chExt cx="0" cy="0"/>
+        </a:xfrm>
+      </p:grpSpPr>
+      <p:sp>
+        <p:nvSpPr>
+          <p:cNvPr id="2" name="Title 1">
+            <a:extLst>
+              <a:ext uri="{FF2B5EF4-FFF2-40B4-BE49-F238E27FC236}">
+                <a16:creationId xmlns:a16="http://schemas.microsoft.com/office/drawing/2014/main" id="{E635573C-8555-BE06-2A50-A0828A2B86B5}"/>
+              </a:ext>
+            </a:extLst>
+          </p:cNvPr>
+          <p:cNvSpPr>
+            <a:spLocks noGrp="1"/>
+          </p:cNvSpPr>
+          <p:nvPr>
+            <p:ph type="title"/>
+          </p:nvPr>
+        </p:nvSpPr>
+        <p:spPr>
+          <a:xfrm>
+            <a:off x="838200" y="375064"/>
+            <a:ext cx="10515600" cy="1325563"/>
+          </a:xfrm>
+        </p:spPr>
+        <p:txBody>
+          <a:bodyPr>
+            <a:normAutofit/>
+          </a:bodyPr>
+          <a:lstStyle/>
+          <a:p>
+            <a:pPr algn="ctr"/>
+            <a:r>
+              <a:rPr lang="en-US" sz="5400" b="1" dirty="0"/>
+              <a:t>The solution: </a:t>
+            </a:r>
+            <a:endParaRPr lang="en-CA" sz="5400" b="1" dirty="0"/>
+          </a:p>
+        </p:txBody>
+      </p:sp>
+      <p:sp>
+        <p:nvSpPr>
+          <p:cNvPr id="3" name="Content Placeholder 2">
+            <a:extLst>
+              <a:ext uri="{FF2B5EF4-FFF2-40B4-BE49-F238E27FC236}">
+                <a16:creationId xmlns:a16="http://schemas.microsoft.com/office/drawing/2014/main" id="{C470AD92-8223-799C-D344-12CD88117354}"/>
+              </a:ext>
+            </a:extLst>
+          </p:cNvPr>
+          <p:cNvSpPr>
+            <a:spLocks noGrp="1"/>
+          </p:cNvSpPr>
+          <p:nvPr>
+            <p:ph idx="1"/>
+          </p:nvPr>
+        </p:nvSpPr>
+        <p:spPr/>
+        <p:txBody>
+          <a:bodyPr>
+            <a:normAutofit/>
+          </a:bodyPr>
+          <a:lstStyle/>
+          <a:p>
+            <a:pPr marL="0" indent="0" algn="ctr">
+              <a:buNone/>
+            </a:pPr>
+            <a:endParaRPr lang="en-US" sz="7200" dirty="0"/>
+          </a:p>
+          <a:p>
+            <a:pPr marL="0" indent="0" algn="ctr">
+              <a:buNone/>
+            </a:pPr>
+            <a:r>
+              <a:rPr lang="en-US" sz="7200" b="1" dirty="0"/>
+              <a:t>Java Microbenchmark Harness</a:t>
+            </a:r>
+            <a:endParaRPr lang="en-CA" sz="7200" b="1" dirty="0"/>
+          </a:p>
+        </p:txBody>
+      </p:sp>
+    </p:spTree>
+    <p:extLst>
+      <p:ext uri="{BB962C8B-B14F-4D97-AF65-F5344CB8AC3E}">
+        <p14:creationId xmlns:p14="http://schemas.microsoft.com/office/powerpoint/2010/main" val="142833043"/>
+      </p:ext>
+    </p:extLst>
+  </p:cSld>
+  <p:clrMapOvr>
+    <a:masterClrMapping/>
+  </p:clrMapOvr>
+</p:sld>
+</file>
+
+<file path=ppt/slides/slide18.xml><?xml version="1.0" encoding="utf-8"?>
+<p:sld xmlns:a="http://schemas.openxmlformats.org/drawingml/2006/main" xmlns:r="http://schemas.openxmlformats.org/officeDocument/2006/relationships" xmlns:p="http://schemas.openxmlformats.org/presentationml/2006/main">
+  <p:cSld>
+    <p:spTree>
+      <p:nvGrpSpPr>
+        <p:cNvPr id="1" name=""/>
+        <p:cNvGrpSpPr/>
+        <p:nvPr/>
+      </p:nvGrpSpPr>
+      <p:grpSpPr>
+        <a:xfrm>
+          <a:off x="0" y="0"/>
+          <a:ext cx="0" cy="0"/>
+          <a:chOff x="0" y="0"/>
+          <a:chExt cx="0" cy="0"/>
+        </a:xfrm>
+      </p:grpSpPr>
+      <p:pic>
+        <p:nvPicPr>
+          <p:cNvPr id="5" name="Content Placeholder 4" descr="A horse wearing a leather harness&#10;&#10;Description automatically generated">
+            <a:extLst>
+              <a:ext uri="{FF2B5EF4-FFF2-40B4-BE49-F238E27FC236}">
+                <a16:creationId xmlns:a16="http://schemas.microsoft.com/office/drawing/2014/main" id="{C4DAF183-8AA9-0C94-77F8-28EB9A51B975}"/>
+              </a:ext>
+            </a:extLst>
+          </p:cNvPr>
+          <p:cNvPicPr>
+            <a:picLocks noGrp="1" noChangeAspect="1"/>
+          </p:cNvPicPr>
+          <p:nvPr>
+            <p:ph idx="1"/>
+          </p:nvPr>
+        </p:nvPicPr>
+        <p:blipFill>
+          <a:blip r:embed="rId2"/>
+          <a:stretch>
+            <a:fillRect/>
+          </a:stretch>
+        </p:blipFill>
+        <p:spPr>
+          <a:xfrm>
+            <a:off x="2666999" y="-1"/>
+            <a:ext cx="6858001" cy="6858001"/>
+          </a:xfrm>
+        </p:spPr>
+      </p:pic>
+      <p:sp>
+        <p:nvSpPr>
+          <p:cNvPr id="2" name="TextBox 1">
+            <a:extLst>
+              <a:ext uri="{FF2B5EF4-FFF2-40B4-BE49-F238E27FC236}">
+                <a16:creationId xmlns:a16="http://schemas.microsoft.com/office/drawing/2014/main" id="{3D01C3A8-47AC-A398-4C9B-5DA2DAB68D96}"/>
+              </a:ext>
+            </a:extLst>
+          </p:cNvPr>
+          <p:cNvSpPr txBox="1"/>
+          <p:nvPr/>
+        </p:nvSpPr>
+        <p:spPr>
+          <a:xfrm>
+            <a:off x="9604352" y="5871079"/>
+            <a:ext cx="2587647" cy="307777"/>
+          </a:xfrm>
+          <a:prstGeom prst="rect">
+            <a:avLst/>
+          </a:prstGeom>
+          <a:noFill/>
+        </p:spPr>
+        <p:txBody>
+          <a:bodyPr wrap="square" rtlCol="0">
+            <a:spAutoFit/>
+          </a:bodyPr>
+          <a:lstStyle/>
+          <a:p>
+            <a:r>
+              <a:rPr lang="en-US" sz="1400" dirty="0"/>
+              <a:t>Image generated by Dall-E 3</a:t>
+            </a:r>
+            <a:endParaRPr lang="en-CA" sz="1400" dirty="0"/>
+          </a:p>
+        </p:txBody>
+      </p:sp>
+    </p:spTree>
+    <p:extLst>
+      <p:ext uri="{BB962C8B-B14F-4D97-AF65-F5344CB8AC3E}">
+        <p14:creationId xmlns:p14="http://schemas.microsoft.com/office/powerpoint/2010/main" val="3069014409"/>
+      </p:ext>
+    </p:extLst>
+  </p:cSld>
+  <p:clrMapOvr>
+    <a:masterClrMapping/>
+  </p:clrMapOvr>
+</p:sld>
+</file>
+
+<file path=ppt/slides/slide19.xml><?xml version="1.0" encoding="utf-8"?>
+<p:sld xmlns:a="http://schemas.openxmlformats.org/drawingml/2006/main" xmlns:r="http://schemas.openxmlformats.org/officeDocument/2006/relationships" xmlns:p="http://schemas.openxmlformats.org/presentationml/2006/main">
+  <p:cSld>
+    <p:spTree>
+      <p:nvGrpSpPr>
+        <p:cNvPr id="1" name=""/>
+        <p:cNvGrpSpPr/>
+        <p:nvPr/>
+      </p:nvGrpSpPr>
+      <p:grpSpPr>
+        <a:xfrm>
+          <a:off x="0" y="0"/>
+          <a:ext cx="0" cy="0"/>
+          <a:chOff x="0" y="0"/>
+          <a:chExt cx="0" cy="0"/>
+        </a:xfrm>
+      </p:grpSpPr>
+      <p:sp>
+        <p:nvSpPr>
+          <p:cNvPr id="2" name="Title 1">
+            <a:extLst>
+              <a:ext uri="{FF2B5EF4-FFF2-40B4-BE49-F238E27FC236}">
+                <a16:creationId xmlns:a16="http://schemas.microsoft.com/office/drawing/2014/main" id="{300E4F24-7091-CFDB-8678-8FE43193F56E}"/>
+              </a:ext>
+            </a:extLst>
+          </p:cNvPr>
+          <p:cNvSpPr>
+            <a:spLocks noGrp="1"/>
+          </p:cNvSpPr>
+          <p:nvPr>
+            <p:ph type="title"/>
+          </p:nvPr>
+        </p:nvSpPr>
+        <p:spPr/>
+        <p:txBody>
+          <a:bodyPr/>
+          <a:lstStyle/>
+          <a:p>
+            <a:r>
+              <a:rPr lang="en-CA" b="1" dirty="0"/>
+              <a:t>Java Microbenchmark Harness (JMH)</a:t>
+            </a:r>
+          </a:p>
+        </p:txBody>
+      </p:sp>
+      <p:sp>
+        <p:nvSpPr>
+          <p:cNvPr id="3" name="Content Placeholder 2">
+            <a:extLst>
+              <a:ext uri="{FF2B5EF4-FFF2-40B4-BE49-F238E27FC236}">
+                <a16:creationId xmlns:a16="http://schemas.microsoft.com/office/drawing/2014/main" id="{51225757-EF9E-6A0F-2C3C-E98668A8B793}"/>
+              </a:ext>
+            </a:extLst>
+          </p:cNvPr>
+          <p:cNvSpPr>
+            <a:spLocks noGrp="1"/>
+          </p:cNvSpPr>
+          <p:nvPr>
+            <p:ph idx="1"/>
+          </p:nvPr>
+        </p:nvSpPr>
+        <p:spPr/>
+        <p:txBody>
+          <a:bodyPr/>
+          <a:lstStyle/>
+          <a:p>
+            <a:pPr marL="0" indent="0" algn="ctr">
+              <a:buNone/>
+            </a:pPr>
+            <a:r>
+              <a:rPr lang="en-US" sz="5400" b="0" i="0" dirty="0">
+                <a:solidFill>
+                  <a:srgbClr val="1F2328"/>
+                </a:solidFill>
+                <a:effectLst/>
+                <a:highlight>
+                  <a:srgbClr val="FFFFFF"/>
+                </a:highlight>
+                <a:latin typeface="-apple-system"/>
+              </a:rPr>
+              <a:t>JMH is a Java harness for building, running, and analyzing nano/micro/milli/macro benchmarks written in Java and other languages targeting the JVM.*</a:t>
+            </a:r>
+          </a:p>
+          <a:p>
+            <a:pPr marL="914400" lvl="2" indent="0">
+              <a:buNone/>
+            </a:pPr>
+            <a:r>
+              <a:rPr lang="en-US" sz="3200" dirty="0">
+                <a:solidFill>
+                  <a:srgbClr val="1F2328"/>
+                </a:solidFill>
+                <a:highlight>
+                  <a:srgbClr val="FFFFFF"/>
+                </a:highlight>
+                <a:latin typeface="-apple-system"/>
+              </a:rPr>
+              <a:t>*from https://github.com/openjdk/jmh</a:t>
+            </a:r>
+            <a:endParaRPr lang="en-CA" sz="3200" dirty="0"/>
+          </a:p>
+        </p:txBody>
+      </p:sp>
+    </p:spTree>
+    <p:extLst>
+      <p:ext uri="{BB962C8B-B14F-4D97-AF65-F5344CB8AC3E}">
+        <p14:creationId xmlns:p14="http://schemas.microsoft.com/office/powerpoint/2010/main" val="1294449622"/>
+      </p:ext>
+    </p:extLst>
+  </p:cSld>
+  <p:clrMapOvr>
+    <a:masterClrMapping/>
+  </p:clrMapOvr>
+</p:sld>
+</file>
+
+<file path=ppt/slides/slide2.xml><?xml version="1.0" encoding="utf-8"?>
+<p:sld xmlns:a="http://schemas.openxmlformats.org/drawingml/2006/main" xmlns:r="http://schemas.openxmlformats.org/officeDocument/2006/relationships" xmlns:p="http://schemas.openxmlformats.org/presentationml/2006/main">
+  <p:cSld>
     <p:bg>
       <p:bgPr>
         <a:solidFill>
@@ -14818,2570 +17593,7 @@
 </p:sld>
 </file>
 
-<file path=ppt/slides/slide10.xml><?xml version="1.0" encoding="utf-8"?>
-<p:sld xmlns:a="http://schemas.openxmlformats.org/drawingml/2006/main" xmlns:r="http://schemas.openxmlformats.org/officeDocument/2006/relationships" xmlns:p="http://schemas.openxmlformats.org/presentationml/2006/main">
-  <p:cSld>
-    <p:spTree>
-      <p:nvGrpSpPr>
-        <p:cNvPr id="1" name=""/>
-        <p:cNvGrpSpPr/>
-        <p:nvPr/>
-      </p:nvGrpSpPr>
-      <p:grpSpPr>
-        <a:xfrm>
-          <a:off x="0" y="0"/>
-          <a:ext cx="0" cy="0"/>
-          <a:chOff x="0" y="0"/>
-          <a:chExt cx="0" cy="0"/>
-        </a:xfrm>
-      </p:grpSpPr>
-      <p:sp>
-        <p:nvSpPr>
-          <p:cNvPr id="2" name="Title 1">
-            <a:extLst>
-              <a:ext uri="{FF2B5EF4-FFF2-40B4-BE49-F238E27FC236}">
-                <a16:creationId xmlns:a16="http://schemas.microsoft.com/office/drawing/2014/main" id="{A88E4978-90E9-EC3C-2BAD-BCFE8BD12C6F}"/>
-              </a:ext>
-            </a:extLst>
-          </p:cNvPr>
-          <p:cNvSpPr>
-            <a:spLocks noGrp="1"/>
-          </p:cNvSpPr>
-          <p:nvPr>
-            <p:ph type="title"/>
-          </p:nvPr>
-        </p:nvSpPr>
-        <p:spPr>
-          <a:xfrm>
-            <a:off x="838200" y="129208"/>
-            <a:ext cx="10515600" cy="5725181"/>
-          </a:xfrm>
-        </p:spPr>
-        <p:txBody>
-          <a:bodyPr>
-            <a:normAutofit/>
-          </a:bodyPr>
-          <a:lstStyle/>
-          <a:p>
-            <a:pPr algn="ctr">
-              <a:lnSpc>
-                <a:spcPct val="150000"/>
-              </a:lnSpc>
-              <a:spcBef>
-                <a:spcPts val="1000"/>
-              </a:spcBef>
-            </a:pPr>
-            <a:r>
-              <a:rPr lang="en-US" sz="5400" b="1" dirty="0"/>
-              <a:t>What have I ignored.</a:t>
-            </a:r>
-            <a:br>
-              <a:rPr lang="en-US" sz="5400" b="1" dirty="0"/>
-            </a:br>
-            <a:r>
-              <a:rPr lang="en-US" sz="5400" b="1" dirty="0"/>
-              <a:t>What have I done wrong?*</a:t>
-            </a:r>
-            <a:br>
-              <a:rPr lang="en-US" sz="5400" b="1" dirty="0"/>
-            </a:br>
-            <a:r>
-              <a:rPr lang="en-US" sz="3200" b="1" dirty="0"/>
-              <a:t>* actually, quite a long list</a:t>
-            </a:r>
-            <a:endParaRPr lang="en-CA" sz="3200" b="1" dirty="0"/>
-          </a:p>
-        </p:txBody>
-      </p:sp>
-    </p:spTree>
-    <p:extLst>
-      <p:ext uri="{BB962C8B-B14F-4D97-AF65-F5344CB8AC3E}">
-        <p14:creationId xmlns:p14="http://schemas.microsoft.com/office/powerpoint/2010/main" val="2925550394"/>
-      </p:ext>
-    </p:extLst>
-  </p:cSld>
-  <p:clrMapOvr>
-    <a:masterClrMapping/>
-  </p:clrMapOvr>
-</p:sld>
-</file>
-
-<file path=ppt/slides/slide11.xml><?xml version="1.0" encoding="utf-8"?>
-<p:sld xmlns:a="http://schemas.openxmlformats.org/drawingml/2006/main" xmlns:r="http://schemas.openxmlformats.org/officeDocument/2006/relationships" xmlns:p="http://schemas.openxmlformats.org/presentationml/2006/main">
-  <p:cSld>
-    <p:bg>
-      <p:bgPr>
-        <a:solidFill>
-          <a:schemeClr val="bg1"/>
-        </a:solidFill>
-        <a:effectLst/>
-      </p:bgPr>
-    </p:bg>
-    <p:spTree>
-      <p:nvGrpSpPr>
-        <p:cNvPr id="1" name=""/>
-        <p:cNvGrpSpPr/>
-        <p:nvPr/>
-      </p:nvGrpSpPr>
-      <p:grpSpPr>
-        <a:xfrm>
-          <a:off x="0" y="0"/>
-          <a:ext cx="0" cy="0"/>
-          <a:chOff x="0" y="0"/>
-          <a:chExt cx="0" cy="0"/>
-        </a:xfrm>
-      </p:grpSpPr>
-      <p:sp useBgFill="1">
-        <p:nvSpPr>
-          <p:cNvPr id="9" name="Rectangle 8">
-            <a:extLst>
-              <a:ext uri="{FF2B5EF4-FFF2-40B4-BE49-F238E27FC236}">
-                <a16:creationId xmlns:a16="http://schemas.microsoft.com/office/drawing/2014/main" id="{25AD4A59-91FA-4E30-8F32-A8AB51F768C6}"/>
-              </a:ext>
-              <a:ext uri="{C183D7F6-B498-43B3-948B-1728B52AA6E4}">
-                <adec:decorative xmlns:adec="http://schemas.microsoft.com/office/drawing/2017/decorative" val="1"/>
-              </a:ext>
-            </a:extLst>
-          </p:cNvPr>
-          <p:cNvSpPr>
-            <a:spLocks noGrp="1" noRot="1" noChangeAspect="1" noMove="1" noResize="1" noEditPoints="1" noAdjustHandles="1" noChangeArrowheads="1" noChangeShapeType="1" noTextEdit="1"/>
-          </p:cNvSpPr>
-          <p:nvPr>
-            <p:extLst>
-              <p:ext uri="{386F3935-93C4-4BCD-93E2-E3B085C9AB24}">
-                <p16:designElem xmlns:p16="http://schemas.microsoft.com/office/powerpoint/2015/main" val="1"/>
-              </p:ext>
-            </p:extLst>
-          </p:nvPr>
-        </p:nvSpPr>
-        <p:spPr>
-          <a:xfrm>
-            <a:off x="0" y="0"/>
-            <a:ext cx="12192000" cy="6858000"/>
-          </a:xfrm>
-          <a:prstGeom prst="rect">
-            <a:avLst/>
-          </a:prstGeom>
-          <a:ln w="3848" cap="flat">
-            <a:noFill/>
-            <a:prstDash val="solid"/>
-            <a:miter/>
-          </a:ln>
-          <a:effectLst/>
-        </p:spPr>
-        <p:txBody>
-          <a:bodyPr rtlCol="0" anchor="ctr"/>
-          <a:lstStyle/>
-          <a:p>
-            <a:endParaRPr lang="en-US" dirty="0">
-              <a:solidFill>
-                <a:schemeClr val="tx1"/>
-              </a:solidFill>
-            </a:endParaRPr>
-          </a:p>
-        </p:txBody>
-      </p:sp>
-      <p:sp>
-        <p:nvSpPr>
-          <p:cNvPr id="11" name="Rectangle 10">
-            <a:extLst>
-              <a:ext uri="{FF2B5EF4-FFF2-40B4-BE49-F238E27FC236}">
-                <a16:creationId xmlns:a16="http://schemas.microsoft.com/office/drawing/2014/main" id="{01AF26B4-1569-483F-8223-4C515A87A527}"/>
-              </a:ext>
-              <a:ext uri="{C183D7F6-B498-43B3-948B-1728B52AA6E4}">
-                <adec:decorative xmlns:adec="http://schemas.microsoft.com/office/drawing/2017/decorative" val="1"/>
-              </a:ext>
-            </a:extLst>
-          </p:cNvPr>
-          <p:cNvSpPr>
-            <a:spLocks noGrp="1" noRot="1" noChangeAspect="1" noMove="1" noResize="1" noEditPoints="1" noAdjustHandles="1" noChangeArrowheads="1" noChangeShapeType="1" noTextEdit="1"/>
-          </p:cNvSpPr>
-          <p:nvPr>
-            <p:extLst>
-              <p:ext uri="{386F3935-93C4-4BCD-93E2-E3B085C9AB24}">
-                <p16:designElem xmlns:p16="http://schemas.microsoft.com/office/powerpoint/2015/main" val="1"/>
-              </p:ext>
-            </p:extLst>
-          </p:nvPr>
-        </p:nvSpPr>
-        <p:spPr>
-          <a:xfrm>
-            <a:off x="0" y="0"/>
-            <a:ext cx="12192000" cy="6858000"/>
-          </a:xfrm>
-          <a:prstGeom prst="rect">
-            <a:avLst/>
-          </a:prstGeom>
-          <a:solidFill>
-            <a:srgbClr val="FFFFFF">
-              <a:alpha val="10000"/>
-            </a:srgbClr>
-          </a:solidFill>
-          <a:ln w="3848" cap="flat">
-            <a:noFill/>
-            <a:prstDash val="solid"/>
-            <a:miter/>
-          </a:ln>
-          <a:effectLst/>
-        </p:spPr>
-        <p:txBody>
-          <a:bodyPr rtlCol="0" anchor="ctr"/>
-          <a:lstStyle/>
-          <a:p>
-            <a:endParaRPr lang="en-US" dirty="0">
-              <a:solidFill>
-                <a:schemeClr val="tx1"/>
-              </a:solidFill>
-            </a:endParaRPr>
-          </a:p>
-        </p:txBody>
-      </p:sp>
-      <p:pic>
-        <p:nvPicPr>
-          <p:cNvPr id="5" name="Picture 4" descr="A basketball on a bench">
-            <a:extLst>
-              <a:ext uri="{FF2B5EF4-FFF2-40B4-BE49-F238E27FC236}">
-                <a16:creationId xmlns:a16="http://schemas.microsoft.com/office/drawing/2014/main" id="{40483F72-DB1B-D46B-2E79-8F15337DC9E5}"/>
-              </a:ext>
-            </a:extLst>
-          </p:cNvPr>
-          <p:cNvPicPr>
-            <a:picLocks noChangeAspect="1"/>
-          </p:cNvPicPr>
-          <p:nvPr/>
-        </p:nvPicPr>
-        <p:blipFill>
-          <a:blip r:embed="rId2">
-            <a:alphaModFix/>
-            <a:extLst>
-              <a:ext uri="{BEBA8EAE-BF5A-486C-A8C5-ECC9F3942E4B}">
-                <a14:imgProps xmlns:a14="http://schemas.microsoft.com/office/drawing/2010/main">
-                  <a14:imgLayer r:embed="rId3">
-                    <a14:imgEffect>
-                      <a14:colorTemperature colorTemp="6000"/>
-                    </a14:imgEffect>
-                    <a14:imgEffect>
-                      <a14:brightnessContrast contrast="-50000"/>
-                    </a14:imgEffect>
-                  </a14:imgLayer>
-                </a14:imgProps>
-              </a:ext>
-            </a:extLst>
-          </a:blip>
-          <a:srcRect t="15710" r="-1" b="-1"/>
-          <a:stretch/>
-        </p:blipFill>
-        <p:spPr>
-          <a:xfrm>
-            <a:off x="-7797" y="10"/>
-            <a:ext cx="12188952" cy="6857990"/>
-          </a:xfrm>
-          <a:prstGeom prst="rect">
-            <a:avLst/>
-          </a:prstGeom>
-        </p:spPr>
-      </p:pic>
-      <p:grpSp>
-        <p:nvGrpSpPr>
-          <p:cNvPr id="13" name="Group 12">
-            <a:extLst>
-              <a:ext uri="{FF2B5EF4-FFF2-40B4-BE49-F238E27FC236}">
-                <a16:creationId xmlns:a16="http://schemas.microsoft.com/office/drawing/2014/main" id="{1AC8529D-DF13-4349-856C-DA81451848A7}"/>
-              </a:ext>
-              <a:ext uri="{C183D7F6-B498-43B3-948B-1728B52AA6E4}">
-                <adec:decorative xmlns:adec="http://schemas.microsoft.com/office/drawing/2017/decorative" val="1"/>
-              </a:ext>
-            </a:extLst>
-          </p:cNvPr>
-          <p:cNvGrpSpPr>
-            <a:grpSpLocks noGrp="1" noUngrp="1" noRot="1" noChangeAspect="1" noMove="1" noResize="1"/>
-          </p:cNvGrpSpPr>
-          <p:nvPr>
-            <p:extLst>
-              <p:ext uri="{386F3935-93C4-4BCD-93E2-E3B085C9AB24}">
-                <p16:designElem xmlns:p16="http://schemas.microsoft.com/office/powerpoint/2015/main" val="1"/>
-              </p:ext>
-            </p:extLst>
-          </p:nvPr>
-        </p:nvGrpSpPr>
-        <p:grpSpPr>
-          <a:xfrm>
-            <a:off x="183404" y="225822"/>
-            <a:ext cx="1847971" cy="2438142"/>
-            <a:chOff x="183404" y="225822"/>
-            <a:chExt cx="1847971" cy="2438142"/>
-          </a:xfrm>
-        </p:grpSpPr>
-        <p:sp useBgFill="1">
-          <p:nvSpPr>
-            <p:cNvPr id="14" name="Graphic 10">
-              <a:extLst>
-                <a:ext uri="{FF2B5EF4-FFF2-40B4-BE49-F238E27FC236}">
-                  <a16:creationId xmlns:a16="http://schemas.microsoft.com/office/drawing/2014/main" id="{23EB0175-B014-4375-9C83-BA3BC7588FC4}"/>
-                </a:ext>
-                <a:ext uri="{C183D7F6-B498-43B3-948B-1728B52AA6E4}">
-                  <adec:decorative xmlns:adec="http://schemas.microsoft.com/office/drawing/2017/decorative" val="1"/>
-                </a:ext>
-              </a:extLst>
-            </p:cNvPr>
-            <p:cNvSpPr/>
-            <p:nvPr>
-              <p:extLst>
-                <p:ext uri="{386F3935-93C4-4BCD-93E2-E3B085C9AB24}">
-                  <p16:designElem xmlns:p16="http://schemas.microsoft.com/office/powerpoint/2015/main" val="1"/>
-                </p:ext>
-              </p:extLst>
-            </p:nvPr>
-          </p:nvSpPr>
-          <p:spPr>
-            <a:xfrm rot="2700000">
-              <a:off x="304800" y="965970"/>
-              <a:ext cx="1066799" cy="1066799"/>
-            </a:xfrm>
-            <a:custGeom>
-              <a:avLst/>
-              <a:gdLst>
-                <a:gd name="connsiteX0" fmla="*/ 4053340 w 6859500"/>
-                <a:gd name="connsiteY0" fmla="*/ 6235893 h 6859500"/>
-                <a:gd name="connsiteX1" fmla="*/ 4053340 w 6859500"/>
-                <a:gd name="connsiteY1" fmla="*/ 4053340 h 6859500"/>
-                <a:gd name="connsiteX2" fmla="*/ 6235893 w 6859500"/>
-                <a:gd name="connsiteY2" fmla="*/ 4053340 h 6859500"/>
-                <a:gd name="connsiteX3" fmla="*/ 6859501 w 6859500"/>
-                <a:gd name="connsiteY3" fmla="*/ 3429731 h 6859500"/>
-                <a:gd name="connsiteX4" fmla="*/ 6235893 w 6859500"/>
-                <a:gd name="connsiteY4" fmla="*/ 2806123 h 6859500"/>
-                <a:gd name="connsiteX5" fmla="*/ 4053340 w 6859500"/>
-                <a:gd name="connsiteY5" fmla="*/ 2806123 h 6859500"/>
-                <a:gd name="connsiteX6" fmla="*/ 4053340 w 6859500"/>
-                <a:gd name="connsiteY6" fmla="*/ 623608 h 6859500"/>
-                <a:gd name="connsiteX7" fmla="*/ 3429731 w 6859500"/>
-                <a:gd name="connsiteY7" fmla="*/ 0 h 6859500"/>
-                <a:gd name="connsiteX8" fmla="*/ 2806123 w 6859500"/>
-                <a:gd name="connsiteY8" fmla="*/ 623608 h 6859500"/>
-                <a:gd name="connsiteX9" fmla="*/ 2806123 w 6859500"/>
-                <a:gd name="connsiteY9" fmla="*/ 2806161 h 6859500"/>
-                <a:gd name="connsiteX10" fmla="*/ 623608 w 6859500"/>
-                <a:gd name="connsiteY10" fmla="*/ 2806161 h 6859500"/>
-                <a:gd name="connsiteX11" fmla="*/ 0 w 6859500"/>
-                <a:gd name="connsiteY11" fmla="*/ 3429731 h 6859500"/>
-                <a:gd name="connsiteX12" fmla="*/ 623608 w 6859500"/>
-                <a:gd name="connsiteY12" fmla="*/ 4053340 h 6859500"/>
-                <a:gd name="connsiteX13" fmla="*/ 2806161 w 6859500"/>
-                <a:gd name="connsiteY13" fmla="*/ 4053340 h 6859500"/>
-                <a:gd name="connsiteX14" fmla="*/ 2806161 w 6859500"/>
-                <a:gd name="connsiteY14" fmla="*/ 6235893 h 6859500"/>
-                <a:gd name="connsiteX15" fmla="*/ 3429770 w 6859500"/>
-                <a:gd name="connsiteY15" fmla="*/ 6859501 h 6859500"/>
-                <a:gd name="connsiteX16" fmla="*/ 4053340 w 6859500"/>
-                <a:gd name="connsiteY16" fmla="*/ 6235893 h 6859500"/>
-              </a:gdLst>
-              <a:ahLst/>
-              <a:cxnLst>
-                <a:cxn ang="0">
-                  <a:pos x="connsiteX0" y="connsiteY0"/>
-                </a:cxn>
-                <a:cxn ang="0">
-                  <a:pos x="connsiteX1" y="connsiteY1"/>
-                </a:cxn>
-                <a:cxn ang="0">
-                  <a:pos x="connsiteX2" y="connsiteY2"/>
-                </a:cxn>
-                <a:cxn ang="0">
-                  <a:pos x="connsiteX3" y="connsiteY3"/>
-                </a:cxn>
-                <a:cxn ang="0">
-                  <a:pos x="connsiteX4" y="connsiteY4"/>
-                </a:cxn>
-                <a:cxn ang="0">
-                  <a:pos x="connsiteX5" y="connsiteY5"/>
-                </a:cxn>
-                <a:cxn ang="0">
-                  <a:pos x="connsiteX6" y="connsiteY6"/>
-                </a:cxn>
-                <a:cxn ang="0">
-                  <a:pos x="connsiteX7" y="connsiteY7"/>
-                </a:cxn>
-                <a:cxn ang="0">
-                  <a:pos x="connsiteX8" y="connsiteY8"/>
-                </a:cxn>
-                <a:cxn ang="0">
-                  <a:pos x="connsiteX9" y="connsiteY9"/>
-                </a:cxn>
-                <a:cxn ang="0">
-                  <a:pos x="connsiteX10" y="connsiteY10"/>
-                </a:cxn>
-                <a:cxn ang="0">
-                  <a:pos x="connsiteX11" y="connsiteY11"/>
-                </a:cxn>
-                <a:cxn ang="0">
-                  <a:pos x="connsiteX12" y="connsiteY12"/>
-                </a:cxn>
-                <a:cxn ang="0">
-                  <a:pos x="connsiteX13" y="connsiteY13"/>
-                </a:cxn>
-                <a:cxn ang="0">
-                  <a:pos x="connsiteX14" y="connsiteY14"/>
-                </a:cxn>
-                <a:cxn ang="0">
-                  <a:pos x="connsiteX15" y="connsiteY15"/>
-                </a:cxn>
-                <a:cxn ang="0">
-                  <a:pos x="connsiteX16" y="connsiteY16"/>
-                </a:cxn>
-              </a:cxnLst>
-              <a:rect l="l" t="t" r="r" b="b"/>
-              <a:pathLst>
-                <a:path w="6859500" h="6859500">
-                  <a:moveTo>
-                    <a:pt x="4053340" y="6235893"/>
-                  </a:moveTo>
-                  <a:lnTo>
-                    <a:pt x="4053340" y="4053340"/>
-                  </a:lnTo>
-                  <a:lnTo>
-                    <a:pt x="6235893" y="4053340"/>
-                  </a:lnTo>
-                  <a:cubicBezTo>
-                    <a:pt x="6580293" y="4053340"/>
-                    <a:pt x="6859501" y="3774132"/>
-                    <a:pt x="6859501" y="3429731"/>
-                  </a:cubicBezTo>
-                  <a:cubicBezTo>
-                    <a:pt x="6859501" y="3085330"/>
-                    <a:pt x="6580332" y="2806123"/>
-                    <a:pt x="6235893" y="2806123"/>
-                  </a:cubicBezTo>
-                  <a:lnTo>
-                    <a:pt x="4053340" y="2806123"/>
-                  </a:lnTo>
-                  <a:lnTo>
-                    <a:pt x="4053340" y="623608"/>
-                  </a:lnTo>
-                  <a:cubicBezTo>
-                    <a:pt x="4053340" y="279208"/>
-                    <a:pt x="3774171" y="0"/>
-                    <a:pt x="3429731" y="0"/>
-                  </a:cubicBezTo>
-                  <a:cubicBezTo>
-                    <a:pt x="3085330" y="0"/>
-                    <a:pt x="2806123" y="279208"/>
-                    <a:pt x="2806123" y="623608"/>
-                  </a:cubicBezTo>
-                  <a:lnTo>
-                    <a:pt x="2806123" y="2806161"/>
-                  </a:lnTo>
-                  <a:lnTo>
-                    <a:pt x="623608" y="2806161"/>
-                  </a:lnTo>
-                  <a:cubicBezTo>
-                    <a:pt x="279208" y="2806161"/>
-                    <a:pt x="0" y="3085369"/>
-                    <a:pt x="0" y="3429731"/>
-                  </a:cubicBezTo>
-                  <a:cubicBezTo>
-                    <a:pt x="0" y="3774132"/>
-                    <a:pt x="279208" y="4053340"/>
-                    <a:pt x="623608" y="4053340"/>
-                  </a:cubicBezTo>
-                  <a:lnTo>
-                    <a:pt x="2806161" y="4053340"/>
-                  </a:lnTo>
-                  <a:lnTo>
-                    <a:pt x="2806161" y="6235893"/>
-                  </a:lnTo>
-                  <a:cubicBezTo>
-                    <a:pt x="2806161" y="6580293"/>
-                    <a:pt x="3085369" y="6859501"/>
-                    <a:pt x="3429770" y="6859501"/>
-                  </a:cubicBezTo>
-                  <a:cubicBezTo>
-                    <a:pt x="3774171" y="6859501"/>
-                    <a:pt x="4053340" y="6580293"/>
-                    <a:pt x="4053340" y="6235893"/>
-                  </a:cubicBezTo>
-                  <a:close/>
-                </a:path>
-              </a:pathLst>
-            </a:custGeom>
-            <a:ln w="3848" cap="flat">
-              <a:noFill/>
-              <a:prstDash val="solid"/>
-              <a:miter/>
-            </a:ln>
-            <a:effectLst>
-              <a:glow rad="152400">
-                <a:srgbClr val="000000">
-                  <a:alpha val="4000"/>
-                </a:srgbClr>
-              </a:glow>
-              <a:outerShdw blurRad="101600" dist="38100" dir="16200000" rotWithShape="0">
-                <a:srgbClr val="000000">
-                  <a:alpha val="5000"/>
-                </a:srgbClr>
-              </a:outerShdw>
-            </a:effectLst>
-          </p:spPr>
-          <p:txBody>
-            <a:bodyPr rtlCol="0" anchor="ctr"/>
-            <a:lstStyle/>
-            <a:p>
-              <a:endParaRPr lang="en-US" dirty="0"/>
-            </a:p>
-          </p:txBody>
-        </p:sp>
-        <p:sp useBgFill="1">
-          <p:nvSpPr>
-            <p:cNvPr id="15" name="Oval 14">
-              <a:extLst>
-                <a:ext uri="{FF2B5EF4-FFF2-40B4-BE49-F238E27FC236}">
-                  <a16:creationId xmlns:a16="http://schemas.microsoft.com/office/drawing/2014/main" id="{23CA1A51-8DB4-445D-8FE3-498DB75CA588}"/>
-                </a:ext>
-                <a:ext uri="{C183D7F6-B498-43B3-948B-1728B52AA6E4}">
-                  <adec:decorative xmlns:adec="http://schemas.microsoft.com/office/drawing/2017/decorative" val="1"/>
-                </a:ext>
-              </a:extLst>
-            </p:cNvPr>
-            <p:cNvSpPr/>
-            <p:nvPr>
-              <p:extLst>
-                <p:ext uri="{386F3935-93C4-4BCD-93E2-E3B085C9AB24}">
-                  <p16:designElem xmlns:p16="http://schemas.microsoft.com/office/powerpoint/2015/main" val="1"/>
-                </p:ext>
-              </p:extLst>
-            </p:nvPr>
-          </p:nvSpPr>
-          <p:spPr>
-            <a:xfrm rot="10800000">
-              <a:off x="1815651" y="1342540"/>
-              <a:ext cx="215724" cy="215724"/>
-            </a:xfrm>
-            <a:prstGeom prst="ellipse">
-              <a:avLst/>
-            </a:prstGeom>
-            <a:ln w="3848" cap="flat">
-              <a:noFill/>
-              <a:prstDash val="solid"/>
-              <a:miter/>
-            </a:ln>
-            <a:effectLst>
-              <a:glow rad="152400">
-                <a:srgbClr val="000000">
-                  <a:alpha val="4000"/>
-                </a:srgbClr>
-              </a:glow>
-              <a:outerShdw blurRad="101600" dist="38100" dir="16200000" rotWithShape="0">
-                <a:srgbClr val="000000">
-                  <a:alpha val="5000"/>
-                </a:srgbClr>
-              </a:outerShdw>
-            </a:effectLst>
-          </p:spPr>
-          <p:txBody>
-            <a:bodyPr rtlCol="0" anchor="ctr"/>
-            <a:lstStyle/>
-            <a:p>
-              <a:endParaRPr lang="en-US" dirty="0"/>
-            </a:p>
-          </p:txBody>
-        </p:sp>
-        <p:sp useBgFill="1">
-          <p:nvSpPr>
-            <p:cNvPr id="16" name="Oval 15">
-              <a:extLst>
-                <a:ext uri="{FF2B5EF4-FFF2-40B4-BE49-F238E27FC236}">
-                  <a16:creationId xmlns:a16="http://schemas.microsoft.com/office/drawing/2014/main" id="{75DDD5AB-14AC-434C-95CC-18B81FAD36B9}"/>
-                </a:ext>
-                <a:ext uri="{C183D7F6-B498-43B3-948B-1728B52AA6E4}">
-                  <adec:decorative xmlns:adec="http://schemas.microsoft.com/office/drawing/2017/decorative" val="1"/>
-                </a:ext>
-              </a:extLst>
-            </p:cNvPr>
-            <p:cNvSpPr/>
-            <p:nvPr>
-              <p:extLst>
-                <p:ext uri="{386F3935-93C4-4BCD-93E2-E3B085C9AB24}">
-                  <p16:designElem xmlns:p16="http://schemas.microsoft.com/office/powerpoint/2015/main" val="1"/>
-                </p:ext>
-              </p:extLst>
-            </p:nvPr>
-          </p:nvSpPr>
-          <p:spPr>
-            <a:xfrm rot="10800000">
-              <a:off x="183404" y="225822"/>
-              <a:ext cx="474023" cy="474023"/>
-            </a:xfrm>
-            <a:prstGeom prst="ellipse">
-              <a:avLst/>
-            </a:prstGeom>
-            <a:ln w="3848" cap="flat">
-              <a:noFill/>
-              <a:prstDash val="solid"/>
-              <a:miter/>
-            </a:ln>
-            <a:effectLst>
-              <a:glow rad="152400">
-                <a:srgbClr val="000000">
-                  <a:alpha val="4000"/>
-                </a:srgbClr>
-              </a:glow>
-              <a:outerShdw blurRad="101600" dist="38100" dir="16200000" rotWithShape="0">
-                <a:srgbClr val="000000">
-                  <a:alpha val="5000"/>
-                </a:srgbClr>
-              </a:outerShdw>
-            </a:effectLst>
-          </p:spPr>
-          <p:txBody>
-            <a:bodyPr rtlCol="0" anchor="ctr"/>
-            <a:lstStyle/>
-            <a:p>
-              <a:endParaRPr lang="en-US"/>
-            </a:p>
-          </p:txBody>
-        </p:sp>
-        <p:sp useBgFill="1">
-          <p:nvSpPr>
-            <p:cNvPr id="17" name="Oval 16">
-              <a:extLst>
-                <a:ext uri="{FF2B5EF4-FFF2-40B4-BE49-F238E27FC236}">
-                  <a16:creationId xmlns:a16="http://schemas.microsoft.com/office/drawing/2014/main" id="{673FC915-211E-480B-8EC6-9659D9FCA15F}"/>
-                </a:ext>
-                <a:ext uri="{C183D7F6-B498-43B3-948B-1728B52AA6E4}">
-                  <adec:decorative xmlns:adec="http://schemas.microsoft.com/office/drawing/2017/decorative" val="1"/>
-                </a:ext>
-              </a:extLst>
-            </p:cNvPr>
-            <p:cNvSpPr/>
-            <p:nvPr>
-              <p:extLst>
-                <p:ext uri="{386F3935-93C4-4BCD-93E2-E3B085C9AB24}">
-                  <p16:designElem xmlns:p16="http://schemas.microsoft.com/office/powerpoint/2015/main" val="1"/>
-                </p:ext>
-              </p:extLst>
-            </p:nvPr>
-          </p:nvSpPr>
-          <p:spPr>
-            <a:xfrm rot="10800000">
-              <a:off x="583574" y="2333139"/>
-              <a:ext cx="330825" cy="330825"/>
-            </a:xfrm>
-            <a:prstGeom prst="ellipse">
-              <a:avLst/>
-            </a:prstGeom>
-            <a:ln w="3848" cap="flat">
-              <a:noFill/>
-              <a:prstDash val="solid"/>
-              <a:miter/>
-            </a:ln>
-            <a:effectLst>
-              <a:glow rad="152400">
-                <a:srgbClr val="000000">
-                  <a:alpha val="4000"/>
-                </a:srgbClr>
-              </a:glow>
-              <a:outerShdw blurRad="101600" dist="38100" dir="16200000" rotWithShape="0">
-                <a:srgbClr val="000000">
-                  <a:alpha val="5000"/>
-                </a:srgbClr>
-              </a:outerShdw>
-            </a:effectLst>
-          </p:spPr>
-          <p:txBody>
-            <a:bodyPr rtlCol="0" anchor="ctr"/>
-            <a:lstStyle/>
-            <a:p>
-              <a:endParaRPr lang="en-US" dirty="0"/>
-            </a:p>
-          </p:txBody>
-        </p:sp>
-      </p:grpSp>
-      <p:sp>
-        <p:nvSpPr>
-          <p:cNvPr id="19" name="Rectangle 18">
-            <a:extLst>
-              <a:ext uri="{FF2B5EF4-FFF2-40B4-BE49-F238E27FC236}">
-                <a16:creationId xmlns:a16="http://schemas.microsoft.com/office/drawing/2014/main" id="{EA80DA9C-57E0-4991-B11A-51E132563976}"/>
-              </a:ext>
-              <a:ext uri="{C183D7F6-B498-43B3-948B-1728B52AA6E4}">
-                <adec:decorative xmlns:adec="http://schemas.microsoft.com/office/drawing/2017/decorative" val="1"/>
-              </a:ext>
-            </a:extLst>
-          </p:cNvPr>
-          <p:cNvSpPr>
-            <a:spLocks noGrp="1" noRot="1" noChangeAspect="1" noMove="1" noResize="1" noEditPoints="1" noAdjustHandles="1" noChangeArrowheads="1" noChangeShapeType="1" noTextEdit="1"/>
-          </p:cNvSpPr>
-          <p:nvPr>
-            <p:extLst>
-              <p:ext uri="{386F3935-93C4-4BCD-93E2-E3B085C9AB24}">
-                <p16:designElem xmlns:p16="http://schemas.microsoft.com/office/powerpoint/2015/main" val="1"/>
-              </p:ext>
-            </p:extLst>
-          </p:nvPr>
-        </p:nvSpPr>
-        <p:spPr>
-          <a:xfrm>
-            <a:off x="0" y="0"/>
-            <a:ext cx="12192000" cy="6858000"/>
-          </a:xfrm>
-          <a:prstGeom prst="rect">
-            <a:avLst/>
-          </a:prstGeom>
-          <a:solidFill>
-            <a:schemeClr val="accent2">
-              <a:alpha val="40000"/>
-            </a:schemeClr>
-          </a:solidFill>
-          <a:ln w="3848" cap="flat">
-            <a:noFill/>
-            <a:prstDash val="solid"/>
-            <a:miter/>
-          </a:ln>
-          <a:effectLst/>
-        </p:spPr>
-        <p:txBody>
-          <a:bodyPr rtlCol="0" anchor="ctr"/>
-          <a:lstStyle/>
-          <a:p>
-            <a:endParaRPr lang="en-US" dirty="0">
-              <a:solidFill>
-                <a:schemeClr val="tx1"/>
-              </a:solidFill>
-            </a:endParaRPr>
-          </a:p>
-        </p:txBody>
-      </p:sp>
-      <p:sp>
-        <p:nvSpPr>
-          <p:cNvPr id="2" name="Title 1">
-            <a:extLst>
-              <a:ext uri="{FF2B5EF4-FFF2-40B4-BE49-F238E27FC236}">
-                <a16:creationId xmlns:a16="http://schemas.microsoft.com/office/drawing/2014/main" id="{AEC96B79-3980-007B-BDC0-87DB97C16865}"/>
-              </a:ext>
-            </a:extLst>
-          </p:cNvPr>
-          <p:cNvSpPr>
-            <a:spLocks noGrp="1"/>
-          </p:cNvSpPr>
-          <p:nvPr>
-            <p:ph type="title"/>
-          </p:nvPr>
-        </p:nvSpPr>
-        <p:spPr>
-          <a:xfrm>
-            <a:off x="838199" y="314072"/>
-            <a:ext cx="10531448" cy="861912"/>
-          </a:xfrm>
-        </p:spPr>
-        <p:txBody>
-          <a:bodyPr anchor="b">
-            <a:normAutofit/>
-          </a:bodyPr>
-          <a:lstStyle/>
-          <a:p>
-            <a:pPr algn="ctr"/>
-            <a:r>
-              <a:rPr lang="en-US" sz="5400" b="1" dirty="0">
-                <a:solidFill>
-                  <a:srgbClr val="FFFFFF"/>
-                </a:solidFill>
-              </a:rPr>
-              <a:t>No warmup</a:t>
-            </a:r>
-            <a:endParaRPr lang="en-CA" sz="5400" b="1" dirty="0">
-              <a:solidFill>
-                <a:srgbClr val="FFFFFF"/>
-              </a:solidFill>
-            </a:endParaRPr>
-          </a:p>
-        </p:txBody>
-      </p:sp>
-      <p:sp>
-        <p:nvSpPr>
-          <p:cNvPr id="3" name="Content Placeholder 2">
-            <a:extLst>
-              <a:ext uri="{FF2B5EF4-FFF2-40B4-BE49-F238E27FC236}">
-                <a16:creationId xmlns:a16="http://schemas.microsoft.com/office/drawing/2014/main" id="{25A44F21-AF58-07E0-506E-F396ACA32B5B}"/>
-              </a:ext>
-            </a:extLst>
-          </p:cNvPr>
-          <p:cNvSpPr>
-            <a:spLocks noGrp="1"/>
-          </p:cNvSpPr>
-          <p:nvPr>
-            <p:ph idx="1"/>
-          </p:nvPr>
-        </p:nvSpPr>
-        <p:spPr>
-          <a:xfrm>
-            <a:off x="83858" y="1428039"/>
-            <a:ext cx="10096837" cy="2401011"/>
-          </a:xfrm>
-        </p:spPr>
-        <p:txBody>
-          <a:bodyPr anchor="t">
-            <a:noAutofit/>
-          </a:bodyPr>
-          <a:lstStyle/>
-          <a:p>
-            <a:pPr algn="ctr"/>
-            <a:r>
-              <a:rPr lang="en-US" sz="4800" dirty="0">
-                <a:solidFill>
-                  <a:srgbClr val="FFFFFF"/>
-                </a:solidFill>
-              </a:rPr>
-              <a:t>The JVM initializes internal structures over time</a:t>
-            </a:r>
-          </a:p>
-          <a:p>
-            <a:pPr algn="ctr"/>
-            <a:r>
-              <a:rPr lang="en-US" sz="4800" dirty="0">
-                <a:solidFill>
-                  <a:srgbClr val="FFFFFF"/>
-                </a:solidFill>
-              </a:rPr>
-              <a:t>This is why repeatedly asking for a benchmark changes the results</a:t>
-            </a:r>
-            <a:endParaRPr lang="en-CA" sz="4800" dirty="0">
-              <a:solidFill>
-                <a:srgbClr val="FFFFFF"/>
-              </a:solidFill>
-            </a:endParaRPr>
-          </a:p>
-        </p:txBody>
-      </p:sp>
-    </p:spTree>
-    <p:extLst>
-      <p:ext uri="{BB962C8B-B14F-4D97-AF65-F5344CB8AC3E}">
-        <p14:creationId xmlns:p14="http://schemas.microsoft.com/office/powerpoint/2010/main" val="3295073683"/>
-      </p:ext>
-    </p:extLst>
-  </p:cSld>
-  <p:clrMapOvr>
-    <a:masterClrMapping/>
-  </p:clrMapOvr>
-</p:sld>
-</file>
-
-<file path=ppt/slides/slide12.xml><?xml version="1.0" encoding="utf-8"?>
-<p:sld xmlns:a="http://schemas.openxmlformats.org/drawingml/2006/main" xmlns:r="http://schemas.openxmlformats.org/officeDocument/2006/relationships" xmlns:p="http://schemas.openxmlformats.org/presentationml/2006/main">
-  <p:cSld>
-    <p:bg>
-      <p:bgPr>
-        <a:solidFill>
-          <a:schemeClr val="bg1"/>
-        </a:solidFill>
-        <a:effectLst/>
-      </p:bgPr>
-    </p:bg>
-    <p:spTree>
-      <p:nvGrpSpPr>
-        <p:cNvPr id="1" name=""/>
-        <p:cNvGrpSpPr/>
-        <p:nvPr/>
-      </p:nvGrpSpPr>
-      <p:grpSpPr>
-        <a:xfrm>
-          <a:off x="0" y="0"/>
-          <a:ext cx="0" cy="0"/>
-          <a:chOff x="0" y="0"/>
-          <a:chExt cx="0" cy="0"/>
-        </a:xfrm>
-      </p:grpSpPr>
-      <p:pic>
-        <p:nvPicPr>
-          <p:cNvPr id="7" name="Picture 6" descr="Computer script on a screen">
-            <a:extLst>
-              <a:ext uri="{FF2B5EF4-FFF2-40B4-BE49-F238E27FC236}">
-                <a16:creationId xmlns:a16="http://schemas.microsoft.com/office/drawing/2014/main" id="{A6685E16-3415-F4C5-66A6-0917355E57A8}"/>
-              </a:ext>
-            </a:extLst>
-          </p:cNvPr>
-          <p:cNvPicPr>
-            <a:picLocks noChangeAspect="1"/>
-          </p:cNvPicPr>
-          <p:nvPr/>
-        </p:nvPicPr>
-        <p:blipFill>
-          <a:blip r:embed="rId2"/>
-          <a:srcRect t="9339" r="-1" b="13105"/>
-          <a:stretch/>
-        </p:blipFill>
-        <p:spPr>
-          <a:xfrm>
-            <a:off x="-513446" y="1"/>
-            <a:ext cx="13247696" cy="6858000"/>
-          </a:xfrm>
-          <a:prstGeom prst="rect">
-            <a:avLst/>
-          </a:prstGeom>
-        </p:spPr>
-      </p:pic>
-      <p:sp>
-        <p:nvSpPr>
-          <p:cNvPr id="2" name="Title 1">
-            <a:extLst>
-              <a:ext uri="{FF2B5EF4-FFF2-40B4-BE49-F238E27FC236}">
-                <a16:creationId xmlns:a16="http://schemas.microsoft.com/office/drawing/2014/main" id="{B17C7A8F-E330-38D5-85EE-725BD4BDEDFB}"/>
-              </a:ext>
-            </a:extLst>
-          </p:cNvPr>
-          <p:cNvSpPr>
-            <a:spLocks noGrp="1"/>
-          </p:cNvSpPr>
-          <p:nvPr>
-            <p:ph type="title"/>
-          </p:nvPr>
-        </p:nvSpPr>
-        <p:spPr>
-          <a:xfrm>
-            <a:off x="838200" y="365125"/>
-            <a:ext cx="10515600" cy="1325563"/>
-          </a:xfrm>
-        </p:spPr>
-        <p:txBody>
-          <a:bodyPr anchor="b">
-            <a:noAutofit/>
-          </a:bodyPr>
-          <a:lstStyle/>
-          <a:p>
-            <a:r>
-              <a:rPr lang="en-US" sz="7200" b="1" dirty="0">
-                <a:solidFill>
-                  <a:schemeClr val="bg1"/>
-                </a:solidFill>
-              </a:rPr>
-              <a:t>Dead code</a:t>
-            </a:r>
-            <a:endParaRPr lang="en-CA" sz="7200" b="1" dirty="0">
-              <a:solidFill>
-                <a:schemeClr val="bg1"/>
-              </a:solidFill>
-            </a:endParaRPr>
-          </a:p>
-        </p:txBody>
-      </p:sp>
-      <p:graphicFrame>
-        <p:nvGraphicFramePr>
-          <p:cNvPr id="23" name="Content Placeholder 4">
-            <a:extLst>
-              <a:ext uri="{FF2B5EF4-FFF2-40B4-BE49-F238E27FC236}">
-                <a16:creationId xmlns:a16="http://schemas.microsoft.com/office/drawing/2014/main" id="{32AB822A-4630-6AED-0710-5C9228CA1FF8}"/>
-              </a:ext>
-            </a:extLst>
-          </p:cNvPr>
-          <p:cNvGraphicFramePr>
-            <a:graphicFrameLocks noGrp="1"/>
-          </p:cNvGraphicFramePr>
-          <p:nvPr>
-            <p:ph idx="1"/>
-            <p:extLst>
-              <p:ext uri="{D42A27DB-BD31-4B8C-83A1-F6EECF244321}">
-                <p14:modId xmlns:p14="http://schemas.microsoft.com/office/powerpoint/2010/main" val="830158842"/>
-              </p:ext>
-            </p:extLst>
-          </p:nvPr>
-        </p:nvGraphicFramePr>
-        <p:xfrm>
-          <a:off x="838200" y="1825625"/>
-          <a:ext cx="10515600" cy="4351338"/>
-        </p:xfrm>
-        <a:graphic>
-          <a:graphicData uri="http://schemas.openxmlformats.org/drawingml/2006/diagram">
-            <dgm:relIds xmlns:dgm="http://schemas.openxmlformats.org/drawingml/2006/diagram" xmlns:r="http://schemas.openxmlformats.org/officeDocument/2006/relationships" r:dm="rId3" r:lo="rId4" r:qs="rId5" r:cs="rId6"/>
-          </a:graphicData>
-        </a:graphic>
-      </p:graphicFrame>
-    </p:spTree>
-    <p:extLst>
-      <p:ext uri="{BB962C8B-B14F-4D97-AF65-F5344CB8AC3E}">
-        <p14:creationId xmlns:p14="http://schemas.microsoft.com/office/powerpoint/2010/main" val="2717785432"/>
-      </p:ext>
-    </p:extLst>
-  </p:cSld>
-  <p:clrMapOvr>
-    <a:masterClrMapping/>
-  </p:clrMapOvr>
-</p:sld>
-</file>
-
-<file path=ppt/slides/slide13.xml><?xml version="1.0" encoding="utf-8"?>
-<p:sld xmlns:a="http://schemas.openxmlformats.org/drawingml/2006/main" xmlns:r="http://schemas.openxmlformats.org/officeDocument/2006/relationships" xmlns:p="http://schemas.openxmlformats.org/presentationml/2006/main">
-  <p:cSld>
-    <p:bg>
-      <p:bgPr>
-        <a:solidFill>
-          <a:schemeClr val="bg1"/>
-        </a:solidFill>
-        <a:effectLst/>
-      </p:bgPr>
-    </p:bg>
-    <p:spTree>
-      <p:nvGrpSpPr>
-        <p:cNvPr id="1" name=""/>
-        <p:cNvGrpSpPr/>
-        <p:nvPr/>
-      </p:nvGrpSpPr>
-      <p:grpSpPr>
-        <a:xfrm>
-          <a:off x="0" y="0"/>
-          <a:ext cx="0" cy="0"/>
-          <a:chOff x="0" y="0"/>
-          <a:chExt cx="0" cy="0"/>
-        </a:xfrm>
-      </p:grpSpPr>
-      <p:sp useBgFill="1">
-        <p:nvSpPr>
-          <p:cNvPr id="18" name="Rectangle 17">
-            <a:extLst>
-              <a:ext uri="{FF2B5EF4-FFF2-40B4-BE49-F238E27FC236}">
-                <a16:creationId xmlns:a16="http://schemas.microsoft.com/office/drawing/2014/main" id="{25AD4A59-91FA-4E30-8F32-A8AB51F768C6}"/>
-              </a:ext>
-              <a:ext uri="{C183D7F6-B498-43B3-948B-1728B52AA6E4}">
-                <adec:decorative xmlns:adec="http://schemas.microsoft.com/office/drawing/2017/decorative" val="1"/>
-              </a:ext>
-            </a:extLst>
-          </p:cNvPr>
-          <p:cNvSpPr>
-            <a:spLocks noGrp="1" noRot="1" noChangeAspect="1" noMove="1" noResize="1" noEditPoints="1" noAdjustHandles="1" noChangeArrowheads="1" noChangeShapeType="1" noTextEdit="1"/>
-          </p:cNvSpPr>
-          <p:nvPr>
-            <p:extLst>
-              <p:ext uri="{386F3935-93C4-4BCD-93E2-E3B085C9AB24}">
-                <p16:designElem xmlns:p16="http://schemas.microsoft.com/office/powerpoint/2015/main" val="1"/>
-              </p:ext>
-            </p:extLst>
-          </p:nvPr>
-        </p:nvSpPr>
-        <p:spPr>
-          <a:xfrm>
-            <a:off x="0" y="0"/>
-            <a:ext cx="12192000" cy="6858000"/>
-          </a:xfrm>
-          <a:prstGeom prst="rect">
-            <a:avLst/>
-          </a:prstGeom>
-          <a:ln w="3848" cap="flat">
-            <a:noFill/>
-            <a:prstDash val="solid"/>
-            <a:miter/>
-          </a:ln>
-          <a:effectLst/>
-        </p:spPr>
-        <p:txBody>
-          <a:bodyPr rtlCol="0" anchor="ctr"/>
-          <a:lstStyle/>
-          <a:p>
-            <a:endParaRPr lang="en-US" dirty="0">
-              <a:solidFill>
-                <a:schemeClr val="tx1"/>
-              </a:solidFill>
-            </a:endParaRPr>
-          </a:p>
-        </p:txBody>
-      </p:sp>
-      <p:sp>
-        <p:nvSpPr>
-          <p:cNvPr id="19" name="Rectangle 18">
-            <a:extLst>
-              <a:ext uri="{FF2B5EF4-FFF2-40B4-BE49-F238E27FC236}">
-                <a16:creationId xmlns:a16="http://schemas.microsoft.com/office/drawing/2014/main" id="{CDFF45EF-8068-49B8-AFAE-404F6EB18882}"/>
-              </a:ext>
-              <a:ext uri="{C183D7F6-B498-43B3-948B-1728B52AA6E4}">
-                <adec:decorative xmlns:adec="http://schemas.microsoft.com/office/drawing/2017/decorative" val="1"/>
-              </a:ext>
-            </a:extLst>
-          </p:cNvPr>
-          <p:cNvSpPr>
-            <a:spLocks noGrp="1" noRot="1" noChangeAspect="1" noMove="1" noResize="1" noEditPoints="1" noAdjustHandles="1" noChangeArrowheads="1" noChangeShapeType="1" noTextEdit="1"/>
-          </p:cNvSpPr>
-          <p:nvPr>
-            <p:extLst>
-              <p:ext uri="{386F3935-93C4-4BCD-93E2-E3B085C9AB24}">
-                <p16:designElem xmlns:p16="http://schemas.microsoft.com/office/powerpoint/2015/main" val="1"/>
-              </p:ext>
-            </p:extLst>
-          </p:nvPr>
-        </p:nvSpPr>
-        <p:spPr>
-          <a:xfrm>
-            <a:off x="0" y="0"/>
-            <a:ext cx="12192000" cy="6858000"/>
-          </a:xfrm>
-          <a:prstGeom prst="rect">
-            <a:avLst/>
-          </a:prstGeom>
-          <a:solidFill>
-            <a:srgbClr val="FFFFFF">
-              <a:alpha val="10000"/>
-            </a:srgbClr>
-          </a:solidFill>
-          <a:ln w="3848" cap="flat">
-            <a:noFill/>
-            <a:prstDash val="solid"/>
-            <a:miter/>
-          </a:ln>
-          <a:effectLst/>
-        </p:spPr>
-        <p:txBody>
-          <a:bodyPr rtlCol="0" anchor="ctr"/>
-          <a:lstStyle/>
-          <a:p>
-            <a:endParaRPr lang="en-US" dirty="0">
-              <a:solidFill>
-                <a:schemeClr val="tx1"/>
-              </a:solidFill>
-            </a:endParaRPr>
-          </a:p>
-        </p:txBody>
-      </p:sp>
-      <p:sp>
-        <p:nvSpPr>
-          <p:cNvPr id="2" name="Title 1">
-            <a:extLst>
-              <a:ext uri="{FF2B5EF4-FFF2-40B4-BE49-F238E27FC236}">
-                <a16:creationId xmlns:a16="http://schemas.microsoft.com/office/drawing/2014/main" id="{1CF57834-1253-2A54-1AA6-C14185854DE8}"/>
-              </a:ext>
-            </a:extLst>
-          </p:cNvPr>
-          <p:cNvSpPr>
-            <a:spLocks noGrp="1"/>
-          </p:cNvSpPr>
-          <p:nvPr>
-            <p:ph type="title"/>
-          </p:nvPr>
-        </p:nvSpPr>
-        <p:spPr>
-          <a:xfrm>
-            <a:off x="457201" y="557189"/>
-            <a:ext cx="3276599" cy="5743616"/>
-          </a:xfrm>
-        </p:spPr>
-        <p:txBody>
-          <a:bodyPr anchor="ctr">
-            <a:normAutofit/>
-          </a:bodyPr>
-          <a:lstStyle/>
-          <a:p>
-            <a:r>
-              <a:rPr lang="en-US" sz="4800" b="1" dirty="0"/>
-              <a:t>Constant folding</a:t>
-            </a:r>
-            <a:endParaRPr lang="en-CA" sz="4800" b="1" dirty="0"/>
-          </a:p>
-        </p:txBody>
-      </p:sp>
-      <p:grpSp>
-        <p:nvGrpSpPr>
-          <p:cNvPr id="20" name="Group 19">
-            <a:extLst>
-              <a:ext uri="{FF2B5EF4-FFF2-40B4-BE49-F238E27FC236}">
-                <a16:creationId xmlns:a16="http://schemas.microsoft.com/office/drawing/2014/main" id="{C80F1402-11C5-4156-920F-A1D996B47D22}"/>
-              </a:ext>
-              <a:ext uri="{C183D7F6-B498-43B3-948B-1728B52AA6E4}">
-                <adec:decorative xmlns:adec="http://schemas.microsoft.com/office/drawing/2017/decorative" val="1"/>
-              </a:ext>
-            </a:extLst>
-          </p:cNvPr>
-          <p:cNvGrpSpPr>
-            <a:grpSpLocks noGrp="1" noUngrp="1" noRot="1" noChangeAspect="1" noMove="1" noResize="1"/>
-          </p:cNvGrpSpPr>
-          <p:nvPr>
-            <p:extLst>
-              <p:ext uri="{386F3935-93C4-4BCD-93E2-E3B085C9AB24}">
-                <p16:designElem xmlns:p16="http://schemas.microsoft.com/office/powerpoint/2015/main" val="1"/>
-              </p:ext>
-            </p:extLst>
-          </p:nvPr>
-        </p:nvGrpSpPr>
-        <p:grpSpPr>
-          <a:xfrm>
-            <a:off x="471823" y="446104"/>
-            <a:ext cx="2354299" cy="1482372"/>
-            <a:chOff x="471823" y="446104"/>
-            <a:chExt cx="2354299" cy="1482372"/>
-          </a:xfrm>
-        </p:grpSpPr>
-        <p:sp useBgFill="1">
-          <p:nvSpPr>
-            <p:cNvPr id="21" name="Graphic 10">
-              <a:extLst>
-                <a:ext uri="{FF2B5EF4-FFF2-40B4-BE49-F238E27FC236}">
-                  <a16:creationId xmlns:a16="http://schemas.microsoft.com/office/drawing/2014/main" id="{F59333A0-91D0-40E7-ABE0-4CD6A0A402EC}"/>
-                </a:ext>
-                <a:ext uri="{C183D7F6-B498-43B3-948B-1728B52AA6E4}">
-                  <adec:decorative xmlns:adec="http://schemas.microsoft.com/office/drawing/2017/decorative" val="1"/>
-                </a:ext>
-              </a:extLst>
-            </p:cNvPr>
-            <p:cNvSpPr/>
-            <p:nvPr>
-              <p:extLst>
-                <p:ext uri="{386F3935-93C4-4BCD-93E2-E3B085C9AB24}">
-                  <p16:designElem xmlns:p16="http://schemas.microsoft.com/office/powerpoint/2015/main" val="1"/>
-                </p:ext>
-              </p:extLst>
-            </p:nvPr>
-          </p:nvSpPr>
-          <p:spPr>
-            <a:xfrm rot="2700000">
-              <a:off x="1810535" y="863805"/>
-              <a:ext cx="1015587" cy="1015587"/>
-            </a:xfrm>
-            <a:custGeom>
-              <a:avLst/>
-              <a:gdLst>
-                <a:gd name="connsiteX0" fmla="*/ 4053340 w 6859500"/>
-                <a:gd name="connsiteY0" fmla="*/ 6235893 h 6859500"/>
-                <a:gd name="connsiteX1" fmla="*/ 4053340 w 6859500"/>
-                <a:gd name="connsiteY1" fmla="*/ 4053340 h 6859500"/>
-                <a:gd name="connsiteX2" fmla="*/ 6235893 w 6859500"/>
-                <a:gd name="connsiteY2" fmla="*/ 4053340 h 6859500"/>
-                <a:gd name="connsiteX3" fmla="*/ 6859501 w 6859500"/>
-                <a:gd name="connsiteY3" fmla="*/ 3429731 h 6859500"/>
-                <a:gd name="connsiteX4" fmla="*/ 6235893 w 6859500"/>
-                <a:gd name="connsiteY4" fmla="*/ 2806123 h 6859500"/>
-                <a:gd name="connsiteX5" fmla="*/ 4053340 w 6859500"/>
-                <a:gd name="connsiteY5" fmla="*/ 2806123 h 6859500"/>
-                <a:gd name="connsiteX6" fmla="*/ 4053340 w 6859500"/>
-                <a:gd name="connsiteY6" fmla="*/ 623608 h 6859500"/>
-                <a:gd name="connsiteX7" fmla="*/ 3429731 w 6859500"/>
-                <a:gd name="connsiteY7" fmla="*/ 0 h 6859500"/>
-                <a:gd name="connsiteX8" fmla="*/ 2806123 w 6859500"/>
-                <a:gd name="connsiteY8" fmla="*/ 623608 h 6859500"/>
-                <a:gd name="connsiteX9" fmla="*/ 2806123 w 6859500"/>
-                <a:gd name="connsiteY9" fmla="*/ 2806161 h 6859500"/>
-                <a:gd name="connsiteX10" fmla="*/ 623608 w 6859500"/>
-                <a:gd name="connsiteY10" fmla="*/ 2806161 h 6859500"/>
-                <a:gd name="connsiteX11" fmla="*/ 0 w 6859500"/>
-                <a:gd name="connsiteY11" fmla="*/ 3429731 h 6859500"/>
-                <a:gd name="connsiteX12" fmla="*/ 623608 w 6859500"/>
-                <a:gd name="connsiteY12" fmla="*/ 4053340 h 6859500"/>
-                <a:gd name="connsiteX13" fmla="*/ 2806161 w 6859500"/>
-                <a:gd name="connsiteY13" fmla="*/ 4053340 h 6859500"/>
-                <a:gd name="connsiteX14" fmla="*/ 2806161 w 6859500"/>
-                <a:gd name="connsiteY14" fmla="*/ 6235893 h 6859500"/>
-                <a:gd name="connsiteX15" fmla="*/ 3429770 w 6859500"/>
-                <a:gd name="connsiteY15" fmla="*/ 6859501 h 6859500"/>
-                <a:gd name="connsiteX16" fmla="*/ 4053340 w 6859500"/>
-                <a:gd name="connsiteY16" fmla="*/ 6235893 h 6859500"/>
-              </a:gdLst>
-              <a:ahLst/>
-              <a:cxnLst>
-                <a:cxn ang="0">
-                  <a:pos x="connsiteX0" y="connsiteY0"/>
-                </a:cxn>
-                <a:cxn ang="0">
-                  <a:pos x="connsiteX1" y="connsiteY1"/>
-                </a:cxn>
-                <a:cxn ang="0">
-                  <a:pos x="connsiteX2" y="connsiteY2"/>
-                </a:cxn>
-                <a:cxn ang="0">
-                  <a:pos x="connsiteX3" y="connsiteY3"/>
-                </a:cxn>
-                <a:cxn ang="0">
-                  <a:pos x="connsiteX4" y="connsiteY4"/>
-                </a:cxn>
-                <a:cxn ang="0">
-                  <a:pos x="connsiteX5" y="connsiteY5"/>
-                </a:cxn>
-                <a:cxn ang="0">
-                  <a:pos x="connsiteX6" y="connsiteY6"/>
-                </a:cxn>
-                <a:cxn ang="0">
-                  <a:pos x="connsiteX7" y="connsiteY7"/>
-                </a:cxn>
-                <a:cxn ang="0">
-                  <a:pos x="connsiteX8" y="connsiteY8"/>
-                </a:cxn>
-                <a:cxn ang="0">
-                  <a:pos x="connsiteX9" y="connsiteY9"/>
-                </a:cxn>
-                <a:cxn ang="0">
-                  <a:pos x="connsiteX10" y="connsiteY10"/>
-                </a:cxn>
-                <a:cxn ang="0">
-                  <a:pos x="connsiteX11" y="connsiteY11"/>
-                </a:cxn>
-                <a:cxn ang="0">
-                  <a:pos x="connsiteX12" y="connsiteY12"/>
-                </a:cxn>
-                <a:cxn ang="0">
-                  <a:pos x="connsiteX13" y="connsiteY13"/>
-                </a:cxn>
-                <a:cxn ang="0">
-                  <a:pos x="connsiteX14" y="connsiteY14"/>
-                </a:cxn>
-                <a:cxn ang="0">
-                  <a:pos x="connsiteX15" y="connsiteY15"/>
-                </a:cxn>
-                <a:cxn ang="0">
-                  <a:pos x="connsiteX16" y="connsiteY16"/>
-                </a:cxn>
-              </a:cxnLst>
-              <a:rect l="l" t="t" r="r" b="b"/>
-              <a:pathLst>
-                <a:path w="6859500" h="6859500">
-                  <a:moveTo>
-                    <a:pt x="4053340" y="6235893"/>
-                  </a:moveTo>
-                  <a:lnTo>
-                    <a:pt x="4053340" y="4053340"/>
-                  </a:lnTo>
-                  <a:lnTo>
-                    <a:pt x="6235893" y="4053340"/>
-                  </a:lnTo>
-                  <a:cubicBezTo>
-                    <a:pt x="6580293" y="4053340"/>
-                    <a:pt x="6859501" y="3774132"/>
-                    <a:pt x="6859501" y="3429731"/>
-                  </a:cubicBezTo>
-                  <a:cubicBezTo>
-                    <a:pt x="6859501" y="3085330"/>
-                    <a:pt x="6580332" y="2806123"/>
-                    <a:pt x="6235893" y="2806123"/>
-                  </a:cubicBezTo>
-                  <a:lnTo>
-                    <a:pt x="4053340" y="2806123"/>
-                  </a:lnTo>
-                  <a:lnTo>
-                    <a:pt x="4053340" y="623608"/>
-                  </a:lnTo>
-                  <a:cubicBezTo>
-                    <a:pt x="4053340" y="279208"/>
-                    <a:pt x="3774171" y="0"/>
-                    <a:pt x="3429731" y="0"/>
-                  </a:cubicBezTo>
-                  <a:cubicBezTo>
-                    <a:pt x="3085330" y="0"/>
-                    <a:pt x="2806123" y="279208"/>
-                    <a:pt x="2806123" y="623608"/>
-                  </a:cubicBezTo>
-                  <a:lnTo>
-                    <a:pt x="2806123" y="2806161"/>
-                  </a:lnTo>
-                  <a:lnTo>
-                    <a:pt x="623608" y="2806161"/>
-                  </a:lnTo>
-                  <a:cubicBezTo>
-                    <a:pt x="279208" y="2806161"/>
-                    <a:pt x="0" y="3085369"/>
-                    <a:pt x="0" y="3429731"/>
-                  </a:cubicBezTo>
-                  <a:cubicBezTo>
-                    <a:pt x="0" y="3774132"/>
-                    <a:pt x="279208" y="4053340"/>
-                    <a:pt x="623608" y="4053340"/>
-                  </a:cubicBezTo>
-                  <a:lnTo>
-                    <a:pt x="2806161" y="4053340"/>
-                  </a:lnTo>
-                  <a:lnTo>
-                    <a:pt x="2806161" y="6235893"/>
-                  </a:lnTo>
-                  <a:cubicBezTo>
-                    <a:pt x="2806161" y="6580293"/>
-                    <a:pt x="3085369" y="6859501"/>
-                    <a:pt x="3429770" y="6859501"/>
-                  </a:cubicBezTo>
-                  <a:cubicBezTo>
-                    <a:pt x="3774171" y="6859501"/>
-                    <a:pt x="4053340" y="6580293"/>
-                    <a:pt x="4053340" y="6235893"/>
-                  </a:cubicBezTo>
-                  <a:close/>
-                </a:path>
-              </a:pathLst>
-            </a:custGeom>
-            <a:ln w="3848" cap="flat">
-              <a:noFill/>
-              <a:prstDash val="solid"/>
-              <a:miter/>
-            </a:ln>
-            <a:effectLst>
-              <a:glow rad="152400">
-                <a:srgbClr val="000000">
-                  <a:alpha val="4000"/>
-                </a:srgbClr>
-              </a:glow>
-              <a:outerShdw blurRad="101600" dist="38100" dir="16200000" rotWithShape="0">
-                <a:srgbClr val="000000">
-                  <a:alpha val="5000"/>
-                </a:srgbClr>
-              </a:outerShdw>
-            </a:effectLst>
-          </p:spPr>
-          <p:txBody>
-            <a:bodyPr rtlCol="0" anchor="ctr"/>
-            <a:lstStyle/>
-            <a:p>
-              <a:endParaRPr lang="en-US"/>
-            </a:p>
-          </p:txBody>
-        </p:sp>
-        <p:sp useBgFill="1">
-          <p:nvSpPr>
-            <p:cNvPr id="22" name="Oval 21">
-              <a:extLst>
-                <a:ext uri="{FF2B5EF4-FFF2-40B4-BE49-F238E27FC236}">
-                  <a16:creationId xmlns:a16="http://schemas.microsoft.com/office/drawing/2014/main" id="{E1168C41-55F2-4E50-AAC9-1069DFDEA9ED}"/>
-                </a:ext>
-                <a:ext uri="{C183D7F6-B498-43B3-948B-1728B52AA6E4}">
-                  <adec:decorative xmlns:adec="http://schemas.microsoft.com/office/drawing/2017/decorative" val="1"/>
-                </a:ext>
-              </a:extLst>
-            </p:cNvPr>
-            <p:cNvSpPr/>
-            <p:nvPr>
-              <p:extLst>
-                <p:ext uri="{386F3935-93C4-4BCD-93E2-E3B085C9AB24}">
-                  <p16:designElem xmlns:p16="http://schemas.microsoft.com/office/powerpoint/2015/main" val="1"/>
-                </p:ext>
-              </p:extLst>
-            </p:nvPr>
-          </p:nvSpPr>
-          <p:spPr>
-            <a:xfrm rot="10800000">
-              <a:off x="1233824" y="1752600"/>
-              <a:ext cx="175876" cy="175876"/>
-            </a:xfrm>
-            <a:prstGeom prst="ellipse">
-              <a:avLst/>
-            </a:prstGeom>
-            <a:ln w="3848" cap="flat">
-              <a:noFill/>
-              <a:prstDash val="solid"/>
-              <a:miter/>
-            </a:ln>
-            <a:effectLst>
-              <a:glow rad="152400">
-                <a:srgbClr val="000000">
-                  <a:alpha val="4000"/>
-                </a:srgbClr>
-              </a:glow>
-              <a:outerShdw blurRad="101600" dist="38100" dir="16200000" rotWithShape="0">
-                <a:srgbClr val="000000">
-                  <a:alpha val="5000"/>
-                </a:srgbClr>
-              </a:outerShdw>
-            </a:effectLst>
-          </p:spPr>
-          <p:txBody>
-            <a:bodyPr rtlCol="0" anchor="ctr"/>
-            <a:lstStyle/>
-            <a:p>
-              <a:endParaRPr lang="en-US" dirty="0"/>
-            </a:p>
-          </p:txBody>
-        </p:sp>
-        <p:sp useBgFill="1">
-          <p:nvSpPr>
-            <p:cNvPr id="23" name="Oval 22">
-              <a:extLst>
-                <a:ext uri="{FF2B5EF4-FFF2-40B4-BE49-F238E27FC236}">
-                  <a16:creationId xmlns:a16="http://schemas.microsoft.com/office/drawing/2014/main" id="{806188BB-B55A-499F-A6F1-4CF1F0887101}"/>
-                </a:ext>
-                <a:ext uri="{C183D7F6-B498-43B3-948B-1728B52AA6E4}">
-                  <adec:decorative xmlns:adec="http://schemas.microsoft.com/office/drawing/2017/decorative" val="1"/>
-                </a:ext>
-              </a:extLst>
-            </p:cNvPr>
-            <p:cNvSpPr/>
-            <p:nvPr>
-              <p:extLst>
-                <p:ext uri="{386F3935-93C4-4BCD-93E2-E3B085C9AB24}">
-                  <p16:designElem xmlns:p16="http://schemas.microsoft.com/office/powerpoint/2015/main" val="1"/>
-                </p:ext>
-              </p:extLst>
-            </p:nvPr>
-          </p:nvSpPr>
-          <p:spPr>
-            <a:xfrm rot="10800000">
-              <a:off x="471823" y="446104"/>
-              <a:ext cx="762000" cy="762000"/>
-            </a:xfrm>
-            <a:prstGeom prst="ellipse">
-              <a:avLst/>
-            </a:prstGeom>
-            <a:ln w="3848" cap="flat">
-              <a:noFill/>
-              <a:prstDash val="solid"/>
-              <a:miter/>
-            </a:ln>
-            <a:effectLst>
-              <a:glow rad="152400">
-                <a:srgbClr val="000000">
-                  <a:alpha val="4000"/>
-                </a:srgbClr>
-              </a:glow>
-              <a:outerShdw blurRad="101600" dist="38100" dir="16200000" rotWithShape="0">
-                <a:srgbClr val="000000">
-                  <a:alpha val="5000"/>
-                </a:srgbClr>
-              </a:outerShdw>
-            </a:effectLst>
-          </p:spPr>
-          <p:txBody>
-            <a:bodyPr rtlCol="0" anchor="ctr"/>
-            <a:lstStyle/>
-            <a:p>
-              <a:endParaRPr lang="en-US"/>
-            </a:p>
-          </p:txBody>
-        </p:sp>
-      </p:grpSp>
-      <p:graphicFrame>
-        <p:nvGraphicFramePr>
-          <p:cNvPr id="24" name="Content Placeholder 2">
-            <a:extLst>
-              <a:ext uri="{FF2B5EF4-FFF2-40B4-BE49-F238E27FC236}">
-                <a16:creationId xmlns:a16="http://schemas.microsoft.com/office/drawing/2014/main" id="{2259AD7C-32F9-FC1D-5063-717C2C500851}"/>
-              </a:ext>
-            </a:extLst>
-          </p:cNvPr>
-          <p:cNvGraphicFramePr>
-            <a:graphicFrameLocks noGrp="1"/>
-          </p:cNvGraphicFramePr>
-          <p:nvPr>
-            <p:ph idx="1"/>
-            <p:extLst>
-              <p:ext uri="{D42A27DB-BD31-4B8C-83A1-F6EECF244321}">
-                <p14:modId xmlns:p14="http://schemas.microsoft.com/office/powerpoint/2010/main" val="4068947051"/>
-              </p:ext>
-            </p:extLst>
-          </p:nvPr>
-        </p:nvGraphicFramePr>
-        <p:xfrm>
-          <a:off x="4038600" y="304800"/>
-          <a:ext cx="7846605" cy="6225294"/>
-        </p:xfrm>
-        <a:graphic>
-          <a:graphicData uri="http://schemas.openxmlformats.org/drawingml/2006/diagram">
-            <dgm:relIds xmlns:dgm="http://schemas.openxmlformats.org/drawingml/2006/diagram" xmlns:r="http://schemas.openxmlformats.org/officeDocument/2006/relationships" r:dm="rId2" r:lo="rId3" r:qs="rId4" r:cs="rId5"/>
-          </a:graphicData>
-        </a:graphic>
-      </p:graphicFrame>
-    </p:spTree>
-    <p:extLst>
-      <p:ext uri="{BB962C8B-B14F-4D97-AF65-F5344CB8AC3E}">
-        <p14:creationId xmlns:p14="http://schemas.microsoft.com/office/powerpoint/2010/main" val="1846777320"/>
-      </p:ext>
-    </p:extLst>
-  </p:cSld>
-  <p:clrMapOvr>
-    <a:masterClrMapping/>
-  </p:clrMapOvr>
-</p:sld>
-</file>
-
-<file path=ppt/slides/slide14.xml><?xml version="1.0" encoding="utf-8"?>
-<p:sld xmlns:a="http://schemas.openxmlformats.org/drawingml/2006/main" xmlns:r="http://schemas.openxmlformats.org/officeDocument/2006/relationships" xmlns:p="http://schemas.openxmlformats.org/presentationml/2006/main">
-  <p:cSld>
-    <p:bg>
-      <p:bgPr>
-        <a:solidFill>
-          <a:schemeClr val="bg1"/>
-        </a:solidFill>
-        <a:effectLst/>
-      </p:bgPr>
-    </p:bg>
-    <p:spTree>
-      <p:nvGrpSpPr>
-        <p:cNvPr id="1" name=""/>
-        <p:cNvGrpSpPr/>
-        <p:nvPr/>
-      </p:nvGrpSpPr>
-      <p:grpSpPr>
-        <a:xfrm>
-          <a:off x="0" y="0"/>
-          <a:ext cx="0" cy="0"/>
-          <a:chOff x="0" y="0"/>
-          <a:chExt cx="0" cy="0"/>
-        </a:xfrm>
-      </p:grpSpPr>
-      <p:sp useBgFill="1">
-        <p:nvSpPr>
-          <p:cNvPr id="10" name="Rectangle 9">
-            <a:extLst>
-              <a:ext uri="{FF2B5EF4-FFF2-40B4-BE49-F238E27FC236}">
-                <a16:creationId xmlns:a16="http://schemas.microsoft.com/office/drawing/2014/main" id="{25AD4A59-91FA-4E30-8F32-A8AB51F768C6}"/>
-              </a:ext>
-              <a:ext uri="{C183D7F6-B498-43B3-948B-1728B52AA6E4}">
-                <adec:decorative xmlns:adec="http://schemas.microsoft.com/office/drawing/2017/decorative" val="1"/>
-              </a:ext>
-            </a:extLst>
-          </p:cNvPr>
-          <p:cNvSpPr>
-            <a:spLocks noGrp="1" noRot="1" noChangeAspect="1" noMove="1" noResize="1" noEditPoints="1" noAdjustHandles="1" noChangeArrowheads="1" noChangeShapeType="1" noTextEdit="1"/>
-          </p:cNvSpPr>
-          <p:nvPr>
-            <p:extLst>
-              <p:ext uri="{386F3935-93C4-4BCD-93E2-E3B085C9AB24}">
-                <p16:designElem xmlns:p16="http://schemas.microsoft.com/office/powerpoint/2015/main" val="1"/>
-              </p:ext>
-            </p:extLst>
-          </p:nvPr>
-        </p:nvSpPr>
-        <p:spPr>
-          <a:xfrm>
-            <a:off x="0" y="0"/>
-            <a:ext cx="12192000" cy="6858000"/>
-          </a:xfrm>
-          <a:prstGeom prst="rect">
-            <a:avLst/>
-          </a:prstGeom>
-          <a:ln w="3848" cap="flat">
-            <a:noFill/>
-            <a:prstDash val="solid"/>
-            <a:miter/>
-          </a:ln>
-          <a:effectLst/>
-        </p:spPr>
-        <p:txBody>
-          <a:bodyPr rtlCol="0" anchor="ctr"/>
-          <a:lstStyle/>
-          <a:p>
-            <a:endParaRPr lang="en-US" dirty="0">
-              <a:solidFill>
-                <a:schemeClr val="tx1"/>
-              </a:solidFill>
-            </a:endParaRPr>
-          </a:p>
-        </p:txBody>
-      </p:sp>
-      <p:sp>
-        <p:nvSpPr>
-          <p:cNvPr id="12" name="Rectangle 11">
-            <a:extLst>
-              <a:ext uri="{FF2B5EF4-FFF2-40B4-BE49-F238E27FC236}">
-                <a16:creationId xmlns:a16="http://schemas.microsoft.com/office/drawing/2014/main" id="{CBF27B2E-4DE7-47FD-8277-1C6703DB207C}"/>
-              </a:ext>
-              <a:ext uri="{C183D7F6-B498-43B3-948B-1728B52AA6E4}">
-                <adec:decorative xmlns:adec="http://schemas.microsoft.com/office/drawing/2017/decorative" val="1"/>
-              </a:ext>
-            </a:extLst>
-          </p:cNvPr>
-          <p:cNvSpPr>
-            <a:spLocks noGrp="1" noRot="1" noChangeAspect="1" noMove="1" noResize="1" noEditPoints="1" noAdjustHandles="1" noChangeArrowheads="1" noChangeShapeType="1" noTextEdit="1"/>
-          </p:cNvSpPr>
-          <p:nvPr>
-            <p:extLst>
-              <p:ext uri="{386F3935-93C4-4BCD-93E2-E3B085C9AB24}">
-                <p16:designElem xmlns:p16="http://schemas.microsoft.com/office/powerpoint/2015/main" val="1"/>
-              </p:ext>
-            </p:extLst>
-          </p:nvPr>
-        </p:nvSpPr>
-        <p:spPr>
-          <a:xfrm>
-            <a:off x="0" y="0"/>
-            <a:ext cx="12192000" cy="6858000"/>
-          </a:xfrm>
-          <a:prstGeom prst="rect">
-            <a:avLst/>
-          </a:prstGeom>
-          <a:solidFill>
-            <a:srgbClr val="FFFFFF">
-              <a:alpha val="10000"/>
-            </a:srgbClr>
-          </a:solidFill>
-          <a:ln w="3848" cap="flat">
-            <a:noFill/>
-            <a:prstDash val="solid"/>
-            <a:miter/>
-          </a:ln>
-          <a:effectLst/>
-        </p:spPr>
-        <p:txBody>
-          <a:bodyPr rtlCol="0" anchor="ctr"/>
-          <a:lstStyle/>
-          <a:p>
-            <a:endParaRPr lang="en-US" dirty="0">
-              <a:solidFill>
-                <a:schemeClr val="tx1"/>
-              </a:solidFill>
-            </a:endParaRPr>
-          </a:p>
-        </p:txBody>
-      </p:sp>
-      <p:grpSp>
-        <p:nvGrpSpPr>
-          <p:cNvPr id="6" name="Group 5">
-            <a:extLst>
-              <a:ext uri="{FF2B5EF4-FFF2-40B4-BE49-F238E27FC236}">
-                <a16:creationId xmlns:a16="http://schemas.microsoft.com/office/drawing/2014/main" id="{30E84C15-9243-4CCA-86B8-7A13EE2808AE}"/>
-              </a:ext>
-              <a:ext uri="{C183D7F6-B498-43B3-948B-1728B52AA6E4}">
-                <adec:decorative xmlns:adec="http://schemas.microsoft.com/office/drawing/2017/decorative" val="1"/>
-              </a:ext>
-            </a:extLst>
-          </p:cNvPr>
-          <p:cNvGrpSpPr>
-            <a:grpSpLocks noGrp="1" noUngrp="1" noRot="1" noChangeAspect="1" noMove="1" noResize="1"/>
-          </p:cNvGrpSpPr>
-          <p:nvPr>
-            <p:extLst>
-              <p:ext uri="{386F3935-93C4-4BCD-93E2-E3B085C9AB24}">
-                <p16:designElem xmlns:p16="http://schemas.microsoft.com/office/powerpoint/2015/main" val="1"/>
-              </p:ext>
-            </p:extLst>
-          </p:nvPr>
-        </p:nvGrpSpPr>
-        <p:grpSpPr>
-          <a:xfrm>
-            <a:off x="195308" y="128465"/>
-            <a:ext cx="1888871" cy="1471725"/>
-            <a:chOff x="195308" y="128465"/>
-            <a:chExt cx="1888871" cy="1471725"/>
-          </a:xfrm>
-        </p:grpSpPr>
-        <p:sp useBgFill="1">
-          <p:nvSpPr>
-            <p:cNvPr id="8" name="Graphic 10">
-              <a:extLst>
-                <a:ext uri="{FF2B5EF4-FFF2-40B4-BE49-F238E27FC236}">
-                  <a16:creationId xmlns:a16="http://schemas.microsoft.com/office/drawing/2014/main" id="{E014A4E0-2539-4DA0-A0B5-71589847425C}"/>
-                </a:ext>
-                <a:ext uri="{C183D7F6-B498-43B3-948B-1728B52AA6E4}">
-                  <adec:decorative xmlns:adec="http://schemas.microsoft.com/office/drawing/2017/decorative" val="1"/>
-                </a:ext>
-              </a:extLst>
-            </p:cNvPr>
-            <p:cNvSpPr/>
-            <p:nvPr>
-              <p:extLst>
-                <p:ext uri="{386F3935-93C4-4BCD-93E2-E3B085C9AB24}">
-                  <p16:designElem xmlns:p16="http://schemas.microsoft.com/office/powerpoint/2015/main" val="1"/>
-                </p:ext>
-              </p:extLst>
-            </p:nvPr>
-          </p:nvSpPr>
-          <p:spPr>
-            <a:xfrm rot="2700000">
-              <a:off x="354841" y="128465"/>
-              <a:ext cx="966722" cy="966722"/>
-            </a:xfrm>
-            <a:custGeom>
-              <a:avLst/>
-              <a:gdLst>
-                <a:gd name="connsiteX0" fmla="*/ 4053340 w 6859500"/>
-                <a:gd name="connsiteY0" fmla="*/ 6235893 h 6859500"/>
-                <a:gd name="connsiteX1" fmla="*/ 4053340 w 6859500"/>
-                <a:gd name="connsiteY1" fmla="*/ 4053340 h 6859500"/>
-                <a:gd name="connsiteX2" fmla="*/ 6235893 w 6859500"/>
-                <a:gd name="connsiteY2" fmla="*/ 4053340 h 6859500"/>
-                <a:gd name="connsiteX3" fmla="*/ 6859501 w 6859500"/>
-                <a:gd name="connsiteY3" fmla="*/ 3429731 h 6859500"/>
-                <a:gd name="connsiteX4" fmla="*/ 6235893 w 6859500"/>
-                <a:gd name="connsiteY4" fmla="*/ 2806123 h 6859500"/>
-                <a:gd name="connsiteX5" fmla="*/ 4053340 w 6859500"/>
-                <a:gd name="connsiteY5" fmla="*/ 2806123 h 6859500"/>
-                <a:gd name="connsiteX6" fmla="*/ 4053340 w 6859500"/>
-                <a:gd name="connsiteY6" fmla="*/ 623608 h 6859500"/>
-                <a:gd name="connsiteX7" fmla="*/ 3429731 w 6859500"/>
-                <a:gd name="connsiteY7" fmla="*/ 0 h 6859500"/>
-                <a:gd name="connsiteX8" fmla="*/ 2806123 w 6859500"/>
-                <a:gd name="connsiteY8" fmla="*/ 623608 h 6859500"/>
-                <a:gd name="connsiteX9" fmla="*/ 2806123 w 6859500"/>
-                <a:gd name="connsiteY9" fmla="*/ 2806161 h 6859500"/>
-                <a:gd name="connsiteX10" fmla="*/ 623608 w 6859500"/>
-                <a:gd name="connsiteY10" fmla="*/ 2806161 h 6859500"/>
-                <a:gd name="connsiteX11" fmla="*/ 0 w 6859500"/>
-                <a:gd name="connsiteY11" fmla="*/ 3429731 h 6859500"/>
-                <a:gd name="connsiteX12" fmla="*/ 623608 w 6859500"/>
-                <a:gd name="connsiteY12" fmla="*/ 4053340 h 6859500"/>
-                <a:gd name="connsiteX13" fmla="*/ 2806161 w 6859500"/>
-                <a:gd name="connsiteY13" fmla="*/ 4053340 h 6859500"/>
-                <a:gd name="connsiteX14" fmla="*/ 2806161 w 6859500"/>
-                <a:gd name="connsiteY14" fmla="*/ 6235893 h 6859500"/>
-                <a:gd name="connsiteX15" fmla="*/ 3429770 w 6859500"/>
-                <a:gd name="connsiteY15" fmla="*/ 6859501 h 6859500"/>
-                <a:gd name="connsiteX16" fmla="*/ 4053340 w 6859500"/>
-                <a:gd name="connsiteY16" fmla="*/ 6235893 h 6859500"/>
-              </a:gdLst>
-              <a:ahLst/>
-              <a:cxnLst>
-                <a:cxn ang="0">
-                  <a:pos x="connsiteX0" y="connsiteY0"/>
-                </a:cxn>
-                <a:cxn ang="0">
-                  <a:pos x="connsiteX1" y="connsiteY1"/>
-                </a:cxn>
-                <a:cxn ang="0">
-                  <a:pos x="connsiteX2" y="connsiteY2"/>
-                </a:cxn>
-                <a:cxn ang="0">
-                  <a:pos x="connsiteX3" y="connsiteY3"/>
-                </a:cxn>
-                <a:cxn ang="0">
-                  <a:pos x="connsiteX4" y="connsiteY4"/>
-                </a:cxn>
-                <a:cxn ang="0">
-                  <a:pos x="connsiteX5" y="connsiteY5"/>
-                </a:cxn>
-                <a:cxn ang="0">
-                  <a:pos x="connsiteX6" y="connsiteY6"/>
-                </a:cxn>
-                <a:cxn ang="0">
-                  <a:pos x="connsiteX7" y="connsiteY7"/>
-                </a:cxn>
-                <a:cxn ang="0">
-                  <a:pos x="connsiteX8" y="connsiteY8"/>
-                </a:cxn>
-                <a:cxn ang="0">
-                  <a:pos x="connsiteX9" y="connsiteY9"/>
-                </a:cxn>
-                <a:cxn ang="0">
-                  <a:pos x="connsiteX10" y="connsiteY10"/>
-                </a:cxn>
-                <a:cxn ang="0">
-                  <a:pos x="connsiteX11" y="connsiteY11"/>
-                </a:cxn>
-                <a:cxn ang="0">
-                  <a:pos x="connsiteX12" y="connsiteY12"/>
-                </a:cxn>
-                <a:cxn ang="0">
-                  <a:pos x="connsiteX13" y="connsiteY13"/>
-                </a:cxn>
-                <a:cxn ang="0">
-                  <a:pos x="connsiteX14" y="connsiteY14"/>
-                </a:cxn>
-                <a:cxn ang="0">
-                  <a:pos x="connsiteX15" y="connsiteY15"/>
-                </a:cxn>
-                <a:cxn ang="0">
-                  <a:pos x="connsiteX16" y="connsiteY16"/>
-                </a:cxn>
-              </a:cxnLst>
-              <a:rect l="l" t="t" r="r" b="b"/>
-              <a:pathLst>
-                <a:path w="6859500" h="6859500">
-                  <a:moveTo>
-                    <a:pt x="4053340" y="6235893"/>
-                  </a:moveTo>
-                  <a:lnTo>
-                    <a:pt x="4053340" y="4053340"/>
-                  </a:lnTo>
-                  <a:lnTo>
-                    <a:pt x="6235893" y="4053340"/>
-                  </a:lnTo>
-                  <a:cubicBezTo>
-                    <a:pt x="6580293" y="4053340"/>
-                    <a:pt x="6859501" y="3774132"/>
-                    <a:pt x="6859501" y="3429731"/>
-                  </a:cubicBezTo>
-                  <a:cubicBezTo>
-                    <a:pt x="6859501" y="3085330"/>
-                    <a:pt x="6580332" y="2806123"/>
-                    <a:pt x="6235893" y="2806123"/>
-                  </a:cubicBezTo>
-                  <a:lnTo>
-                    <a:pt x="4053340" y="2806123"/>
-                  </a:lnTo>
-                  <a:lnTo>
-                    <a:pt x="4053340" y="623608"/>
-                  </a:lnTo>
-                  <a:cubicBezTo>
-                    <a:pt x="4053340" y="279208"/>
-                    <a:pt x="3774171" y="0"/>
-                    <a:pt x="3429731" y="0"/>
-                  </a:cubicBezTo>
-                  <a:cubicBezTo>
-                    <a:pt x="3085330" y="0"/>
-                    <a:pt x="2806123" y="279208"/>
-                    <a:pt x="2806123" y="623608"/>
-                  </a:cubicBezTo>
-                  <a:lnTo>
-                    <a:pt x="2806123" y="2806161"/>
-                  </a:lnTo>
-                  <a:lnTo>
-                    <a:pt x="623608" y="2806161"/>
-                  </a:lnTo>
-                  <a:cubicBezTo>
-                    <a:pt x="279208" y="2806161"/>
-                    <a:pt x="0" y="3085369"/>
-                    <a:pt x="0" y="3429731"/>
-                  </a:cubicBezTo>
-                  <a:cubicBezTo>
-                    <a:pt x="0" y="3774132"/>
-                    <a:pt x="279208" y="4053340"/>
-                    <a:pt x="623608" y="4053340"/>
-                  </a:cubicBezTo>
-                  <a:lnTo>
-                    <a:pt x="2806161" y="4053340"/>
-                  </a:lnTo>
-                  <a:lnTo>
-                    <a:pt x="2806161" y="6235893"/>
-                  </a:lnTo>
-                  <a:cubicBezTo>
-                    <a:pt x="2806161" y="6580293"/>
-                    <a:pt x="3085369" y="6859501"/>
-                    <a:pt x="3429770" y="6859501"/>
-                  </a:cubicBezTo>
-                  <a:cubicBezTo>
-                    <a:pt x="3774171" y="6859501"/>
-                    <a:pt x="4053340" y="6580293"/>
-                    <a:pt x="4053340" y="6235893"/>
-                  </a:cubicBezTo>
-                  <a:close/>
-                </a:path>
-              </a:pathLst>
-            </a:custGeom>
-            <a:ln w="3848" cap="flat">
-              <a:noFill/>
-              <a:prstDash val="solid"/>
-              <a:miter/>
-            </a:ln>
-            <a:effectLst>
-              <a:glow rad="152400">
-                <a:srgbClr val="000000">
-                  <a:alpha val="4000"/>
-                </a:srgbClr>
-              </a:glow>
-              <a:outerShdw blurRad="101600" dist="38100" dir="16200000" rotWithShape="0">
-                <a:srgbClr val="000000">
-                  <a:alpha val="5000"/>
-                </a:srgbClr>
-              </a:outerShdw>
-            </a:effectLst>
-          </p:spPr>
-          <p:txBody>
-            <a:bodyPr rtlCol="0" anchor="ctr"/>
-            <a:lstStyle/>
-            <a:p>
-              <a:endParaRPr lang="en-US"/>
-            </a:p>
-          </p:txBody>
-        </p:sp>
-        <p:sp useBgFill="1">
-          <p:nvSpPr>
-            <p:cNvPr id="18" name="Oval 17">
-              <a:extLst>
-                <a:ext uri="{FF2B5EF4-FFF2-40B4-BE49-F238E27FC236}">
-                  <a16:creationId xmlns:a16="http://schemas.microsoft.com/office/drawing/2014/main" id="{6A55503D-2920-4B77-A454-8FEA3378BAC1}"/>
-                </a:ext>
-                <a:ext uri="{C183D7F6-B498-43B3-948B-1728B52AA6E4}">
-                  <adec:decorative xmlns:adec="http://schemas.microsoft.com/office/drawing/2017/decorative" val="1"/>
-                </a:ext>
-              </a:extLst>
-            </p:cNvPr>
-            <p:cNvSpPr/>
-            <p:nvPr>
-              <p:extLst>
-                <p:ext uri="{386F3935-93C4-4BCD-93E2-E3B085C9AB24}">
-                  <p16:designElem xmlns:p16="http://schemas.microsoft.com/office/powerpoint/2015/main" val="1"/>
-                </p:ext>
-              </p:extLst>
-            </p:nvPr>
-          </p:nvSpPr>
-          <p:spPr>
-            <a:xfrm rot="10800000">
-              <a:off x="195308" y="1338299"/>
-              <a:ext cx="261891" cy="261891"/>
-            </a:xfrm>
-            <a:prstGeom prst="ellipse">
-              <a:avLst/>
-            </a:prstGeom>
-            <a:ln w="3848" cap="flat">
-              <a:noFill/>
-              <a:prstDash val="solid"/>
-              <a:miter/>
-            </a:ln>
-            <a:effectLst>
-              <a:glow rad="152400">
-                <a:srgbClr val="000000">
-                  <a:alpha val="4000"/>
-                </a:srgbClr>
-              </a:glow>
-              <a:outerShdw blurRad="101600" dist="38100" dir="16200000" rotWithShape="0">
-                <a:srgbClr val="000000">
-                  <a:alpha val="5000"/>
-                </a:srgbClr>
-              </a:outerShdw>
-            </a:effectLst>
-          </p:spPr>
-          <p:txBody>
-            <a:bodyPr rtlCol="0" anchor="ctr"/>
-            <a:lstStyle/>
-            <a:p>
-              <a:endParaRPr lang="en-US" dirty="0"/>
-            </a:p>
-          </p:txBody>
-        </p:sp>
-        <p:sp useBgFill="1">
-          <p:nvSpPr>
-            <p:cNvPr id="20" name="Oval 19">
-              <a:extLst>
-                <a:ext uri="{FF2B5EF4-FFF2-40B4-BE49-F238E27FC236}">
-                  <a16:creationId xmlns:a16="http://schemas.microsoft.com/office/drawing/2014/main" id="{E5300822-6CE9-4457-8099-6BF7922A99C6}"/>
-                </a:ext>
-                <a:ext uri="{C183D7F6-B498-43B3-948B-1728B52AA6E4}">
-                  <adec:decorative xmlns:adec="http://schemas.microsoft.com/office/drawing/2017/decorative" val="1"/>
-                </a:ext>
-              </a:extLst>
-            </p:cNvPr>
-            <p:cNvSpPr/>
-            <p:nvPr>
-              <p:extLst>
-                <p:ext uri="{386F3935-93C4-4BCD-93E2-E3B085C9AB24}">
-                  <p16:designElem xmlns:p16="http://schemas.microsoft.com/office/powerpoint/2015/main" val="1"/>
-                </p:ext>
-              </p:extLst>
-            </p:nvPr>
-          </p:nvSpPr>
-          <p:spPr>
-            <a:xfrm rot="10800000">
-              <a:off x="1695456" y="625555"/>
-              <a:ext cx="388723" cy="388723"/>
-            </a:xfrm>
-            <a:prstGeom prst="ellipse">
-              <a:avLst/>
-            </a:prstGeom>
-            <a:ln w="3848" cap="flat">
-              <a:noFill/>
-              <a:prstDash val="solid"/>
-              <a:miter/>
-            </a:ln>
-            <a:effectLst>
-              <a:glow rad="152400">
-                <a:srgbClr val="000000">
-                  <a:alpha val="4000"/>
-                </a:srgbClr>
-              </a:glow>
-              <a:outerShdw blurRad="101600" dist="38100" dir="16200000" rotWithShape="0">
-                <a:srgbClr val="000000">
-                  <a:alpha val="5000"/>
-                </a:srgbClr>
-              </a:outerShdw>
-            </a:effectLst>
-          </p:spPr>
-          <p:txBody>
-            <a:bodyPr rtlCol="0" anchor="ctr"/>
-            <a:lstStyle/>
-            <a:p>
-              <a:endParaRPr lang="en-US"/>
-            </a:p>
-          </p:txBody>
-        </p:sp>
-      </p:grpSp>
-      <p:sp>
-        <p:nvSpPr>
-          <p:cNvPr id="2" name="Title 1">
-            <a:extLst>
-              <a:ext uri="{FF2B5EF4-FFF2-40B4-BE49-F238E27FC236}">
-                <a16:creationId xmlns:a16="http://schemas.microsoft.com/office/drawing/2014/main" id="{E3F895D8-B493-4B20-6CB5-B25C1DC08DB1}"/>
-              </a:ext>
-            </a:extLst>
-          </p:cNvPr>
-          <p:cNvSpPr>
-            <a:spLocks noGrp="1"/>
-          </p:cNvSpPr>
-          <p:nvPr>
-            <p:ph type="title"/>
-          </p:nvPr>
-        </p:nvSpPr>
-        <p:spPr>
-          <a:xfrm>
-            <a:off x="457199" y="557189"/>
-            <a:ext cx="4419601" cy="1043001"/>
-          </a:xfrm>
-        </p:spPr>
-        <p:txBody>
-          <a:bodyPr anchor="b">
-            <a:noAutofit/>
-          </a:bodyPr>
-          <a:lstStyle/>
-          <a:p>
-            <a:r>
-              <a:rPr lang="en-US" sz="7200" b="1" dirty="0"/>
-              <a:t>Loops</a:t>
-            </a:r>
-            <a:endParaRPr lang="en-CA" sz="7200" b="1" dirty="0"/>
-          </a:p>
-        </p:txBody>
-      </p:sp>
-      <p:sp>
-        <p:nvSpPr>
-          <p:cNvPr id="3" name="Content Placeholder 2">
-            <a:extLst>
-              <a:ext uri="{FF2B5EF4-FFF2-40B4-BE49-F238E27FC236}">
-                <a16:creationId xmlns:a16="http://schemas.microsoft.com/office/drawing/2014/main" id="{A3504F3D-34FA-0869-0B8E-F50692FD91C1}"/>
-              </a:ext>
-            </a:extLst>
-          </p:cNvPr>
-          <p:cNvSpPr>
-            <a:spLocks noGrp="1"/>
-          </p:cNvSpPr>
-          <p:nvPr>
-            <p:ph idx="1"/>
-          </p:nvPr>
-        </p:nvSpPr>
-        <p:spPr>
-          <a:xfrm>
-            <a:off x="457200" y="1928813"/>
-            <a:ext cx="5900738" cy="4371992"/>
-          </a:xfrm>
-        </p:spPr>
-        <p:txBody>
-          <a:bodyPr anchor="t">
-            <a:noAutofit/>
-          </a:bodyPr>
-          <a:lstStyle/>
-          <a:p>
-            <a:r>
-              <a:rPr lang="en-US" sz="4400" dirty="0"/>
-              <a:t>Loop unrolling replicates the loop body multiple times</a:t>
-            </a:r>
-          </a:p>
-          <a:p>
-            <a:r>
-              <a:rPr lang="en-US" sz="4400" dirty="0"/>
-              <a:t>Reduces the Loop control structure overhead</a:t>
-            </a:r>
-            <a:endParaRPr lang="en-CA" sz="4400" dirty="0"/>
-          </a:p>
-        </p:txBody>
-      </p:sp>
-      <p:pic>
-        <p:nvPicPr>
-          <p:cNvPr id="7" name="Graphic 6" descr="Gears">
-            <a:extLst>
-              <a:ext uri="{FF2B5EF4-FFF2-40B4-BE49-F238E27FC236}">
-                <a16:creationId xmlns:a16="http://schemas.microsoft.com/office/drawing/2014/main" id="{4F28FDD2-866C-42AA-7435-A8B6D1105DF6}"/>
-              </a:ext>
-            </a:extLst>
-          </p:cNvPr>
-          <p:cNvPicPr>
-            <a:picLocks noChangeAspect="1"/>
-          </p:cNvPicPr>
-          <p:nvPr/>
-        </p:nvPicPr>
-        <p:blipFill>
-          <a:blip r:embed="rId2">
-            <a:extLst>
-              <a:ext uri="{28A0092B-C50C-407E-A947-70E740481C1C}">
-                <a14:useLocalDpi xmlns:a14="http://schemas.microsoft.com/office/drawing/2010/main" val="0"/>
-              </a:ext>
-              <a:ext uri="{96DAC541-7B7A-43D3-8B79-37D633B846F1}">
-                <asvg:svgBlip xmlns:asvg="http://schemas.microsoft.com/office/drawing/2016/SVG/main" r:embed="rId3"/>
-              </a:ext>
-            </a:extLst>
-          </a:blip>
-          <a:stretch>
-            <a:fillRect/>
-          </a:stretch>
-        </p:blipFill>
-        <p:spPr>
-          <a:xfrm>
-            <a:off x="5609110" y="575423"/>
-            <a:ext cx="5749177" cy="5749177"/>
-          </a:xfrm>
-          <a:prstGeom prst="rect">
-            <a:avLst/>
-          </a:prstGeom>
-        </p:spPr>
-      </p:pic>
-    </p:spTree>
-    <p:extLst>
-      <p:ext uri="{BB962C8B-B14F-4D97-AF65-F5344CB8AC3E}">
-        <p14:creationId xmlns:p14="http://schemas.microsoft.com/office/powerpoint/2010/main" val="747773298"/>
-      </p:ext>
-    </p:extLst>
-  </p:cSld>
-  <p:clrMapOvr>
-    <a:masterClrMapping/>
-  </p:clrMapOvr>
-</p:sld>
-</file>
-
-<file path=ppt/slides/slide15.xml><?xml version="1.0" encoding="utf-8"?>
-<p:sld xmlns:a="http://schemas.openxmlformats.org/drawingml/2006/main" xmlns:r="http://schemas.openxmlformats.org/officeDocument/2006/relationships" xmlns:p="http://schemas.openxmlformats.org/presentationml/2006/main">
-  <p:cSld>
-    <p:spTree>
-      <p:nvGrpSpPr>
-        <p:cNvPr id="1" name=""/>
-        <p:cNvGrpSpPr/>
-        <p:nvPr/>
-      </p:nvGrpSpPr>
-      <p:grpSpPr>
-        <a:xfrm>
-          <a:off x="0" y="0"/>
-          <a:ext cx="0" cy="0"/>
-          <a:chOff x="0" y="0"/>
-          <a:chExt cx="0" cy="0"/>
-        </a:xfrm>
-      </p:grpSpPr>
-      <p:sp>
-        <p:nvSpPr>
-          <p:cNvPr id="2" name="Title 1">
-            <a:extLst>
-              <a:ext uri="{FF2B5EF4-FFF2-40B4-BE49-F238E27FC236}">
-                <a16:creationId xmlns:a16="http://schemas.microsoft.com/office/drawing/2014/main" id="{1A986B91-899A-8A23-2D63-A22EB12384BD}"/>
-              </a:ext>
-            </a:extLst>
-          </p:cNvPr>
-          <p:cNvSpPr>
-            <a:spLocks noGrp="1"/>
-          </p:cNvSpPr>
-          <p:nvPr>
-            <p:ph type="title"/>
-          </p:nvPr>
-        </p:nvSpPr>
-        <p:spPr>
-          <a:xfrm>
-            <a:off x="838200" y="365125"/>
-            <a:ext cx="10515600" cy="5812651"/>
-          </a:xfrm>
-        </p:spPr>
-        <p:txBody>
-          <a:bodyPr>
-            <a:normAutofit/>
-          </a:bodyPr>
-          <a:lstStyle/>
-          <a:p>
-            <a:pPr algn="ctr"/>
-            <a:r>
-              <a:rPr lang="en-CA" sz="6000" b="1" dirty="0"/>
-              <a:t>Brief Code Review of Collections Performance 4.1</a:t>
-            </a:r>
-          </a:p>
-        </p:txBody>
-      </p:sp>
-    </p:spTree>
-    <p:extLst>
-      <p:ext uri="{BB962C8B-B14F-4D97-AF65-F5344CB8AC3E}">
-        <p14:creationId xmlns:p14="http://schemas.microsoft.com/office/powerpoint/2010/main" val="1052199278"/>
-      </p:ext>
-    </p:extLst>
-  </p:cSld>
-  <p:clrMapOvr>
-    <a:masterClrMapping/>
-  </p:clrMapOvr>
-</p:sld>
-</file>
-
-<file path=ppt/slides/slide16.xml><?xml version="1.0" encoding="utf-8"?>
-<p:sld xmlns:a="http://schemas.openxmlformats.org/drawingml/2006/main" xmlns:r="http://schemas.openxmlformats.org/officeDocument/2006/relationships" xmlns:p="http://schemas.openxmlformats.org/presentationml/2006/main">
-  <p:cSld>
-    <p:spTree>
-      <p:nvGrpSpPr>
-        <p:cNvPr id="1" name=""/>
-        <p:cNvGrpSpPr/>
-        <p:nvPr/>
-      </p:nvGrpSpPr>
-      <p:grpSpPr>
-        <a:xfrm>
-          <a:off x="0" y="0"/>
-          <a:ext cx="0" cy="0"/>
-          <a:chOff x="0" y="0"/>
-          <a:chExt cx="0" cy="0"/>
-        </a:xfrm>
-      </p:grpSpPr>
-      <p:sp>
-        <p:nvSpPr>
-          <p:cNvPr id="2" name="Title 1">
-            <a:extLst>
-              <a:ext uri="{FF2B5EF4-FFF2-40B4-BE49-F238E27FC236}">
-                <a16:creationId xmlns:a16="http://schemas.microsoft.com/office/drawing/2014/main" id="{E635573C-8555-BE06-2A50-A0828A2B86B5}"/>
-              </a:ext>
-            </a:extLst>
-          </p:cNvPr>
-          <p:cNvSpPr>
-            <a:spLocks noGrp="1"/>
-          </p:cNvSpPr>
-          <p:nvPr>
-            <p:ph type="title"/>
-          </p:nvPr>
-        </p:nvSpPr>
-        <p:spPr>
-          <a:xfrm>
-            <a:off x="838200" y="375064"/>
-            <a:ext cx="10515600" cy="1325563"/>
-          </a:xfrm>
-        </p:spPr>
-        <p:txBody>
-          <a:bodyPr>
-            <a:normAutofit/>
-          </a:bodyPr>
-          <a:lstStyle/>
-          <a:p>
-            <a:pPr algn="ctr"/>
-            <a:r>
-              <a:rPr lang="en-US" sz="5400" b="1" dirty="0"/>
-              <a:t>The solution: </a:t>
-            </a:r>
-            <a:endParaRPr lang="en-CA" sz="5400" b="1" dirty="0"/>
-          </a:p>
-        </p:txBody>
-      </p:sp>
-      <p:sp>
-        <p:nvSpPr>
-          <p:cNvPr id="3" name="Content Placeholder 2">
-            <a:extLst>
-              <a:ext uri="{FF2B5EF4-FFF2-40B4-BE49-F238E27FC236}">
-                <a16:creationId xmlns:a16="http://schemas.microsoft.com/office/drawing/2014/main" id="{C470AD92-8223-799C-D344-12CD88117354}"/>
-              </a:ext>
-            </a:extLst>
-          </p:cNvPr>
-          <p:cNvSpPr>
-            <a:spLocks noGrp="1"/>
-          </p:cNvSpPr>
-          <p:nvPr>
-            <p:ph idx="1"/>
-          </p:nvPr>
-        </p:nvSpPr>
-        <p:spPr/>
-        <p:txBody>
-          <a:bodyPr>
-            <a:normAutofit/>
-          </a:bodyPr>
-          <a:lstStyle/>
-          <a:p>
-            <a:pPr marL="0" indent="0" algn="ctr">
-              <a:buNone/>
-            </a:pPr>
-            <a:endParaRPr lang="en-US" sz="7200" dirty="0"/>
-          </a:p>
-          <a:p>
-            <a:pPr marL="0" indent="0" algn="ctr">
-              <a:buNone/>
-            </a:pPr>
-            <a:r>
-              <a:rPr lang="en-US" sz="7200" b="1" dirty="0"/>
-              <a:t>Java Microbenchmark Harness</a:t>
-            </a:r>
-            <a:endParaRPr lang="en-CA" sz="7200" b="1" dirty="0"/>
-          </a:p>
-        </p:txBody>
-      </p:sp>
-    </p:spTree>
-    <p:extLst>
-      <p:ext uri="{BB962C8B-B14F-4D97-AF65-F5344CB8AC3E}">
-        <p14:creationId xmlns:p14="http://schemas.microsoft.com/office/powerpoint/2010/main" val="142833043"/>
-      </p:ext>
-    </p:extLst>
-  </p:cSld>
-  <p:clrMapOvr>
-    <a:masterClrMapping/>
-  </p:clrMapOvr>
-</p:sld>
-</file>
-
-<file path=ppt/slides/slide17.xml><?xml version="1.0" encoding="utf-8"?>
-<p:sld xmlns:a="http://schemas.openxmlformats.org/drawingml/2006/main" xmlns:r="http://schemas.openxmlformats.org/officeDocument/2006/relationships" xmlns:p="http://schemas.openxmlformats.org/presentationml/2006/main">
-  <p:cSld>
-    <p:spTree>
-      <p:nvGrpSpPr>
-        <p:cNvPr id="1" name=""/>
-        <p:cNvGrpSpPr/>
-        <p:nvPr/>
-      </p:nvGrpSpPr>
-      <p:grpSpPr>
-        <a:xfrm>
-          <a:off x="0" y="0"/>
-          <a:ext cx="0" cy="0"/>
-          <a:chOff x="0" y="0"/>
-          <a:chExt cx="0" cy="0"/>
-        </a:xfrm>
-      </p:grpSpPr>
-      <p:pic>
-        <p:nvPicPr>
-          <p:cNvPr id="5" name="Content Placeholder 4" descr="A horse wearing a leather harness&#10;&#10;Description automatically generated">
-            <a:extLst>
-              <a:ext uri="{FF2B5EF4-FFF2-40B4-BE49-F238E27FC236}">
-                <a16:creationId xmlns:a16="http://schemas.microsoft.com/office/drawing/2014/main" id="{C4DAF183-8AA9-0C94-77F8-28EB9A51B975}"/>
-              </a:ext>
-            </a:extLst>
-          </p:cNvPr>
-          <p:cNvPicPr>
-            <a:picLocks noGrp="1" noChangeAspect="1"/>
-          </p:cNvPicPr>
-          <p:nvPr>
-            <p:ph idx="1"/>
-          </p:nvPr>
-        </p:nvPicPr>
-        <p:blipFill>
-          <a:blip r:embed="rId2"/>
-          <a:stretch>
-            <a:fillRect/>
-          </a:stretch>
-        </p:blipFill>
-        <p:spPr>
-          <a:xfrm>
-            <a:off x="2666999" y="-1"/>
-            <a:ext cx="6858001" cy="6858001"/>
-          </a:xfrm>
-        </p:spPr>
-      </p:pic>
-      <p:sp>
-        <p:nvSpPr>
-          <p:cNvPr id="2" name="TextBox 1">
-            <a:extLst>
-              <a:ext uri="{FF2B5EF4-FFF2-40B4-BE49-F238E27FC236}">
-                <a16:creationId xmlns:a16="http://schemas.microsoft.com/office/drawing/2014/main" id="{3D01C3A8-47AC-A398-4C9B-5DA2DAB68D96}"/>
-              </a:ext>
-            </a:extLst>
-          </p:cNvPr>
-          <p:cNvSpPr txBox="1"/>
-          <p:nvPr/>
-        </p:nvSpPr>
-        <p:spPr>
-          <a:xfrm>
-            <a:off x="9604352" y="5871079"/>
-            <a:ext cx="2587647" cy="307777"/>
-          </a:xfrm>
-          <a:prstGeom prst="rect">
-            <a:avLst/>
-          </a:prstGeom>
-          <a:noFill/>
-        </p:spPr>
-        <p:txBody>
-          <a:bodyPr wrap="square" rtlCol="0">
-            <a:spAutoFit/>
-          </a:bodyPr>
-          <a:lstStyle/>
-          <a:p>
-            <a:r>
-              <a:rPr lang="en-US" sz="1400" dirty="0"/>
-              <a:t>Image generated by Dall-E 3</a:t>
-            </a:r>
-            <a:endParaRPr lang="en-CA" sz="1400" dirty="0"/>
-          </a:p>
-        </p:txBody>
-      </p:sp>
-    </p:spTree>
-    <p:extLst>
-      <p:ext uri="{BB962C8B-B14F-4D97-AF65-F5344CB8AC3E}">
-        <p14:creationId xmlns:p14="http://schemas.microsoft.com/office/powerpoint/2010/main" val="3069014409"/>
-      </p:ext>
-    </p:extLst>
-  </p:cSld>
-  <p:clrMapOvr>
-    <a:masterClrMapping/>
-  </p:clrMapOvr>
-</p:sld>
-</file>
-
-<file path=ppt/slides/slide18.xml><?xml version="1.0" encoding="utf-8"?>
-<p:sld xmlns:a="http://schemas.openxmlformats.org/drawingml/2006/main" xmlns:r="http://schemas.openxmlformats.org/officeDocument/2006/relationships" xmlns:p="http://schemas.openxmlformats.org/presentationml/2006/main">
-  <p:cSld>
-    <p:spTree>
-      <p:nvGrpSpPr>
-        <p:cNvPr id="1" name=""/>
-        <p:cNvGrpSpPr/>
-        <p:nvPr/>
-      </p:nvGrpSpPr>
-      <p:grpSpPr>
-        <a:xfrm>
-          <a:off x="0" y="0"/>
-          <a:ext cx="0" cy="0"/>
-          <a:chOff x="0" y="0"/>
-          <a:chExt cx="0" cy="0"/>
-        </a:xfrm>
-      </p:grpSpPr>
-      <p:sp>
-        <p:nvSpPr>
-          <p:cNvPr id="2" name="Title 1">
-            <a:extLst>
-              <a:ext uri="{FF2B5EF4-FFF2-40B4-BE49-F238E27FC236}">
-                <a16:creationId xmlns:a16="http://schemas.microsoft.com/office/drawing/2014/main" id="{300E4F24-7091-CFDB-8678-8FE43193F56E}"/>
-              </a:ext>
-            </a:extLst>
-          </p:cNvPr>
-          <p:cNvSpPr>
-            <a:spLocks noGrp="1"/>
-          </p:cNvSpPr>
-          <p:nvPr>
-            <p:ph type="title"/>
-          </p:nvPr>
-        </p:nvSpPr>
-        <p:spPr/>
-        <p:txBody>
-          <a:bodyPr/>
-          <a:lstStyle/>
-          <a:p>
-            <a:r>
-              <a:rPr lang="en-CA" b="1" dirty="0"/>
-              <a:t>Java Microbenchmark Harness (JMH)</a:t>
-            </a:r>
-          </a:p>
-        </p:txBody>
-      </p:sp>
-      <p:sp>
-        <p:nvSpPr>
-          <p:cNvPr id="3" name="Content Placeholder 2">
-            <a:extLst>
-              <a:ext uri="{FF2B5EF4-FFF2-40B4-BE49-F238E27FC236}">
-                <a16:creationId xmlns:a16="http://schemas.microsoft.com/office/drawing/2014/main" id="{51225757-EF9E-6A0F-2C3C-E98668A8B793}"/>
-              </a:ext>
-            </a:extLst>
-          </p:cNvPr>
-          <p:cNvSpPr>
-            <a:spLocks noGrp="1"/>
-          </p:cNvSpPr>
-          <p:nvPr>
-            <p:ph idx="1"/>
-          </p:nvPr>
-        </p:nvSpPr>
-        <p:spPr/>
-        <p:txBody>
-          <a:bodyPr/>
-          <a:lstStyle/>
-          <a:p>
-            <a:pPr marL="0" indent="0" algn="ctr">
-              <a:buNone/>
-            </a:pPr>
-            <a:r>
-              <a:rPr lang="en-US" sz="5400" b="0" i="0" dirty="0">
-                <a:solidFill>
-                  <a:srgbClr val="1F2328"/>
-                </a:solidFill>
-                <a:effectLst/>
-                <a:highlight>
-                  <a:srgbClr val="FFFFFF"/>
-                </a:highlight>
-                <a:latin typeface="-apple-system"/>
-              </a:rPr>
-              <a:t>JMH is a Java harness for building, running, and analyzing nano/micro/milli/macro benchmarks written in Java and other languages targeting the JVM.*</a:t>
-            </a:r>
-          </a:p>
-          <a:p>
-            <a:pPr marL="914400" lvl="2" indent="0">
-              <a:buNone/>
-            </a:pPr>
-            <a:r>
-              <a:rPr lang="en-US" sz="3200" dirty="0">
-                <a:solidFill>
-                  <a:srgbClr val="1F2328"/>
-                </a:solidFill>
-                <a:highlight>
-                  <a:srgbClr val="FFFFFF"/>
-                </a:highlight>
-                <a:latin typeface="-apple-system"/>
-              </a:rPr>
-              <a:t>*from https://github.com/openjdk/jmh</a:t>
-            </a:r>
-            <a:endParaRPr lang="en-CA" sz="3200" dirty="0"/>
-          </a:p>
-        </p:txBody>
-      </p:sp>
-    </p:spTree>
-    <p:extLst>
-      <p:ext uri="{BB962C8B-B14F-4D97-AF65-F5344CB8AC3E}">
-        <p14:creationId xmlns:p14="http://schemas.microsoft.com/office/powerpoint/2010/main" val="1294449622"/>
-      </p:ext>
-    </p:extLst>
-  </p:cSld>
-  <p:clrMapOvr>
-    <a:masterClrMapping/>
-  </p:clrMapOvr>
-</p:sld>
-</file>
-
-<file path=ppt/slides/slide19.xml><?xml version="1.0" encoding="utf-8"?>
+<file path=ppt/slides/slide20.xml><?xml version="1.0" encoding="utf-8"?>
 <p:sld xmlns:a="http://schemas.openxmlformats.org/drawingml/2006/main" xmlns:r="http://schemas.openxmlformats.org/officeDocument/2006/relationships" xmlns:p="http://schemas.openxmlformats.org/presentationml/2006/main">
   <p:cSld>
     <p:spTree>
@@ -17530,183 +17742,7 @@
 </p:sld>
 </file>
 
-<file path=ppt/slides/slide2.xml><?xml version="1.0" encoding="utf-8"?>
-<p:sld xmlns:a="http://schemas.openxmlformats.org/drawingml/2006/main" xmlns:r="http://schemas.openxmlformats.org/officeDocument/2006/relationships" xmlns:p="http://schemas.openxmlformats.org/presentationml/2006/main">
-  <p:cSld>
-    <p:spTree>
-      <p:nvGrpSpPr>
-        <p:cNvPr id="1" name=""/>
-        <p:cNvGrpSpPr/>
-        <p:nvPr/>
-      </p:nvGrpSpPr>
-      <p:grpSpPr>
-        <a:xfrm>
-          <a:off x="0" y="0"/>
-          <a:ext cx="0" cy="0"/>
-          <a:chOff x="0" y="0"/>
-          <a:chExt cx="0" cy="0"/>
-        </a:xfrm>
-      </p:grpSpPr>
-      <p:sp>
-        <p:nvSpPr>
-          <p:cNvPr id="2" name="Title 1">
-            <a:extLst>
-              <a:ext uri="{FF2B5EF4-FFF2-40B4-BE49-F238E27FC236}">
-                <a16:creationId xmlns:a16="http://schemas.microsoft.com/office/drawing/2014/main" id="{D3A42063-425D-3A3E-C532-EA9DBA28D314}"/>
-              </a:ext>
-            </a:extLst>
-          </p:cNvPr>
-          <p:cNvSpPr>
-            <a:spLocks noGrp="1"/>
-          </p:cNvSpPr>
-          <p:nvPr>
-            <p:ph type="title"/>
-          </p:nvPr>
-        </p:nvSpPr>
-        <p:spPr/>
-        <p:txBody>
-          <a:bodyPr/>
-          <a:lstStyle/>
-          <a:p>
-            <a:r>
-              <a:rPr lang="en-US" b="1" dirty="0"/>
-              <a:t>Gratuitous Plug</a:t>
-            </a:r>
-            <a:endParaRPr lang="en-CA" b="1" dirty="0"/>
-          </a:p>
-        </p:txBody>
-      </p:sp>
-      <p:pic>
-        <p:nvPicPr>
-          <p:cNvPr id="9" name="Content Placeholder 8" descr="A book cover with a black background&#10;&#10;Description automatically generated">
-            <a:extLst>
-              <a:ext uri="{FF2B5EF4-FFF2-40B4-BE49-F238E27FC236}">
-                <a16:creationId xmlns:a16="http://schemas.microsoft.com/office/drawing/2014/main" id="{6828C684-9EC3-46AA-579E-80D8DA71D68A}"/>
-              </a:ext>
-            </a:extLst>
-          </p:cNvPr>
-          <p:cNvPicPr>
-            <a:picLocks noGrp="1" noChangeAspect="1"/>
-          </p:cNvPicPr>
-          <p:nvPr>
-            <p:ph idx="1"/>
-          </p:nvPr>
-        </p:nvPicPr>
-        <p:blipFill>
-          <a:blip r:embed="rId2">
-            <a:extLst>
-              <a:ext uri="{28A0092B-C50C-407E-A947-70E740481C1C}">
-                <a14:useLocalDpi xmlns:a14="http://schemas.microsoft.com/office/drawing/2010/main" val="0"/>
-              </a:ext>
-            </a:extLst>
-          </a:blip>
-          <a:stretch>
-            <a:fillRect/>
-          </a:stretch>
-        </p:blipFill>
-        <p:spPr>
-          <a:xfrm>
-            <a:off x="7197214" y="365125"/>
-            <a:ext cx="4734698" cy="5938608"/>
-          </a:xfrm>
-        </p:spPr>
-      </p:pic>
-      <p:sp>
-        <p:nvSpPr>
-          <p:cNvPr id="10" name="TextBox 9">
-            <a:extLst>
-              <a:ext uri="{FF2B5EF4-FFF2-40B4-BE49-F238E27FC236}">
-                <a16:creationId xmlns:a16="http://schemas.microsoft.com/office/drawing/2014/main" id="{66ED0D82-5DF0-96D8-8948-15751B2D53B4}"/>
-              </a:ext>
-            </a:extLst>
-          </p:cNvPr>
-          <p:cNvSpPr txBox="1"/>
-          <p:nvPr/>
-        </p:nvSpPr>
-        <p:spPr>
-          <a:xfrm>
-            <a:off x="260088" y="1375902"/>
-            <a:ext cx="6322141" cy="5093702"/>
-          </a:xfrm>
-          <a:prstGeom prst="rect">
-            <a:avLst/>
-          </a:prstGeom>
-          <a:noFill/>
-        </p:spPr>
-        <p:txBody>
-          <a:bodyPr wrap="square" rtlCol="0">
-            <a:spAutoFit/>
-          </a:bodyPr>
-          <a:lstStyle/>
-          <a:p>
-            <a:pPr marL="571500" indent="-571500">
-              <a:spcAft>
-                <a:spcPts val="1000"/>
-              </a:spcAft>
-              <a:buFont typeface="Arial" panose="020B0604020202020204" pitchFamily="34" charset="0"/>
-              <a:buChar char="•"/>
-            </a:pPr>
-            <a:r>
-              <a:rPr lang="en-US" sz="3000" dirty="0"/>
-              <a:t>I wrote a book!</a:t>
-            </a:r>
-          </a:p>
-          <a:p>
-            <a:pPr marL="571500" indent="-571500">
-              <a:spcAft>
-                <a:spcPts val="1000"/>
-              </a:spcAft>
-              <a:buFont typeface="Arial" panose="020B0604020202020204" pitchFamily="34" charset="0"/>
-              <a:buChar char="•"/>
-            </a:pPr>
-            <a:r>
-              <a:rPr lang="en-US" sz="3000" dirty="0"/>
-              <a:t>A book for those with experience with other languages who now need Java skills. </a:t>
-            </a:r>
-          </a:p>
-          <a:p>
-            <a:pPr marL="571500" indent="-571500">
-              <a:spcAft>
-                <a:spcPts val="1000"/>
-              </a:spcAft>
-              <a:buFont typeface="Arial" panose="020B0604020202020204" pitchFamily="34" charset="0"/>
-              <a:buChar char="•"/>
-            </a:pPr>
-            <a:r>
-              <a:rPr lang="en-US" sz="3000" dirty="0"/>
-              <a:t>A quick refresher if you have been away from Java for a while.</a:t>
-            </a:r>
-          </a:p>
-          <a:p>
-            <a:pPr marL="571500" indent="-571500">
-              <a:spcAft>
-                <a:spcPts val="1000"/>
-              </a:spcAft>
-              <a:buFont typeface="Arial" panose="020B0604020202020204" pitchFamily="34" charset="0"/>
-              <a:buChar char="•"/>
-            </a:pPr>
-            <a:r>
-              <a:rPr lang="en-US" sz="3000" dirty="0"/>
-              <a:t>Buy all your Python, C#, &amp; other non-Java friends a copy.</a:t>
-            </a:r>
-            <a:endParaRPr lang="en-CA" sz="3000" dirty="0"/>
-          </a:p>
-        </p:txBody>
-      </p:sp>
-    </p:spTree>
-    <p:extLst>
-      <p:ext uri="{BB962C8B-B14F-4D97-AF65-F5344CB8AC3E}">
-        <p14:creationId xmlns:p14="http://schemas.microsoft.com/office/powerpoint/2010/main" val="3931711201"/>
-      </p:ext>
-    </p:extLst>
-  </p:cSld>
-  <p:clrMapOvr>
-    <a:masterClrMapping/>
-  </p:clrMapOvr>
-</p:sld>
-</file>
-
-<file path=ppt/slides/slide20.xml><?xml version="1.0" encoding="utf-8"?>
+<file path=ppt/slides/slide21.xml><?xml version="1.0" encoding="utf-8"?>
 <p:sld xmlns:a="http://schemas.openxmlformats.org/drawingml/2006/main" xmlns:r="http://schemas.openxmlformats.org/officeDocument/2006/relationships" xmlns:p="http://schemas.openxmlformats.org/presentationml/2006/main">
   <p:cSld>
     <p:spTree>
@@ -17811,7 +17847,7 @@
 </p:sld>
 </file>
 
-<file path=ppt/slides/slide21.xml><?xml version="1.0" encoding="utf-8"?>
+<file path=ppt/slides/slide22.xml><?xml version="1.0" encoding="utf-8"?>
 <p:sld xmlns:a="http://schemas.openxmlformats.org/drawingml/2006/main" xmlns:r="http://schemas.openxmlformats.org/officeDocument/2006/relationships" xmlns:p="http://schemas.openxmlformats.org/presentationml/2006/main">
   <p:cSld>
     <p:spTree>
@@ -17918,7 +17954,7 @@
 </p:sld>
 </file>
 
-<file path=ppt/slides/slide22.xml><?xml version="1.0" encoding="utf-8"?>
+<file path=ppt/slides/slide23.xml><?xml version="1.0" encoding="utf-8"?>
 <p:sld xmlns:a="http://schemas.openxmlformats.org/drawingml/2006/main" xmlns:r="http://schemas.openxmlformats.org/officeDocument/2006/relationships" xmlns:p="http://schemas.openxmlformats.org/presentationml/2006/main">
   <p:cSld>
     <p:spTree>
@@ -18034,7 +18070,7 @@
 </p:sld>
 </file>
 
-<file path=ppt/slides/slide23.xml><?xml version="1.0" encoding="utf-8"?>
+<file path=ppt/slides/slide24.xml><?xml version="1.0" encoding="utf-8"?>
 <p:sld xmlns:a="http://schemas.openxmlformats.org/drawingml/2006/main" xmlns:r="http://schemas.openxmlformats.org/officeDocument/2006/relationships" xmlns:p="http://schemas.openxmlformats.org/presentationml/2006/main">
   <p:cSld>
     <p:spTree>
@@ -18154,7 +18190,7 @@
 </p:sld>
 </file>
 
-<file path=ppt/slides/slide24.xml><?xml version="1.0" encoding="utf-8"?>
+<file path=ppt/slides/slide25.xml><?xml version="1.0" encoding="utf-8"?>
 <p:sld xmlns:a="http://schemas.openxmlformats.org/drawingml/2006/main" xmlns:r="http://schemas.openxmlformats.org/officeDocument/2006/relationships" xmlns:p="http://schemas.openxmlformats.org/presentationml/2006/main">
   <p:cSld>
     <p:spTree>
@@ -18298,7 +18334,7 @@
 </p:sld>
 </file>
 
-<file path=ppt/slides/slide25.xml><?xml version="1.0" encoding="utf-8"?>
+<file path=ppt/slides/slide26.xml><?xml version="1.0" encoding="utf-8"?>
 <p:sld xmlns:a="http://schemas.openxmlformats.org/drawingml/2006/main" xmlns:r="http://schemas.openxmlformats.org/officeDocument/2006/relationships" xmlns:p="http://schemas.openxmlformats.org/presentationml/2006/main">
   <p:cSld>
     <p:spTree>
@@ -18428,7 +18464,7 @@
 </p:sld>
 </file>
 
-<file path=ppt/slides/slide26.xml><?xml version="1.0" encoding="utf-8"?>
+<file path=ppt/slides/slide27.xml><?xml version="1.0" encoding="utf-8"?>
 <p:sld xmlns:a="http://schemas.openxmlformats.org/drawingml/2006/main" xmlns:r="http://schemas.openxmlformats.org/officeDocument/2006/relationships" xmlns:p="http://schemas.openxmlformats.org/presentationml/2006/main">
   <p:cSld>
     <p:spTree>
@@ -18502,7 +18538,7 @@
 </p:sld>
 </file>
 
-<file path=ppt/slides/slide27.xml><?xml version="1.0" encoding="utf-8"?>
+<file path=ppt/slides/slide28.xml><?xml version="1.0" encoding="utf-8"?>
 <p:sld xmlns:a="http://schemas.openxmlformats.org/drawingml/2006/main" xmlns:r="http://schemas.openxmlformats.org/officeDocument/2006/relationships" xmlns:p="http://schemas.openxmlformats.org/presentationml/2006/main">
   <p:cSld>
     <p:spTree>
@@ -18670,7 +18706,7 @@
 </p:sld>
 </file>
 
-<file path=ppt/slides/slide28.xml><?xml version="1.0" encoding="utf-8"?>
+<file path=ppt/slides/slide29.xml><?xml version="1.0" encoding="utf-8"?>
 <p:sld xmlns:a="http://schemas.openxmlformats.org/drawingml/2006/main" xmlns:r="http://schemas.openxmlformats.org/officeDocument/2006/relationships" xmlns:p="http://schemas.openxmlformats.org/presentationml/2006/main">
   <p:cSld>
     <p:bg>
@@ -19423,7 +19459,183 @@
 </p:sld>
 </file>
 
-<file path=ppt/slides/slide29.xml><?xml version="1.0" encoding="utf-8"?>
+<file path=ppt/slides/slide3.xml><?xml version="1.0" encoding="utf-8"?>
+<p:sld xmlns:a="http://schemas.openxmlformats.org/drawingml/2006/main" xmlns:r="http://schemas.openxmlformats.org/officeDocument/2006/relationships" xmlns:p="http://schemas.openxmlformats.org/presentationml/2006/main">
+  <p:cSld>
+    <p:spTree>
+      <p:nvGrpSpPr>
+        <p:cNvPr id="1" name=""/>
+        <p:cNvGrpSpPr/>
+        <p:nvPr/>
+      </p:nvGrpSpPr>
+      <p:grpSpPr>
+        <a:xfrm>
+          <a:off x="0" y="0"/>
+          <a:ext cx="0" cy="0"/>
+          <a:chOff x="0" y="0"/>
+          <a:chExt cx="0" cy="0"/>
+        </a:xfrm>
+      </p:grpSpPr>
+      <p:sp>
+        <p:nvSpPr>
+          <p:cNvPr id="2" name="Title 1">
+            <a:extLst>
+              <a:ext uri="{FF2B5EF4-FFF2-40B4-BE49-F238E27FC236}">
+                <a16:creationId xmlns:a16="http://schemas.microsoft.com/office/drawing/2014/main" id="{D3A42063-425D-3A3E-C532-EA9DBA28D314}"/>
+              </a:ext>
+            </a:extLst>
+          </p:cNvPr>
+          <p:cNvSpPr>
+            <a:spLocks noGrp="1"/>
+          </p:cNvSpPr>
+          <p:nvPr>
+            <p:ph type="title"/>
+          </p:nvPr>
+        </p:nvSpPr>
+        <p:spPr/>
+        <p:txBody>
+          <a:bodyPr/>
+          <a:lstStyle/>
+          <a:p>
+            <a:r>
+              <a:rPr lang="en-US" b="1" dirty="0"/>
+              <a:t>Gratuitous Plug</a:t>
+            </a:r>
+            <a:endParaRPr lang="en-CA" b="1" dirty="0"/>
+          </a:p>
+        </p:txBody>
+      </p:sp>
+      <p:pic>
+        <p:nvPicPr>
+          <p:cNvPr id="9" name="Content Placeholder 8" descr="A book cover with a black background&#10;&#10;Description automatically generated">
+            <a:extLst>
+              <a:ext uri="{FF2B5EF4-FFF2-40B4-BE49-F238E27FC236}">
+                <a16:creationId xmlns:a16="http://schemas.microsoft.com/office/drawing/2014/main" id="{6828C684-9EC3-46AA-579E-80D8DA71D68A}"/>
+              </a:ext>
+            </a:extLst>
+          </p:cNvPr>
+          <p:cNvPicPr>
+            <a:picLocks noGrp="1" noChangeAspect="1"/>
+          </p:cNvPicPr>
+          <p:nvPr>
+            <p:ph idx="1"/>
+          </p:nvPr>
+        </p:nvPicPr>
+        <p:blipFill>
+          <a:blip r:embed="rId2">
+            <a:extLst>
+              <a:ext uri="{28A0092B-C50C-407E-A947-70E740481C1C}">
+                <a14:useLocalDpi xmlns:a14="http://schemas.microsoft.com/office/drawing/2010/main" val="0"/>
+              </a:ext>
+            </a:extLst>
+          </a:blip>
+          <a:stretch>
+            <a:fillRect/>
+          </a:stretch>
+        </p:blipFill>
+        <p:spPr>
+          <a:xfrm>
+            <a:off x="7197214" y="365125"/>
+            <a:ext cx="4734698" cy="5938608"/>
+          </a:xfrm>
+        </p:spPr>
+      </p:pic>
+      <p:sp>
+        <p:nvSpPr>
+          <p:cNvPr id="10" name="TextBox 9">
+            <a:extLst>
+              <a:ext uri="{FF2B5EF4-FFF2-40B4-BE49-F238E27FC236}">
+                <a16:creationId xmlns:a16="http://schemas.microsoft.com/office/drawing/2014/main" id="{66ED0D82-5DF0-96D8-8948-15751B2D53B4}"/>
+              </a:ext>
+            </a:extLst>
+          </p:cNvPr>
+          <p:cNvSpPr txBox="1"/>
+          <p:nvPr/>
+        </p:nvSpPr>
+        <p:spPr>
+          <a:xfrm>
+            <a:off x="260088" y="1375902"/>
+            <a:ext cx="6322141" cy="5093702"/>
+          </a:xfrm>
+          <a:prstGeom prst="rect">
+            <a:avLst/>
+          </a:prstGeom>
+          <a:noFill/>
+        </p:spPr>
+        <p:txBody>
+          <a:bodyPr wrap="square" rtlCol="0">
+            <a:spAutoFit/>
+          </a:bodyPr>
+          <a:lstStyle/>
+          <a:p>
+            <a:pPr marL="571500" indent="-571500">
+              <a:spcAft>
+                <a:spcPts val="1000"/>
+              </a:spcAft>
+              <a:buFont typeface="Arial" panose="020B0604020202020204" pitchFamily="34" charset="0"/>
+              <a:buChar char="•"/>
+            </a:pPr>
+            <a:r>
+              <a:rPr lang="en-US" sz="3000" dirty="0"/>
+              <a:t>I wrote a book!</a:t>
+            </a:r>
+          </a:p>
+          <a:p>
+            <a:pPr marL="571500" indent="-571500">
+              <a:spcAft>
+                <a:spcPts val="1000"/>
+              </a:spcAft>
+              <a:buFont typeface="Arial" panose="020B0604020202020204" pitchFamily="34" charset="0"/>
+              <a:buChar char="•"/>
+            </a:pPr>
+            <a:r>
+              <a:rPr lang="en-US" sz="3000" dirty="0"/>
+              <a:t>A book for those with experience with other languages who now need Java skills. </a:t>
+            </a:r>
+          </a:p>
+          <a:p>
+            <a:pPr marL="571500" indent="-571500">
+              <a:spcAft>
+                <a:spcPts val="1000"/>
+              </a:spcAft>
+              <a:buFont typeface="Arial" panose="020B0604020202020204" pitchFamily="34" charset="0"/>
+              <a:buChar char="•"/>
+            </a:pPr>
+            <a:r>
+              <a:rPr lang="en-US" sz="3000" dirty="0"/>
+              <a:t>A quick refresher if you have been away from Java for a while.</a:t>
+            </a:r>
+          </a:p>
+          <a:p>
+            <a:pPr marL="571500" indent="-571500">
+              <a:spcAft>
+                <a:spcPts val="1000"/>
+              </a:spcAft>
+              <a:buFont typeface="Arial" panose="020B0604020202020204" pitchFamily="34" charset="0"/>
+              <a:buChar char="•"/>
+            </a:pPr>
+            <a:r>
+              <a:rPr lang="en-US" sz="3000" dirty="0"/>
+              <a:t>Buy all your Python, C#, &amp; other non-Java friends a copy.</a:t>
+            </a:r>
+            <a:endParaRPr lang="en-CA" sz="3000" dirty="0"/>
+          </a:p>
+        </p:txBody>
+      </p:sp>
+    </p:spTree>
+    <p:extLst>
+      <p:ext uri="{BB962C8B-B14F-4D97-AF65-F5344CB8AC3E}">
+        <p14:creationId xmlns:p14="http://schemas.microsoft.com/office/powerpoint/2010/main" val="3931711201"/>
+      </p:ext>
+    </p:extLst>
+  </p:cSld>
+  <p:clrMapOvr>
+    <a:masterClrMapping/>
+  </p:clrMapOvr>
+</p:sld>
+</file>
+
+<file path=ppt/slides/slide30.xml><?xml version="1.0" encoding="utf-8"?>
 <p:sld xmlns:a="http://schemas.openxmlformats.org/drawingml/2006/main" xmlns:r="http://schemas.openxmlformats.org/officeDocument/2006/relationships" xmlns:p="http://schemas.openxmlformats.org/presentationml/2006/main">
   <p:cSld>
     <p:spTree>
@@ -19544,94 +19756,7 @@
 </p:sld>
 </file>
 
-<file path=ppt/slides/slide3.xml><?xml version="1.0" encoding="utf-8"?>
-<p:sld xmlns:a="http://schemas.openxmlformats.org/drawingml/2006/main" xmlns:r="http://schemas.openxmlformats.org/officeDocument/2006/relationships" xmlns:p="http://schemas.openxmlformats.org/presentationml/2006/main">
-  <p:cSld>
-    <p:spTree>
-      <p:nvGrpSpPr>
-        <p:cNvPr id="1" name=""/>
-        <p:cNvGrpSpPr/>
-        <p:nvPr/>
-      </p:nvGrpSpPr>
-      <p:grpSpPr>
-        <a:xfrm>
-          <a:off x="0" y="0"/>
-          <a:ext cx="0" cy="0"/>
-          <a:chOff x="0" y="0"/>
-          <a:chExt cx="0" cy="0"/>
-        </a:xfrm>
-      </p:grpSpPr>
-      <p:sp>
-        <p:nvSpPr>
-          <p:cNvPr id="3" name="Content Placeholder 2">
-            <a:extLst>
-              <a:ext uri="{FF2B5EF4-FFF2-40B4-BE49-F238E27FC236}">
-                <a16:creationId xmlns:a16="http://schemas.microsoft.com/office/drawing/2014/main" id="{87E342A3-10BD-22AD-A439-7555F714EA65}"/>
-              </a:ext>
-            </a:extLst>
-          </p:cNvPr>
-          <p:cNvSpPr>
-            <a:spLocks noGrp="1"/>
-          </p:cNvSpPr>
-          <p:nvPr>
-            <p:ph idx="1"/>
-          </p:nvPr>
-        </p:nvSpPr>
-        <p:spPr>
-          <a:xfrm>
-            <a:off x="838200" y="417443"/>
-            <a:ext cx="10515600" cy="5759520"/>
-          </a:xfrm>
-        </p:spPr>
-        <p:txBody>
-          <a:bodyPr anchor="ctr">
-            <a:normAutofit/>
-          </a:bodyPr>
-          <a:lstStyle/>
-          <a:p>
-            <a:pPr marL="0" indent="0" algn="ctr">
-              <a:buNone/>
-            </a:pPr>
-            <a:r>
-              <a:rPr lang="en-US" sz="8000" b="1" dirty="0"/>
-              <a:t>When I taught </a:t>
-            </a:r>
-          </a:p>
-          <a:p>
-            <a:pPr marL="0" indent="0" algn="ctr">
-              <a:buNone/>
-            </a:pPr>
-            <a:r>
-              <a:rPr lang="en-US" sz="8000" b="1" dirty="0"/>
-              <a:t>Java Collections</a:t>
-            </a:r>
-          </a:p>
-          <a:p>
-            <a:pPr marL="0" indent="0" algn="ctr">
-              <a:buNone/>
-            </a:pPr>
-            <a:r>
-              <a:rPr lang="en-US" sz="8000" b="1" dirty="0"/>
-              <a:t>. . .</a:t>
-            </a:r>
-            <a:endParaRPr lang="en-CA" sz="8000" b="1" dirty="0"/>
-          </a:p>
-        </p:txBody>
-      </p:sp>
-    </p:spTree>
-    <p:extLst>
-      <p:ext uri="{BB962C8B-B14F-4D97-AF65-F5344CB8AC3E}">
-        <p14:creationId xmlns:p14="http://schemas.microsoft.com/office/powerpoint/2010/main" val="2299448504"/>
-      </p:ext>
-    </p:extLst>
-  </p:cSld>
-  <p:clrMapOvr>
-    <a:masterClrMapping/>
-  </p:clrMapOvr>
-</p:sld>
-</file>
-
-<file path=ppt/slides/slide30.xml><?xml version="1.0" encoding="utf-8"?>
+<file path=ppt/slides/slide31.xml><?xml version="1.0" encoding="utf-8"?>
 <p:sld xmlns:a="http://schemas.openxmlformats.org/drawingml/2006/main" xmlns:r="http://schemas.openxmlformats.org/officeDocument/2006/relationships" xmlns:p="http://schemas.openxmlformats.org/presentationml/2006/main">
   <p:cSld>
     <p:bg>
@@ -20217,7 +20342,7 @@
 </p:sld>
 </file>
 
-<file path=ppt/slides/slide31.xml><?xml version="1.0" encoding="utf-8"?>
+<file path=ppt/slides/slide32.xml><?xml version="1.0" encoding="utf-8"?>
 <p:sld xmlns:a="http://schemas.openxmlformats.org/drawingml/2006/main" xmlns:r="http://schemas.openxmlformats.org/officeDocument/2006/relationships" xmlns:p="http://schemas.openxmlformats.org/presentationml/2006/main">
   <p:cSld>
     <p:spTree>
@@ -20512,7 +20637,7 @@
 </p:sld>
 </file>
 
-<file path=ppt/slides/slide32.xml><?xml version="1.0" encoding="utf-8"?>
+<file path=ppt/slides/slide33.xml><?xml version="1.0" encoding="utf-8"?>
 <p:sld xmlns:a="http://schemas.openxmlformats.org/drawingml/2006/main" xmlns:r="http://schemas.openxmlformats.org/officeDocument/2006/relationships" xmlns:p="http://schemas.openxmlformats.org/presentationml/2006/main">
   <p:cSld>
     <p:spTree>
@@ -20711,6 +20836,93 @@
       </p:grpSpPr>
       <p:sp>
         <p:nvSpPr>
+          <p:cNvPr id="3" name="Content Placeholder 2">
+            <a:extLst>
+              <a:ext uri="{FF2B5EF4-FFF2-40B4-BE49-F238E27FC236}">
+                <a16:creationId xmlns:a16="http://schemas.microsoft.com/office/drawing/2014/main" id="{87E342A3-10BD-22AD-A439-7555F714EA65}"/>
+              </a:ext>
+            </a:extLst>
+          </p:cNvPr>
+          <p:cNvSpPr>
+            <a:spLocks noGrp="1"/>
+          </p:cNvSpPr>
+          <p:nvPr>
+            <p:ph idx="1"/>
+          </p:nvPr>
+        </p:nvSpPr>
+        <p:spPr>
+          <a:xfrm>
+            <a:off x="838200" y="417443"/>
+            <a:ext cx="10515600" cy="5759520"/>
+          </a:xfrm>
+        </p:spPr>
+        <p:txBody>
+          <a:bodyPr anchor="ctr">
+            <a:normAutofit/>
+          </a:bodyPr>
+          <a:lstStyle/>
+          <a:p>
+            <a:pPr marL="0" indent="0" algn="ctr">
+              <a:buNone/>
+            </a:pPr>
+            <a:r>
+              <a:rPr lang="en-US" sz="8000" b="1" dirty="0"/>
+              <a:t>When I taught </a:t>
+            </a:r>
+          </a:p>
+          <a:p>
+            <a:pPr marL="0" indent="0" algn="ctr">
+              <a:buNone/>
+            </a:pPr>
+            <a:r>
+              <a:rPr lang="en-US" sz="8000" b="1" dirty="0"/>
+              <a:t>Java Collections</a:t>
+            </a:r>
+          </a:p>
+          <a:p>
+            <a:pPr marL="0" indent="0" algn="ctr">
+              <a:buNone/>
+            </a:pPr>
+            <a:r>
+              <a:rPr lang="en-US" sz="8000" b="1" dirty="0"/>
+              <a:t>. . .</a:t>
+            </a:r>
+            <a:endParaRPr lang="en-CA" sz="8000" b="1" dirty="0"/>
+          </a:p>
+        </p:txBody>
+      </p:sp>
+    </p:spTree>
+    <p:extLst>
+      <p:ext uri="{BB962C8B-B14F-4D97-AF65-F5344CB8AC3E}">
+        <p14:creationId xmlns:p14="http://schemas.microsoft.com/office/powerpoint/2010/main" val="2299448504"/>
+      </p:ext>
+    </p:extLst>
+  </p:cSld>
+  <p:clrMapOvr>
+    <a:masterClrMapping/>
+  </p:clrMapOvr>
+</p:sld>
+</file>
+
+<file path=ppt/slides/slide5.xml><?xml version="1.0" encoding="utf-8"?>
+<p:sld xmlns:a="http://schemas.openxmlformats.org/drawingml/2006/main" xmlns:r="http://schemas.openxmlformats.org/officeDocument/2006/relationships" xmlns:p="http://schemas.openxmlformats.org/presentationml/2006/main">
+  <p:cSld>
+    <p:spTree>
+      <p:nvGrpSpPr>
+        <p:cNvPr id="1" name=""/>
+        <p:cNvGrpSpPr/>
+        <p:nvPr/>
+      </p:nvGrpSpPr>
+      <p:grpSpPr>
+        <a:xfrm>
+          <a:off x="0" y="0"/>
+          <a:ext cx="0" cy="0"/>
+          <a:chOff x="0" y="0"/>
+          <a:chExt cx="0" cy="0"/>
+        </a:xfrm>
+      </p:grpSpPr>
+      <p:sp>
+        <p:nvSpPr>
           <p:cNvPr id="2" name="Title 1"/>
           <p:cNvSpPr>
             <a:spLocks noGrp="1"/>
@@ -22850,7 +23062,7 @@
 </p:sld>
 </file>
 
-<file path=ppt/slides/slide5.xml><?xml version="1.0" encoding="utf-8"?>
+<file path=ppt/slides/slide6.xml><?xml version="1.0" encoding="utf-8"?>
 <p:sld xmlns:a="http://schemas.openxmlformats.org/drawingml/2006/main" xmlns:r="http://schemas.openxmlformats.org/officeDocument/2006/relationships" xmlns:p="http://schemas.openxmlformats.org/presentationml/2006/main">
   <p:cSld>
     <p:spTree>
@@ -23917,7 +24129,7 @@
 </p:sld>
 </file>
 
-<file path=ppt/slides/slide6.xml><?xml version="1.0" encoding="utf-8"?>
+<file path=ppt/slides/slide7.xml><?xml version="1.0" encoding="utf-8"?>
 <p:sld xmlns:a="http://schemas.openxmlformats.org/drawingml/2006/main" xmlns:r="http://schemas.openxmlformats.org/officeDocument/2006/relationships" xmlns:p="http://schemas.openxmlformats.org/presentationml/2006/main">
   <p:cSld>
     <p:spTree>
@@ -27742,7 +27954,7 @@
 </p:sld>
 </file>
 
-<file path=ppt/slides/slide7.xml><?xml version="1.0" encoding="utf-8"?>
+<file path=ppt/slides/slide8.xml><?xml version="1.0" encoding="utf-8"?>
 <p:sld xmlns:a="http://schemas.openxmlformats.org/drawingml/2006/main" xmlns:r="http://schemas.openxmlformats.org/officeDocument/2006/relationships" xmlns:p="http://schemas.openxmlformats.org/presentationml/2006/main">
   <p:cSld>
     <p:spTree>
@@ -27887,7 +28099,7 @@
 </p:sld>
 </file>
 
-<file path=ppt/slides/slide8.xml><?xml version="1.0" encoding="utf-8"?>
+<file path=ppt/slides/slide9.xml><?xml version="1.0" encoding="utf-8"?>
 <p:sld xmlns:a="http://schemas.openxmlformats.org/drawingml/2006/main" xmlns:r="http://schemas.openxmlformats.org/officeDocument/2006/relationships" xmlns:p="http://schemas.openxmlformats.org/presentationml/2006/main">
   <p:cSld>
     <p:spTree>
@@ -27970,101 +28182,6 @@
     <p:extLst>
       <p:ext uri="{BB962C8B-B14F-4D97-AF65-F5344CB8AC3E}">
         <p14:creationId xmlns:p14="http://schemas.microsoft.com/office/powerpoint/2010/main" val="4022470092"/>
-      </p:ext>
-    </p:extLst>
-  </p:cSld>
-  <p:clrMapOvr>
-    <a:masterClrMapping/>
-  </p:clrMapOvr>
-</p:sld>
-</file>
-
-<file path=ppt/slides/slide9.xml><?xml version="1.0" encoding="utf-8"?>
-<p:sld xmlns:a="http://schemas.openxmlformats.org/drawingml/2006/main" xmlns:r="http://schemas.openxmlformats.org/officeDocument/2006/relationships" xmlns:p="http://schemas.openxmlformats.org/presentationml/2006/main">
-  <p:cSld>
-    <p:spTree>
-      <p:nvGrpSpPr>
-        <p:cNvPr id="1" name=""/>
-        <p:cNvGrpSpPr/>
-        <p:nvPr/>
-      </p:nvGrpSpPr>
-      <p:grpSpPr>
-        <a:xfrm>
-          <a:off x="0" y="0"/>
-          <a:ext cx="0" cy="0"/>
-          <a:chOff x="0" y="0"/>
-          <a:chExt cx="0" cy="0"/>
-        </a:xfrm>
-      </p:grpSpPr>
-      <p:sp>
-        <p:nvSpPr>
-          <p:cNvPr id="2" name="Title 1">
-            <a:extLst>
-              <a:ext uri="{FF2B5EF4-FFF2-40B4-BE49-F238E27FC236}">
-                <a16:creationId xmlns:a16="http://schemas.microsoft.com/office/drawing/2014/main" id="{ABFE8A50-2D2F-6978-93E7-70BC3DF25096}"/>
-              </a:ext>
-            </a:extLst>
-          </p:cNvPr>
-          <p:cNvSpPr>
-            <a:spLocks noGrp="1"/>
-          </p:cNvSpPr>
-          <p:nvPr>
-            <p:ph type="title"/>
-          </p:nvPr>
-        </p:nvSpPr>
-        <p:spPr>
-          <a:xfrm>
-            <a:off x="907774" y="225978"/>
-            <a:ext cx="10376451" cy="807692"/>
-          </a:xfrm>
-        </p:spPr>
-        <p:txBody>
-          <a:bodyPr>
-            <a:noAutofit/>
-          </a:bodyPr>
-          <a:lstStyle/>
-          <a:p>
-            <a:r>
-              <a:rPr lang="en-US" sz="5400" b="1" dirty="0"/>
-              <a:t>Let us look at my first version</a:t>
-            </a:r>
-            <a:endParaRPr lang="en-CA" sz="5400" b="1" dirty="0"/>
-          </a:p>
-        </p:txBody>
-      </p:sp>
-      <p:pic>
-        <p:nvPicPr>
-          <p:cNvPr id="5" name="Content Placeholder 4">
-            <a:extLst>
-              <a:ext uri="{FF2B5EF4-FFF2-40B4-BE49-F238E27FC236}">
-                <a16:creationId xmlns:a16="http://schemas.microsoft.com/office/drawing/2014/main" id="{82328E2A-826F-D63F-1A2B-04FA4BC7D93B}"/>
-              </a:ext>
-            </a:extLst>
-          </p:cNvPr>
-          <p:cNvPicPr>
-            <a:picLocks noGrp="1" noChangeAspect="1"/>
-          </p:cNvPicPr>
-          <p:nvPr>
-            <p:ph idx="1"/>
-          </p:nvPr>
-        </p:nvPicPr>
-        <p:blipFill>
-          <a:blip r:embed="rId2"/>
-          <a:stretch>
-            <a:fillRect/>
-          </a:stretch>
-        </p:blipFill>
-        <p:spPr>
-          <a:xfrm>
-            <a:off x="2680920" y="1490870"/>
-            <a:ext cx="7301229" cy="5367129"/>
-          </a:xfrm>
-        </p:spPr>
-      </p:pic>
-    </p:spTree>
-    <p:extLst>
-      <p:ext uri="{BB962C8B-B14F-4D97-AF65-F5344CB8AC3E}">
-        <p14:creationId xmlns:p14="http://schemas.microsoft.com/office/powerpoint/2010/main" val="3610394900"/>
       </p:ext>
     </p:extLst>
   </p:cSld>
